--- a/2. 발표자료/PC조립 헬퍼 최종본.pptx
+++ b/2. 발표자료/PC조립 헬퍼 최종본.pptx
@@ -7,10 +7,17 @@
   <p:sldIdLst>
     <p:sldId id="256" r:id="rId2"/>
     <p:sldId id="257" r:id="rId3"/>
-    <p:sldId id="258" r:id="rId4"/>
-    <p:sldId id="259" r:id="rId5"/>
-    <p:sldId id="260" r:id="rId6"/>
-    <p:sldId id="261" r:id="rId7"/>
+    <p:sldId id="263" r:id="rId4"/>
+    <p:sldId id="264" r:id="rId5"/>
+    <p:sldId id="267" r:id="rId6"/>
+    <p:sldId id="268" r:id="rId7"/>
+    <p:sldId id="270" r:id="rId8"/>
+    <p:sldId id="265" r:id="rId9"/>
+    <p:sldId id="266" r:id="rId10"/>
+    <p:sldId id="258" r:id="rId11"/>
+    <p:sldId id="259" r:id="rId12"/>
+    <p:sldId id="260" r:id="rId13"/>
+    <p:sldId id="261" r:id="rId14"/>
   </p:sldIdLst>
   <p:sldSz cx="12192000" cy="6858000"/>
   <p:notesSz cx="6858000" cy="9144000"/>
@@ -109,6 +116,11 @@
       </a:defRPr>
     </a:lvl9pPr>
   </p:defaultTextStyle>
+  <p:extLst>
+    <p:ext uri="{EFAFB233-063F-42B5-8137-9DF3F51BA10A}">
+      <p15:sldGuideLst xmlns:p15="http://schemas.microsoft.com/office/powerpoint/2012/main"/>
+    </p:ext>
+  </p:extLst>
 </p:presentation>
 </file>
 
@@ -259,7 +271,7 @@
           <a:p>
             <a:fld id="{AC76CFCF-83B8-4F35-99CC-FB8B99A66CBB}" type="datetimeFigureOut">
               <a:rPr lang="ko-KR" altLang="en-US" smtClean="0"/>
-              <a:t>2019-10-16</a:t>
+              <a:t>2019-10-17</a:t>
             </a:fld>
             <a:endParaRPr lang="ko-KR" altLang="en-US"/>
           </a:p>
@@ -457,7 +469,7 @@
           <a:p>
             <a:fld id="{AC76CFCF-83B8-4F35-99CC-FB8B99A66CBB}" type="datetimeFigureOut">
               <a:rPr lang="ko-KR" altLang="en-US" smtClean="0"/>
-              <a:t>2019-10-16</a:t>
+              <a:t>2019-10-17</a:t>
             </a:fld>
             <a:endParaRPr lang="ko-KR" altLang="en-US"/>
           </a:p>
@@ -665,7 +677,7 @@
           <a:p>
             <a:fld id="{AC76CFCF-83B8-4F35-99CC-FB8B99A66CBB}" type="datetimeFigureOut">
               <a:rPr lang="ko-KR" altLang="en-US" smtClean="0"/>
-              <a:t>2019-10-16</a:t>
+              <a:t>2019-10-17</a:t>
             </a:fld>
             <a:endParaRPr lang="ko-KR" altLang="en-US"/>
           </a:p>
@@ -863,7 +875,7 @@
           <a:p>
             <a:fld id="{AC76CFCF-83B8-4F35-99CC-FB8B99A66CBB}" type="datetimeFigureOut">
               <a:rPr lang="ko-KR" altLang="en-US" smtClean="0"/>
-              <a:t>2019-10-16</a:t>
+              <a:t>2019-10-17</a:t>
             </a:fld>
             <a:endParaRPr lang="ko-KR" altLang="en-US"/>
           </a:p>
@@ -1138,7 +1150,7 @@
           <a:p>
             <a:fld id="{AC76CFCF-83B8-4F35-99CC-FB8B99A66CBB}" type="datetimeFigureOut">
               <a:rPr lang="ko-KR" altLang="en-US" smtClean="0"/>
-              <a:t>2019-10-16</a:t>
+              <a:t>2019-10-17</a:t>
             </a:fld>
             <a:endParaRPr lang="ko-KR" altLang="en-US"/>
           </a:p>
@@ -1403,7 +1415,7 @@
           <a:p>
             <a:fld id="{AC76CFCF-83B8-4F35-99CC-FB8B99A66CBB}" type="datetimeFigureOut">
               <a:rPr lang="ko-KR" altLang="en-US" smtClean="0"/>
-              <a:t>2019-10-16</a:t>
+              <a:t>2019-10-17</a:t>
             </a:fld>
             <a:endParaRPr lang="ko-KR" altLang="en-US"/>
           </a:p>
@@ -1815,7 +1827,7 @@
           <a:p>
             <a:fld id="{AC76CFCF-83B8-4F35-99CC-FB8B99A66CBB}" type="datetimeFigureOut">
               <a:rPr lang="ko-KR" altLang="en-US" smtClean="0"/>
-              <a:t>2019-10-16</a:t>
+              <a:t>2019-10-17</a:t>
             </a:fld>
             <a:endParaRPr lang="ko-KR" altLang="en-US"/>
           </a:p>
@@ -1956,7 +1968,7 @@
           <a:p>
             <a:fld id="{AC76CFCF-83B8-4F35-99CC-FB8B99A66CBB}" type="datetimeFigureOut">
               <a:rPr lang="ko-KR" altLang="en-US" smtClean="0"/>
-              <a:t>2019-10-16</a:t>
+              <a:t>2019-10-17</a:t>
             </a:fld>
             <a:endParaRPr lang="ko-KR" altLang="en-US"/>
           </a:p>
@@ -2069,7 +2081,7 @@
           <a:p>
             <a:fld id="{AC76CFCF-83B8-4F35-99CC-FB8B99A66CBB}" type="datetimeFigureOut">
               <a:rPr lang="ko-KR" altLang="en-US" smtClean="0"/>
-              <a:t>2019-10-16</a:t>
+              <a:t>2019-10-17</a:t>
             </a:fld>
             <a:endParaRPr lang="ko-KR" altLang="en-US"/>
           </a:p>
@@ -2380,7 +2392,7 @@
           <a:p>
             <a:fld id="{AC76CFCF-83B8-4F35-99CC-FB8B99A66CBB}" type="datetimeFigureOut">
               <a:rPr lang="ko-KR" altLang="en-US" smtClean="0"/>
-              <a:t>2019-10-16</a:t>
+              <a:t>2019-10-17</a:t>
             </a:fld>
             <a:endParaRPr lang="ko-KR" altLang="en-US"/>
           </a:p>
@@ -2668,7 +2680,7 @@
           <a:p>
             <a:fld id="{AC76CFCF-83B8-4F35-99CC-FB8B99A66CBB}" type="datetimeFigureOut">
               <a:rPr lang="ko-KR" altLang="en-US" smtClean="0"/>
-              <a:t>2019-10-16</a:t>
+              <a:t>2019-10-17</a:t>
             </a:fld>
             <a:endParaRPr lang="ko-KR" altLang="en-US"/>
           </a:p>
@@ -2909,7 +2921,7 @@
           <a:p>
             <a:fld id="{AC76CFCF-83B8-4F35-99CC-FB8B99A66CBB}" type="datetimeFigureOut">
               <a:rPr lang="ko-KR" altLang="en-US" smtClean="0"/>
-              <a:t>2019-10-16</a:t>
+              <a:t>2019-10-17</a:t>
             </a:fld>
             <a:endParaRPr lang="ko-KR" altLang="en-US"/>
           </a:p>
@@ -3543,6 +3555,865 @@
 </p:sld>
 </file>
 
+<file path=ppt/slides/slide10.xml><?xml version="1.0" encoding="utf-8"?>
+<p:sld xmlns:a="http://schemas.openxmlformats.org/drawingml/2006/main" xmlns:r="http://schemas.openxmlformats.org/officeDocument/2006/relationships" xmlns:p="http://schemas.openxmlformats.org/presentationml/2006/main">
+  <p:cSld>
+    <p:spTree>
+      <p:nvGrpSpPr>
+        <p:cNvPr id="1" name=""/>
+        <p:cNvGrpSpPr/>
+        <p:nvPr/>
+      </p:nvGrpSpPr>
+      <p:grpSpPr>
+        <a:xfrm>
+          <a:off x="0" y="0"/>
+          <a:ext cx="0" cy="0"/>
+          <a:chOff x="0" y="0"/>
+          <a:chExt cx="0" cy="0"/>
+        </a:xfrm>
+      </p:grpSpPr>
+      <p:sp>
+        <p:nvSpPr>
+          <p:cNvPr id="2" name="제목 1">
+            <a:extLst>
+              <a:ext uri="{FF2B5EF4-FFF2-40B4-BE49-F238E27FC236}">
+                <a16:creationId xmlns:a16="http://schemas.microsoft.com/office/drawing/2014/main" id="{7218F767-9438-4106-A79F-BCEA6D682603}"/>
+              </a:ext>
+            </a:extLst>
+          </p:cNvPr>
+          <p:cNvSpPr>
+            <a:spLocks noGrp="1"/>
+          </p:cNvSpPr>
+          <p:nvPr>
+            <p:ph type="title"/>
+          </p:nvPr>
+        </p:nvSpPr>
+        <p:spPr/>
+        <p:txBody>
+          <a:bodyPr/>
+          <a:lstStyle/>
+          <a:p>
+            <a:r>
+              <a:rPr lang="en-US" altLang="ko-KR" dirty="0"/>
+              <a:t>1. </a:t>
+            </a:r>
+            <a:r>
+              <a:rPr lang="ko-KR" altLang="en-US" dirty="0"/>
+              <a:t>목적</a:t>
+            </a:r>
+          </a:p>
+        </p:txBody>
+      </p:sp>
+      <p:pic>
+        <p:nvPicPr>
+          <p:cNvPr id="5" name="내용 개체 틀 4">
+            <a:extLst>
+              <a:ext uri="{FF2B5EF4-FFF2-40B4-BE49-F238E27FC236}">
+                <a16:creationId xmlns:a16="http://schemas.microsoft.com/office/drawing/2014/main" id="{3B97BB97-5A87-436D-924B-5DF33D27620D}"/>
+              </a:ext>
+            </a:extLst>
+          </p:cNvPr>
+          <p:cNvPicPr>
+            <a:picLocks noGrp="1" noChangeAspect="1"/>
+          </p:cNvPicPr>
+          <p:nvPr>
+            <p:ph idx="1"/>
+          </p:nvPr>
+        </p:nvPicPr>
+        <p:blipFill>
+          <a:blip r:embed="rId2">
+            <a:extLst>
+              <a:ext uri="{28A0092B-C50C-407E-A947-70E740481C1C}">
+                <a14:useLocalDpi xmlns:a14="http://schemas.microsoft.com/office/drawing/2010/main" val="0"/>
+              </a:ext>
+            </a:extLst>
+          </a:blip>
+          <a:stretch>
+            <a:fillRect/>
+          </a:stretch>
+        </p:blipFill>
+        <p:spPr>
+          <a:xfrm>
+            <a:off x="838200" y="2247095"/>
+            <a:ext cx="3833813" cy="3833813"/>
+          </a:xfrm>
+        </p:spPr>
+      </p:pic>
+      <p:pic>
+        <p:nvPicPr>
+          <p:cNvPr id="7" name="그림 6">
+            <a:extLst>
+              <a:ext uri="{FF2B5EF4-FFF2-40B4-BE49-F238E27FC236}">
+                <a16:creationId xmlns:a16="http://schemas.microsoft.com/office/drawing/2014/main" id="{8AE17114-844A-4E66-8A7F-A540063F9560}"/>
+              </a:ext>
+            </a:extLst>
+          </p:cNvPr>
+          <p:cNvPicPr>
+            <a:picLocks noChangeAspect="1"/>
+          </p:cNvPicPr>
+          <p:nvPr/>
+        </p:nvPicPr>
+        <p:blipFill>
+          <a:blip r:embed="rId3">
+            <a:extLst>
+              <a:ext uri="{28A0092B-C50C-407E-A947-70E740481C1C}">
+                <a14:useLocalDpi xmlns:a14="http://schemas.microsoft.com/office/drawing/2010/main" val="0"/>
+              </a:ext>
+            </a:extLst>
+          </a:blip>
+          <a:stretch>
+            <a:fillRect/>
+          </a:stretch>
+        </p:blipFill>
+        <p:spPr>
+          <a:xfrm>
+            <a:off x="3954780" y="1112044"/>
+            <a:ext cx="1764030" cy="1764030"/>
+          </a:xfrm>
+          <a:prstGeom prst="rect">
+            <a:avLst/>
+          </a:prstGeom>
+        </p:spPr>
+      </p:pic>
+      <p:sp>
+        <p:nvSpPr>
+          <p:cNvPr id="8" name="TextBox 7">
+            <a:extLst>
+              <a:ext uri="{FF2B5EF4-FFF2-40B4-BE49-F238E27FC236}">
+                <a16:creationId xmlns:a16="http://schemas.microsoft.com/office/drawing/2014/main" id="{1F6B4D3F-6ACB-466B-A4AF-7E63E946E6ED}"/>
+              </a:ext>
+            </a:extLst>
+          </p:cNvPr>
+          <p:cNvSpPr txBox="1"/>
+          <p:nvPr/>
+        </p:nvSpPr>
+        <p:spPr>
+          <a:xfrm>
+            <a:off x="6349253" y="2085135"/>
+            <a:ext cx="4792980" cy="3046988"/>
+          </a:xfrm>
+          <a:prstGeom prst="rect">
+            <a:avLst/>
+          </a:prstGeom>
+          <a:noFill/>
+        </p:spPr>
+        <p:txBody>
+          <a:bodyPr wrap="square" rtlCol="0">
+            <a:spAutoFit/>
+          </a:bodyPr>
+          <a:lstStyle/>
+          <a:p>
+            <a:r>
+              <a:rPr lang="ko-KR" altLang="en-US" sz="2400" b="1" dirty="0"/>
+              <a:t>대상</a:t>
+            </a:r>
+            <a:r>
+              <a:rPr lang="ko-KR" altLang="en-US" sz="2400" dirty="0"/>
+              <a:t> </a:t>
+            </a:r>
+            <a:r>
+              <a:rPr lang="en-US" altLang="ko-KR" sz="2400" dirty="0"/>
+              <a:t>: PC</a:t>
+            </a:r>
+            <a:r>
+              <a:rPr lang="ko-KR" altLang="en-US" sz="2400" dirty="0"/>
+              <a:t> 조립의 초심자</a:t>
+            </a:r>
+            <a:endParaRPr lang="en-US" altLang="ko-KR" sz="2400" dirty="0"/>
+          </a:p>
+          <a:p>
+            <a:endParaRPr lang="en-US" altLang="ko-KR" sz="2400" dirty="0"/>
+          </a:p>
+          <a:p>
+            <a:endParaRPr lang="en-US" altLang="ko-KR" sz="2400" dirty="0"/>
+          </a:p>
+          <a:p>
+            <a:r>
+              <a:rPr lang="ko-KR" altLang="en-US" sz="2400" b="1" dirty="0"/>
+              <a:t>목적</a:t>
+            </a:r>
+            <a:r>
+              <a:rPr lang="ko-KR" altLang="en-US" sz="2400" dirty="0"/>
+              <a:t> </a:t>
+            </a:r>
+            <a:r>
+              <a:rPr lang="en-US" altLang="ko-KR" sz="2400" dirty="0"/>
+              <a:t>: Object Detection</a:t>
+            </a:r>
+            <a:r>
+              <a:rPr lang="ko-KR" altLang="en-US" sz="2400" dirty="0"/>
+              <a:t>을 통한 컴퓨터 조립을 도와주는 프로그램</a:t>
+            </a:r>
+            <a:endParaRPr lang="en-US" altLang="ko-KR" sz="2400" dirty="0"/>
+          </a:p>
+          <a:p>
+            <a:endParaRPr lang="en-US" altLang="ko-KR" dirty="0"/>
+          </a:p>
+          <a:p>
+            <a:r>
+              <a:rPr lang="en-US" altLang="ko-KR" dirty="0"/>
+              <a:t>        </a:t>
+            </a:r>
+          </a:p>
+          <a:p>
+            <a:pPr marL="285750" indent="-285750">
+              <a:buFontTx/>
+              <a:buChar char="-"/>
+            </a:pPr>
+            <a:endParaRPr lang="en-US" altLang="ko-KR" dirty="0"/>
+          </a:p>
+          <a:p>
+            <a:endParaRPr lang="ko-KR" altLang="en-US" dirty="0"/>
+          </a:p>
+        </p:txBody>
+      </p:sp>
+    </p:spTree>
+    <p:extLst>
+      <p:ext uri="{BB962C8B-B14F-4D97-AF65-F5344CB8AC3E}">
+        <p14:creationId xmlns:p14="http://schemas.microsoft.com/office/powerpoint/2010/main" val="1301784816"/>
+      </p:ext>
+    </p:extLst>
+  </p:cSld>
+  <p:clrMapOvr>
+    <a:masterClrMapping/>
+  </p:clrMapOvr>
+</p:sld>
+</file>
+
+<file path=ppt/slides/slide11.xml><?xml version="1.0" encoding="utf-8"?>
+<p:sld xmlns:a="http://schemas.openxmlformats.org/drawingml/2006/main" xmlns:r="http://schemas.openxmlformats.org/officeDocument/2006/relationships" xmlns:p="http://schemas.openxmlformats.org/presentationml/2006/main">
+  <p:cSld>
+    <p:spTree>
+      <p:nvGrpSpPr>
+        <p:cNvPr id="1" name=""/>
+        <p:cNvGrpSpPr/>
+        <p:nvPr/>
+      </p:nvGrpSpPr>
+      <p:grpSpPr>
+        <a:xfrm>
+          <a:off x="0" y="0"/>
+          <a:ext cx="0" cy="0"/>
+          <a:chOff x="0" y="0"/>
+          <a:chExt cx="0" cy="0"/>
+        </a:xfrm>
+      </p:grpSpPr>
+      <p:sp>
+        <p:nvSpPr>
+          <p:cNvPr id="2" name="제목 1">
+            <a:extLst>
+              <a:ext uri="{FF2B5EF4-FFF2-40B4-BE49-F238E27FC236}">
+                <a16:creationId xmlns:a16="http://schemas.microsoft.com/office/drawing/2014/main" id="{8CD16A73-812E-4C85-BA95-D3D9D29EA21F}"/>
+              </a:ext>
+            </a:extLst>
+          </p:cNvPr>
+          <p:cNvSpPr>
+            <a:spLocks noGrp="1"/>
+          </p:cNvSpPr>
+          <p:nvPr>
+            <p:ph type="title"/>
+          </p:nvPr>
+        </p:nvSpPr>
+        <p:spPr/>
+        <p:txBody>
+          <a:bodyPr/>
+          <a:lstStyle/>
+          <a:p>
+            <a:r>
+              <a:rPr lang="en-US" altLang="ko-KR" dirty="0"/>
+              <a:t>2. </a:t>
+            </a:r>
+            <a:r>
+              <a:rPr lang="ko-KR" altLang="en-US" dirty="0"/>
+              <a:t>데이터 </a:t>
+            </a:r>
+            <a:r>
+              <a:rPr lang="ko-KR" altLang="en-US" dirty="0" err="1"/>
+              <a:t>전처리</a:t>
+            </a:r>
+            <a:endParaRPr lang="ko-KR" altLang="en-US" dirty="0"/>
+          </a:p>
+        </p:txBody>
+      </p:sp>
+      <p:sp>
+        <p:nvSpPr>
+          <p:cNvPr id="3" name="내용 개체 틀 2">
+            <a:extLst>
+              <a:ext uri="{FF2B5EF4-FFF2-40B4-BE49-F238E27FC236}">
+                <a16:creationId xmlns:a16="http://schemas.microsoft.com/office/drawing/2014/main" id="{8B15A0F7-C913-49B7-8256-776DF0A220F4}"/>
+              </a:ext>
+            </a:extLst>
+          </p:cNvPr>
+          <p:cNvSpPr>
+            <a:spLocks noGrp="1"/>
+          </p:cNvSpPr>
+          <p:nvPr>
+            <p:ph idx="1"/>
+          </p:nvPr>
+        </p:nvSpPr>
+        <p:spPr/>
+        <p:txBody>
+          <a:bodyPr/>
+          <a:lstStyle/>
+          <a:p>
+            <a:r>
+              <a:rPr lang="en-US" altLang="ko-KR" dirty="0" err="1"/>
+              <a:t>labelImg</a:t>
+            </a:r>
+            <a:r>
+              <a:rPr lang="en-US" altLang="ko-KR" dirty="0"/>
+              <a:t> </a:t>
+            </a:r>
+            <a:r>
+              <a:rPr lang="ko-KR" altLang="en-US" dirty="0"/>
+              <a:t>프로그램을 이용하여 </a:t>
+            </a:r>
+            <a:r>
+              <a:rPr lang="en-US" altLang="ko-KR" dirty="0"/>
+              <a:t>5</a:t>
+            </a:r>
+            <a:r>
+              <a:rPr lang="ko-KR" altLang="en-US" dirty="0"/>
+              <a:t>파트에 대해 </a:t>
+            </a:r>
+            <a:r>
+              <a:rPr lang="ko-KR" altLang="en-US" dirty="0" err="1"/>
+              <a:t>라벨링</a:t>
+            </a:r>
+            <a:r>
+              <a:rPr lang="ko-KR" altLang="en-US" dirty="0"/>
+              <a:t> 진행</a:t>
+            </a:r>
+            <a:endParaRPr lang="en-US" altLang="ko-KR" dirty="0"/>
+          </a:p>
+          <a:p>
+            <a:pPr lvl="1"/>
+            <a:r>
+              <a:rPr lang="en-US" altLang="ko-KR" dirty="0"/>
+              <a:t>CPU, RAM, SSD, GPU, MOTHERBOARD</a:t>
+            </a:r>
+            <a:r>
+              <a:rPr lang="ko-KR" altLang="en-US" dirty="0"/>
+              <a:t>에 대해 </a:t>
+            </a:r>
+            <a:r>
+              <a:rPr lang="ko-KR" altLang="en-US" dirty="0" err="1"/>
+              <a:t>라벨링</a:t>
+            </a:r>
+            <a:endParaRPr lang="en-US" altLang="ko-KR" dirty="0"/>
+          </a:p>
+          <a:p>
+            <a:pPr lvl="1"/>
+            <a:endParaRPr lang="en-US" altLang="ko-KR" dirty="0"/>
+          </a:p>
+          <a:p>
+            <a:r>
+              <a:rPr lang="en-US" altLang="ko-KR" dirty="0" err="1"/>
+              <a:t>PascalVOC</a:t>
+            </a:r>
+            <a:r>
+              <a:rPr lang="ko-KR" altLang="en-US" dirty="0"/>
+              <a:t>를 포맷으로 </a:t>
+            </a:r>
+            <a:r>
+              <a:rPr lang="ko-KR" altLang="en-US" dirty="0" err="1"/>
+              <a:t>라벨링</a:t>
+            </a:r>
+            <a:r>
+              <a:rPr lang="ko-KR" altLang="en-US" dirty="0"/>
+              <a:t> 후 </a:t>
+            </a:r>
+            <a:r>
+              <a:rPr lang="en-US" altLang="ko-KR" dirty="0"/>
+              <a:t>YOLO </a:t>
+            </a:r>
+            <a:r>
+              <a:rPr lang="ko-KR" altLang="en-US" dirty="0"/>
+              <a:t>포맷으로 </a:t>
+            </a:r>
+            <a:r>
+              <a:rPr lang="ko-KR" altLang="en-US" dirty="0" err="1"/>
+              <a:t>컨버팅</a:t>
+            </a:r>
+            <a:r>
+              <a:rPr lang="ko-KR" altLang="en-US" dirty="0"/>
+              <a:t> 파일 생성</a:t>
+            </a:r>
+            <a:endParaRPr lang="en-US" altLang="ko-KR" dirty="0"/>
+          </a:p>
+          <a:p>
+            <a:endParaRPr lang="en-US" altLang="ko-KR" dirty="0"/>
+          </a:p>
+          <a:p>
+            <a:r>
+              <a:rPr lang="ko-KR" altLang="en-US" dirty="0" err="1"/>
+              <a:t>전처리</a:t>
+            </a:r>
+            <a:r>
+              <a:rPr lang="ko-KR" altLang="en-US" dirty="0"/>
+              <a:t> 필요 </a:t>
+            </a:r>
+            <a:r>
+              <a:rPr lang="en-US" altLang="ko-KR" dirty="0"/>
+              <a:t>3</a:t>
+            </a:r>
+            <a:r>
+              <a:rPr lang="ko-KR" altLang="en-US" dirty="0"/>
+              <a:t>가지 파일 생성</a:t>
+            </a:r>
+            <a:endParaRPr lang="en-US" altLang="ko-KR" dirty="0"/>
+          </a:p>
+          <a:p>
+            <a:pPr lvl="1"/>
+            <a:r>
+              <a:rPr lang="en-US" altLang="ko-KR" dirty="0" err="1"/>
+              <a:t>RCnn</a:t>
+            </a:r>
+            <a:r>
+              <a:rPr lang="en-US" altLang="ko-KR" dirty="0"/>
+              <a:t> – </a:t>
+            </a:r>
+            <a:r>
+              <a:rPr lang="ko-KR" altLang="en-US" dirty="0" err="1"/>
+              <a:t>다크넷</a:t>
+            </a:r>
+            <a:r>
+              <a:rPr lang="ko-KR" altLang="en-US" dirty="0"/>
+              <a:t> </a:t>
+            </a:r>
+            <a:r>
+              <a:rPr lang="en-US" altLang="ko-KR" dirty="0"/>
+              <a:t>/ config</a:t>
+            </a:r>
+            <a:r>
+              <a:rPr lang="ko-KR" altLang="en-US" dirty="0"/>
+              <a:t>파일</a:t>
+            </a:r>
+            <a:r>
+              <a:rPr lang="en-US" altLang="ko-KR" dirty="0"/>
+              <a:t>, </a:t>
+            </a:r>
+            <a:r>
+              <a:rPr lang="ko-KR" altLang="en-US" dirty="0" err="1"/>
+              <a:t>라벨링</a:t>
+            </a:r>
+            <a:r>
+              <a:rPr lang="ko-KR" altLang="en-US" dirty="0"/>
+              <a:t> 된 텍스트 클래스 파일</a:t>
+            </a:r>
+            <a:endParaRPr lang="en-US" altLang="ko-KR" dirty="0"/>
+          </a:p>
+          <a:p>
+            <a:r>
+              <a:rPr lang="ko-KR" altLang="en-US" dirty="0"/>
+              <a:t>클래스 지정파일</a:t>
+            </a:r>
+            <a:endParaRPr lang="en-US" altLang="ko-KR" dirty="0"/>
+          </a:p>
+          <a:p>
+            <a:endParaRPr lang="en-US" altLang="ko-KR" dirty="0"/>
+          </a:p>
+        </p:txBody>
+      </p:sp>
+    </p:spTree>
+    <p:extLst>
+      <p:ext uri="{BB962C8B-B14F-4D97-AF65-F5344CB8AC3E}">
+        <p14:creationId xmlns:p14="http://schemas.microsoft.com/office/powerpoint/2010/main" val="1106869274"/>
+      </p:ext>
+    </p:extLst>
+  </p:cSld>
+  <p:clrMapOvr>
+    <a:masterClrMapping/>
+  </p:clrMapOvr>
+</p:sld>
+</file>
+
+<file path=ppt/slides/slide12.xml><?xml version="1.0" encoding="utf-8"?>
+<p:sld xmlns:a="http://schemas.openxmlformats.org/drawingml/2006/main" xmlns:r="http://schemas.openxmlformats.org/officeDocument/2006/relationships" xmlns:p="http://schemas.openxmlformats.org/presentationml/2006/main">
+  <p:cSld>
+    <p:spTree>
+      <p:nvGrpSpPr>
+        <p:cNvPr id="1" name=""/>
+        <p:cNvGrpSpPr/>
+        <p:nvPr/>
+      </p:nvGrpSpPr>
+      <p:grpSpPr>
+        <a:xfrm>
+          <a:off x="0" y="0"/>
+          <a:ext cx="0" cy="0"/>
+          <a:chOff x="0" y="0"/>
+          <a:chExt cx="0" cy="0"/>
+        </a:xfrm>
+      </p:grpSpPr>
+      <p:sp>
+        <p:nvSpPr>
+          <p:cNvPr id="2" name="제목 1">
+            <a:extLst>
+              <a:ext uri="{FF2B5EF4-FFF2-40B4-BE49-F238E27FC236}">
+                <a16:creationId xmlns:a16="http://schemas.microsoft.com/office/drawing/2014/main" id="{B45850FC-BDC9-4302-AF00-448E18886180}"/>
+              </a:ext>
+            </a:extLst>
+          </p:cNvPr>
+          <p:cNvSpPr>
+            <a:spLocks noGrp="1"/>
+          </p:cNvSpPr>
+          <p:nvPr>
+            <p:ph type="title"/>
+          </p:nvPr>
+        </p:nvSpPr>
+        <p:spPr/>
+        <p:txBody>
+          <a:bodyPr/>
+          <a:lstStyle/>
+          <a:p>
+            <a:r>
+              <a:rPr lang="en-US" altLang="ko-KR" dirty="0"/>
+              <a:t>3. </a:t>
+            </a:r>
+            <a:r>
+              <a:rPr lang="ko-KR" altLang="en-US" dirty="0"/>
+              <a:t>트레이닝</a:t>
+            </a:r>
+          </a:p>
+        </p:txBody>
+      </p:sp>
+      <p:sp>
+        <p:nvSpPr>
+          <p:cNvPr id="3" name="내용 개체 틀 2">
+            <a:extLst>
+              <a:ext uri="{FF2B5EF4-FFF2-40B4-BE49-F238E27FC236}">
+                <a16:creationId xmlns:a16="http://schemas.microsoft.com/office/drawing/2014/main" id="{175EB1B1-061C-4FD9-B74C-6DE311C27B0B}"/>
+              </a:ext>
+            </a:extLst>
+          </p:cNvPr>
+          <p:cNvSpPr>
+            <a:spLocks noGrp="1"/>
+          </p:cNvSpPr>
+          <p:nvPr>
+            <p:ph idx="1"/>
+          </p:nvPr>
+        </p:nvSpPr>
+        <p:spPr/>
+        <p:txBody>
+          <a:bodyPr/>
+          <a:lstStyle/>
+          <a:p>
+            <a:r>
+              <a:rPr lang="ko-KR" altLang="en-US" dirty="0"/>
+              <a:t>위 </a:t>
+            </a:r>
+            <a:r>
+              <a:rPr lang="en-US" altLang="ko-KR" dirty="0"/>
+              <a:t>3</a:t>
+            </a:r>
+            <a:r>
+              <a:rPr lang="ko-KR" altLang="en-US" dirty="0"/>
+              <a:t>가지 파일을 통해 학습</a:t>
+            </a:r>
+            <a:r>
+              <a:rPr lang="en-US" altLang="ko-KR" dirty="0"/>
+              <a:t>/ weight</a:t>
+            </a:r>
+            <a:r>
+              <a:rPr lang="ko-KR" altLang="en-US" dirty="0"/>
+              <a:t>가 도출된다</a:t>
+            </a:r>
+            <a:r>
+              <a:rPr lang="en-US" altLang="ko-KR" dirty="0"/>
+              <a:t>.</a:t>
+            </a:r>
+          </a:p>
+          <a:p>
+            <a:endParaRPr lang="en-US" altLang="ko-KR" dirty="0"/>
+          </a:p>
+          <a:p>
+            <a:r>
+              <a:rPr lang="ko-KR" altLang="en-US" dirty="0"/>
+              <a:t>테스트 과정에서 </a:t>
+            </a:r>
+            <a:r>
+              <a:rPr lang="en-US" altLang="ko-KR" dirty="0"/>
+              <a:t>config, weight, class </a:t>
+            </a:r>
+            <a:r>
+              <a:rPr lang="ko-KR" altLang="en-US" dirty="0"/>
+              <a:t>파일을 가지고 테스트를 함</a:t>
+            </a:r>
+            <a:endParaRPr lang="en-US" altLang="ko-KR" dirty="0"/>
+          </a:p>
+          <a:p>
+            <a:endParaRPr lang="en-US" altLang="ko-KR" dirty="0"/>
+          </a:p>
+          <a:p>
+            <a:r>
+              <a:rPr lang="ko-KR" altLang="en-US" dirty="0"/>
+              <a:t>테스트는 </a:t>
+            </a:r>
+            <a:r>
+              <a:rPr lang="en-US" altLang="ko-KR" dirty="0" err="1"/>
+              <a:t>opencv</a:t>
+            </a:r>
+            <a:r>
+              <a:rPr lang="en-US" altLang="ko-KR" dirty="0"/>
+              <a:t> </a:t>
+            </a:r>
+            <a:r>
+              <a:rPr lang="ko-KR" altLang="en-US" dirty="0"/>
+              <a:t>활용하여 동영상 </a:t>
+            </a:r>
+            <a:r>
+              <a:rPr lang="en-US" altLang="ko-KR" dirty="0"/>
+              <a:t>detection</a:t>
+            </a:r>
+            <a:r>
+              <a:rPr lang="ko-KR" altLang="en-US" dirty="0"/>
+              <a:t> </a:t>
+            </a:r>
+            <a:r>
+              <a:rPr lang="en-US" altLang="ko-KR" dirty="0"/>
+              <a:t>– </a:t>
+            </a:r>
+            <a:r>
+              <a:rPr lang="ko-KR" altLang="en-US" dirty="0"/>
+              <a:t>그 결과값을 </a:t>
+            </a:r>
+            <a:r>
+              <a:rPr lang="en-US" altLang="ko-KR" dirty="0"/>
+              <a:t>PYQT5</a:t>
+            </a:r>
+            <a:r>
+              <a:rPr lang="ko-KR" altLang="en-US" dirty="0"/>
+              <a:t>를 통해 </a:t>
+            </a:r>
+            <a:r>
+              <a:rPr lang="en-US" altLang="ko-KR" dirty="0" err="1"/>
+              <a:t>ui</a:t>
+            </a:r>
+            <a:r>
+              <a:rPr lang="ko-KR" altLang="en-US" dirty="0" err="1"/>
+              <a:t>를</a:t>
+            </a:r>
+            <a:r>
+              <a:rPr lang="ko-KR" altLang="en-US" dirty="0"/>
+              <a:t> 구성하여 출력</a:t>
+            </a:r>
+          </a:p>
+        </p:txBody>
+      </p:sp>
+    </p:spTree>
+    <p:extLst>
+      <p:ext uri="{BB962C8B-B14F-4D97-AF65-F5344CB8AC3E}">
+        <p14:creationId xmlns:p14="http://schemas.microsoft.com/office/powerpoint/2010/main" val="2234637163"/>
+      </p:ext>
+    </p:extLst>
+  </p:cSld>
+  <p:clrMapOvr>
+    <a:masterClrMapping/>
+  </p:clrMapOvr>
+</p:sld>
+</file>
+
+<file path=ppt/slides/slide13.xml><?xml version="1.0" encoding="utf-8"?>
+<p:sld xmlns:a="http://schemas.openxmlformats.org/drawingml/2006/main" xmlns:r="http://schemas.openxmlformats.org/officeDocument/2006/relationships" xmlns:p="http://schemas.openxmlformats.org/presentationml/2006/main">
+  <p:cSld>
+    <p:spTree>
+      <p:nvGrpSpPr>
+        <p:cNvPr id="1" name=""/>
+        <p:cNvGrpSpPr/>
+        <p:nvPr/>
+      </p:nvGrpSpPr>
+      <p:grpSpPr>
+        <a:xfrm>
+          <a:off x="0" y="0"/>
+          <a:ext cx="0" cy="0"/>
+          <a:chOff x="0" y="0"/>
+          <a:chExt cx="0" cy="0"/>
+        </a:xfrm>
+      </p:grpSpPr>
+      <p:sp>
+        <p:nvSpPr>
+          <p:cNvPr id="2" name="제목 1">
+            <a:extLst>
+              <a:ext uri="{FF2B5EF4-FFF2-40B4-BE49-F238E27FC236}">
+                <a16:creationId xmlns:a16="http://schemas.microsoft.com/office/drawing/2014/main" id="{47B29C37-6BEE-4103-A246-AA78B0B4779B}"/>
+              </a:ext>
+            </a:extLst>
+          </p:cNvPr>
+          <p:cNvSpPr>
+            <a:spLocks noGrp="1"/>
+          </p:cNvSpPr>
+          <p:nvPr>
+            <p:ph type="title"/>
+          </p:nvPr>
+        </p:nvSpPr>
+        <p:spPr/>
+        <p:txBody>
+          <a:bodyPr/>
+          <a:lstStyle/>
+          <a:p>
+            <a:r>
+              <a:rPr lang="en-US" altLang="ko-KR" dirty="0"/>
+              <a:t>4. </a:t>
+            </a:r>
+            <a:endParaRPr lang="ko-KR" altLang="en-US" dirty="0"/>
+          </a:p>
+        </p:txBody>
+      </p:sp>
+      <p:sp>
+        <p:nvSpPr>
+          <p:cNvPr id="3" name="내용 개체 틀 2">
+            <a:extLst>
+              <a:ext uri="{FF2B5EF4-FFF2-40B4-BE49-F238E27FC236}">
+                <a16:creationId xmlns:a16="http://schemas.microsoft.com/office/drawing/2014/main" id="{FE854B7C-B423-4D23-AD9F-69AE50D0A751}"/>
+              </a:ext>
+            </a:extLst>
+          </p:cNvPr>
+          <p:cNvSpPr>
+            <a:spLocks noGrp="1"/>
+          </p:cNvSpPr>
+          <p:nvPr>
+            <p:ph idx="1"/>
+          </p:nvPr>
+        </p:nvSpPr>
+        <p:spPr>
+          <a:xfrm>
+            <a:off x="927847" y="1843554"/>
+            <a:ext cx="10515600" cy="4351338"/>
+          </a:xfrm>
+        </p:spPr>
+        <p:txBody>
+          <a:bodyPr/>
+          <a:lstStyle/>
+          <a:p>
+            <a:r>
+              <a:rPr lang="ko-KR" altLang="en-US" dirty="0"/>
+              <a:t>우리가 구현하려 했던 게 데이터가 없었음</a:t>
+            </a:r>
+            <a:r>
+              <a:rPr lang="en-US" altLang="ko-KR" dirty="0"/>
+              <a:t>, </a:t>
+            </a:r>
+            <a:r>
+              <a:rPr lang="ko-KR" altLang="en-US" dirty="0"/>
+              <a:t>그래서 직접 </a:t>
+            </a:r>
+            <a:r>
+              <a:rPr lang="en-US" altLang="ko-KR" dirty="0"/>
+              <a:t>300</a:t>
+            </a:r>
+            <a:r>
+              <a:rPr lang="ko-KR" altLang="en-US" dirty="0"/>
+              <a:t>개 가량의 </a:t>
+            </a:r>
+            <a:r>
+              <a:rPr lang="en-US" altLang="ko-KR" dirty="0"/>
+              <a:t>motherboard</a:t>
+            </a:r>
+            <a:r>
+              <a:rPr lang="ko-KR" altLang="en-US" dirty="0"/>
+              <a:t>를 구하고 </a:t>
+            </a:r>
+            <a:r>
+              <a:rPr lang="en-US" altLang="ko-KR" dirty="0"/>
+              <a:t>argumentation</a:t>
+            </a:r>
+            <a:r>
+              <a:rPr lang="ko-KR" altLang="en-US" dirty="0"/>
+              <a:t>을 통해서 </a:t>
+            </a:r>
+            <a:r>
+              <a:rPr lang="en-US" altLang="ko-KR" dirty="0"/>
+              <a:t>2000</a:t>
+            </a:r>
+            <a:r>
+              <a:rPr lang="ko-KR" altLang="en-US" dirty="0"/>
+              <a:t>개 가량의 데이터 생성 </a:t>
+            </a:r>
+            <a:r>
+              <a:rPr lang="en-US" altLang="ko-KR" dirty="0"/>
+              <a:t>/ </a:t>
+            </a:r>
+            <a:r>
+              <a:rPr lang="ko-KR" altLang="en-US" dirty="0"/>
+              <a:t>툴 사용하여 </a:t>
+            </a:r>
+            <a:r>
+              <a:rPr lang="ko-KR" altLang="en-US" dirty="0" err="1"/>
+              <a:t>라벨링</a:t>
+            </a:r>
+            <a:endParaRPr lang="en-US" altLang="ko-KR" dirty="0"/>
+          </a:p>
+          <a:p>
+            <a:endParaRPr lang="en-US" altLang="ko-KR" dirty="0"/>
+          </a:p>
+          <a:p>
+            <a:r>
+              <a:rPr lang="ko-KR" altLang="en-US" dirty="0" err="1"/>
+              <a:t>컨버팅을</a:t>
+            </a:r>
+            <a:r>
+              <a:rPr lang="ko-KR" altLang="en-US" dirty="0"/>
+              <a:t> 한 이유 </a:t>
+            </a:r>
+            <a:r>
+              <a:rPr lang="en-US" altLang="ko-KR" dirty="0"/>
+              <a:t>: </a:t>
+            </a:r>
+            <a:r>
+              <a:rPr lang="en-US" altLang="ko-KR" dirty="0" err="1"/>
+              <a:t>PascalVOC</a:t>
+            </a:r>
+            <a:r>
+              <a:rPr lang="ko-KR" altLang="en-US" dirty="0"/>
+              <a:t>로 할 수 있었지만 일반적인 </a:t>
+            </a:r>
+            <a:r>
+              <a:rPr lang="en-US" altLang="ko-KR" dirty="0"/>
+              <a:t>R-CNN</a:t>
+            </a:r>
+            <a:r>
+              <a:rPr lang="ko-KR" altLang="en-US" dirty="0"/>
+              <a:t>과 </a:t>
+            </a:r>
+            <a:r>
+              <a:rPr lang="en-US" altLang="ko-KR" dirty="0"/>
+              <a:t>SSD</a:t>
+            </a:r>
+            <a:r>
+              <a:rPr lang="ko-KR" altLang="en-US" dirty="0"/>
+              <a:t>보다 훨씬 더 빠른 </a:t>
+            </a:r>
+            <a:r>
+              <a:rPr lang="en-US" altLang="ko-KR" dirty="0"/>
+              <a:t>detection</a:t>
+            </a:r>
+            <a:r>
+              <a:rPr lang="ko-KR" altLang="en-US" dirty="0"/>
+              <a:t>을 위해 </a:t>
+            </a:r>
+            <a:r>
+              <a:rPr lang="en-US" altLang="ko-KR" dirty="0"/>
+              <a:t>YOLO </a:t>
+            </a:r>
+            <a:r>
+              <a:rPr lang="ko-KR" altLang="en-US" dirty="0"/>
+              <a:t>사용</a:t>
+            </a:r>
+          </a:p>
+        </p:txBody>
+      </p:sp>
+    </p:spTree>
+    <p:extLst>
+      <p:ext uri="{BB962C8B-B14F-4D97-AF65-F5344CB8AC3E}">
+        <p14:creationId xmlns:p14="http://schemas.microsoft.com/office/powerpoint/2010/main" val="3013333382"/>
+      </p:ext>
+    </p:extLst>
+  </p:cSld>
+  <p:clrMapOvr>
+    <a:masterClrMapping/>
+  </p:clrMapOvr>
+</p:sld>
+</file>
+
 <file path=ppt/slides/slide2.xml><?xml version="1.0" encoding="utf-8"?>
 <p:sld xmlns:a="http://schemas.openxmlformats.org/drawingml/2006/main" xmlns:r="http://schemas.openxmlformats.org/officeDocument/2006/relationships" xmlns:p="http://schemas.openxmlformats.org/presentationml/2006/main">
   <p:cSld>
@@ -3724,7 +4595,7 @@
           <p:cNvPr id="2" name="제목 1">
             <a:extLst>
               <a:ext uri="{FF2B5EF4-FFF2-40B4-BE49-F238E27FC236}">
-                <a16:creationId xmlns:a16="http://schemas.microsoft.com/office/drawing/2014/main" id="{7218F767-9438-4106-A79F-BCEA6D682603}"/>
+                <a16:creationId xmlns:a16="http://schemas.microsoft.com/office/drawing/2014/main" id="{8A5908FE-054B-4B9C-9753-1D7A04F70463}"/>
               </a:ext>
             </a:extLst>
           </p:cNvPr>
@@ -3741,31 +4612,25 @@
           <a:lstStyle/>
           <a:p>
             <a:r>
-              <a:rPr lang="en-US" altLang="ko-KR" dirty="0"/>
-              <a:t>1. </a:t>
-            </a:r>
-            <a:r>
-              <a:rPr lang="ko-KR" altLang="en-US" dirty="0"/>
-              <a:t>목적</a:t>
+              <a:rPr lang="ko-KR" altLang="en-US" dirty="0"/>
+              <a:t>기술 트렌드</a:t>
             </a:r>
           </a:p>
         </p:txBody>
       </p:sp>
       <p:pic>
         <p:nvPicPr>
-          <p:cNvPr id="5" name="내용 개체 틀 4">
-            <a:extLst>
-              <a:ext uri="{FF2B5EF4-FFF2-40B4-BE49-F238E27FC236}">
-                <a16:creationId xmlns:a16="http://schemas.microsoft.com/office/drawing/2014/main" id="{3B97BB97-5A87-436D-924B-5DF33D27620D}"/>
+          <p:cNvPr id="1026" name="Picture 2" descr="1">
+            <a:extLst>
+              <a:ext uri="{FF2B5EF4-FFF2-40B4-BE49-F238E27FC236}">
+                <a16:creationId xmlns:a16="http://schemas.microsoft.com/office/drawing/2014/main" id="{66621983-FCFD-4D57-A350-D13A15EA18A5}"/>
               </a:ext>
             </a:extLst>
           </p:cNvPr>
           <p:cNvPicPr>
-            <a:picLocks noGrp="1" noChangeAspect="1"/>
+            <a:picLocks noChangeAspect="1" noChangeArrowheads="1"/>
           </p:cNvPicPr>
-          <p:nvPr>
-            <p:ph idx="1"/>
-          </p:nvPr>
+          <p:nvPr/>
         </p:nvPicPr>
         <p:blipFill>
           <a:blip r:embed="rId2">
@@ -3775,149 +4640,35 @@
               </a:ext>
             </a:extLst>
           </a:blip>
+          <a:srcRect/>
           <a:stretch>
             <a:fillRect/>
           </a:stretch>
         </p:blipFill>
-        <p:spPr>
+        <p:spPr bwMode="auto">
           <a:xfrm>
-            <a:off x="838200" y="2247095"/>
-            <a:ext cx="3833813" cy="3833813"/>
-          </a:xfrm>
-        </p:spPr>
-      </p:pic>
-      <p:pic>
-        <p:nvPicPr>
-          <p:cNvPr id="7" name="그림 6">
-            <a:extLst>
-              <a:ext uri="{FF2B5EF4-FFF2-40B4-BE49-F238E27FC236}">
-                <a16:creationId xmlns:a16="http://schemas.microsoft.com/office/drawing/2014/main" id="{8AE17114-844A-4E66-8A7F-A540063F9560}"/>
-              </a:ext>
-            </a:extLst>
-          </p:cNvPr>
-          <p:cNvPicPr>
-            <a:picLocks noChangeAspect="1"/>
-          </p:cNvPicPr>
-          <p:nvPr/>
-        </p:nvPicPr>
-        <p:blipFill>
-          <a:blip r:embed="rId3">
-            <a:extLst>
-              <a:ext uri="{28A0092B-C50C-407E-A947-70E740481C1C}">
-                <a14:useLocalDpi xmlns:a14="http://schemas.microsoft.com/office/drawing/2010/main" val="0"/>
-              </a:ext>
-            </a:extLst>
-          </a:blip>
-          <a:stretch>
-            <a:fillRect/>
-          </a:stretch>
-        </p:blipFill>
-        <p:spPr>
-          <a:xfrm>
-            <a:off x="3954780" y="1112044"/>
-            <a:ext cx="1764030" cy="1764030"/>
-          </a:xfrm>
-          <a:prstGeom prst="rect">
-            <a:avLst/>
-          </a:prstGeom>
-        </p:spPr>
-      </p:pic>
-      <p:sp>
-        <p:nvSpPr>
-          <p:cNvPr id="8" name="TextBox 7">
-            <a:extLst>
-              <a:ext uri="{FF2B5EF4-FFF2-40B4-BE49-F238E27FC236}">
-                <a16:creationId xmlns:a16="http://schemas.microsoft.com/office/drawing/2014/main" id="{1F6B4D3F-6ACB-466B-A4AF-7E63E946E6ED}"/>
-              </a:ext>
-            </a:extLst>
-          </p:cNvPr>
-          <p:cNvSpPr txBox="1"/>
-          <p:nvPr/>
-        </p:nvSpPr>
-        <p:spPr>
-          <a:xfrm>
-            <a:off x="6438900" y="1690688"/>
-            <a:ext cx="4792980" cy="3046988"/>
+            <a:off x="1819275" y="1828800"/>
+            <a:ext cx="9239250" cy="4114800"/>
           </a:xfrm>
           <a:prstGeom prst="rect">
             <a:avLst/>
           </a:prstGeom>
           <a:noFill/>
+          <a:extLst>
+            <a:ext uri="{909E8E84-426E-40DD-AFC4-6F175D3DCCD1}">
+              <a14:hiddenFill xmlns:a14="http://schemas.microsoft.com/office/drawing/2010/main">
+                <a:solidFill>
+                  <a:srgbClr val="FFFFFF"/>
+                </a:solidFill>
+              </a14:hiddenFill>
+            </a:ext>
+          </a:extLst>
         </p:spPr>
-        <p:txBody>
-          <a:bodyPr wrap="square" rtlCol="0">
-            <a:spAutoFit/>
-          </a:bodyPr>
-          <a:lstStyle/>
-          <a:p>
-            <a:r>
-              <a:rPr lang="ko-KR" altLang="en-US" sz="2400" b="1" dirty="0"/>
-              <a:t>대상</a:t>
-            </a:r>
-            <a:r>
-              <a:rPr lang="ko-KR" altLang="en-US" sz="2400" dirty="0"/>
-              <a:t> </a:t>
-            </a:r>
-            <a:r>
-              <a:rPr lang="en-US" altLang="ko-KR" sz="2400" dirty="0"/>
-              <a:t>: PC</a:t>
-            </a:r>
-            <a:r>
-              <a:rPr lang="ko-KR" altLang="en-US" sz="2400" dirty="0"/>
-              <a:t> 조립의 초심자</a:t>
-            </a:r>
-            <a:endParaRPr lang="en-US" altLang="ko-KR" sz="2400" dirty="0"/>
-          </a:p>
-          <a:p>
-            <a:endParaRPr lang="en-US" altLang="ko-KR" sz="2400" dirty="0"/>
-          </a:p>
-          <a:p>
-            <a:endParaRPr lang="en-US" altLang="ko-KR" sz="2400" dirty="0"/>
-          </a:p>
-          <a:p>
-            <a:r>
-              <a:rPr lang="ko-KR" altLang="en-US" sz="2400" b="1" dirty="0"/>
-              <a:t>목적</a:t>
-            </a:r>
-            <a:r>
-              <a:rPr lang="ko-KR" altLang="en-US" sz="2400" dirty="0"/>
-              <a:t> </a:t>
-            </a:r>
-            <a:r>
-              <a:rPr lang="en-US" altLang="ko-KR" sz="2400" dirty="0"/>
-              <a:t>: Object Detection</a:t>
-            </a:r>
-            <a:r>
-              <a:rPr lang="ko-KR" altLang="en-US" sz="2400" dirty="0"/>
-              <a:t>을 통한 컴퓨터 조립을 도와주는 프로그램</a:t>
-            </a:r>
-            <a:endParaRPr lang="en-US" altLang="ko-KR" sz="2400" dirty="0"/>
-          </a:p>
-          <a:p>
-            <a:endParaRPr lang="en-US" altLang="ko-KR" dirty="0"/>
-          </a:p>
-          <a:p>
-            <a:r>
-              <a:rPr lang="en-US" altLang="ko-KR" dirty="0"/>
-              <a:t>        </a:t>
-            </a:r>
-          </a:p>
-          <a:p>
-            <a:pPr marL="285750" indent="-285750">
-              <a:buFontTx/>
-              <a:buChar char="-"/>
-            </a:pPr>
-            <a:endParaRPr lang="en-US" altLang="ko-KR" dirty="0"/>
-          </a:p>
-          <a:p>
-            <a:endParaRPr lang="ko-KR" altLang="en-US" dirty="0"/>
-          </a:p>
-        </p:txBody>
-      </p:sp>
+      </p:pic>
     </p:spTree>
     <p:extLst>
       <p:ext uri="{BB962C8B-B14F-4D97-AF65-F5344CB8AC3E}">
-        <p14:creationId xmlns:p14="http://schemas.microsoft.com/office/powerpoint/2010/main" val="1301784816"/>
+        <p14:creationId xmlns:p14="http://schemas.microsoft.com/office/powerpoint/2010/main" val="3598035363"/>
       </p:ext>
     </p:extLst>
   </p:cSld>
@@ -3949,7 +4700,7 @@
           <p:cNvPr id="2" name="제목 1">
             <a:extLst>
               <a:ext uri="{FF2B5EF4-FFF2-40B4-BE49-F238E27FC236}">
-                <a16:creationId xmlns:a16="http://schemas.microsoft.com/office/drawing/2014/main" id="{8CD16A73-812E-4C85-BA95-D3D9D29EA21F}"/>
+                <a16:creationId xmlns:a16="http://schemas.microsoft.com/office/drawing/2014/main" id="{E4652BB7-131D-49D4-B15F-71BCD06C7430}"/>
               </a:ext>
             </a:extLst>
           </p:cNvPr>
@@ -3967,26 +4718,21 @@
           <a:p>
             <a:r>
               <a:rPr lang="en-US" altLang="ko-KR" dirty="0"/>
-              <a:t>2. </a:t>
-            </a:r>
-            <a:r>
-              <a:rPr lang="ko-KR" altLang="en-US" dirty="0"/>
-              <a:t>데이터 </a:t>
-            </a:r>
-            <a:r>
-              <a:rPr lang="ko-KR" altLang="en-US" dirty="0" err="1"/>
-              <a:t>전처리</a:t>
-            </a:r>
-            <a:endParaRPr lang="ko-KR" altLang="en-US" dirty="0"/>
-          </a:p>
-        </p:txBody>
-      </p:sp>
-      <p:sp>
-        <p:nvSpPr>
-          <p:cNvPr id="3" name="내용 개체 틀 2">
-            <a:extLst>
-              <a:ext uri="{FF2B5EF4-FFF2-40B4-BE49-F238E27FC236}">
-                <a16:creationId xmlns:a16="http://schemas.microsoft.com/office/drawing/2014/main" id="{8B15A0F7-C913-49B7-8256-776DF0A220F4}"/>
+              <a:t>YOLO </a:t>
+            </a:r>
+            <a:r>
+              <a:rPr lang="ko-KR" altLang="en-US" dirty="0"/>
+              <a:t>알고리즘</a:t>
+            </a:r>
+          </a:p>
+        </p:txBody>
+      </p:sp>
+      <p:sp>
+        <p:nvSpPr>
+          <p:cNvPr id="7" name="내용 개체 틀 6">
+            <a:extLst>
+              <a:ext uri="{FF2B5EF4-FFF2-40B4-BE49-F238E27FC236}">
+                <a16:creationId xmlns:a16="http://schemas.microsoft.com/office/drawing/2014/main" id="{F1DA2461-FCAA-4C56-90C6-3724C543E350}"/>
               </a:ext>
             </a:extLst>
           </p:cNvPr>
@@ -4002,169 +4748,71 @@
           <a:bodyPr/>
           <a:lstStyle/>
           <a:p>
+            <a:pPr marL="514350" indent="-514350">
+              <a:buAutoNum type="arabicPeriod"/>
+            </a:pPr>
+            <a:r>
+              <a:rPr lang="en-US" altLang="ko-KR" dirty="0"/>
+              <a:t>Input Image</a:t>
+            </a:r>
+            <a:r>
+              <a:rPr lang="ko-KR" altLang="en-US" dirty="0"/>
+              <a:t>를 </a:t>
+            </a:r>
+            <a:r>
+              <a:rPr lang="en-US" altLang="ko-KR" dirty="0"/>
+              <a:t>resize</a:t>
+            </a:r>
+          </a:p>
+          <a:p>
+            <a:pPr marL="514350" indent="-514350">
+              <a:buAutoNum type="arabicPeriod"/>
+            </a:pPr>
             <a:r>
               <a:rPr lang="en-US" altLang="ko-KR" dirty="0" err="1"/>
-              <a:t>labelImg</a:t>
-            </a:r>
-            <a:r>
-              <a:rPr lang="en-US" altLang="ko-KR" dirty="0"/>
-              <a:t> </a:t>
-            </a:r>
-            <a:r>
-              <a:rPr lang="ko-KR" altLang="en-US" dirty="0"/>
-              <a:t>프로그램을 이용하여 </a:t>
-            </a:r>
-            <a:r>
-              <a:rPr lang="en-US" altLang="ko-KR" dirty="0"/>
-              <a:t>5</a:t>
-            </a:r>
-            <a:r>
-              <a:rPr lang="ko-KR" altLang="en-US" dirty="0"/>
-              <a:t>파트에 대해 </a:t>
-            </a:r>
-            <a:r>
-              <a:rPr lang="ko-KR" altLang="en-US" dirty="0" err="1"/>
-              <a:t>라벨링</a:t>
-            </a:r>
-            <a:r>
-              <a:rPr lang="ko-KR" altLang="en-US" dirty="0"/>
-              <a:t> 진행</a:t>
+              <a:t>Img</a:t>
+            </a:r>
+            <a:r>
+              <a:rPr lang="ko-KR" altLang="en-US" dirty="0"/>
+              <a:t>에서 작동하는 </a:t>
+            </a:r>
+            <a:r>
+              <a:rPr lang="en-US" altLang="ko-KR" dirty="0"/>
+              <a:t>single convolution network </a:t>
+            </a:r>
+            <a:r>
+              <a:rPr lang="ko-KR" altLang="en-US" dirty="0"/>
+              <a:t>실행</a:t>
             </a:r>
             <a:endParaRPr lang="en-US" altLang="ko-KR" dirty="0"/>
           </a:p>
           <a:p>
-            <a:pPr lvl="1"/>
-            <a:r>
-              <a:rPr lang="en-US" altLang="ko-KR" dirty="0"/>
-              <a:t>CPU, RAM, SSD, GPU, MOTHERBOARD</a:t>
-            </a:r>
-            <a:r>
-              <a:rPr lang="ko-KR" altLang="en-US" dirty="0"/>
-              <a:t>에 대해 </a:t>
-            </a:r>
-            <a:r>
-              <a:rPr lang="ko-KR" altLang="en-US" dirty="0" err="1"/>
-              <a:t>라벨링</a:t>
-            </a:r>
-            <a:endParaRPr lang="en-US" altLang="ko-KR" dirty="0"/>
-          </a:p>
-          <a:p>
-            <a:pPr lvl="1"/>
-            <a:endParaRPr lang="en-US" altLang="ko-KR" dirty="0"/>
-          </a:p>
-          <a:p>
-            <a:r>
-              <a:rPr lang="en-US" altLang="ko-KR" dirty="0" err="1"/>
-              <a:t>PascalVOC</a:t>
-            </a:r>
-            <a:r>
-              <a:rPr lang="ko-KR" altLang="en-US" dirty="0"/>
-              <a:t>를 포맷으로 </a:t>
-            </a:r>
-            <a:r>
-              <a:rPr lang="ko-KR" altLang="en-US" dirty="0" err="1"/>
-              <a:t>라벨링</a:t>
-            </a:r>
-            <a:r>
-              <a:rPr lang="ko-KR" altLang="en-US" dirty="0"/>
-              <a:t> 후 </a:t>
-            </a:r>
-            <a:r>
-              <a:rPr lang="en-US" altLang="ko-KR" dirty="0"/>
-              <a:t>YOLO </a:t>
-            </a:r>
-            <a:r>
-              <a:rPr lang="ko-KR" altLang="en-US" dirty="0"/>
-              <a:t>포맷으로 </a:t>
-            </a:r>
-            <a:r>
-              <a:rPr lang="ko-KR" altLang="en-US" dirty="0" err="1"/>
-              <a:t>컨버팅</a:t>
-            </a:r>
-            <a:r>
-              <a:rPr lang="ko-KR" altLang="en-US" dirty="0"/>
-              <a:t> 파일 생성</a:t>
-            </a:r>
-            <a:endParaRPr lang="en-US" altLang="ko-KR" dirty="0"/>
-          </a:p>
-          <a:p>
-            <a:endParaRPr lang="en-US" altLang="ko-KR" dirty="0"/>
-          </a:p>
-          <a:p>
-            <a:r>
-              <a:rPr lang="ko-KR" altLang="en-US" dirty="0" err="1"/>
-              <a:t>전처리</a:t>
-            </a:r>
-            <a:r>
-              <a:rPr lang="ko-KR" altLang="en-US" dirty="0"/>
-              <a:t> 필요 </a:t>
-            </a:r>
-            <a:r>
-              <a:rPr lang="en-US" altLang="ko-KR" dirty="0"/>
-              <a:t>3</a:t>
-            </a:r>
-            <a:r>
-              <a:rPr lang="ko-KR" altLang="en-US" dirty="0"/>
-              <a:t>가지 파일 생성</a:t>
-            </a:r>
-            <a:endParaRPr lang="en-US" altLang="ko-KR" dirty="0"/>
-          </a:p>
-          <a:p>
-            <a:pPr lvl="1"/>
-            <a:r>
-              <a:rPr lang="en-US" altLang="ko-KR" dirty="0" err="1"/>
-              <a:t>RCnn</a:t>
-            </a:r>
-            <a:r>
-              <a:rPr lang="en-US" altLang="ko-KR" dirty="0"/>
-              <a:t> – </a:t>
-            </a:r>
-            <a:r>
-              <a:rPr lang="ko-KR" altLang="en-US" dirty="0" err="1"/>
-              <a:t>다크넷</a:t>
-            </a:r>
-            <a:r>
-              <a:rPr lang="ko-KR" altLang="en-US" dirty="0"/>
-              <a:t> </a:t>
-            </a:r>
-            <a:r>
-              <a:rPr lang="en-US" altLang="ko-KR" dirty="0"/>
-              <a:t>/ config</a:t>
-            </a:r>
-            <a:r>
-              <a:rPr lang="ko-KR" altLang="en-US" dirty="0"/>
-              <a:t>파일</a:t>
-            </a:r>
-            <a:r>
-              <a:rPr lang="en-US" altLang="ko-KR" dirty="0"/>
-              <a:t>, </a:t>
-            </a:r>
-            <a:r>
-              <a:rPr lang="ko-KR" altLang="en-US" dirty="0" err="1"/>
-              <a:t>라벨링</a:t>
-            </a:r>
-            <a:r>
-              <a:rPr lang="ko-KR" altLang="en-US" dirty="0"/>
-              <a:t> 된 텍스트 클래스 파일</a:t>
-            </a:r>
-            <a:endParaRPr lang="en-US" altLang="ko-KR" dirty="0"/>
-          </a:p>
-          <a:p>
-            <a:r>
-              <a:rPr lang="ko-KR" altLang="en-US" dirty="0"/>
-              <a:t>클래스 지정파일</a:t>
-            </a:r>
-            <a:endParaRPr lang="en-US" altLang="ko-KR" dirty="0"/>
-          </a:p>
-          <a:p>
-            <a:endParaRPr lang="en-US" altLang="ko-KR" dirty="0"/>
+            <a:pPr marL="514350" indent="-514350">
+              <a:buAutoNum type="arabicPeriod"/>
+            </a:pPr>
+            <a:r>
+              <a:rPr lang="ko-KR" altLang="en-US" dirty="0"/>
+              <a:t>해당 모델을 통해서 나온 확률 값을 </a:t>
+            </a:r>
+            <a:r>
+              <a:rPr lang="en-US" altLang="ko-KR" dirty="0"/>
+              <a:t>threshold</a:t>
+            </a:r>
+            <a:r>
+              <a:rPr lang="ko-KR" altLang="en-US" dirty="0"/>
+              <a:t>로 잘라서 결과값을 보여준다</a:t>
+            </a:r>
+            <a:r>
+              <a:rPr lang="en-US" altLang="ko-KR" dirty="0"/>
+              <a:t>.</a:t>
+            </a:r>
           </a:p>
         </p:txBody>
       </p:sp>
     </p:spTree>
     <p:extLst>
       <p:ext uri="{BB962C8B-B14F-4D97-AF65-F5344CB8AC3E}">
-        <p14:creationId xmlns:p14="http://schemas.microsoft.com/office/powerpoint/2010/main" val="1106869274"/>
+        <p14:creationId xmlns:p14="http://schemas.microsoft.com/office/powerpoint/2010/main" val="1624063279"/>
       </p:ext>
     </p:extLst>
   </p:cSld>
@@ -4196,7 +4844,7 @@
           <p:cNvPr id="2" name="제목 1">
             <a:extLst>
               <a:ext uri="{FF2B5EF4-FFF2-40B4-BE49-F238E27FC236}">
-                <a16:creationId xmlns:a16="http://schemas.microsoft.com/office/drawing/2014/main" id="{B45850FC-BDC9-4302-AF00-448E18886180}"/>
+                <a16:creationId xmlns:a16="http://schemas.microsoft.com/office/drawing/2014/main" id="{AC84B7B7-C920-4137-B8A2-FBF5D5A6E564}"/>
               </a:ext>
             </a:extLst>
           </p:cNvPr>
@@ -4214,11 +4862,19 @@
           <a:p>
             <a:r>
               <a:rPr lang="en-US" altLang="ko-KR" dirty="0"/>
-              <a:t>3. </a:t>
-            </a:r>
-            <a:r>
-              <a:rPr lang="ko-KR" altLang="en-US" dirty="0"/>
-              <a:t>트레이닝</a:t>
+              <a:t>YOLO </a:t>
+            </a:r>
+            <a:r>
+              <a:rPr lang="ko-KR" altLang="en-US" dirty="0"/>
+              <a:t>장점 </a:t>
+            </a:r>
+            <a:r>
+              <a:rPr lang="en-US" altLang="ko-KR" dirty="0"/>
+              <a:t>– 1. </a:t>
+            </a:r>
+            <a:r>
+              <a:rPr lang="ko-KR" altLang="en-US" dirty="0"/>
+              <a:t>속도가 빠르다</a:t>
             </a:r>
           </a:p>
         </p:txBody>
@@ -4228,7 +4884,7 @@
           <p:cNvPr id="3" name="내용 개체 틀 2">
             <a:extLst>
               <a:ext uri="{FF2B5EF4-FFF2-40B4-BE49-F238E27FC236}">
-                <a16:creationId xmlns:a16="http://schemas.microsoft.com/office/drawing/2014/main" id="{175EB1B1-061C-4FD9-B74C-6DE311C27B0B}"/>
+                <a16:creationId xmlns:a16="http://schemas.microsoft.com/office/drawing/2014/main" id="{62BA3F2D-4E11-43AB-A873-715D0066450C}"/>
               </a:ext>
             </a:extLst>
           </p:cNvPr>
@@ -4239,30 +4895,391 @@
             <p:ph idx="1"/>
           </p:nvPr>
         </p:nvSpPr>
-        <p:spPr/>
+        <p:spPr>
+          <a:xfrm>
+            <a:off x="408992" y="2141537"/>
+            <a:ext cx="5431971" cy="4351338"/>
+          </a:xfrm>
+        </p:spPr>
         <p:txBody>
           <a:bodyPr/>
           <a:lstStyle/>
           <a:p>
-            <a:r>
-              <a:rPr lang="ko-KR" altLang="en-US" dirty="0"/>
-              <a:t>위 </a:t>
-            </a:r>
-            <a:r>
-              <a:rPr lang="en-US" altLang="ko-KR" dirty="0"/>
-              <a:t>3</a:t>
-            </a:r>
-            <a:r>
-              <a:rPr lang="ko-KR" altLang="en-US" dirty="0"/>
-              <a:t>가지 파일을 통해 학습</a:t>
-            </a:r>
-            <a:r>
-              <a:rPr lang="en-US" altLang="ko-KR" dirty="0"/>
-              <a:t>/ weight</a:t>
-            </a:r>
-            <a:r>
-              <a:rPr lang="ko-KR" altLang="en-US" dirty="0"/>
-              <a:t>가 도출된다</a:t>
+            <a:pPr marL="0" indent="0">
+              <a:buNone/>
+            </a:pPr>
+            <a:r>
+              <a:rPr lang="en-US" altLang="ko-KR" dirty="0"/>
+              <a:t>two-stage-detection</a:t>
+            </a:r>
+            <a:r>
+              <a:rPr lang="ko-KR" altLang="en-US" dirty="0"/>
+              <a:t>기존 </a:t>
+            </a:r>
+            <a:r>
+              <a:rPr lang="en-US" altLang="ko-KR" dirty="0"/>
+              <a:t>R-CNN</a:t>
+            </a:r>
+            <a:r>
+              <a:rPr lang="ko-KR" altLang="en-US" dirty="0"/>
+              <a:t> </a:t>
+            </a:r>
+            <a:endParaRPr lang="en-US" altLang="ko-KR" dirty="0"/>
+          </a:p>
+          <a:p>
+            <a:pPr>
+              <a:buFontTx/>
+              <a:buChar char="-"/>
+            </a:pPr>
+            <a:endParaRPr lang="en-US" altLang="ko-KR" dirty="0"/>
+          </a:p>
+          <a:p>
+            <a:pPr>
+              <a:buFontTx/>
+              <a:buChar char="-"/>
+            </a:pPr>
+            <a:r>
+              <a:rPr lang="en-US" altLang="ko-KR" dirty="0"/>
+              <a:t>region proposal </a:t>
+            </a:r>
+            <a:r>
+              <a:rPr lang="ko-KR" altLang="en-US" dirty="0"/>
+              <a:t>방법을 사용</a:t>
+            </a:r>
+            <a:endParaRPr lang="en-US" altLang="ko-KR" dirty="0"/>
+          </a:p>
+          <a:p>
+            <a:pPr marL="0" indent="0">
+              <a:buNone/>
+            </a:pPr>
+            <a:r>
+              <a:rPr lang="en-US" altLang="ko-KR" dirty="0"/>
+              <a:t>- image </a:t>
+            </a:r>
+            <a:r>
+              <a:rPr lang="ko-KR" altLang="en-US" dirty="0"/>
+              <a:t>안에서 가능성이 높은 </a:t>
+            </a:r>
+            <a:r>
+              <a:rPr lang="en-US" altLang="ko-KR" dirty="0"/>
+              <a:t>bounding box</a:t>
+            </a:r>
+            <a:r>
+              <a:rPr lang="ko-KR" altLang="en-US" dirty="0"/>
+              <a:t>를 생성</a:t>
+            </a:r>
+            <a:endParaRPr lang="en-US" altLang="ko-KR" dirty="0"/>
+          </a:p>
+          <a:p>
+            <a:pPr>
+              <a:buFontTx/>
+              <a:buChar char="-"/>
+            </a:pPr>
+            <a:r>
+              <a:rPr lang="ko-KR" altLang="en-US" dirty="0"/>
+              <a:t>그리고 </a:t>
+            </a:r>
+            <a:r>
+              <a:rPr lang="en-US" altLang="ko-KR" dirty="0"/>
+              <a:t>box </a:t>
+            </a:r>
+            <a:r>
+              <a:rPr lang="ko-KR" altLang="en-US" dirty="0"/>
+              <a:t>속의 이미지를 </a:t>
+            </a:r>
+            <a:r>
+              <a:rPr lang="en-US" altLang="ko-KR" dirty="0"/>
+              <a:t>classifier</a:t>
+            </a:r>
+            <a:r>
+              <a:rPr lang="ko-KR" altLang="en-US" dirty="0"/>
+              <a:t>에 넣어 실행</a:t>
+            </a:r>
+            <a:endParaRPr lang="en-US" altLang="ko-KR" dirty="0"/>
+          </a:p>
+          <a:p>
+            <a:pPr marL="0" indent="0">
+              <a:buNone/>
+            </a:pPr>
+            <a:endParaRPr lang="en-US" altLang="ko-KR" dirty="0"/>
+          </a:p>
+          <a:p>
+            <a:pPr marL="0" indent="0">
+              <a:buNone/>
+            </a:pPr>
+            <a:endParaRPr lang="en-US" altLang="ko-KR" dirty="0"/>
+          </a:p>
+        </p:txBody>
+      </p:sp>
+      <p:sp>
+        <p:nvSpPr>
+          <p:cNvPr id="4" name="내용 개체 틀 2">
+            <a:extLst>
+              <a:ext uri="{FF2B5EF4-FFF2-40B4-BE49-F238E27FC236}">
+                <a16:creationId xmlns:a16="http://schemas.microsoft.com/office/drawing/2014/main" id="{BA5A0FB1-2278-45CB-AD43-AE50099A0724}"/>
+              </a:ext>
+            </a:extLst>
+          </p:cNvPr>
+          <p:cNvSpPr txBox="1">
+            <a:spLocks/>
+          </p:cNvSpPr>
+          <p:nvPr/>
+        </p:nvSpPr>
+        <p:spPr>
+          <a:xfrm>
+            <a:off x="6096000" y="2141537"/>
+            <a:ext cx="5431971" cy="4351338"/>
+          </a:xfrm>
+          <a:prstGeom prst="rect">
+            <a:avLst/>
+          </a:prstGeom>
+        </p:spPr>
+        <p:txBody>
+          <a:bodyPr vert="horz" lIns="91440" tIns="45720" rIns="91440" bIns="45720" rtlCol="0">
+            <a:normAutofit/>
+          </a:bodyPr>
+          <a:lstStyle>
+            <a:lvl1pPr marL="228600" indent="-228600" algn="l" defTabSz="914400" rtl="0" eaLnBrk="1" latinLnBrk="1" hangingPunct="1">
+              <a:lnSpc>
+                <a:spcPct val="90000"/>
+              </a:lnSpc>
+              <a:spcBef>
+                <a:spcPts val="1000"/>
+              </a:spcBef>
+              <a:buFont typeface="Arial" panose="020B0604020202020204" pitchFamily="34" charset="0"/>
+              <a:buChar char="•"/>
+              <a:defRPr sz="2800" kern="1200">
+                <a:solidFill>
+                  <a:schemeClr val="tx1"/>
+                </a:solidFill>
+                <a:latin typeface="+mn-lt"/>
+                <a:ea typeface="+mn-ea"/>
+                <a:cs typeface="+mn-cs"/>
+              </a:defRPr>
+            </a:lvl1pPr>
+            <a:lvl2pPr marL="685800" indent="-228600" algn="l" defTabSz="914400" rtl="0" eaLnBrk="1" latinLnBrk="1" hangingPunct="1">
+              <a:lnSpc>
+                <a:spcPct val="90000"/>
+              </a:lnSpc>
+              <a:spcBef>
+                <a:spcPts val="500"/>
+              </a:spcBef>
+              <a:buFont typeface="Arial" panose="020B0604020202020204" pitchFamily="34" charset="0"/>
+              <a:buChar char="•"/>
+              <a:defRPr sz="2400" kern="1200">
+                <a:solidFill>
+                  <a:schemeClr val="tx1"/>
+                </a:solidFill>
+                <a:latin typeface="+mn-lt"/>
+                <a:ea typeface="+mn-ea"/>
+                <a:cs typeface="+mn-cs"/>
+              </a:defRPr>
+            </a:lvl2pPr>
+            <a:lvl3pPr marL="1143000" indent="-228600" algn="l" defTabSz="914400" rtl="0" eaLnBrk="1" latinLnBrk="1" hangingPunct="1">
+              <a:lnSpc>
+                <a:spcPct val="90000"/>
+              </a:lnSpc>
+              <a:spcBef>
+                <a:spcPts val="500"/>
+              </a:spcBef>
+              <a:buFont typeface="Arial" panose="020B0604020202020204" pitchFamily="34" charset="0"/>
+              <a:buChar char="•"/>
+              <a:defRPr sz="2000" kern="1200">
+                <a:solidFill>
+                  <a:schemeClr val="tx1"/>
+                </a:solidFill>
+                <a:latin typeface="+mn-lt"/>
+                <a:ea typeface="+mn-ea"/>
+                <a:cs typeface="+mn-cs"/>
+              </a:defRPr>
+            </a:lvl3pPr>
+            <a:lvl4pPr marL="1600200" indent="-228600" algn="l" defTabSz="914400" rtl="0" eaLnBrk="1" latinLnBrk="1" hangingPunct="1">
+              <a:lnSpc>
+                <a:spcPct val="90000"/>
+              </a:lnSpc>
+              <a:spcBef>
+                <a:spcPts val="500"/>
+              </a:spcBef>
+              <a:buFont typeface="Arial" panose="020B0604020202020204" pitchFamily="34" charset="0"/>
+              <a:buChar char="•"/>
+              <a:defRPr sz="1800" kern="1200">
+                <a:solidFill>
+                  <a:schemeClr val="tx1"/>
+                </a:solidFill>
+                <a:latin typeface="+mn-lt"/>
+                <a:ea typeface="+mn-ea"/>
+                <a:cs typeface="+mn-cs"/>
+              </a:defRPr>
+            </a:lvl4pPr>
+            <a:lvl5pPr marL="2057400" indent="-228600" algn="l" defTabSz="914400" rtl="0" eaLnBrk="1" latinLnBrk="1" hangingPunct="1">
+              <a:lnSpc>
+                <a:spcPct val="90000"/>
+              </a:lnSpc>
+              <a:spcBef>
+                <a:spcPts val="500"/>
+              </a:spcBef>
+              <a:buFont typeface="Arial" panose="020B0604020202020204" pitchFamily="34" charset="0"/>
+              <a:buChar char="•"/>
+              <a:defRPr sz="1800" kern="1200">
+                <a:solidFill>
+                  <a:schemeClr val="tx1"/>
+                </a:solidFill>
+                <a:latin typeface="+mn-lt"/>
+                <a:ea typeface="+mn-ea"/>
+                <a:cs typeface="+mn-cs"/>
+              </a:defRPr>
+            </a:lvl5pPr>
+            <a:lvl6pPr marL="2514600" indent="-228600" algn="l" defTabSz="914400" rtl="0" eaLnBrk="1" latinLnBrk="1" hangingPunct="1">
+              <a:lnSpc>
+                <a:spcPct val="90000"/>
+              </a:lnSpc>
+              <a:spcBef>
+                <a:spcPts val="500"/>
+              </a:spcBef>
+              <a:buFont typeface="Arial" panose="020B0604020202020204" pitchFamily="34" charset="0"/>
+              <a:buChar char="•"/>
+              <a:defRPr sz="1800" kern="1200">
+                <a:solidFill>
+                  <a:schemeClr val="tx1"/>
+                </a:solidFill>
+                <a:latin typeface="+mn-lt"/>
+                <a:ea typeface="+mn-ea"/>
+                <a:cs typeface="+mn-cs"/>
+              </a:defRPr>
+            </a:lvl6pPr>
+            <a:lvl7pPr marL="2971800" indent="-228600" algn="l" defTabSz="914400" rtl="0" eaLnBrk="1" latinLnBrk="1" hangingPunct="1">
+              <a:lnSpc>
+                <a:spcPct val="90000"/>
+              </a:lnSpc>
+              <a:spcBef>
+                <a:spcPts val="500"/>
+              </a:spcBef>
+              <a:buFont typeface="Arial" panose="020B0604020202020204" pitchFamily="34" charset="0"/>
+              <a:buChar char="•"/>
+              <a:defRPr sz="1800" kern="1200">
+                <a:solidFill>
+                  <a:schemeClr val="tx1"/>
+                </a:solidFill>
+                <a:latin typeface="+mn-lt"/>
+                <a:ea typeface="+mn-ea"/>
+                <a:cs typeface="+mn-cs"/>
+              </a:defRPr>
+            </a:lvl7pPr>
+            <a:lvl8pPr marL="3429000" indent="-228600" algn="l" defTabSz="914400" rtl="0" eaLnBrk="1" latinLnBrk="1" hangingPunct="1">
+              <a:lnSpc>
+                <a:spcPct val="90000"/>
+              </a:lnSpc>
+              <a:spcBef>
+                <a:spcPts val="500"/>
+              </a:spcBef>
+              <a:buFont typeface="Arial" panose="020B0604020202020204" pitchFamily="34" charset="0"/>
+              <a:buChar char="•"/>
+              <a:defRPr sz="1800" kern="1200">
+                <a:solidFill>
+                  <a:schemeClr val="tx1"/>
+                </a:solidFill>
+                <a:latin typeface="+mn-lt"/>
+                <a:ea typeface="+mn-ea"/>
+                <a:cs typeface="+mn-cs"/>
+              </a:defRPr>
+            </a:lvl8pPr>
+            <a:lvl9pPr marL="3886200" indent="-228600" algn="l" defTabSz="914400" rtl="0" eaLnBrk="1" latinLnBrk="1" hangingPunct="1">
+              <a:lnSpc>
+                <a:spcPct val="90000"/>
+              </a:lnSpc>
+              <a:spcBef>
+                <a:spcPts val="500"/>
+              </a:spcBef>
+              <a:buFont typeface="Arial" panose="020B0604020202020204" pitchFamily="34" charset="0"/>
+              <a:buChar char="•"/>
+              <a:defRPr sz="1800" kern="1200">
+                <a:solidFill>
+                  <a:schemeClr val="tx1"/>
+                </a:solidFill>
+                <a:latin typeface="+mn-lt"/>
+                <a:ea typeface="+mn-ea"/>
+                <a:cs typeface="+mn-cs"/>
+              </a:defRPr>
+            </a:lvl9pPr>
+          </a:lstStyle>
+          <a:p>
+            <a:pPr marL="0" indent="0">
+              <a:buNone/>
+            </a:pPr>
+            <a:r>
+              <a:rPr lang="en-US" altLang="ko-KR" dirty="0"/>
+              <a:t>One-stage-detection(YOLO</a:t>
+            </a:r>
+          </a:p>
+          <a:p>
+            <a:pPr marL="0" indent="0">
+              <a:buFont typeface="Arial" panose="020B0604020202020204" pitchFamily="34" charset="0"/>
+              <a:buNone/>
+            </a:pPr>
+            <a:endParaRPr lang="en-US" altLang="ko-KR" dirty="0"/>
+          </a:p>
+          <a:p>
+            <a:pPr>
+              <a:buFontTx/>
+              <a:buChar char="-"/>
+            </a:pPr>
+            <a:r>
+              <a:rPr lang="en-US" altLang="ko-KR" dirty="0"/>
+              <a:t>Single Convolution </a:t>
+            </a:r>
+            <a:r>
+              <a:rPr lang="en-US" altLang="ko-KR" dirty="0" err="1"/>
+              <a:t>networ</a:t>
+            </a:r>
+            <a:r>
+              <a:rPr lang="ko-KR" altLang="en-US" dirty="0"/>
+              <a:t>는 물체의 </a:t>
+            </a:r>
+            <a:r>
+              <a:rPr lang="en-US" altLang="ko-KR" dirty="0"/>
+              <a:t>bounding box</a:t>
+            </a:r>
+            <a:r>
+              <a:rPr lang="ko-KR" altLang="en-US" dirty="0"/>
+              <a:t>와 </a:t>
+            </a:r>
+            <a:r>
+              <a:rPr lang="en-US" altLang="ko-KR" dirty="0"/>
+              <a:t>bounding box </a:t>
+            </a:r>
+            <a:r>
+              <a:rPr lang="ko-KR" altLang="en-US" dirty="0"/>
+              <a:t>안의 </a:t>
+            </a:r>
+            <a:r>
+              <a:rPr lang="en-US" altLang="ko-KR" dirty="0"/>
+              <a:t>object</a:t>
+            </a:r>
+            <a:r>
+              <a:rPr lang="ko-KR" altLang="en-US" dirty="0"/>
+              <a:t>가 무엇인지 동시에 예측</a:t>
+            </a:r>
+            <a:endParaRPr lang="en-US" altLang="ko-KR" dirty="0"/>
+          </a:p>
+          <a:p>
+            <a:pPr marL="0" indent="0">
+              <a:buNone/>
+            </a:pPr>
+            <a:r>
+              <a:rPr lang="en-US" altLang="ko-KR" dirty="0"/>
+              <a:t>- </a:t>
+            </a:r>
+            <a:r>
+              <a:rPr lang="ko-KR" altLang="en-US" dirty="0"/>
+              <a:t>복잡한 </a:t>
+            </a:r>
+            <a:r>
+              <a:rPr lang="en-US" altLang="ko-KR" dirty="0"/>
+              <a:t>pipeline</a:t>
+            </a:r>
+            <a:r>
+              <a:rPr lang="ko-KR" altLang="en-US" dirty="0"/>
+              <a:t>을 필요로 하지 않음</a:t>
             </a:r>
             <a:r>
               <a:rPr lang="en-US" altLang="ko-KR" dirty="0"/>
@@ -4270,86 +5287,25 @@
             </a:r>
           </a:p>
           <a:p>
+            <a:pPr>
+              <a:buFontTx/>
+              <a:buChar char="-"/>
+            </a:pPr>
             <a:endParaRPr lang="en-US" altLang="ko-KR" dirty="0"/>
           </a:p>
           <a:p>
-            <a:r>
-              <a:rPr lang="ko-KR" altLang="en-US" dirty="0"/>
-              <a:t>테스트 과정에서 </a:t>
-            </a:r>
-            <a:r>
-              <a:rPr lang="en-US" altLang="ko-KR" dirty="0"/>
-              <a:t>config, weight, class </a:t>
-            </a:r>
-            <a:r>
-              <a:rPr lang="ko-KR" altLang="en-US" dirty="0"/>
-              <a:t>파일을 가지고 테스트를 함</a:t>
-            </a:r>
+            <a:pPr marL="0" indent="0">
+              <a:buFont typeface="Arial" panose="020B0604020202020204" pitchFamily="34" charset="0"/>
+              <a:buNone/>
+            </a:pPr>
             <a:endParaRPr lang="en-US" altLang="ko-KR" dirty="0"/>
-          </a:p>
-          <a:p>
-            <a:endParaRPr lang="en-US" altLang="ko-KR" dirty="0"/>
-          </a:p>
-          <a:p>
-            <a:r>
-              <a:rPr lang="ko-KR" altLang="en-US" dirty="0"/>
-              <a:t>테스트는 </a:t>
-            </a:r>
-            <a:r>
-              <a:rPr lang="en-US" altLang="ko-KR" dirty="0" err="1"/>
-              <a:t>opencv</a:t>
-            </a:r>
-            <a:r>
-              <a:rPr lang="en-US" altLang="ko-KR" dirty="0"/>
-              <a:t> </a:t>
-            </a:r>
-            <a:r>
-              <a:rPr lang="ko-KR" altLang="en-US" dirty="0"/>
-              <a:t>활용하여 동영상 </a:t>
-            </a:r>
-            <a:r>
-              <a:rPr lang="en-US" altLang="ko-KR" dirty="0"/>
-              <a:t>detection</a:t>
-            </a:r>
-            <a:r>
-              <a:rPr lang="ko-KR" altLang="en-US" dirty="0"/>
-              <a:t> </a:t>
-            </a:r>
-            <a:r>
-              <a:rPr lang="en-US" altLang="ko-KR" dirty="0"/>
-              <a:t>– </a:t>
-            </a:r>
-            <a:r>
-              <a:rPr lang="ko-KR" altLang="en-US" dirty="0"/>
-              <a:t>그 결과값을 </a:t>
-            </a:r>
-            <a:r>
-              <a:rPr lang="en-US" altLang="ko-KR" dirty="0"/>
-              <a:t>PYQT5</a:t>
-            </a:r>
-            <a:r>
-              <a:rPr lang="ko-KR" altLang="en-US" dirty="0"/>
-              <a:t>를 통해 </a:t>
-            </a:r>
-            <a:r>
-              <a:rPr lang="en-US" altLang="ko-KR" dirty="0" err="1"/>
-              <a:t>ui</a:t>
-            </a:r>
-            <a:r>
-              <a:rPr lang="ko-KR" altLang="en-US" dirty="0" err="1"/>
-              <a:t>를</a:t>
-            </a:r>
-            <a:r>
-              <a:rPr lang="ko-KR" altLang="en-US" dirty="0"/>
-              <a:t> 구성하여 출력</a:t>
-            </a:r>
           </a:p>
         </p:txBody>
       </p:sp>
     </p:spTree>
     <p:extLst>
       <p:ext uri="{BB962C8B-B14F-4D97-AF65-F5344CB8AC3E}">
-        <p14:creationId xmlns:p14="http://schemas.microsoft.com/office/powerpoint/2010/main" val="2234637163"/>
+        <p14:creationId xmlns:p14="http://schemas.microsoft.com/office/powerpoint/2010/main" val="1593725239"/>
       </p:ext>
     </p:extLst>
   </p:cSld>
@@ -4381,7 +5337,7 @@
           <p:cNvPr id="2" name="제목 1">
             <a:extLst>
               <a:ext uri="{FF2B5EF4-FFF2-40B4-BE49-F238E27FC236}">
-                <a16:creationId xmlns:a16="http://schemas.microsoft.com/office/drawing/2014/main" id="{47B29C37-6BEE-4103-A246-AA78B0B4779B}"/>
+                <a16:creationId xmlns:a16="http://schemas.microsoft.com/office/drawing/2014/main" id="{AC84B7B7-C920-4137-B8A2-FBF5D5A6E564}"/>
               </a:ext>
             </a:extLst>
           </p:cNvPr>
@@ -4399,7 +5355,23 @@
           <a:p>
             <a:r>
               <a:rPr lang="en-US" altLang="ko-KR" dirty="0"/>
-              <a:t>4. </a:t>
+              <a:t>YOLO </a:t>
+            </a:r>
+            <a:r>
+              <a:rPr lang="ko-KR" altLang="en-US" dirty="0"/>
+              <a:t>장점 </a:t>
+            </a:r>
+            <a:r>
+              <a:rPr lang="en-US" altLang="ko-KR" dirty="0"/>
+              <a:t>– 2. </a:t>
+            </a:r>
+            <a:r>
+              <a:rPr lang="ko-KR" altLang="en-US" dirty="0"/>
+              <a:t>이미지 예측 시</a:t>
+            </a:r>
+            <a:r>
+              <a:rPr lang="en-US" altLang="ko-KR" dirty="0"/>
+              <a:t>, globally</a:t>
             </a:r>
             <a:endParaRPr lang="ko-KR" altLang="en-US" dirty="0"/>
           </a:p>
@@ -4407,106 +5379,459 @@
       </p:sp>
       <p:sp>
         <p:nvSpPr>
-          <p:cNvPr id="3" name="내용 개체 틀 2">
-            <a:extLst>
-              <a:ext uri="{FF2B5EF4-FFF2-40B4-BE49-F238E27FC236}">
-                <a16:creationId xmlns:a16="http://schemas.microsoft.com/office/drawing/2014/main" id="{FE854B7C-B423-4D23-AD9F-69AE50D0A751}"/>
-              </a:ext>
-            </a:extLst>
-          </p:cNvPr>
-          <p:cNvSpPr>
-            <a:spLocks noGrp="1"/>
-          </p:cNvSpPr>
-          <p:nvPr>
-            <p:ph idx="1"/>
-          </p:nvPr>
-        </p:nvSpPr>
-        <p:spPr/>
-        <p:txBody>
-          <a:bodyPr/>
-          <a:lstStyle/>
-          <a:p>
-            <a:r>
-              <a:rPr lang="ko-KR" altLang="en-US" dirty="0"/>
-              <a:t>우리가 구현하려 했던 게 데이터가 없었음</a:t>
-            </a:r>
-            <a:r>
-              <a:rPr lang="en-US" altLang="ko-KR" dirty="0"/>
-              <a:t>, </a:t>
-            </a:r>
-            <a:r>
-              <a:rPr lang="ko-KR" altLang="en-US" dirty="0"/>
-              <a:t>그래서 직접 </a:t>
-            </a:r>
-            <a:r>
-              <a:rPr lang="en-US" altLang="ko-KR" dirty="0"/>
-              <a:t>300</a:t>
-            </a:r>
-            <a:r>
-              <a:rPr lang="ko-KR" altLang="en-US" dirty="0"/>
-              <a:t>개 가량의 </a:t>
-            </a:r>
-            <a:r>
-              <a:rPr lang="en-US" altLang="ko-KR" dirty="0"/>
-              <a:t>motherboard</a:t>
-            </a:r>
-            <a:r>
-              <a:rPr lang="ko-KR" altLang="en-US" dirty="0"/>
-              <a:t>를 구하고 </a:t>
-            </a:r>
-            <a:r>
-              <a:rPr lang="en-US" altLang="ko-KR" dirty="0"/>
-              <a:t>argumentation</a:t>
-            </a:r>
-            <a:r>
-              <a:rPr lang="ko-KR" altLang="en-US" dirty="0"/>
-              <a:t>을 통해서 </a:t>
-            </a:r>
-            <a:r>
-              <a:rPr lang="en-US" altLang="ko-KR" dirty="0"/>
-              <a:t>2000</a:t>
-            </a:r>
-            <a:r>
-              <a:rPr lang="ko-KR" altLang="en-US" dirty="0"/>
-              <a:t>개 가량의 데이터 생성 </a:t>
-            </a:r>
-            <a:r>
-              <a:rPr lang="en-US" altLang="ko-KR" dirty="0"/>
-              <a:t>/ </a:t>
-            </a:r>
-            <a:r>
-              <a:rPr lang="ko-KR" altLang="en-US" dirty="0"/>
-              <a:t>툴 사용하여 </a:t>
-            </a:r>
-            <a:r>
-              <a:rPr lang="ko-KR" altLang="en-US" dirty="0" err="1"/>
-              <a:t>라벨링</a:t>
-            </a:r>
+          <p:cNvPr id="4" name="내용 개체 틀 2">
+            <a:extLst>
+              <a:ext uri="{FF2B5EF4-FFF2-40B4-BE49-F238E27FC236}">
+                <a16:creationId xmlns:a16="http://schemas.microsoft.com/office/drawing/2014/main" id="{BA5A0FB1-2278-45CB-AD43-AE50099A0724}"/>
+              </a:ext>
+            </a:extLst>
+          </p:cNvPr>
+          <p:cNvSpPr txBox="1">
+            <a:spLocks/>
+          </p:cNvSpPr>
+          <p:nvPr/>
+        </p:nvSpPr>
+        <p:spPr>
+          <a:xfrm>
+            <a:off x="6319935" y="2141537"/>
+            <a:ext cx="5431971" cy="4351338"/>
+          </a:xfrm>
+          <a:prstGeom prst="rect">
+            <a:avLst/>
+          </a:prstGeom>
+        </p:spPr>
+        <p:txBody>
+          <a:bodyPr vert="horz" lIns="91440" tIns="45720" rIns="91440" bIns="45720" rtlCol="0">
+            <a:normAutofit/>
+          </a:bodyPr>
+          <a:lstStyle>
+            <a:lvl1pPr marL="228600" indent="-228600" algn="l" defTabSz="914400" rtl="0" eaLnBrk="1" latinLnBrk="1" hangingPunct="1">
+              <a:lnSpc>
+                <a:spcPct val="90000"/>
+              </a:lnSpc>
+              <a:spcBef>
+                <a:spcPts val="1000"/>
+              </a:spcBef>
+              <a:buFont typeface="Arial" panose="020B0604020202020204" pitchFamily="34" charset="0"/>
+              <a:buChar char="•"/>
+              <a:defRPr sz="2800" kern="1200">
+                <a:solidFill>
+                  <a:schemeClr val="tx1"/>
+                </a:solidFill>
+                <a:latin typeface="+mn-lt"/>
+                <a:ea typeface="+mn-ea"/>
+                <a:cs typeface="+mn-cs"/>
+              </a:defRPr>
+            </a:lvl1pPr>
+            <a:lvl2pPr marL="685800" indent="-228600" algn="l" defTabSz="914400" rtl="0" eaLnBrk="1" latinLnBrk="1" hangingPunct="1">
+              <a:lnSpc>
+                <a:spcPct val="90000"/>
+              </a:lnSpc>
+              <a:spcBef>
+                <a:spcPts val="500"/>
+              </a:spcBef>
+              <a:buFont typeface="Arial" panose="020B0604020202020204" pitchFamily="34" charset="0"/>
+              <a:buChar char="•"/>
+              <a:defRPr sz="2400" kern="1200">
+                <a:solidFill>
+                  <a:schemeClr val="tx1"/>
+                </a:solidFill>
+                <a:latin typeface="+mn-lt"/>
+                <a:ea typeface="+mn-ea"/>
+                <a:cs typeface="+mn-cs"/>
+              </a:defRPr>
+            </a:lvl2pPr>
+            <a:lvl3pPr marL="1143000" indent="-228600" algn="l" defTabSz="914400" rtl="0" eaLnBrk="1" latinLnBrk="1" hangingPunct="1">
+              <a:lnSpc>
+                <a:spcPct val="90000"/>
+              </a:lnSpc>
+              <a:spcBef>
+                <a:spcPts val="500"/>
+              </a:spcBef>
+              <a:buFont typeface="Arial" panose="020B0604020202020204" pitchFamily="34" charset="0"/>
+              <a:buChar char="•"/>
+              <a:defRPr sz="2000" kern="1200">
+                <a:solidFill>
+                  <a:schemeClr val="tx1"/>
+                </a:solidFill>
+                <a:latin typeface="+mn-lt"/>
+                <a:ea typeface="+mn-ea"/>
+                <a:cs typeface="+mn-cs"/>
+              </a:defRPr>
+            </a:lvl3pPr>
+            <a:lvl4pPr marL="1600200" indent="-228600" algn="l" defTabSz="914400" rtl="0" eaLnBrk="1" latinLnBrk="1" hangingPunct="1">
+              <a:lnSpc>
+                <a:spcPct val="90000"/>
+              </a:lnSpc>
+              <a:spcBef>
+                <a:spcPts val="500"/>
+              </a:spcBef>
+              <a:buFont typeface="Arial" panose="020B0604020202020204" pitchFamily="34" charset="0"/>
+              <a:buChar char="•"/>
+              <a:defRPr sz="1800" kern="1200">
+                <a:solidFill>
+                  <a:schemeClr val="tx1"/>
+                </a:solidFill>
+                <a:latin typeface="+mn-lt"/>
+                <a:ea typeface="+mn-ea"/>
+                <a:cs typeface="+mn-cs"/>
+              </a:defRPr>
+            </a:lvl4pPr>
+            <a:lvl5pPr marL="2057400" indent="-228600" algn="l" defTabSz="914400" rtl="0" eaLnBrk="1" latinLnBrk="1" hangingPunct="1">
+              <a:lnSpc>
+                <a:spcPct val="90000"/>
+              </a:lnSpc>
+              <a:spcBef>
+                <a:spcPts val="500"/>
+              </a:spcBef>
+              <a:buFont typeface="Arial" panose="020B0604020202020204" pitchFamily="34" charset="0"/>
+              <a:buChar char="•"/>
+              <a:defRPr sz="1800" kern="1200">
+                <a:solidFill>
+                  <a:schemeClr val="tx1"/>
+                </a:solidFill>
+                <a:latin typeface="+mn-lt"/>
+                <a:ea typeface="+mn-ea"/>
+                <a:cs typeface="+mn-cs"/>
+              </a:defRPr>
+            </a:lvl5pPr>
+            <a:lvl6pPr marL="2514600" indent="-228600" algn="l" defTabSz="914400" rtl="0" eaLnBrk="1" latinLnBrk="1" hangingPunct="1">
+              <a:lnSpc>
+                <a:spcPct val="90000"/>
+              </a:lnSpc>
+              <a:spcBef>
+                <a:spcPts val="500"/>
+              </a:spcBef>
+              <a:buFont typeface="Arial" panose="020B0604020202020204" pitchFamily="34" charset="0"/>
+              <a:buChar char="•"/>
+              <a:defRPr sz="1800" kern="1200">
+                <a:solidFill>
+                  <a:schemeClr val="tx1"/>
+                </a:solidFill>
+                <a:latin typeface="+mn-lt"/>
+                <a:ea typeface="+mn-ea"/>
+                <a:cs typeface="+mn-cs"/>
+              </a:defRPr>
+            </a:lvl6pPr>
+            <a:lvl7pPr marL="2971800" indent="-228600" algn="l" defTabSz="914400" rtl="0" eaLnBrk="1" latinLnBrk="1" hangingPunct="1">
+              <a:lnSpc>
+                <a:spcPct val="90000"/>
+              </a:lnSpc>
+              <a:spcBef>
+                <a:spcPts val="500"/>
+              </a:spcBef>
+              <a:buFont typeface="Arial" panose="020B0604020202020204" pitchFamily="34" charset="0"/>
+              <a:buChar char="•"/>
+              <a:defRPr sz="1800" kern="1200">
+                <a:solidFill>
+                  <a:schemeClr val="tx1"/>
+                </a:solidFill>
+                <a:latin typeface="+mn-lt"/>
+                <a:ea typeface="+mn-ea"/>
+                <a:cs typeface="+mn-cs"/>
+              </a:defRPr>
+            </a:lvl7pPr>
+            <a:lvl8pPr marL="3429000" indent="-228600" algn="l" defTabSz="914400" rtl="0" eaLnBrk="1" latinLnBrk="1" hangingPunct="1">
+              <a:lnSpc>
+                <a:spcPct val="90000"/>
+              </a:lnSpc>
+              <a:spcBef>
+                <a:spcPts val="500"/>
+              </a:spcBef>
+              <a:buFont typeface="Arial" panose="020B0604020202020204" pitchFamily="34" charset="0"/>
+              <a:buChar char="•"/>
+              <a:defRPr sz="1800" kern="1200">
+                <a:solidFill>
+                  <a:schemeClr val="tx1"/>
+                </a:solidFill>
+                <a:latin typeface="+mn-lt"/>
+                <a:ea typeface="+mn-ea"/>
+                <a:cs typeface="+mn-cs"/>
+              </a:defRPr>
+            </a:lvl8pPr>
+            <a:lvl9pPr marL="3886200" indent="-228600" algn="l" defTabSz="914400" rtl="0" eaLnBrk="1" latinLnBrk="1" hangingPunct="1">
+              <a:lnSpc>
+                <a:spcPct val="90000"/>
+              </a:lnSpc>
+              <a:spcBef>
+                <a:spcPts val="500"/>
+              </a:spcBef>
+              <a:buFont typeface="Arial" panose="020B0604020202020204" pitchFamily="34" charset="0"/>
+              <a:buChar char="•"/>
+              <a:defRPr sz="1800" kern="1200">
+                <a:solidFill>
+                  <a:schemeClr val="tx1"/>
+                </a:solidFill>
+                <a:latin typeface="+mn-lt"/>
+                <a:ea typeface="+mn-ea"/>
+                <a:cs typeface="+mn-cs"/>
+              </a:defRPr>
+            </a:lvl9pPr>
+          </a:lstStyle>
+          <a:p>
+            <a:pPr marL="0" indent="0">
+              <a:buNone/>
+            </a:pPr>
+            <a:r>
+              <a:rPr lang="en-US" altLang="ko-KR" dirty="0"/>
+              <a:t>One-stage-detection YOLO</a:t>
+            </a:r>
+          </a:p>
+          <a:p>
+            <a:pPr marL="0" indent="0">
+              <a:buFont typeface="Arial" panose="020B0604020202020204" pitchFamily="34" charset="0"/>
+              <a:buNone/>
+            </a:pPr>
             <a:endParaRPr lang="en-US" altLang="ko-KR" dirty="0"/>
           </a:p>
           <a:p>
+            <a:pPr>
+              <a:buFontTx/>
+              <a:buChar char="-"/>
+            </a:pPr>
+            <a:r>
+              <a:rPr lang="en-US" altLang="ko-KR" dirty="0"/>
+              <a:t>Image</a:t>
+            </a:r>
+            <a:r>
+              <a:rPr lang="ko-KR" altLang="en-US" dirty="0"/>
+              <a:t>를 예측시에 </a:t>
+            </a:r>
+            <a:r>
+              <a:rPr lang="en-US" altLang="ko-KR" dirty="0"/>
+              <a:t>globally</a:t>
+            </a:r>
+            <a:r>
+              <a:rPr lang="ko-KR" altLang="en-US" dirty="0"/>
+              <a:t>하다는 특징</a:t>
+            </a:r>
             <a:endParaRPr lang="en-US" altLang="ko-KR" dirty="0"/>
           </a:p>
           <a:p>
-            <a:r>
-              <a:rPr lang="ko-KR" altLang="en-US" dirty="0" err="1"/>
-              <a:t>컨버팅을</a:t>
-            </a:r>
-            <a:r>
-              <a:rPr lang="ko-KR" altLang="en-US" dirty="0"/>
-              <a:t> 한 이유 </a:t>
-            </a:r>
-            <a:r>
-              <a:rPr lang="en-US" altLang="ko-KR" dirty="0"/>
-              <a:t>: </a:t>
-            </a:r>
-            <a:r>
-              <a:rPr lang="en-US" altLang="ko-KR" dirty="0" err="1"/>
-              <a:t>PascalVOC</a:t>
-            </a:r>
-            <a:r>
-              <a:rPr lang="ko-KR" altLang="en-US" dirty="0"/>
-              <a:t>로 할 수 있었지만 일반적인 </a:t>
+            <a:pPr>
+              <a:buFontTx/>
+              <a:buChar char="-"/>
+            </a:pPr>
+            <a:endParaRPr lang="en-US" altLang="ko-KR" dirty="0"/>
+          </a:p>
+          <a:p>
+            <a:pPr>
+              <a:buFontTx/>
+              <a:buChar char="-"/>
+            </a:pPr>
+            <a:endParaRPr lang="en-US" altLang="ko-KR" dirty="0"/>
+          </a:p>
+          <a:p>
+            <a:pPr marL="0" indent="0">
+              <a:buFont typeface="Arial" panose="020B0604020202020204" pitchFamily="34" charset="0"/>
+              <a:buNone/>
+            </a:pPr>
+            <a:endParaRPr lang="en-US" altLang="ko-KR" dirty="0"/>
+          </a:p>
+        </p:txBody>
+      </p:sp>
+      <p:sp>
+        <p:nvSpPr>
+          <p:cNvPr id="7" name="내용 개체 틀 2">
+            <a:extLst>
+              <a:ext uri="{FF2B5EF4-FFF2-40B4-BE49-F238E27FC236}">
+                <a16:creationId xmlns:a16="http://schemas.microsoft.com/office/drawing/2014/main" id="{8A15DB39-6D5F-4028-9E94-CDBAE58C7CD5}"/>
+              </a:ext>
+            </a:extLst>
+          </p:cNvPr>
+          <p:cNvSpPr txBox="1">
+            <a:spLocks/>
+          </p:cNvSpPr>
+          <p:nvPr/>
+        </p:nvSpPr>
+        <p:spPr>
+          <a:xfrm>
+            <a:off x="838200" y="2312599"/>
+            <a:ext cx="5431971" cy="4351338"/>
+          </a:xfrm>
+          <a:prstGeom prst="rect">
+            <a:avLst/>
+          </a:prstGeom>
+        </p:spPr>
+        <p:txBody>
+          <a:bodyPr vert="horz" lIns="91440" tIns="45720" rIns="91440" bIns="45720" rtlCol="0">
+            <a:normAutofit/>
+          </a:bodyPr>
+          <a:lstStyle>
+            <a:lvl1pPr marL="228600" indent="-228600" algn="l" defTabSz="914400" rtl="0" eaLnBrk="1" latinLnBrk="1" hangingPunct="1">
+              <a:lnSpc>
+                <a:spcPct val="90000"/>
+              </a:lnSpc>
+              <a:spcBef>
+                <a:spcPts val="1000"/>
+              </a:spcBef>
+              <a:buFont typeface="Arial" panose="020B0604020202020204" pitchFamily="34" charset="0"/>
+              <a:buChar char="•"/>
+              <a:defRPr sz="2800" kern="1200">
+                <a:solidFill>
+                  <a:schemeClr val="tx1"/>
+                </a:solidFill>
+                <a:latin typeface="+mn-lt"/>
+                <a:ea typeface="+mn-ea"/>
+                <a:cs typeface="+mn-cs"/>
+              </a:defRPr>
+            </a:lvl1pPr>
+            <a:lvl2pPr marL="685800" indent="-228600" algn="l" defTabSz="914400" rtl="0" eaLnBrk="1" latinLnBrk="1" hangingPunct="1">
+              <a:lnSpc>
+                <a:spcPct val="90000"/>
+              </a:lnSpc>
+              <a:spcBef>
+                <a:spcPts val="500"/>
+              </a:spcBef>
+              <a:buFont typeface="Arial" panose="020B0604020202020204" pitchFamily="34" charset="0"/>
+              <a:buChar char="•"/>
+              <a:defRPr sz="2400" kern="1200">
+                <a:solidFill>
+                  <a:schemeClr val="tx1"/>
+                </a:solidFill>
+                <a:latin typeface="+mn-lt"/>
+                <a:ea typeface="+mn-ea"/>
+                <a:cs typeface="+mn-cs"/>
+              </a:defRPr>
+            </a:lvl2pPr>
+            <a:lvl3pPr marL="1143000" indent="-228600" algn="l" defTabSz="914400" rtl="0" eaLnBrk="1" latinLnBrk="1" hangingPunct="1">
+              <a:lnSpc>
+                <a:spcPct val="90000"/>
+              </a:lnSpc>
+              <a:spcBef>
+                <a:spcPts val="500"/>
+              </a:spcBef>
+              <a:buFont typeface="Arial" panose="020B0604020202020204" pitchFamily="34" charset="0"/>
+              <a:buChar char="•"/>
+              <a:defRPr sz="2000" kern="1200">
+                <a:solidFill>
+                  <a:schemeClr val="tx1"/>
+                </a:solidFill>
+                <a:latin typeface="+mn-lt"/>
+                <a:ea typeface="+mn-ea"/>
+                <a:cs typeface="+mn-cs"/>
+              </a:defRPr>
+            </a:lvl3pPr>
+            <a:lvl4pPr marL="1600200" indent="-228600" algn="l" defTabSz="914400" rtl="0" eaLnBrk="1" latinLnBrk="1" hangingPunct="1">
+              <a:lnSpc>
+                <a:spcPct val="90000"/>
+              </a:lnSpc>
+              <a:spcBef>
+                <a:spcPts val="500"/>
+              </a:spcBef>
+              <a:buFont typeface="Arial" panose="020B0604020202020204" pitchFamily="34" charset="0"/>
+              <a:buChar char="•"/>
+              <a:defRPr sz="1800" kern="1200">
+                <a:solidFill>
+                  <a:schemeClr val="tx1"/>
+                </a:solidFill>
+                <a:latin typeface="+mn-lt"/>
+                <a:ea typeface="+mn-ea"/>
+                <a:cs typeface="+mn-cs"/>
+              </a:defRPr>
+            </a:lvl4pPr>
+            <a:lvl5pPr marL="2057400" indent="-228600" algn="l" defTabSz="914400" rtl="0" eaLnBrk="1" latinLnBrk="1" hangingPunct="1">
+              <a:lnSpc>
+                <a:spcPct val="90000"/>
+              </a:lnSpc>
+              <a:spcBef>
+                <a:spcPts val="500"/>
+              </a:spcBef>
+              <a:buFont typeface="Arial" panose="020B0604020202020204" pitchFamily="34" charset="0"/>
+              <a:buChar char="•"/>
+              <a:defRPr sz="1800" kern="1200">
+                <a:solidFill>
+                  <a:schemeClr val="tx1"/>
+                </a:solidFill>
+                <a:latin typeface="+mn-lt"/>
+                <a:ea typeface="+mn-ea"/>
+                <a:cs typeface="+mn-cs"/>
+              </a:defRPr>
+            </a:lvl5pPr>
+            <a:lvl6pPr marL="2514600" indent="-228600" algn="l" defTabSz="914400" rtl="0" eaLnBrk="1" latinLnBrk="1" hangingPunct="1">
+              <a:lnSpc>
+                <a:spcPct val="90000"/>
+              </a:lnSpc>
+              <a:spcBef>
+                <a:spcPts val="500"/>
+              </a:spcBef>
+              <a:buFont typeface="Arial" panose="020B0604020202020204" pitchFamily="34" charset="0"/>
+              <a:buChar char="•"/>
+              <a:defRPr sz="1800" kern="1200">
+                <a:solidFill>
+                  <a:schemeClr val="tx1"/>
+                </a:solidFill>
+                <a:latin typeface="+mn-lt"/>
+                <a:ea typeface="+mn-ea"/>
+                <a:cs typeface="+mn-cs"/>
+              </a:defRPr>
+            </a:lvl6pPr>
+            <a:lvl7pPr marL="2971800" indent="-228600" algn="l" defTabSz="914400" rtl="0" eaLnBrk="1" latinLnBrk="1" hangingPunct="1">
+              <a:lnSpc>
+                <a:spcPct val="90000"/>
+              </a:lnSpc>
+              <a:spcBef>
+                <a:spcPts val="500"/>
+              </a:spcBef>
+              <a:buFont typeface="Arial" panose="020B0604020202020204" pitchFamily="34" charset="0"/>
+              <a:buChar char="•"/>
+              <a:defRPr sz="1800" kern="1200">
+                <a:solidFill>
+                  <a:schemeClr val="tx1"/>
+                </a:solidFill>
+                <a:latin typeface="+mn-lt"/>
+                <a:ea typeface="+mn-ea"/>
+                <a:cs typeface="+mn-cs"/>
+              </a:defRPr>
+            </a:lvl7pPr>
+            <a:lvl8pPr marL="3429000" indent="-228600" algn="l" defTabSz="914400" rtl="0" eaLnBrk="1" latinLnBrk="1" hangingPunct="1">
+              <a:lnSpc>
+                <a:spcPct val="90000"/>
+              </a:lnSpc>
+              <a:spcBef>
+                <a:spcPts val="500"/>
+              </a:spcBef>
+              <a:buFont typeface="Arial" panose="020B0604020202020204" pitchFamily="34" charset="0"/>
+              <a:buChar char="•"/>
+              <a:defRPr sz="1800" kern="1200">
+                <a:solidFill>
+                  <a:schemeClr val="tx1"/>
+                </a:solidFill>
+                <a:latin typeface="+mn-lt"/>
+                <a:ea typeface="+mn-ea"/>
+                <a:cs typeface="+mn-cs"/>
+              </a:defRPr>
+            </a:lvl8pPr>
+            <a:lvl9pPr marL="3886200" indent="-228600" algn="l" defTabSz="914400" rtl="0" eaLnBrk="1" latinLnBrk="1" hangingPunct="1">
+              <a:lnSpc>
+                <a:spcPct val="90000"/>
+              </a:lnSpc>
+              <a:spcBef>
+                <a:spcPts val="500"/>
+              </a:spcBef>
+              <a:buFont typeface="Arial" panose="020B0604020202020204" pitchFamily="34" charset="0"/>
+              <a:buChar char="•"/>
+              <a:defRPr sz="1800" kern="1200">
+                <a:solidFill>
+                  <a:schemeClr val="tx1"/>
+                </a:solidFill>
+                <a:latin typeface="+mn-lt"/>
+                <a:ea typeface="+mn-ea"/>
+                <a:cs typeface="+mn-cs"/>
+              </a:defRPr>
+            </a:lvl9pPr>
+          </a:lstStyle>
+          <a:p>
+            <a:pPr marL="0" indent="0">
+              <a:buNone/>
+            </a:pPr>
+            <a:r>
+              <a:rPr lang="en-US" altLang="ko-KR" dirty="0"/>
+              <a:t>two-stage-detection </a:t>
+            </a:r>
+            <a:r>
+              <a:rPr lang="ko-KR" altLang="en-US" dirty="0"/>
+              <a:t>기존 </a:t>
             </a:r>
             <a:r>
               <a:rPr lang="en-US" altLang="ko-KR" dirty="0"/>
@@ -4514,39 +5839,903 @@
             </a:r>
             <a:r>
               <a:rPr lang="ko-KR" altLang="en-US" dirty="0"/>
-              <a:t>과 </a:t>
-            </a:r>
-            <a:r>
-              <a:rPr lang="en-US" altLang="ko-KR" dirty="0"/>
-              <a:t>SSD</a:t>
-            </a:r>
-            <a:r>
-              <a:rPr lang="ko-KR" altLang="en-US" dirty="0"/>
-              <a:t>보다 훨씬 더 빠른 </a:t>
-            </a:r>
-            <a:r>
-              <a:rPr lang="en-US" altLang="ko-KR" dirty="0"/>
-              <a:t>detection</a:t>
-            </a:r>
-            <a:r>
-              <a:rPr lang="ko-KR" altLang="en-US" dirty="0"/>
-              <a:t>을 위해 </a:t>
-            </a:r>
-            <a:r>
-              <a:rPr lang="en-US" altLang="ko-KR" dirty="0"/>
-              <a:t>YOLO </a:t>
-            </a:r>
-            <a:r>
-              <a:rPr lang="ko-KR" altLang="en-US" dirty="0"/>
-              <a:t>사용</a:t>
-            </a:r>
+              <a:t> </a:t>
+            </a:r>
+            <a:endParaRPr lang="en-US" altLang="ko-KR" dirty="0"/>
+          </a:p>
+          <a:p>
+            <a:pPr marL="0" indent="0">
+              <a:buFont typeface="Arial" panose="020B0604020202020204" pitchFamily="34" charset="0"/>
+              <a:buNone/>
+            </a:pPr>
+            <a:endParaRPr lang="en-US" altLang="ko-KR" dirty="0"/>
+          </a:p>
+          <a:p>
+            <a:pPr marL="0" indent="0">
+              <a:buNone/>
+            </a:pPr>
+            <a:r>
+              <a:rPr lang="en-US" altLang="ko-KR" dirty="0"/>
+              <a:t>- region proposal </a:t>
+            </a:r>
+            <a:r>
+              <a:rPr lang="ko-KR" altLang="en-US" dirty="0"/>
+              <a:t>기반 </a:t>
+            </a:r>
+            <a:endParaRPr lang="en-US" altLang="ko-KR" dirty="0"/>
+          </a:p>
+          <a:p>
+            <a:pPr marL="0" indent="0">
+              <a:buFont typeface="Arial" panose="020B0604020202020204" pitchFamily="34" charset="0"/>
+              <a:buNone/>
+            </a:pPr>
+            <a:endParaRPr lang="en-US" altLang="ko-KR" dirty="0"/>
           </a:p>
         </p:txBody>
       </p:sp>
     </p:spTree>
     <p:extLst>
       <p:ext uri="{BB962C8B-B14F-4D97-AF65-F5344CB8AC3E}">
-        <p14:creationId xmlns:p14="http://schemas.microsoft.com/office/powerpoint/2010/main" val="3013333382"/>
+        <p14:creationId xmlns:p14="http://schemas.microsoft.com/office/powerpoint/2010/main" val="3040848978"/>
+      </p:ext>
+    </p:extLst>
+  </p:cSld>
+  <p:clrMapOvr>
+    <a:masterClrMapping/>
+  </p:clrMapOvr>
+</p:sld>
+</file>
+
+<file path=ppt/slides/slide7.xml><?xml version="1.0" encoding="utf-8"?>
+<p:sld xmlns:a="http://schemas.openxmlformats.org/drawingml/2006/main" xmlns:r="http://schemas.openxmlformats.org/officeDocument/2006/relationships" xmlns:p="http://schemas.openxmlformats.org/presentationml/2006/main">
+  <p:cSld>
+    <p:spTree>
+      <p:nvGrpSpPr>
+        <p:cNvPr id="1" name=""/>
+        <p:cNvGrpSpPr/>
+        <p:nvPr/>
+      </p:nvGrpSpPr>
+      <p:grpSpPr>
+        <a:xfrm>
+          <a:off x="0" y="0"/>
+          <a:ext cx="0" cy="0"/>
+          <a:chOff x="0" y="0"/>
+          <a:chExt cx="0" cy="0"/>
+        </a:xfrm>
+      </p:grpSpPr>
+      <p:sp>
+        <p:nvSpPr>
+          <p:cNvPr id="2" name="제목 1">
+            <a:extLst>
+              <a:ext uri="{FF2B5EF4-FFF2-40B4-BE49-F238E27FC236}">
+                <a16:creationId xmlns:a16="http://schemas.microsoft.com/office/drawing/2014/main" id="{AC84B7B7-C920-4137-B8A2-FBF5D5A6E564}"/>
+              </a:ext>
+            </a:extLst>
+          </p:cNvPr>
+          <p:cNvSpPr>
+            <a:spLocks noGrp="1"/>
+          </p:cNvSpPr>
+          <p:nvPr>
+            <p:ph type="title"/>
+          </p:nvPr>
+        </p:nvSpPr>
+        <p:spPr/>
+        <p:txBody>
+          <a:bodyPr/>
+          <a:lstStyle/>
+          <a:p>
+            <a:r>
+              <a:rPr lang="en-US" altLang="ko-KR" dirty="0"/>
+              <a:t>YOLO </a:t>
+            </a:r>
+            <a:r>
+              <a:rPr lang="ko-KR" altLang="en-US" dirty="0"/>
+              <a:t>장점 </a:t>
+            </a:r>
+            <a:r>
+              <a:rPr lang="en-US" altLang="ko-KR" dirty="0"/>
+              <a:t>– 3. Object</a:t>
+            </a:r>
+            <a:r>
+              <a:rPr lang="ko-KR" altLang="en-US" dirty="0"/>
+              <a:t>의 일반적인 특징 학습</a:t>
+            </a:r>
+          </a:p>
+        </p:txBody>
+      </p:sp>
+      <p:sp>
+        <p:nvSpPr>
+          <p:cNvPr id="4" name="내용 개체 틀 2">
+            <a:extLst>
+              <a:ext uri="{FF2B5EF4-FFF2-40B4-BE49-F238E27FC236}">
+                <a16:creationId xmlns:a16="http://schemas.microsoft.com/office/drawing/2014/main" id="{BA5A0FB1-2278-45CB-AD43-AE50099A0724}"/>
+              </a:ext>
+            </a:extLst>
+          </p:cNvPr>
+          <p:cNvSpPr txBox="1">
+            <a:spLocks/>
+          </p:cNvSpPr>
+          <p:nvPr/>
+        </p:nvSpPr>
+        <p:spPr>
+          <a:xfrm>
+            <a:off x="6319935" y="2141537"/>
+            <a:ext cx="5431971" cy="4351338"/>
+          </a:xfrm>
+          <a:prstGeom prst="rect">
+            <a:avLst/>
+          </a:prstGeom>
+        </p:spPr>
+        <p:txBody>
+          <a:bodyPr vert="horz" lIns="91440" tIns="45720" rIns="91440" bIns="45720" rtlCol="0">
+            <a:normAutofit fontScale="92500"/>
+          </a:bodyPr>
+          <a:lstStyle>
+            <a:lvl1pPr marL="228600" indent="-228600" algn="l" defTabSz="914400" rtl="0" eaLnBrk="1" latinLnBrk="1" hangingPunct="1">
+              <a:lnSpc>
+                <a:spcPct val="90000"/>
+              </a:lnSpc>
+              <a:spcBef>
+                <a:spcPts val="1000"/>
+              </a:spcBef>
+              <a:buFont typeface="Arial" panose="020B0604020202020204" pitchFamily="34" charset="0"/>
+              <a:buChar char="•"/>
+              <a:defRPr sz="2800" kern="1200">
+                <a:solidFill>
+                  <a:schemeClr val="tx1"/>
+                </a:solidFill>
+                <a:latin typeface="+mn-lt"/>
+                <a:ea typeface="+mn-ea"/>
+                <a:cs typeface="+mn-cs"/>
+              </a:defRPr>
+            </a:lvl1pPr>
+            <a:lvl2pPr marL="685800" indent="-228600" algn="l" defTabSz="914400" rtl="0" eaLnBrk="1" latinLnBrk="1" hangingPunct="1">
+              <a:lnSpc>
+                <a:spcPct val="90000"/>
+              </a:lnSpc>
+              <a:spcBef>
+                <a:spcPts val="500"/>
+              </a:spcBef>
+              <a:buFont typeface="Arial" panose="020B0604020202020204" pitchFamily="34" charset="0"/>
+              <a:buChar char="•"/>
+              <a:defRPr sz="2400" kern="1200">
+                <a:solidFill>
+                  <a:schemeClr val="tx1"/>
+                </a:solidFill>
+                <a:latin typeface="+mn-lt"/>
+                <a:ea typeface="+mn-ea"/>
+                <a:cs typeface="+mn-cs"/>
+              </a:defRPr>
+            </a:lvl2pPr>
+            <a:lvl3pPr marL="1143000" indent="-228600" algn="l" defTabSz="914400" rtl="0" eaLnBrk="1" latinLnBrk="1" hangingPunct="1">
+              <a:lnSpc>
+                <a:spcPct val="90000"/>
+              </a:lnSpc>
+              <a:spcBef>
+                <a:spcPts val="500"/>
+              </a:spcBef>
+              <a:buFont typeface="Arial" panose="020B0604020202020204" pitchFamily="34" charset="0"/>
+              <a:buChar char="•"/>
+              <a:defRPr sz="2000" kern="1200">
+                <a:solidFill>
+                  <a:schemeClr val="tx1"/>
+                </a:solidFill>
+                <a:latin typeface="+mn-lt"/>
+                <a:ea typeface="+mn-ea"/>
+                <a:cs typeface="+mn-cs"/>
+              </a:defRPr>
+            </a:lvl3pPr>
+            <a:lvl4pPr marL="1600200" indent="-228600" algn="l" defTabSz="914400" rtl="0" eaLnBrk="1" latinLnBrk="1" hangingPunct="1">
+              <a:lnSpc>
+                <a:spcPct val="90000"/>
+              </a:lnSpc>
+              <a:spcBef>
+                <a:spcPts val="500"/>
+              </a:spcBef>
+              <a:buFont typeface="Arial" panose="020B0604020202020204" pitchFamily="34" charset="0"/>
+              <a:buChar char="•"/>
+              <a:defRPr sz="1800" kern="1200">
+                <a:solidFill>
+                  <a:schemeClr val="tx1"/>
+                </a:solidFill>
+                <a:latin typeface="+mn-lt"/>
+                <a:ea typeface="+mn-ea"/>
+                <a:cs typeface="+mn-cs"/>
+              </a:defRPr>
+            </a:lvl4pPr>
+            <a:lvl5pPr marL="2057400" indent="-228600" algn="l" defTabSz="914400" rtl="0" eaLnBrk="1" latinLnBrk="1" hangingPunct="1">
+              <a:lnSpc>
+                <a:spcPct val="90000"/>
+              </a:lnSpc>
+              <a:spcBef>
+                <a:spcPts val="500"/>
+              </a:spcBef>
+              <a:buFont typeface="Arial" panose="020B0604020202020204" pitchFamily="34" charset="0"/>
+              <a:buChar char="•"/>
+              <a:defRPr sz="1800" kern="1200">
+                <a:solidFill>
+                  <a:schemeClr val="tx1"/>
+                </a:solidFill>
+                <a:latin typeface="+mn-lt"/>
+                <a:ea typeface="+mn-ea"/>
+                <a:cs typeface="+mn-cs"/>
+              </a:defRPr>
+            </a:lvl5pPr>
+            <a:lvl6pPr marL="2514600" indent="-228600" algn="l" defTabSz="914400" rtl="0" eaLnBrk="1" latinLnBrk="1" hangingPunct="1">
+              <a:lnSpc>
+                <a:spcPct val="90000"/>
+              </a:lnSpc>
+              <a:spcBef>
+                <a:spcPts val="500"/>
+              </a:spcBef>
+              <a:buFont typeface="Arial" panose="020B0604020202020204" pitchFamily="34" charset="0"/>
+              <a:buChar char="•"/>
+              <a:defRPr sz="1800" kern="1200">
+                <a:solidFill>
+                  <a:schemeClr val="tx1"/>
+                </a:solidFill>
+                <a:latin typeface="+mn-lt"/>
+                <a:ea typeface="+mn-ea"/>
+                <a:cs typeface="+mn-cs"/>
+              </a:defRPr>
+            </a:lvl6pPr>
+            <a:lvl7pPr marL="2971800" indent="-228600" algn="l" defTabSz="914400" rtl="0" eaLnBrk="1" latinLnBrk="1" hangingPunct="1">
+              <a:lnSpc>
+                <a:spcPct val="90000"/>
+              </a:lnSpc>
+              <a:spcBef>
+                <a:spcPts val="500"/>
+              </a:spcBef>
+              <a:buFont typeface="Arial" panose="020B0604020202020204" pitchFamily="34" charset="0"/>
+              <a:buChar char="•"/>
+              <a:defRPr sz="1800" kern="1200">
+                <a:solidFill>
+                  <a:schemeClr val="tx1"/>
+                </a:solidFill>
+                <a:latin typeface="+mn-lt"/>
+                <a:ea typeface="+mn-ea"/>
+                <a:cs typeface="+mn-cs"/>
+              </a:defRPr>
+            </a:lvl7pPr>
+            <a:lvl8pPr marL="3429000" indent="-228600" algn="l" defTabSz="914400" rtl="0" eaLnBrk="1" latinLnBrk="1" hangingPunct="1">
+              <a:lnSpc>
+                <a:spcPct val="90000"/>
+              </a:lnSpc>
+              <a:spcBef>
+                <a:spcPts val="500"/>
+              </a:spcBef>
+              <a:buFont typeface="Arial" panose="020B0604020202020204" pitchFamily="34" charset="0"/>
+              <a:buChar char="•"/>
+              <a:defRPr sz="1800" kern="1200">
+                <a:solidFill>
+                  <a:schemeClr val="tx1"/>
+                </a:solidFill>
+                <a:latin typeface="+mn-lt"/>
+                <a:ea typeface="+mn-ea"/>
+                <a:cs typeface="+mn-cs"/>
+              </a:defRPr>
+            </a:lvl8pPr>
+            <a:lvl9pPr marL="3886200" indent="-228600" algn="l" defTabSz="914400" rtl="0" eaLnBrk="1" latinLnBrk="1" hangingPunct="1">
+              <a:lnSpc>
+                <a:spcPct val="90000"/>
+              </a:lnSpc>
+              <a:spcBef>
+                <a:spcPts val="500"/>
+              </a:spcBef>
+              <a:buFont typeface="Arial" panose="020B0604020202020204" pitchFamily="34" charset="0"/>
+              <a:buChar char="•"/>
+              <a:defRPr sz="1800" kern="1200">
+                <a:solidFill>
+                  <a:schemeClr val="tx1"/>
+                </a:solidFill>
+                <a:latin typeface="+mn-lt"/>
+                <a:ea typeface="+mn-ea"/>
+                <a:cs typeface="+mn-cs"/>
+              </a:defRPr>
+            </a:lvl9pPr>
+          </a:lstStyle>
+          <a:p>
+            <a:pPr marL="0" indent="0">
+              <a:buNone/>
+            </a:pPr>
+            <a:r>
+              <a:rPr lang="en-US" altLang="ko-KR" dirty="0"/>
+              <a:t>One-stage-detection YOLO</a:t>
+            </a:r>
+          </a:p>
+          <a:p>
+            <a:pPr marL="0" indent="0">
+              <a:buFont typeface="Arial" panose="020B0604020202020204" pitchFamily="34" charset="0"/>
+              <a:buNone/>
+            </a:pPr>
+            <a:endParaRPr lang="en-US" altLang="ko-KR" dirty="0"/>
+          </a:p>
+          <a:p>
+            <a:pPr>
+              <a:buFontTx/>
+              <a:buChar char="-"/>
+            </a:pPr>
+            <a:endParaRPr lang="en-US" altLang="ko-KR" dirty="0"/>
+          </a:p>
+          <a:p>
+            <a:pPr>
+              <a:buFontTx/>
+              <a:buChar char="-"/>
+            </a:pPr>
+            <a:r>
+              <a:rPr lang="ko-KR" altLang="en-US" dirty="0"/>
+              <a:t>예술작품이나 자연의 이미지를 학습하거나 테스트할 때</a:t>
+            </a:r>
+            <a:r>
+              <a:rPr lang="en-US" altLang="ko-KR" dirty="0"/>
+              <a:t>, R-CNN</a:t>
+            </a:r>
+            <a:r>
+              <a:rPr lang="ko-KR" altLang="en-US" dirty="0"/>
+              <a:t>같은 강력한 </a:t>
+            </a:r>
+            <a:r>
+              <a:rPr lang="en-US" altLang="ko-KR" dirty="0"/>
+              <a:t>detection</a:t>
+            </a:r>
+            <a:r>
+              <a:rPr lang="ko-KR" altLang="en-US" dirty="0"/>
+              <a:t>보다 </a:t>
+            </a:r>
+            <a:endParaRPr lang="en-US" altLang="ko-KR" dirty="0"/>
+          </a:p>
+          <a:p>
+            <a:pPr>
+              <a:buFontTx/>
+              <a:buChar char="-"/>
+            </a:pPr>
+            <a:r>
+              <a:rPr lang="en-US" altLang="ko-KR" dirty="0"/>
+              <a:t>YOLO</a:t>
+            </a:r>
+            <a:r>
+              <a:rPr lang="ko-KR" altLang="en-US" dirty="0"/>
+              <a:t>는 일반화에 강력화 하기 때문에</a:t>
+            </a:r>
+            <a:r>
+              <a:rPr lang="en-US" altLang="ko-KR" dirty="0"/>
+              <a:t>, </a:t>
+            </a:r>
+            <a:r>
+              <a:rPr lang="ko-KR" altLang="en-US" dirty="0"/>
+              <a:t>새로운 도메인이나 예상하지 못한 </a:t>
+            </a:r>
+            <a:r>
+              <a:rPr lang="en-US" altLang="ko-KR" dirty="0"/>
+              <a:t>input</a:t>
+            </a:r>
+            <a:r>
+              <a:rPr lang="ko-KR" altLang="en-US" dirty="0"/>
+              <a:t>이 들어와도 망가질 확률이 적음</a:t>
+            </a:r>
+            <a:r>
+              <a:rPr lang="en-US" altLang="ko-KR" dirty="0"/>
+              <a:t>.</a:t>
+            </a:r>
+          </a:p>
+          <a:p>
+            <a:pPr>
+              <a:buFontTx/>
+              <a:buChar char="-"/>
+            </a:pPr>
+            <a:endParaRPr lang="en-US" altLang="ko-KR" dirty="0"/>
+          </a:p>
+          <a:p>
+            <a:pPr>
+              <a:buFontTx/>
+              <a:buChar char="-"/>
+            </a:pPr>
+            <a:endParaRPr lang="en-US" altLang="ko-KR" dirty="0"/>
+          </a:p>
+          <a:p>
+            <a:pPr marL="0" indent="0">
+              <a:buFont typeface="Arial" panose="020B0604020202020204" pitchFamily="34" charset="0"/>
+              <a:buNone/>
+            </a:pPr>
+            <a:endParaRPr lang="en-US" altLang="ko-KR" dirty="0"/>
+          </a:p>
+        </p:txBody>
+      </p:sp>
+      <p:sp>
+        <p:nvSpPr>
+          <p:cNvPr id="7" name="내용 개체 틀 2">
+            <a:extLst>
+              <a:ext uri="{FF2B5EF4-FFF2-40B4-BE49-F238E27FC236}">
+                <a16:creationId xmlns:a16="http://schemas.microsoft.com/office/drawing/2014/main" id="{8A15DB39-6D5F-4028-9E94-CDBAE58C7CD5}"/>
+              </a:ext>
+            </a:extLst>
+          </p:cNvPr>
+          <p:cNvSpPr txBox="1">
+            <a:spLocks/>
+          </p:cNvSpPr>
+          <p:nvPr/>
+        </p:nvSpPr>
+        <p:spPr>
+          <a:xfrm>
+            <a:off x="664029" y="2141537"/>
+            <a:ext cx="5431971" cy="4351338"/>
+          </a:xfrm>
+          <a:prstGeom prst="rect">
+            <a:avLst/>
+          </a:prstGeom>
+        </p:spPr>
+        <p:txBody>
+          <a:bodyPr vert="horz" lIns="91440" tIns="45720" rIns="91440" bIns="45720" rtlCol="0">
+            <a:normAutofit/>
+          </a:bodyPr>
+          <a:lstStyle>
+            <a:lvl1pPr marL="228600" indent="-228600" algn="l" defTabSz="914400" rtl="0" eaLnBrk="1" latinLnBrk="1" hangingPunct="1">
+              <a:lnSpc>
+                <a:spcPct val="90000"/>
+              </a:lnSpc>
+              <a:spcBef>
+                <a:spcPts val="1000"/>
+              </a:spcBef>
+              <a:buFont typeface="Arial" panose="020B0604020202020204" pitchFamily="34" charset="0"/>
+              <a:buChar char="•"/>
+              <a:defRPr sz="2800" kern="1200">
+                <a:solidFill>
+                  <a:schemeClr val="tx1"/>
+                </a:solidFill>
+                <a:latin typeface="+mn-lt"/>
+                <a:ea typeface="+mn-ea"/>
+                <a:cs typeface="+mn-cs"/>
+              </a:defRPr>
+            </a:lvl1pPr>
+            <a:lvl2pPr marL="685800" indent="-228600" algn="l" defTabSz="914400" rtl="0" eaLnBrk="1" latinLnBrk="1" hangingPunct="1">
+              <a:lnSpc>
+                <a:spcPct val="90000"/>
+              </a:lnSpc>
+              <a:spcBef>
+                <a:spcPts val="500"/>
+              </a:spcBef>
+              <a:buFont typeface="Arial" panose="020B0604020202020204" pitchFamily="34" charset="0"/>
+              <a:buChar char="•"/>
+              <a:defRPr sz="2400" kern="1200">
+                <a:solidFill>
+                  <a:schemeClr val="tx1"/>
+                </a:solidFill>
+                <a:latin typeface="+mn-lt"/>
+                <a:ea typeface="+mn-ea"/>
+                <a:cs typeface="+mn-cs"/>
+              </a:defRPr>
+            </a:lvl2pPr>
+            <a:lvl3pPr marL="1143000" indent="-228600" algn="l" defTabSz="914400" rtl="0" eaLnBrk="1" latinLnBrk="1" hangingPunct="1">
+              <a:lnSpc>
+                <a:spcPct val="90000"/>
+              </a:lnSpc>
+              <a:spcBef>
+                <a:spcPts val="500"/>
+              </a:spcBef>
+              <a:buFont typeface="Arial" panose="020B0604020202020204" pitchFamily="34" charset="0"/>
+              <a:buChar char="•"/>
+              <a:defRPr sz="2000" kern="1200">
+                <a:solidFill>
+                  <a:schemeClr val="tx1"/>
+                </a:solidFill>
+                <a:latin typeface="+mn-lt"/>
+                <a:ea typeface="+mn-ea"/>
+                <a:cs typeface="+mn-cs"/>
+              </a:defRPr>
+            </a:lvl3pPr>
+            <a:lvl4pPr marL="1600200" indent="-228600" algn="l" defTabSz="914400" rtl="0" eaLnBrk="1" latinLnBrk="1" hangingPunct="1">
+              <a:lnSpc>
+                <a:spcPct val="90000"/>
+              </a:lnSpc>
+              <a:spcBef>
+                <a:spcPts val="500"/>
+              </a:spcBef>
+              <a:buFont typeface="Arial" panose="020B0604020202020204" pitchFamily="34" charset="0"/>
+              <a:buChar char="•"/>
+              <a:defRPr sz="1800" kern="1200">
+                <a:solidFill>
+                  <a:schemeClr val="tx1"/>
+                </a:solidFill>
+                <a:latin typeface="+mn-lt"/>
+                <a:ea typeface="+mn-ea"/>
+                <a:cs typeface="+mn-cs"/>
+              </a:defRPr>
+            </a:lvl4pPr>
+            <a:lvl5pPr marL="2057400" indent="-228600" algn="l" defTabSz="914400" rtl="0" eaLnBrk="1" latinLnBrk="1" hangingPunct="1">
+              <a:lnSpc>
+                <a:spcPct val="90000"/>
+              </a:lnSpc>
+              <a:spcBef>
+                <a:spcPts val="500"/>
+              </a:spcBef>
+              <a:buFont typeface="Arial" panose="020B0604020202020204" pitchFamily="34" charset="0"/>
+              <a:buChar char="•"/>
+              <a:defRPr sz="1800" kern="1200">
+                <a:solidFill>
+                  <a:schemeClr val="tx1"/>
+                </a:solidFill>
+                <a:latin typeface="+mn-lt"/>
+                <a:ea typeface="+mn-ea"/>
+                <a:cs typeface="+mn-cs"/>
+              </a:defRPr>
+            </a:lvl5pPr>
+            <a:lvl6pPr marL="2514600" indent="-228600" algn="l" defTabSz="914400" rtl="0" eaLnBrk="1" latinLnBrk="1" hangingPunct="1">
+              <a:lnSpc>
+                <a:spcPct val="90000"/>
+              </a:lnSpc>
+              <a:spcBef>
+                <a:spcPts val="500"/>
+              </a:spcBef>
+              <a:buFont typeface="Arial" panose="020B0604020202020204" pitchFamily="34" charset="0"/>
+              <a:buChar char="•"/>
+              <a:defRPr sz="1800" kern="1200">
+                <a:solidFill>
+                  <a:schemeClr val="tx1"/>
+                </a:solidFill>
+                <a:latin typeface="+mn-lt"/>
+                <a:ea typeface="+mn-ea"/>
+                <a:cs typeface="+mn-cs"/>
+              </a:defRPr>
+            </a:lvl6pPr>
+            <a:lvl7pPr marL="2971800" indent="-228600" algn="l" defTabSz="914400" rtl="0" eaLnBrk="1" latinLnBrk="1" hangingPunct="1">
+              <a:lnSpc>
+                <a:spcPct val="90000"/>
+              </a:lnSpc>
+              <a:spcBef>
+                <a:spcPts val="500"/>
+              </a:spcBef>
+              <a:buFont typeface="Arial" panose="020B0604020202020204" pitchFamily="34" charset="0"/>
+              <a:buChar char="•"/>
+              <a:defRPr sz="1800" kern="1200">
+                <a:solidFill>
+                  <a:schemeClr val="tx1"/>
+                </a:solidFill>
+                <a:latin typeface="+mn-lt"/>
+                <a:ea typeface="+mn-ea"/>
+                <a:cs typeface="+mn-cs"/>
+              </a:defRPr>
+            </a:lvl7pPr>
+            <a:lvl8pPr marL="3429000" indent="-228600" algn="l" defTabSz="914400" rtl="0" eaLnBrk="1" latinLnBrk="1" hangingPunct="1">
+              <a:lnSpc>
+                <a:spcPct val="90000"/>
+              </a:lnSpc>
+              <a:spcBef>
+                <a:spcPts val="500"/>
+              </a:spcBef>
+              <a:buFont typeface="Arial" panose="020B0604020202020204" pitchFamily="34" charset="0"/>
+              <a:buChar char="•"/>
+              <a:defRPr sz="1800" kern="1200">
+                <a:solidFill>
+                  <a:schemeClr val="tx1"/>
+                </a:solidFill>
+                <a:latin typeface="+mn-lt"/>
+                <a:ea typeface="+mn-ea"/>
+                <a:cs typeface="+mn-cs"/>
+              </a:defRPr>
+            </a:lvl8pPr>
+            <a:lvl9pPr marL="3886200" indent="-228600" algn="l" defTabSz="914400" rtl="0" eaLnBrk="1" latinLnBrk="1" hangingPunct="1">
+              <a:lnSpc>
+                <a:spcPct val="90000"/>
+              </a:lnSpc>
+              <a:spcBef>
+                <a:spcPts val="500"/>
+              </a:spcBef>
+              <a:buFont typeface="Arial" panose="020B0604020202020204" pitchFamily="34" charset="0"/>
+              <a:buChar char="•"/>
+              <a:defRPr sz="1800" kern="1200">
+                <a:solidFill>
+                  <a:schemeClr val="tx1"/>
+                </a:solidFill>
+                <a:latin typeface="+mn-lt"/>
+                <a:ea typeface="+mn-ea"/>
+                <a:cs typeface="+mn-cs"/>
+              </a:defRPr>
+            </a:lvl9pPr>
+          </a:lstStyle>
+          <a:p>
+            <a:pPr marL="0" indent="0">
+              <a:buNone/>
+            </a:pPr>
+            <a:r>
+              <a:rPr lang="en-US" altLang="ko-KR" dirty="0"/>
+              <a:t>two-stage-detection </a:t>
+            </a:r>
+            <a:r>
+              <a:rPr lang="ko-KR" altLang="en-US" dirty="0"/>
+              <a:t>기존 </a:t>
+            </a:r>
+            <a:r>
+              <a:rPr lang="en-US" altLang="ko-KR" dirty="0"/>
+              <a:t>R-CNN</a:t>
+            </a:r>
+            <a:r>
+              <a:rPr lang="ko-KR" altLang="en-US" dirty="0"/>
+              <a:t> </a:t>
+            </a:r>
+            <a:endParaRPr lang="en-US" altLang="ko-KR" dirty="0"/>
+          </a:p>
+          <a:p>
+            <a:pPr marL="0" indent="0">
+              <a:buFont typeface="Arial" panose="020B0604020202020204" pitchFamily="34" charset="0"/>
+              <a:buNone/>
+            </a:pPr>
+            <a:endParaRPr lang="en-US" altLang="ko-KR" dirty="0"/>
+          </a:p>
+          <a:p>
+            <a:pPr marL="0" indent="0">
+              <a:buFont typeface="Arial" panose="020B0604020202020204" pitchFamily="34" charset="0"/>
+              <a:buNone/>
+            </a:pPr>
+            <a:endParaRPr lang="en-US" altLang="ko-KR" dirty="0"/>
+          </a:p>
+        </p:txBody>
+      </p:sp>
+    </p:spTree>
+    <p:extLst>
+      <p:ext uri="{BB962C8B-B14F-4D97-AF65-F5344CB8AC3E}">
+        <p14:creationId xmlns:p14="http://schemas.microsoft.com/office/powerpoint/2010/main" val="3582679547"/>
+      </p:ext>
+    </p:extLst>
+  </p:cSld>
+  <p:clrMapOvr>
+    <a:masterClrMapping/>
+  </p:clrMapOvr>
+</p:sld>
+</file>
+
+<file path=ppt/slides/slide8.xml><?xml version="1.0" encoding="utf-8"?>
+<p:sld xmlns:a="http://schemas.openxmlformats.org/drawingml/2006/main" xmlns:r="http://schemas.openxmlformats.org/officeDocument/2006/relationships" xmlns:p="http://schemas.openxmlformats.org/presentationml/2006/main">
+  <p:cSld>
+    <p:spTree>
+      <p:nvGrpSpPr>
+        <p:cNvPr id="1" name=""/>
+        <p:cNvGrpSpPr/>
+        <p:nvPr/>
+      </p:nvGrpSpPr>
+      <p:grpSpPr>
+        <a:xfrm>
+          <a:off x="0" y="0"/>
+          <a:ext cx="0" cy="0"/>
+          <a:chOff x="0" y="0"/>
+          <a:chExt cx="0" cy="0"/>
+        </a:xfrm>
+      </p:grpSpPr>
+      <p:sp>
+        <p:nvSpPr>
+          <p:cNvPr id="2" name="제목 1">
+            <a:extLst>
+              <a:ext uri="{FF2B5EF4-FFF2-40B4-BE49-F238E27FC236}">
+                <a16:creationId xmlns:a16="http://schemas.microsoft.com/office/drawing/2014/main" id="{2A7EA036-AC34-4DA9-BA55-6286A4D5F385}"/>
+              </a:ext>
+            </a:extLst>
+          </p:cNvPr>
+          <p:cNvSpPr>
+            <a:spLocks noGrp="1"/>
+          </p:cNvSpPr>
+          <p:nvPr>
+            <p:ph type="title"/>
+          </p:nvPr>
+        </p:nvSpPr>
+        <p:spPr/>
+        <p:txBody>
+          <a:bodyPr/>
+          <a:lstStyle/>
+          <a:p>
+            <a:r>
+              <a:rPr lang="en-US" altLang="ko-KR" dirty="0"/>
+              <a:t>YOLO v3 </a:t>
+            </a:r>
+            <a:r>
+              <a:rPr lang="ko-KR" altLang="en-US" dirty="0"/>
+              <a:t>특징</a:t>
+            </a:r>
+          </a:p>
+        </p:txBody>
+      </p:sp>
+      <p:sp>
+        <p:nvSpPr>
+          <p:cNvPr id="3" name="내용 개체 틀 2">
+            <a:extLst>
+              <a:ext uri="{FF2B5EF4-FFF2-40B4-BE49-F238E27FC236}">
+                <a16:creationId xmlns:a16="http://schemas.microsoft.com/office/drawing/2014/main" id="{9BD480D3-B3AA-4EDC-A7BF-4DC77625FA6E}"/>
+              </a:ext>
+            </a:extLst>
+          </p:cNvPr>
+          <p:cNvSpPr>
+            <a:spLocks noGrp="1"/>
+          </p:cNvSpPr>
+          <p:nvPr>
+            <p:ph idx="1"/>
+          </p:nvPr>
+        </p:nvSpPr>
+        <p:spPr/>
+        <p:txBody>
+          <a:bodyPr/>
+          <a:lstStyle/>
+          <a:p>
+            <a:r>
+              <a:rPr lang="ko-KR" altLang="en-US" dirty="0"/>
+              <a:t>기존 </a:t>
+            </a:r>
+            <a:r>
+              <a:rPr lang="en-US" altLang="ko-KR" dirty="0"/>
+              <a:t>YOLO</a:t>
+            </a:r>
+            <a:r>
+              <a:rPr lang="ko-KR" altLang="en-US" dirty="0"/>
+              <a:t>의 특징에서</a:t>
+            </a:r>
+            <a:endParaRPr lang="en-US" altLang="ko-KR" dirty="0"/>
+          </a:p>
+          <a:p>
+            <a:endParaRPr lang="en-US" altLang="ko-KR" dirty="0"/>
+          </a:p>
+          <a:p>
+            <a:r>
+              <a:rPr lang="en-US" altLang="ko-KR" dirty="0"/>
+              <a:t>YOLO v3</a:t>
+            </a:r>
+            <a:r>
+              <a:rPr lang="ko-KR" altLang="en-US" dirty="0"/>
+              <a:t>는 </a:t>
+            </a:r>
+            <a:r>
+              <a:rPr lang="en-US" altLang="ko-KR" dirty="0"/>
+              <a:t>C</a:t>
+            </a:r>
+            <a:r>
+              <a:rPr lang="ko-KR" altLang="en-US" dirty="0"/>
+              <a:t>언어 개발로 구현되어</a:t>
+            </a:r>
+            <a:r>
+              <a:rPr lang="en-US" altLang="ko-KR" dirty="0"/>
+              <a:t>, R-CNN</a:t>
+            </a:r>
+            <a:r>
+              <a:rPr lang="ko-KR" altLang="en-US" dirty="0"/>
+              <a:t>의 </a:t>
+            </a:r>
+            <a:r>
+              <a:rPr lang="en-US" altLang="ko-KR" dirty="0"/>
+              <a:t>1000</a:t>
+            </a:r>
+            <a:r>
+              <a:rPr lang="ko-KR" altLang="en-US" dirty="0"/>
+              <a:t>배</a:t>
+            </a:r>
+            <a:r>
+              <a:rPr lang="en-US" altLang="ko-KR" dirty="0"/>
+              <a:t>, Fast R-CNN</a:t>
+            </a:r>
+            <a:r>
+              <a:rPr lang="ko-KR" altLang="en-US" dirty="0"/>
+              <a:t>의 </a:t>
+            </a:r>
+            <a:r>
+              <a:rPr lang="en-US" altLang="ko-KR" dirty="0"/>
+              <a:t>100</a:t>
+            </a:r>
+            <a:r>
+              <a:rPr lang="ko-KR" altLang="en-US" dirty="0"/>
+              <a:t>배의 속도</a:t>
+            </a:r>
+            <a:r>
+              <a:rPr lang="en-US" altLang="ko-KR" dirty="0"/>
+              <a:t>.</a:t>
+            </a:r>
+          </a:p>
+          <a:p>
+            <a:endParaRPr lang="ko-KR" altLang="en-US" dirty="0"/>
+          </a:p>
+        </p:txBody>
+      </p:sp>
+    </p:spTree>
+    <p:extLst>
+      <p:ext uri="{BB962C8B-B14F-4D97-AF65-F5344CB8AC3E}">
+        <p14:creationId xmlns:p14="http://schemas.microsoft.com/office/powerpoint/2010/main" val="754381718"/>
+      </p:ext>
+    </p:extLst>
+  </p:cSld>
+  <p:clrMapOvr>
+    <a:masterClrMapping/>
+  </p:clrMapOvr>
+</p:sld>
+</file>
+
+<file path=ppt/slides/slide9.xml><?xml version="1.0" encoding="utf-8"?>
+<p:sld xmlns:a="http://schemas.openxmlformats.org/drawingml/2006/main" xmlns:r="http://schemas.openxmlformats.org/officeDocument/2006/relationships" xmlns:p="http://schemas.openxmlformats.org/presentationml/2006/main">
+  <p:cSld>
+    <p:spTree>
+      <p:nvGrpSpPr>
+        <p:cNvPr id="1" name=""/>
+        <p:cNvGrpSpPr/>
+        <p:nvPr/>
+      </p:nvGrpSpPr>
+      <p:grpSpPr>
+        <a:xfrm>
+          <a:off x="0" y="0"/>
+          <a:ext cx="0" cy="0"/>
+          <a:chOff x="0" y="0"/>
+          <a:chExt cx="0" cy="0"/>
+        </a:xfrm>
+      </p:grpSpPr>
+      <p:sp>
+        <p:nvSpPr>
+          <p:cNvPr id="2" name="제목 1">
+            <a:extLst>
+              <a:ext uri="{FF2B5EF4-FFF2-40B4-BE49-F238E27FC236}">
+                <a16:creationId xmlns:a16="http://schemas.microsoft.com/office/drawing/2014/main" id="{F6B60E02-6A56-4417-842A-0F0DB5DFEE42}"/>
+              </a:ext>
+            </a:extLst>
+          </p:cNvPr>
+          <p:cNvSpPr>
+            <a:spLocks noGrp="1"/>
+          </p:cNvSpPr>
+          <p:nvPr>
+            <p:ph type="title"/>
+          </p:nvPr>
+        </p:nvSpPr>
+        <p:spPr>
+          <a:xfrm>
+            <a:off x="838200" y="365125"/>
+            <a:ext cx="10515600" cy="1325563"/>
+          </a:xfrm>
+        </p:spPr>
+        <p:txBody>
+          <a:bodyPr/>
+          <a:lstStyle/>
+          <a:p>
+            <a:r>
+              <a:rPr lang="en-US" altLang="ko-KR"/>
+              <a:t>YOLO v3 </a:t>
+            </a:r>
+            <a:r>
+              <a:rPr lang="ko-KR" altLang="en-US"/>
+              <a:t>그래프</a:t>
+            </a:r>
+            <a:endParaRPr lang="ko-KR" altLang="en-US" dirty="0"/>
+          </a:p>
+        </p:txBody>
+      </p:sp>
+      <p:pic>
+        <p:nvPicPr>
+          <p:cNvPr id="9" name="내용 개체 틀 8">
+            <a:extLst>
+              <a:ext uri="{FF2B5EF4-FFF2-40B4-BE49-F238E27FC236}">
+                <a16:creationId xmlns:a16="http://schemas.microsoft.com/office/drawing/2014/main" id="{46222702-B161-4198-9EBC-848639FB0B8C}"/>
+              </a:ext>
+            </a:extLst>
+          </p:cNvPr>
+          <p:cNvPicPr>
+            <a:picLocks noGrp="1" noChangeAspect="1"/>
+          </p:cNvPicPr>
+          <p:nvPr>
+            <p:ph idx="1"/>
+          </p:nvPr>
+        </p:nvPicPr>
+        <p:blipFill>
+          <a:blip r:embed="rId2">
+            <a:extLst>
+              <a:ext uri="{28A0092B-C50C-407E-A947-70E740481C1C}">
+                <a14:useLocalDpi xmlns:a14="http://schemas.microsoft.com/office/drawing/2010/main" val="0"/>
+              </a:ext>
+            </a:extLst>
+          </a:blip>
+          <a:stretch>
+            <a:fillRect/>
+          </a:stretch>
+        </p:blipFill>
+        <p:spPr>
+          <a:xfrm>
+            <a:off x="1725186" y="1690688"/>
+            <a:ext cx="7558287" cy="4351338"/>
+          </a:xfrm>
+        </p:spPr>
+      </p:pic>
+    </p:spTree>
+    <p:extLst>
+      <p:ext uri="{BB962C8B-B14F-4D97-AF65-F5344CB8AC3E}">
+        <p14:creationId xmlns:p14="http://schemas.microsoft.com/office/powerpoint/2010/main" val="3421136748"/>
       </p:ext>
     </p:extLst>
   </p:cSld>

--- a/2. 발표자료/PC조립 헬퍼 최종본.pptx
+++ b/2. 발표자료/PC조립 헬퍼 최종본.pptx
@@ -7,17 +7,15 @@
   <p:sldIdLst>
     <p:sldId id="256" r:id="rId2"/>
     <p:sldId id="257" r:id="rId3"/>
-    <p:sldId id="263" r:id="rId4"/>
-    <p:sldId id="264" r:id="rId5"/>
-    <p:sldId id="267" r:id="rId6"/>
-    <p:sldId id="268" r:id="rId7"/>
-    <p:sldId id="270" r:id="rId8"/>
-    <p:sldId id="265" r:id="rId9"/>
-    <p:sldId id="266" r:id="rId10"/>
-    <p:sldId id="258" r:id="rId11"/>
-    <p:sldId id="259" r:id="rId12"/>
-    <p:sldId id="260" r:id="rId13"/>
-    <p:sldId id="261" r:id="rId14"/>
+    <p:sldId id="258" r:id="rId4"/>
+    <p:sldId id="259" r:id="rId5"/>
+    <p:sldId id="273" r:id="rId6"/>
+    <p:sldId id="263" r:id="rId7"/>
+    <p:sldId id="267" r:id="rId8"/>
+    <p:sldId id="271" r:id="rId9"/>
+    <p:sldId id="260" r:id="rId10"/>
+    <p:sldId id="272" r:id="rId11"/>
+    <p:sldId id="274" r:id="rId12"/>
   </p:sldIdLst>
   <p:sldSz cx="12192000" cy="6858000"/>
   <p:notesSz cx="6858000" cy="9144000"/>
@@ -3324,6 +3322,14 @@
 <file path=ppt/slides/slide1.xml><?xml version="1.0" encoding="utf-8"?>
 <p:sld xmlns:a="http://schemas.openxmlformats.org/drawingml/2006/main" xmlns:r="http://schemas.openxmlformats.org/officeDocument/2006/relationships" xmlns:p="http://schemas.openxmlformats.org/presentationml/2006/main">
   <p:cSld>
+    <p:bg>
+      <p:bgPr>
+        <a:solidFill>
+          <a:schemeClr val="bg1"/>
+        </a:solidFill>
+        <a:effectLst/>
+      </p:bgPr>
+    </p:bg>
     <p:spTree>
       <p:nvGrpSpPr>
         <p:cNvPr id="1" name=""/>
@@ -3338,154 +3344,77 @@
           <a:chExt cx="0" cy="0"/>
         </a:xfrm>
       </p:grpSpPr>
-      <p:sp>
-        <p:nvSpPr>
-          <p:cNvPr id="2" name="제목 1">
-            <a:extLst>
-              <a:ext uri="{FF2B5EF4-FFF2-40B4-BE49-F238E27FC236}">
-                <a16:creationId xmlns:a16="http://schemas.microsoft.com/office/drawing/2014/main" id="{2F1154F3-1E3E-435D-A4A8-9271A2207A80}"/>
-              </a:ext>
-            </a:extLst>
-          </p:cNvPr>
-          <p:cNvSpPr>
-            <a:spLocks noGrp="1"/>
-          </p:cNvSpPr>
-          <p:nvPr>
-            <p:ph type="ctrTitle"/>
-          </p:nvPr>
-        </p:nvSpPr>
-        <p:spPr>
-          <a:xfrm>
-            <a:off x="6737684" y="406400"/>
-            <a:ext cx="4652210" cy="2387600"/>
-          </a:xfrm>
-        </p:spPr>
-        <p:txBody>
-          <a:bodyPr>
-            <a:normAutofit fontScale="90000"/>
-          </a:bodyPr>
-          <a:lstStyle/>
-          <a:p>
-            <a:pPr algn="r"/>
-            <a:r>
-              <a:rPr lang="en-US" altLang="ko-KR" sz="9600" b="1" dirty="0"/>
-              <a:t>PC</a:t>
-            </a:r>
-            <a:r>
-              <a:rPr lang="ko-KR" altLang="en-US" sz="9600" dirty="0"/>
-              <a:t>조립</a:t>
-            </a:r>
-            <a:r>
-              <a:rPr lang="ko-KR" altLang="en-US" dirty="0"/>
-              <a:t> </a:t>
-            </a:r>
-            <a:r>
-              <a:rPr lang="ko-KR" altLang="en-US" sz="9600" dirty="0" err="1"/>
-              <a:t>헬퍼</a:t>
-            </a:r>
-            <a:endParaRPr lang="ko-KR" altLang="en-US" sz="9600" dirty="0"/>
-          </a:p>
-        </p:txBody>
-      </p:sp>
-      <p:sp>
-        <p:nvSpPr>
-          <p:cNvPr id="3" name="부제목 2">
-            <a:extLst>
-              <a:ext uri="{FF2B5EF4-FFF2-40B4-BE49-F238E27FC236}">
-                <a16:creationId xmlns:a16="http://schemas.microsoft.com/office/drawing/2014/main" id="{B3740488-2BB0-4E76-A43C-181904C1696F}"/>
-              </a:ext>
-            </a:extLst>
-          </p:cNvPr>
-          <p:cNvSpPr>
-            <a:spLocks noGrp="1"/>
-          </p:cNvSpPr>
-          <p:nvPr>
-            <p:ph type="subTitle" idx="1"/>
-          </p:nvPr>
-        </p:nvSpPr>
-        <p:spPr>
-          <a:xfrm>
-            <a:off x="8165431" y="3562514"/>
-            <a:ext cx="3224463" cy="3030791"/>
-          </a:xfrm>
-        </p:spPr>
-        <p:txBody>
-          <a:bodyPr>
-            <a:normAutofit fontScale="92500" lnSpcReduction="10000"/>
-          </a:bodyPr>
-          <a:lstStyle/>
-          <a:p>
-            <a:endParaRPr lang="en-US" altLang="ko-KR" dirty="0"/>
-          </a:p>
-          <a:p>
-            <a:pPr algn="r"/>
-            <a:r>
-              <a:rPr lang="en-US" altLang="ko-KR" sz="4000" dirty="0" err="1"/>
-              <a:t>PentaCore</a:t>
-            </a:r>
-            <a:endParaRPr lang="en-US" altLang="ko-KR" sz="4000" dirty="0"/>
-          </a:p>
-          <a:p>
-            <a:pPr algn="r"/>
-            <a:r>
-              <a:rPr lang="ko-KR" altLang="en-US" dirty="0" err="1"/>
-              <a:t>김도영</a:t>
-            </a:r>
-            <a:endParaRPr lang="en-US" altLang="ko-KR" dirty="0"/>
-          </a:p>
-          <a:p>
-            <a:pPr algn="r"/>
-            <a:r>
-              <a:rPr lang="ko-KR" altLang="en-US" dirty="0"/>
-              <a:t>김재정</a:t>
-            </a:r>
-            <a:endParaRPr lang="en-US" altLang="ko-KR" dirty="0"/>
-          </a:p>
-          <a:p>
-            <a:pPr algn="r"/>
-            <a:r>
-              <a:rPr lang="ko-KR" altLang="en-US" dirty="0"/>
-              <a:t>박정우</a:t>
-            </a:r>
-            <a:endParaRPr lang="en-US" altLang="ko-KR" dirty="0"/>
-          </a:p>
-          <a:p>
-            <a:pPr algn="r"/>
-            <a:r>
-              <a:rPr lang="ko-KR" altLang="en-US" dirty="0"/>
-              <a:t>이규진</a:t>
-            </a:r>
-            <a:endParaRPr lang="en-US" altLang="ko-KR" dirty="0"/>
-          </a:p>
-          <a:p>
-            <a:pPr algn="r"/>
-            <a:r>
-              <a:rPr lang="ko-KR" altLang="en-US" dirty="0"/>
-              <a:t>임동욱</a:t>
-            </a:r>
-            <a:endParaRPr lang="en-US" altLang="ko-KR" dirty="0"/>
-          </a:p>
-          <a:p>
-            <a:endParaRPr lang="en-US" altLang="ko-KR" dirty="0"/>
-          </a:p>
-        </p:txBody>
-      </p:sp>
       <p:pic>
         <p:nvPicPr>
-          <p:cNvPr id="5" name="그림 4">
-            <a:extLst>
-              <a:ext uri="{FF2B5EF4-FFF2-40B4-BE49-F238E27FC236}">
-                <a16:creationId xmlns:a16="http://schemas.microsoft.com/office/drawing/2014/main" id="{1E02B5C4-6066-49D6-A451-C45DBD24B37F}"/>
+          <p:cNvPr id="10" name="Picture 4" descr="msi asus wallpaper에 대한 이미지 검색결과">
+            <a:extLst>
+              <a:ext uri="{FF2B5EF4-FFF2-40B4-BE49-F238E27FC236}">
+                <a16:creationId xmlns:a16="http://schemas.microsoft.com/office/drawing/2014/main" id="{57A7E38D-F49C-4683-9080-F4198733CD15}"/>
               </a:ext>
             </a:extLst>
           </p:cNvPr>
           <p:cNvPicPr>
-            <a:picLocks noChangeAspect="1"/>
+            <a:picLocks noChangeAspect="1" noChangeArrowheads="1"/>
           </p:cNvPicPr>
           <p:nvPr/>
         </p:nvPicPr>
+        <p:blipFill rotWithShape="1">
+          <a:blip r:embed="rId2">
+            <a:alphaModFix/>
+            <a:extLst>
+              <a:ext uri="{28A0092B-C50C-407E-A947-70E740481C1C}">
+                <a14:useLocalDpi xmlns:a14="http://schemas.microsoft.com/office/drawing/2010/main" val="0"/>
+              </a:ext>
+            </a:extLst>
+          </a:blip>
+          <a:srcRect r="6764"/>
+          <a:stretch/>
+        </p:blipFill>
+        <p:spPr bwMode="auto">
+          <a:xfrm>
+            <a:off x="5797543" y="10"/>
+            <a:ext cx="6394152" cy="6857990"/>
+          </a:xfrm>
+          <a:prstGeom prst="rect">
+            <a:avLst/>
+          </a:prstGeom>
+          <a:noFill/>
+          <a:extLst>
+            <a:ext uri="{909E8E84-426E-40DD-AFC4-6F175D3DCCD1}">
+              <a14:hiddenFill xmlns:a14="http://schemas.microsoft.com/office/drawing/2010/main">
+                <a:solidFill>
+                  <a:srgbClr val="FFFFFF"/>
+                </a:solidFill>
+              </a14:hiddenFill>
+            </a:ext>
+          </a:extLst>
+        </p:spPr>
+      </p:pic>
+      <p:pic>
+        <p:nvPicPr>
+          <p:cNvPr id="15" name="Picture 14">
+            <a:extLst>
+              <a:ext uri="{FF2B5EF4-FFF2-40B4-BE49-F238E27FC236}">
+                <a16:creationId xmlns:a16="http://schemas.microsoft.com/office/drawing/2014/main" id="{54DDEBDD-D8BD-41A6-8A0D-B00E3768B0F9}"/>
+              </a:ext>
+              <a:ext uri="{C183D7F6-B498-43B3-948B-1728B52AA6E4}">
+                <adec:decorative xmlns:adec="http://schemas.microsoft.com/office/drawing/2017/decorative" val="1"/>
+              </a:ext>
+            </a:extLst>
+          </p:cNvPr>
+          <p:cNvPicPr>
+            <a:picLocks noGrp="1" noRot="1" noChangeAspect="1" noMove="1" noResize="1" noEditPoints="1" noAdjustHandles="1" noChangeArrowheads="1" noChangeShapeType="1" noCrop="1"/>
+          </p:cNvPicPr>
+          <p:nvPr>
+            <p:extLst>
+              <p:ext uri="{386F3935-93C4-4BCD-93E2-E3B085C9AB24}">
+                <p16:designElem xmlns:p16="http://schemas.microsoft.com/office/powerpoint/2015/main" val="1"/>
+              </p:ext>
+            </p:extLst>
+          </p:nvPr>
+        </p:nvPicPr>
         <p:blipFill>
-          <a:blip r:embed="rId2">
+          <a:blip r:embed="rId3">
             <a:extLst>
               <a:ext uri="{28A0092B-C50C-407E-A947-70E740481C1C}">
                 <a14:useLocalDpi xmlns:a14="http://schemas.microsoft.com/office/drawing/2010/main" val="0"/>
@@ -3497,51 +3426,374 @@
           </a:stretch>
         </p:blipFill>
         <p:spPr>
-          <a:xfrm>
-            <a:off x="3296874" y="3965364"/>
-            <a:ext cx="4231766" cy="2225090"/>
+          <a:xfrm flipH="1" flipV="1">
+            <a:off x="0" y="0"/>
+            <a:ext cx="12192000" cy="6858000"/>
           </a:xfrm>
           <a:prstGeom prst="rect">
             <a:avLst/>
           </a:prstGeom>
         </p:spPr>
       </p:pic>
-      <p:pic>
-        <p:nvPicPr>
-          <p:cNvPr id="9" name="그림 8">
-            <a:extLst>
-              <a:ext uri="{FF2B5EF4-FFF2-40B4-BE49-F238E27FC236}">
-                <a16:creationId xmlns:a16="http://schemas.microsoft.com/office/drawing/2014/main" id="{7A10FB33-52D2-473F-8E1A-ADD90A0BA248}"/>
-              </a:ext>
-            </a:extLst>
-          </p:cNvPr>
-          <p:cNvPicPr>
-            <a:picLocks noChangeAspect="1"/>
-          </p:cNvPicPr>
-          <p:nvPr/>
-        </p:nvPicPr>
-        <p:blipFill>
-          <a:blip r:embed="rId3">
-            <a:extLst>
-              <a:ext uri="{28A0092B-C50C-407E-A947-70E740481C1C}">
-                <a14:useLocalDpi xmlns:a14="http://schemas.microsoft.com/office/drawing/2010/main" val="0"/>
-              </a:ext>
-            </a:extLst>
-          </a:blip>
-          <a:stretch>
-            <a:fillRect/>
-          </a:stretch>
-        </p:blipFill>
+      <p:sp>
+        <p:nvSpPr>
+          <p:cNvPr id="2" name="제목 1">
+            <a:extLst>
+              <a:ext uri="{FF2B5EF4-FFF2-40B4-BE49-F238E27FC236}">
+                <a16:creationId xmlns:a16="http://schemas.microsoft.com/office/drawing/2014/main" id="{2F1154F3-1E3E-435D-A4A8-9271A2207A80}"/>
+              </a:ext>
+            </a:extLst>
+          </p:cNvPr>
+          <p:cNvSpPr>
+            <a:spLocks noGrp="1"/>
+          </p:cNvSpPr>
+          <p:nvPr>
+            <p:ph type="ctrTitle"/>
+          </p:nvPr>
+        </p:nvSpPr>
         <p:spPr>
           <a:xfrm>
-            <a:off x="802106" y="3562514"/>
-            <a:ext cx="2856782" cy="2856782"/>
+            <a:off x="804997" y="972976"/>
+            <a:ext cx="7328080" cy="1299167"/>
+          </a:xfrm>
+          <a:solidFill>
+            <a:schemeClr val="bg1"/>
+          </a:solidFill>
+        </p:spPr>
+        <p:txBody>
+          <a:bodyPr vert="horz" lIns="91440" tIns="45720" rIns="91440" bIns="45720" rtlCol="0" anchor="ctr">
+            <a:normAutofit/>
+          </a:bodyPr>
+          <a:lstStyle/>
+          <a:p>
+            <a:pPr algn="l" latinLnBrk="0"/>
+            <a:r>
+              <a:rPr lang="en-US" altLang="ko-KR" sz="7200" b="1" kern="1200" dirty="0">
+                <a:solidFill>
+                  <a:srgbClr val="000000"/>
+                </a:solidFill>
+                <a:latin typeface="+mj-lt"/>
+                <a:ea typeface="+mj-ea"/>
+                <a:cs typeface="+mj-cs"/>
+              </a:rPr>
+              <a:t>PC</a:t>
+            </a:r>
+            <a:r>
+              <a:rPr lang="ko-KR" altLang="en-US" b="1" kern="1200" dirty="0">
+                <a:solidFill>
+                  <a:srgbClr val="000000"/>
+                </a:solidFill>
+                <a:latin typeface="+mj-lt"/>
+                <a:ea typeface="+mj-ea"/>
+                <a:cs typeface="+mj-cs"/>
+              </a:rPr>
+              <a:t>조립</a:t>
+            </a:r>
+            <a:r>
+              <a:rPr lang="ko-KR" altLang="en-US" sz="7200" kern="1200" dirty="0">
+                <a:solidFill>
+                  <a:srgbClr val="000000"/>
+                </a:solidFill>
+                <a:latin typeface="+mj-lt"/>
+                <a:ea typeface="+mj-ea"/>
+                <a:cs typeface="+mj-cs"/>
+              </a:rPr>
+              <a:t> </a:t>
+            </a:r>
+            <a:r>
+              <a:rPr lang="ko-KR" altLang="en-US" sz="7200" kern="1200" dirty="0" err="1">
+                <a:solidFill>
+                  <a:srgbClr val="754322"/>
+                </a:solidFill>
+                <a:latin typeface="나눔손글씨 펜" panose="03040600000000000000" pitchFamily="66" charset="-127"/>
+                <a:ea typeface="나눔손글씨 펜" panose="03040600000000000000" pitchFamily="66" charset="-127"/>
+              </a:rPr>
+              <a:t>헬퍼</a:t>
+            </a:r>
+            <a:endParaRPr lang="ko-KR" altLang="en-US" sz="7200" kern="1200" dirty="0">
+              <a:solidFill>
+                <a:srgbClr val="754322"/>
+              </a:solidFill>
+              <a:latin typeface="나눔손글씨 펜" panose="03040600000000000000" pitchFamily="66" charset="-127"/>
+              <a:ea typeface="나눔손글씨 펜" panose="03040600000000000000" pitchFamily="66" charset="-127"/>
+            </a:endParaRPr>
+          </a:p>
+        </p:txBody>
+      </p:sp>
+      <p:sp>
+        <p:nvSpPr>
+          <p:cNvPr id="3" name="부제목 2">
+            <a:extLst>
+              <a:ext uri="{FF2B5EF4-FFF2-40B4-BE49-F238E27FC236}">
+                <a16:creationId xmlns:a16="http://schemas.microsoft.com/office/drawing/2014/main" id="{B3740488-2BB0-4E76-A43C-181904C1696F}"/>
+              </a:ext>
+            </a:extLst>
+          </p:cNvPr>
+          <p:cNvSpPr>
+            <a:spLocks noGrp="1"/>
+          </p:cNvSpPr>
+          <p:nvPr>
+            <p:ph type="subTitle" idx="1"/>
+          </p:nvPr>
+        </p:nvSpPr>
+        <p:spPr>
+          <a:xfrm>
+            <a:off x="845896" y="2272143"/>
+            <a:ext cx="4706803" cy="1299167"/>
+          </a:xfrm>
+        </p:spPr>
+        <p:txBody>
+          <a:bodyPr vert="horz" lIns="91440" tIns="45720" rIns="91440" bIns="45720" rtlCol="0" anchor="ctr">
+            <a:normAutofit/>
+          </a:bodyPr>
+          <a:lstStyle/>
+          <a:p>
+            <a:pPr algn="l" latinLnBrk="0"/>
+            <a:endParaRPr lang="en-US" altLang="ko-KR" sz="2000" kern="1200" dirty="0">
+              <a:solidFill>
+                <a:srgbClr val="000000"/>
+              </a:solidFill>
+              <a:latin typeface="+mn-lt"/>
+              <a:ea typeface="+mn-ea"/>
+              <a:cs typeface="+mn-cs"/>
+            </a:endParaRPr>
+          </a:p>
+          <a:p>
+            <a:pPr algn="l" latinLnBrk="0"/>
+            <a:r>
+              <a:rPr lang="en-US" altLang="ko-KR" sz="3600" b="1" kern="1200" dirty="0" err="1">
+                <a:solidFill>
+                  <a:srgbClr val="000000"/>
+                </a:solidFill>
+                <a:latin typeface="+mn-lt"/>
+                <a:ea typeface="+mn-ea"/>
+                <a:cs typeface="+mn-cs"/>
+              </a:rPr>
+              <a:t>PentaCore</a:t>
+            </a:r>
+            <a:endParaRPr lang="en-US" altLang="ko-KR" sz="3600" b="1" kern="1200" dirty="0">
+              <a:solidFill>
+                <a:srgbClr val="000000"/>
+              </a:solidFill>
+              <a:latin typeface="+mn-lt"/>
+              <a:ea typeface="+mn-ea"/>
+              <a:cs typeface="+mn-cs"/>
+            </a:endParaRPr>
+          </a:p>
+          <a:p>
+            <a:pPr algn="l" latinLnBrk="0"/>
+            <a:endParaRPr lang="en-US" altLang="ko-KR" sz="2000" kern="1200" dirty="0">
+              <a:solidFill>
+                <a:srgbClr val="000000"/>
+              </a:solidFill>
+              <a:latin typeface="+mn-lt"/>
+              <a:ea typeface="+mn-ea"/>
+              <a:cs typeface="+mn-cs"/>
+            </a:endParaRPr>
+          </a:p>
+        </p:txBody>
+      </p:sp>
+      <p:cxnSp>
+        <p:nvCxnSpPr>
+          <p:cNvPr id="8" name="직선 연결선 7">
+            <a:extLst>
+              <a:ext uri="{FF2B5EF4-FFF2-40B4-BE49-F238E27FC236}">
+                <a16:creationId xmlns:a16="http://schemas.microsoft.com/office/drawing/2014/main" id="{CD3CB03B-71C7-412F-9271-C72A232CF169}"/>
+              </a:ext>
+            </a:extLst>
+          </p:cNvPr>
+          <p:cNvCxnSpPr>
+            <a:cxnSpLocks/>
+          </p:cNvCxnSpPr>
+          <p:nvPr/>
+        </p:nvCxnSpPr>
+        <p:spPr>
+          <a:xfrm>
+            <a:off x="914400" y="2398956"/>
+            <a:ext cx="1699708" cy="0"/>
+          </a:xfrm>
+          <a:prstGeom prst="line">
+            <a:avLst/>
+          </a:prstGeom>
+          <a:ln>
+            <a:solidFill>
+              <a:schemeClr val="tx1"/>
+            </a:solidFill>
+          </a:ln>
+        </p:spPr>
+        <p:style>
+          <a:lnRef idx="1">
+            <a:schemeClr val="accent1"/>
+          </a:lnRef>
+          <a:fillRef idx="0">
+            <a:schemeClr val="accent1"/>
+          </a:fillRef>
+          <a:effectRef idx="0">
+            <a:schemeClr val="accent1"/>
+          </a:effectRef>
+          <a:fontRef idx="minor">
+            <a:schemeClr val="tx1"/>
+          </a:fontRef>
+        </p:style>
+      </p:cxnSp>
+      <p:sp>
+        <p:nvSpPr>
+          <p:cNvPr id="13" name="직사각형 12">
+            <a:extLst>
+              <a:ext uri="{FF2B5EF4-FFF2-40B4-BE49-F238E27FC236}">
+                <a16:creationId xmlns:a16="http://schemas.microsoft.com/office/drawing/2014/main" id="{3D8B9C5F-890D-4302-AD22-B7A9240D1D97}"/>
+              </a:ext>
+            </a:extLst>
+          </p:cNvPr>
+          <p:cNvSpPr/>
+          <p:nvPr/>
+        </p:nvSpPr>
+        <p:spPr>
+          <a:xfrm>
+            <a:off x="939499" y="3711160"/>
+            <a:ext cx="6096000" cy="2116285"/>
           </a:xfrm>
           <a:prstGeom prst="rect">
             <a:avLst/>
           </a:prstGeom>
         </p:spPr>
-      </p:pic>
+        <p:txBody>
+          <a:bodyPr>
+            <a:spAutoFit/>
+          </a:bodyPr>
+          <a:lstStyle/>
+          <a:p>
+            <a:pPr latinLnBrk="0">
+              <a:lnSpc>
+                <a:spcPct val="150000"/>
+              </a:lnSpc>
+            </a:pPr>
+            <a:r>
+              <a:rPr lang="ko-KR" altLang="en-US" dirty="0" err="1">
+                <a:solidFill>
+                  <a:schemeClr val="tx1">
+                    <a:lumMod val="75000"/>
+                    <a:lumOff val="25000"/>
+                  </a:schemeClr>
+                </a:solidFill>
+              </a:rPr>
+              <a:t>김도영</a:t>
+            </a:r>
+            <a:endParaRPr lang="en-US" altLang="ko-KR" dirty="0">
+              <a:solidFill>
+                <a:schemeClr val="tx1">
+                  <a:lumMod val="75000"/>
+                  <a:lumOff val="25000"/>
+                </a:schemeClr>
+              </a:solidFill>
+            </a:endParaRPr>
+          </a:p>
+          <a:p>
+            <a:pPr latinLnBrk="0">
+              <a:lnSpc>
+                <a:spcPct val="150000"/>
+              </a:lnSpc>
+            </a:pPr>
+            <a:r>
+              <a:rPr lang="ko-KR" altLang="en-US" dirty="0">
+                <a:solidFill>
+                  <a:schemeClr val="tx1">
+                    <a:lumMod val="75000"/>
+                    <a:lumOff val="25000"/>
+                  </a:schemeClr>
+                </a:solidFill>
+              </a:rPr>
+              <a:t>김재정</a:t>
+            </a:r>
+            <a:endParaRPr lang="en-US" altLang="ko-KR" dirty="0">
+              <a:solidFill>
+                <a:schemeClr val="tx1">
+                  <a:lumMod val="75000"/>
+                  <a:lumOff val="25000"/>
+                </a:schemeClr>
+              </a:solidFill>
+            </a:endParaRPr>
+          </a:p>
+          <a:p>
+            <a:pPr latinLnBrk="0">
+              <a:lnSpc>
+                <a:spcPct val="150000"/>
+              </a:lnSpc>
+            </a:pPr>
+            <a:r>
+              <a:rPr lang="ko-KR" altLang="en-US" dirty="0">
+                <a:solidFill>
+                  <a:schemeClr val="tx1">
+                    <a:lumMod val="75000"/>
+                    <a:lumOff val="25000"/>
+                  </a:schemeClr>
+                </a:solidFill>
+              </a:rPr>
+              <a:t>박정우</a:t>
+            </a:r>
+            <a:endParaRPr lang="en-US" altLang="ko-KR" dirty="0">
+              <a:solidFill>
+                <a:schemeClr val="tx1">
+                  <a:lumMod val="75000"/>
+                  <a:lumOff val="25000"/>
+                </a:schemeClr>
+              </a:solidFill>
+            </a:endParaRPr>
+          </a:p>
+          <a:p>
+            <a:pPr latinLnBrk="0">
+              <a:lnSpc>
+                <a:spcPct val="150000"/>
+              </a:lnSpc>
+            </a:pPr>
+            <a:r>
+              <a:rPr lang="ko-KR" altLang="en-US" dirty="0">
+                <a:solidFill>
+                  <a:schemeClr val="tx1">
+                    <a:lumMod val="75000"/>
+                    <a:lumOff val="25000"/>
+                  </a:schemeClr>
+                </a:solidFill>
+              </a:rPr>
+              <a:t>이규진</a:t>
+            </a:r>
+            <a:endParaRPr lang="en-US" altLang="ko-KR" dirty="0">
+              <a:solidFill>
+                <a:schemeClr val="tx1">
+                  <a:lumMod val="75000"/>
+                  <a:lumOff val="25000"/>
+                </a:schemeClr>
+              </a:solidFill>
+            </a:endParaRPr>
+          </a:p>
+          <a:p>
+            <a:pPr latinLnBrk="0">
+              <a:lnSpc>
+                <a:spcPct val="150000"/>
+              </a:lnSpc>
+            </a:pPr>
+            <a:r>
+              <a:rPr lang="ko-KR" altLang="en-US" dirty="0">
+                <a:solidFill>
+                  <a:schemeClr val="tx1">
+                    <a:lumMod val="75000"/>
+                    <a:lumOff val="25000"/>
+                  </a:schemeClr>
+                </a:solidFill>
+              </a:rPr>
+              <a:t>임동욱</a:t>
+            </a:r>
+            <a:endParaRPr lang="en-US" altLang="ko-KR" dirty="0">
+              <a:solidFill>
+                <a:schemeClr val="tx1">
+                  <a:lumMod val="75000"/>
+                  <a:lumOff val="25000"/>
+                </a:schemeClr>
+              </a:solidFill>
+            </a:endParaRPr>
+          </a:p>
+        </p:txBody>
+      </p:sp>
     </p:spTree>
     <p:extLst>
       <p:ext uri="{BB962C8B-B14F-4D97-AF65-F5344CB8AC3E}">
@@ -3577,7 +3829,7 @@
           <p:cNvPr id="2" name="제목 1">
             <a:extLst>
               <a:ext uri="{FF2B5EF4-FFF2-40B4-BE49-F238E27FC236}">
-                <a16:creationId xmlns:a16="http://schemas.microsoft.com/office/drawing/2014/main" id="{7218F767-9438-4106-A79F-BCEA6D682603}"/>
+                <a16:creationId xmlns:a16="http://schemas.microsoft.com/office/drawing/2014/main" id="{2767BCF6-6187-4165-9C0F-CBB32F04515E}"/>
               </a:ext>
             </a:extLst>
           </p:cNvPr>
@@ -3588,189 +3840,70 @@
             <p:ph type="title"/>
           </p:nvPr>
         </p:nvSpPr>
-        <p:spPr/>
+        <p:spPr>
+          <a:xfrm>
+            <a:off x="838200" y="365125"/>
+            <a:ext cx="10515600" cy="1325563"/>
+          </a:xfrm>
+        </p:spPr>
         <p:txBody>
           <a:bodyPr/>
           <a:lstStyle/>
           <a:p>
             <a:r>
-              <a:rPr lang="en-US" altLang="ko-KR" dirty="0"/>
-              <a:t>1. </a:t>
-            </a:r>
-            <a:r>
-              <a:rPr lang="ko-KR" altLang="en-US" dirty="0"/>
-              <a:t>목적</a:t>
-            </a:r>
-          </a:p>
-        </p:txBody>
-      </p:sp>
-      <p:pic>
-        <p:nvPicPr>
-          <p:cNvPr id="5" name="내용 개체 틀 4">
-            <a:extLst>
-              <a:ext uri="{FF2B5EF4-FFF2-40B4-BE49-F238E27FC236}">
-                <a16:creationId xmlns:a16="http://schemas.microsoft.com/office/drawing/2014/main" id="{3B97BB97-5A87-436D-924B-5DF33D27620D}"/>
-              </a:ext>
-            </a:extLst>
-          </p:cNvPr>
-          <p:cNvPicPr>
-            <a:picLocks noGrp="1" noChangeAspect="1"/>
-          </p:cNvPicPr>
+              <a:rPr lang="en-US" altLang="ko-KR" b="1" dirty="0"/>
+              <a:t>5. </a:t>
+            </a:r>
+            <a:r>
+              <a:rPr lang="ko-KR" altLang="en-US" b="1" dirty="0"/>
+              <a:t>데모 </a:t>
+            </a:r>
+          </a:p>
+        </p:txBody>
+      </p:sp>
+      <p:sp>
+        <p:nvSpPr>
+          <p:cNvPr id="3" name="내용 개체 틀 2">
+            <a:extLst>
+              <a:ext uri="{FF2B5EF4-FFF2-40B4-BE49-F238E27FC236}">
+                <a16:creationId xmlns:a16="http://schemas.microsoft.com/office/drawing/2014/main" id="{EE2AD940-0BC7-4A75-ABB1-A66718A8E74E}"/>
+              </a:ext>
+            </a:extLst>
+          </p:cNvPr>
+          <p:cNvSpPr>
+            <a:spLocks noGrp="1"/>
+          </p:cNvSpPr>
           <p:nvPr>
             <p:ph idx="1"/>
           </p:nvPr>
-        </p:nvPicPr>
-        <p:blipFill>
-          <a:blip r:embed="rId2">
-            <a:extLst>
-              <a:ext uri="{28A0092B-C50C-407E-A947-70E740481C1C}">
-                <a14:useLocalDpi xmlns:a14="http://schemas.microsoft.com/office/drawing/2010/main" val="0"/>
-              </a:ext>
-            </a:extLst>
-          </a:blip>
-          <a:stretch>
-            <a:fillRect/>
-          </a:stretch>
-        </p:blipFill>
+        </p:nvSpPr>
         <p:spPr>
           <a:xfrm>
-            <a:off x="838200" y="2247095"/>
-            <a:ext cx="3833813" cy="3833813"/>
+            <a:off x="5089711" y="3341351"/>
+            <a:ext cx="2012577" cy="734695"/>
           </a:xfrm>
         </p:spPr>
-      </p:pic>
-      <p:pic>
-        <p:nvPicPr>
-          <p:cNvPr id="7" name="그림 6">
-            <a:extLst>
-              <a:ext uri="{FF2B5EF4-FFF2-40B4-BE49-F238E27FC236}">
-                <a16:creationId xmlns:a16="http://schemas.microsoft.com/office/drawing/2014/main" id="{8AE17114-844A-4E66-8A7F-A540063F9560}"/>
-              </a:ext>
-            </a:extLst>
-          </p:cNvPr>
-          <p:cNvPicPr>
-            <a:picLocks noChangeAspect="1"/>
-          </p:cNvPicPr>
-          <p:nvPr/>
-        </p:nvPicPr>
-        <p:blipFill>
-          <a:blip r:embed="rId3">
-            <a:extLst>
-              <a:ext uri="{28A0092B-C50C-407E-A947-70E740481C1C}">
-                <a14:useLocalDpi xmlns:a14="http://schemas.microsoft.com/office/drawing/2010/main" val="0"/>
-              </a:ext>
-            </a:extLst>
-          </a:blip>
-          <a:stretch>
-            <a:fillRect/>
-          </a:stretch>
-        </p:blipFill>
-        <p:spPr>
-          <a:xfrm>
-            <a:off x="3954780" y="1112044"/>
-            <a:ext cx="1764030" cy="1764030"/>
-          </a:xfrm>
-          <a:prstGeom prst="rect">
-            <a:avLst/>
-          </a:prstGeom>
-        </p:spPr>
-      </p:pic>
-      <p:sp>
-        <p:nvSpPr>
-          <p:cNvPr id="8" name="TextBox 7">
-            <a:extLst>
-              <a:ext uri="{FF2B5EF4-FFF2-40B4-BE49-F238E27FC236}">
-                <a16:creationId xmlns:a16="http://schemas.microsoft.com/office/drawing/2014/main" id="{1F6B4D3F-6ACB-466B-A4AF-7E63E946E6ED}"/>
-              </a:ext>
-            </a:extLst>
-          </p:cNvPr>
-          <p:cNvSpPr txBox="1"/>
-          <p:nvPr/>
-        </p:nvSpPr>
-        <p:spPr>
-          <a:xfrm>
-            <a:off x="6349253" y="2085135"/>
-            <a:ext cx="4792980" cy="3046988"/>
-          </a:xfrm>
-          <a:prstGeom prst="rect">
-            <a:avLst/>
-          </a:prstGeom>
-          <a:noFill/>
-        </p:spPr>
-        <p:txBody>
-          <a:bodyPr wrap="square" rtlCol="0">
-            <a:spAutoFit/>
+        <p:txBody>
+          <a:bodyPr>
+            <a:normAutofit/>
           </a:bodyPr>
           <a:lstStyle/>
           <a:p>
-            <a:r>
-              <a:rPr lang="ko-KR" altLang="en-US" sz="2400" b="1" dirty="0"/>
-              <a:t>대상</a:t>
-            </a:r>
-            <a:r>
-              <a:rPr lang="ko-KR" altLang="en-US" sz="2400" dirty="0"/>
-              <a:t> </a:t>
-            </a:r>
-            <a:r>
-              <a:rPr lang="en-US" altLang="ko-KR" sz="2400" dirty="0"/>
-              <a:t>: PC</a:t>
-            </a:r>
-            <a:r>
-              <a:rPr lang="ko-KR" altLang="en-US" sz="2400" dirty="0"/>
-              <a:t> 조립의 초심자</a:t>
-            </a:r>
-            <a:endParaRPr lang="en-US" altLang="ko-KR" sz="2400" dirty="0"/>
-          </a:p>
-          <a:p>
-            <a:endParaRPr lang="en-US" altLang="ko-KR" sz="2400" dirty="0"/>
-          </a:p>
-          <a:p>
-            <a:endParaRPr lang="en-US" altLang="ko-KR" sz="2400" dirty="0"/>
-          </a:p>
-          <a:p>
-            <a:r>
-              <a:rPr lang="ko-KR" altLang="en-US" sz="2400" b="1" dirty="0"/>
-              <a:t>목적</a:t>
-            </a:r>
-            <a:r>
-              <a:rPr lang="ko-KR" altLang="en-US" sz="2400" dirty="0"/>
-              <a:t> </a:t>
-            </a:r>
-            <a:r>
-              <a:rPr lang="en-US" altLang="ko-KR" sz="2400" dirty="0"/>
-              <a:t>: Object Detection</a:t>
-            </a:r>
-            <a:r>
-              <a:rPr lang="ko-KR" altLang="en-US" sz="2400" dirty="0"/>
-              <a:t>을 통한 컴퓨터 조립을 도와주는 프로그램</a:t>
-            </a:r>
-            <a:endParaRPr lang="en-US" altLang="ko-KR" sz="2400" dirty="0"/>
-          </a:p>
-          <a:p>
+            <a:pPr marL="0" indent="0">
+              <a:buNone/>
+            </a:pPr>
+            <a:r>
+              <a:rPr lang="ko-KR" altLang="en-US"/>
+              <a:t>영상 참조</a:t>
+            </a:r>
             <a:endParaRPr lang="en-US" altLang="ko-KR" dirty="0"/>
-          </a:p>
-          <a:p>
-            <a:r>
-              <a:rPr lang="en-US" altLang="ko-KR" dirty="0"/>
-              <a:t>        </a:t>
-            </a:r>
-          </a:p>
-          <a:p>
-            <a:pPr marL="285750" indent="-285750">
-              <a:buFontTx/>
-              <a:buChar char="-"/>
-            </a:pPr>
-            <a:endParaRPr lang="en-US" altLang="ko-KR" dirty="0"/>
-          </a:p>
-          <a:p>
-            <a:endParaRPr lang="ko-KR" altLang="en-US" dirty="0"/>
           </a:p>
         </p:txBody>
       </p:sp>
     </p:spTree>
     <p:extLst>
       <p:ext uri="{BB962C8B-B14F-4D97-AF65-F5344CB8AC3E}">
-        <p14:creationId xmlns:p14="http://schemas.microsoft.com/office/powerpoint/2010/main" val="1301784816"/>
+        <p14:creationId xmlns:p14="http://schemas.microsoft.com/office/powerpoint/2010/main" val="3188870693"/>
       </p:ext>
     </p:extLst>
   </p:cSld>
@@ -3799,225 +3932,57 @@
       </p:grpSpPr>
       <p:sp>
         <p:nvSpPr>
-          <p:cNvPr id="2" name="제목 1">
-            <a:extLst>
-              <a:ext uri="{FF2B5EF4-FFF2-40B4-BE49-F238E27FC236}">
-                <a16:creationId xmlns:a16="http://schemas.microsoft.com/office/drawing/2014/main" id="{8CD16A73-812E-4C85-BA95-D3D9D29EA21F}"/>
-              </a:ext>
-            </a:extLst>
-          </p:cNvPr>
-          <p:cNvSpPr>
-            <a:spLocks noGrp="1"/>
-          </p:cNvSpPr>
-          <p:nvPr>
-            <p:ph type="title"/>
-          </p:nvPr>
-        </p:nvSpPr>
-        <p:spPr/>
-        <p:txBody>
-          <a:bodyPr/>
+          <p:cNvPr id="3" name="내용 개체 틀 2">
+            <a:extLst>
+              <a:ext uri="{FF2B5EF4-FFF2-40B4-BE49-F238E27FC236}">
+                <a16:creationId xmlns:a16="http://schemas.microsoft.com/office/drawing/2014/main" id="{D3466DF2-D05C-4757-A245-6A7436F8AE24}"/>
+              </a:ext>
+            </a:extLst>
+          </p:cNvPr>
+          <p:cNvSpPr>
+            <a:spLocks noGrp="1"/>
+          </p:cNvSpPr>
+          <p:nvPr>
+            <p:ph idx="1"/>
+          </p:nvPr>
+        </p:nvSpPr>
+        <p:spPr>
+          <a:xfrm>
+            <a:off x="838200" y="3429000"/>
+            <a:ext cx="10515600" cy="562573"/>
+          </a:xfrm>
+        </p:spPr>
+        <p:txBody>
+          <a:bodyPr>
+            <a:noAutofit/>
+          </a:bodyPr>
           <a:lstStyle/>
           <a:p>
-            <a:r>
-              <a:rPr lang="en-US" altLang="ko-KR" dirty="0"/>
-              <a:t>2. </a:t>
-            </a:r>
-            <a:r>
-              <a:rPr lang="ko-KR" altLang="en-US" dirty="0"/>
-              <a:t>데이터 </a:t>
-            </a:r>
-            <a:r>
-              <a:rPr lang="ko-KR" altLang="en-US" dirty="0" err="1"/>
-              <a:t>전처리</a:t>
-            </a:r>
-            <a:endParaRPr lang="ko-KR" altLang="en-US" dirty="0"/>
-          </a:p>
-        </p:txBody>
-      </p:sp>
-      <p:sp>
-        <p:nvSpPr>
-          <p:cNvPr id="3" name="내용 개체 틀 2">
-            <a:extLst>
-              <a:ext uri="{FF2B5EF4-FFF2-40B4-BE49-F238E27FC236}">
-                <a16:creationId xmlns:a16="http://schemas.microsoft.com/office/drawing/2014/main" id="{8B15A0F7-C913-49B7-8256-776DF0A220F4}"/>
-              </a:ext>
-            </a:extLst>
-          </p:cNvPr>
-          <p:cNvSpPr>
-            <a:spLocks noGrp="1"/>
-          </p:cNvSpPr>
-          <p:nvPr>
-            <p:ph idx="1"/>
-          </p:nvPr>
-        </p:nvSpPr>
-        <p:spPr/>
-        <p:txBody>
-          <a:bodyPr/>
-          <a:lstStyle/>
-          <a:p>
-            <a:r>
-              <a:rPr lang="en-US" altLang="ko-KR" dirty="0" err="1"/>
-              <a:t>labelImg</a:t>
-            </a:r>
-            <a:r>
-              <a:rPr lang="en-US" altLang="ko-KR" dirty="0"/>
+            <a:pPr marL="0" indent="0" algn="ctr">
+              <a:buNone/>
+            </a:pPr>
+            <a:r>
+              <a:rPr lang="ko-KR" altLang="en-US" sz="3600" dirty="0"/>
+              <a:t>감사합니다</a:t>
+            </a:r>
+            <a:r>
+              <a:rPr lang="en-US" altLang="ko-KR" sz="3600" dirty="0"/>
               <a:t> </a:t>
             </a:r>
             <a:r>
-              <a:rPr lang="ko-KR" altLang="en-US" dirty="0"/>
-              <a:t>프로그램을 이용하여 </a:t>
-            </a:r>
-            <a:r>
-              <a:rPr lang="en-US" altLang="ko-KR" dirty="0"/>
-              <a:t>5</a:t>
-            </a:r>
-            <a:r>
-              <a:rPr lang="ko-KR" altLang="en-US" dirty="0"/>
-              <a:t>파트에 대해 </a:t>
-            </a:r>
-            <a:r>
-              <a:rPr lang="ko-KR" altLang="en-US" dirty="0" err="1"/>
-              <a:t>라벨링</a:t>
-            </a:r>
-            <a:r>
-              <a:rPr lang="ko-KR" altLang="en-US" dirty="0"/>
-              <a:t> 진행</a:t>
-            </a:r>
-            <a:endParaRPr lang="en-US" altLang="ko-KR" dirty="0"/>
-          </a:p>
-          <a:p>
-            <a:pPr lvl="1"/>
-            <a:r>
-              <a:rPr lang="en-US" altLang="ko-KR" dirty="0"/>
-              <a:t>CPU, RAM, SSD, GPU, MOTHERBOARD</a:t>
-            </a:r>
-            <a:r>
-              <a:rPr lang="ko-KR" altLang="en-US" dirty="0"/>
-              <a:t>에 대해 </a:t>
-            </a:r>
-            <a:r>
-              <a:rPr lang="ko-KR" altLang="en-US" dirty="0" err="1"/>
-              <a:t>라벨링</a:t>
-            </a:r>
-            <a:endParaRPr lang="en-US" altLang="ko-KR" dirty="0"/>
-          </a:p>
-          <a:p>
-            <a:pPr lvl="1"/>
-            <a:endParaRPr lang="en-US" altLang="ko-KR" dirty="0"/>
-          </a:p>
-          <a:p>
-            <a:r>
-              <a:rPr lang="en-US" altLang="ko-KR" dirty="0" err="1"/>
-              <a:t>PascalVOC</a:t>
-            </a:r>
-            <a:r>
-              <a:rPr lang="ko-KR" altLang="en-US" dirty="0"/>
-              <a:t>를 포맷으로 </a:t>
-            </a:r>
-            <a:r>
-              <a:rPr lang="ko-KR" altLang="en-US" dirty="0" err="1"/>
-              <a:t>라벨링</a:t>
-            </a:r>
-            <a:r>
-              <a:rPr lang="ko-KR" altLang="en-US" dirty="0"/>
-              <a:t> 후 </a:t>
-            </a:r>
-            <a:r>
-              <a:rPr lang="en-US" altLang="ko-KR" dirty="0"/>
-              <a:t>YOLO </a:t>
-            </a:r>
-            <a:r>
-              <a:rPr lang="ko-KR" altLang="en-US" dirty="0"/>
-              <a:t>포맷으로 </a:t>
-            </a:r>
-            <a:r>
-              <a:rPr lang="ko-KR" altLang="en-US" dirty="0" err="1"/>
-              <a:t>컨버팅</a:t>
-            </a:r>
-            <a:r>
-              <a:rPr lang="ko-KR" altLang="en-US" dirty="0"/>
-              <a:t> 파일 생성</a:t>
-            </a:r>
-            <a:endParaRPr lang="en-US" altLang="ko-KR" dirty="0"/>
-          </a:p>
-          <a:p>
-            <a:endParaRPr lang="en-US" altLang="ko-KR" dirty="0"/>
-          </a:p>
-          <a:p>
-            <a:r>
-              <a:rPr lang="ko-KR" altLang="en-US" dirty="0" err="1"/>
-              <a:t>전처리</a:t>
-            </a:r>
-            <a:r>
-              <a:rPr lang="ko-KR" altLang="en-US" dirty="0"/>
-              <a:t> 필요 </a:t>
-            </a:r>
-            <a:r>
-              <a:rPr lang="en-US" altLang="ko-KR" dirty="0"/>
-              <a:t>3</a:t>
-            </a:r>
-            <a:r>
-              <a:rPr lang="ko-KR" altLang="en-US" dirty="0"/>
-              <a:t>가지 파일 생성</a:t>
-            </a:r>
-            <a:endParaRPr lang="en-US" altLang="ko-KR" dirty="0"/>
-          </a:p>
-          <a:p>
-            <a:pPr lvl="1"/>
-            <a:r>
-              <a:rPr lang="en-US" altLang="ko-KR" dirty="0" err="1"/>
-              <a:t>RCnn</a:t>
-            </a:r>
-            <a:r>
-              <a:rPr lang="en-US" altLang="ko-KR" dirty="0"/>
-              <a:t> – </a:t>
-            </a:r>
-            <a:r>
-              <a:rPr lang="ko-KR" altLang="en-US" dirty="0" err="1"/>
-              <a:t>다크넷</a:t>
-            </a:r>
-            <a:r>
-              <a:rPr lang="ko-KR" altLang="en-US" dirty="0"/>
-              <a:t> </a:t>
-            </a:r>
-            <a:r>
-              <a:rPr lang="en-US" altLang="ko-KR" dirty="0"/>
-              <a:t>/ config</a:t>
-            </a:r>
-            <a:r>
-              <a:rPr lang="ko-KR" altLang="en-US" dirty="0"/>
-              <a:t>파일</a:t>
-            </a:r>
-            <a:r>
-              <a:rPr lang="en-US" altLang="ko-KR" dirty="0"/>
-              <a:t>, </a:t>
-            </a:r>
-            <a:r>
-              <a:rPr lang="ko-KR" altLang="en-US" dirty="0" err="1"/>
-              <a:t>라벨링</a:t>
-            </a:r>
-            <a:r>
-              <a:rPr lang="ko-KR" altLang="en-US" dirty="0"/>
-              <a:t> 된 텍스트 클래스 파일</a:t>
-            </a:r>
-            <a:endParaRPr lang="en-US" altLang="ko-KR" dirty="0"/>
-          </a:p>
-          <a:p>
-            <a:r>
-              <a:rPr lang="ko-KR" altLang="en-US" dirty="0"/>
-              <a:t>클래스 지정파일</a:t>
-            </a:r>
-            <a:endParaRPr lang="en-US" altLang="ko-KR" dirty="0"/>
-          </a:p>
-          <a:p>
-            <a:endParaRPr lang="en-US" altLang="ko-KR" dirty="0"/>
+              <a:rPr lang="en-US" altLang="ko-KR" sz="3600" dirty="0">
+                <a:sym typeface="Wingdings" panose="05000000000000000000" pitchFamily="2" charset="2"/>
+              </a:rPr>
+              <a:t></a:t>
+            </a:r>
+            <a:endParaRPr lang="ko-KR" altLang="en-US" sz="3600" dirty="0"/>
           </a:p>
         </p:txBody>
       </p:sp>
     </p:spTree>
     <p:extLst>
       <p:ext uri="{BB962C8B-B14F-4D97-AF65-F5344CB8AC3E}">
-        <p14:creationId xmlns:p14="http://schemas.microsoft.com/office/powerpoint/2010/main" val="1106869274"/>
+        <p14:creationId xmlns:p14="http://schemas.microsoft.com/office/powerpoint/2010/main" val="4240759417"/>
       </p:ext>
     </p:extLst>
   </p:cSld>
@@ -4027,9 +3992,17 @@
 </p:sld>
 </file>
 
-<file path=ppt/slides/slide12.xml><?xml version="1.0" encoding="utf-8"?>
+<file path=ppt/slides/slide2.xml><?xml version="1.0" encoding="utf-8"?>
 <p:sld xmlns:a="http://schemas.openxmlformats.org/drawingml/2006/main" xmlns:r="http://schemas.openxmlformats.org/officeDocument/2006/relationships" xmlns:p="http://schemas.openxmlformats.org/presentationml/2006/main">
   <p:cSld>
+    <p:bg>
+      <p:bgPr>
+        <a:solidFill>
+          <a:schemeClr val="bg1"/>
+        </a:solidFill>
+        <a:effectLst/>
+      </p:bgPr>
+    </p:bg>
     <p:spTree>
       <p:nvGrpSpPr>
         <p:cNvPr id="1" name=""/>
@@ -4044,226 +4017,103 @@
           <a:chExt cx="0" cy="0"/>
         </a:xfrm>
       </p:grpSpPr>
-      <p:sp>
-        <p:nvSpPr>
-          <p:cNvPr id="2" name="제목 1">
-            <a:extLst>
-              <a:ext uri="{FF2B5EF4-FFF2-40B4-BE49-F238E27FC236}">
-                <a16:creationId xmlns:a16="http://schemas.microsoft.com/office/drawing/2014/main" id="{B45850FC-BDC9-4302-AF00-448E18886180}"/>
-              </a:ext>
-            </a:extLst>
-          </p:cNvPr>
-          <p:cNvSpPr>
-            <a:spLocks noGrp="1"/>
-          </p:cNvSpPr>
-          <p:nvPr>
-            <p:ph type="title"/>
-          </p:nvPr>
-        </p:nvSpPr>
-        <p:spPr/>
-        <p:txBody>
-          <a:bodyPr/>
-          <a:lstStyle/>
-          <a:p>
-            <a:r>
-              <a:rPr lang="en-US" altLang="ko-KR" dirty="0"/>
-              <a:t>3. </a:t>
-            </a:r>
-            <a:r>
-              <a:rPr lang="ko-KR" altLang="en-US" dirty="0"/>
-              <a:t>트레이닝</a:t>
-            </a:r>
-          </a:p>
-        </p:txBody>
-      </p:sp>
+      <p:pic>
+        <p:nvPicPr>
+          <p:cNvPr id="4" name="Picture 4" descr="msi asus wallpaper에 대한 이미지 검색결과">
+            <a:extLst>
+              <a:ext uri="{FF2B5EF4-FFF2-40B4-BE49-F238E27FC236}">
+                <a16:creationId xmlns:a16="http://schemas.microsoft.com/office/drawing/2014/main" id="{0955B954-4C96-4565-B36B-B0CDE5D2919B}"/>
+              </a:ext>
+            </a:extLst>
+          </p:cNvPr>
+          <p:cNvPicPr>
+            <a:picLocks noChangeAspect="1" noChangeArrowheads="1"/>
+          </p:cNvPicPr>
+          <p:nvPr/>
+        </p:nvPicPr>
+        <p:blipFill rotWithShape="1">
+          <a:blip r:embed="rId2">
+            <a:alphaModFix/>
+            <a:extLst>
+              <a:ext uri="{28A0092B-C50C-407E-A947-70E740481C1C}">
+                <a14:useLocalDpi xmlns:a14="http://schemas.microsoft.com/office/drawing/2010/main" val="0"/>
+              </a:ext>
+            </a:extLst>
+          </a:blip>
+          <a:srcRect r="6764"/>
+          <a:stretch/>
+        </p:blipFill>
+        <p:spPr bwMode="auto">
+          <a:xfrm>
+            <a:off x="5797543" y="10"/>
+            <a:ext cx="6394152" cy="6857990"/>
+          </a:xfrm>
+          <a:prstGeom prst="rect">
+            <a:avLst/>
+          </a:prstGeom>
+          <a:noFill/>
+          <a:extLst>
+            <a:ext uri="{909E8E84-426E-40DD-AFC4-6F175D3DCCD1}">
+              <a14:hiddenFill xmlns:a14="http://schemas.microsoft.com/office/drawing/2010/main">
+                <a:solidFill>
+                  <a:srgbClr val="FFFFFF"/>
+                </a:solidFill>
+              </a14:hiddenFill>
+            </a:ext>
+          </a:extLst>
+        </p:spPr>
+      </p:pic>
+      <p:pic>
+        <p:nvPicPr>
+          <p:cNvPr id="9" name="Picture 8">
+            <a:extLst>
+              <a:ext uri="{FF2B5EF4-FFF2-40B4-BE49-F238E27FC236}">
+                <a16:creationId xmlns:a16="http://schemas.microsoft.com/office/drawing/2014/main" id="{54DDEBDD-D8BD-41A6-8A0D-B00E3768B0F9}"/>
+              </a:ext>
+              <a:ext uri="{C183D7F6-B498-43B3-948B-1728B52AA6E4}">
+                <adec:decorative xmlns:adec="http://schemas.microsoft.com/office/drawing/2017/decorative" val="1"/>
+              </a:ext>
+            </a:extLst>
+          </p:cNvPr>
+          <p:cNvPicPr>
+            <a:picLocks noGrp="1" noRot="1" noChangeAspect="1" noMove="1" noResize="1" noEditPoints="1" noAdjustHandles="1" noChangeArrowheads="1" noChangeShapeType="1" noCrop="1"/>
+          </p:cNvPicPr>
+          <p:nvPr>
+            <p:extLst>
+              <p:ext uri="{386F3935-93C4-4BCD-93E2-E3B085C9AB24}">
+                <p16:designElem xmlns:p16="http://schemas.microsoft.com/office/powerpoint/2015/main" val="1"/>
+              </p:ext>
+            </p:extLst>
+          </p:nvPr>
+        </p:nvPicPr>
+        <p:blipFill>
+          <a:blip r:embed="rId3">
+            <a:extLst>
+              <a:ext uri="{28A0092B-C50C-407E-A947-70E740481C1C}">
+                <a14:useLocalDpi xmlns:a14="http://schemas.microsoft.com/office/drawing/2010/main" val="0"/>
+              </a:ext>
+            </a:extLst>
+          </a:blip>
+          <a:stretch>
+            <a:fillRect/>
+          </a:stretch>
+        </p:blipFill>
+        <p:spPr>
+          <a:xfrm flipH="1" flipV="1">
+            <a:off x="0" y="0"/>
+            <a:ext cx="12192000" cy="6858000"/>
+          </a:xfrm>
+          <a:prstGeom prst="rect">
+            <a:avLst/>
+          </a:prstGeom>
+        </p:spPr>
+      </p:pic>
       <p:sp>
         <p:nvSpPr>
           <p:cNvPr id="3" name="내용 개체 틀 2">
             <a:extLst>
               <a:ext uri="{FF2B5EF4-FFF2-40B4-BE49-F238E27FC236}">
-                <a16:creationId xmlns:a16="http://schemas.microsoft.com/office/drawing/2014/main" id="{175EB1B1-061C-4FD9-B74C-6DE311C27B0B}"/>
-              </a:ext>
-            </a:extLst>
-          </p:cNvPr>
-          <p:cNvSpPr>
-            <a:spLocks noGrp="1"/>
-          </p:cNvSpPr>
-          <p:nvPr>
-            <p:ph idx="1"/>
-          </p:nvPr>
-        </p:nvSpPr>
-        <p:spPr/>
-        <p:txBody>
-          <a:bodyPr/>
-          <a:lstStyle/>
-          <a:p>
-            <a:r>
-              <a:rPr lang="ko-KR" altLang="en-US" dirty="0"/>
-              <a:t>위 </a:t>
-            </a:r>
-            <a:r>
-              <a:rPr lang="en-US" altLang="ko-KR" dirty="0"/>
-              <a:t>3</a:t>
-            </a:r>
-            <a:r>
-              <a:rPr lang="ko-KR" altLang="en-US" dirty="0"/>
-              <a:t>가지 파일을 통해 학습</a:t>
-            </a:r>
-            <a:r>
-              <a:rPr lang="en-US" altLang="ko-KR" dirty="0"/>
-              <a:t>/ weight</a:t>
-            </a:r>
-            <a:r>
-              <a:rPr lang="ko-KR" altLang="en-US" dirty="0"/>
-              <a:t>가 도출된다</a:t>
-            </a:r>
-            <a:r>
-              <a:rPr lang="en-US" altLang="ko-KR" dirty="0"/>
-              <a:t>.</a:t>
-            </a:r>
-          </a:p>
-          <a:p>
-            <a:endParaRPr lang="en-US" altLang="ko-KR" dirty="0"/>
-          </a:p>
-          <a:p>
-            <a:r>
-              <a:rPr lang="ko-KR" altLang="en-US" dirty="0"/>
-              <a:t>테스트 과정에서 </a:t>
-            </a:r>
-            <a:r>
-              <a:rPr lang="en-US" altLang="ko-KR" dirty="0"/>
-              <a:t>config, weight, class </a:t>
-            </a:r>
-            <a:r>
-              <a:rPr lang="ko-KR" altLang="en-US" dirty="0"/>
-              <a:t>파일을 가지고 테스트를 함</a:t>
-            </a:r>
-            <a:endParaRPr lang="en-US" altLang="ko-KR" dirty="0"/>
-          </a:p>
-          <a:p>
-            <a:endParaRPr lang="en-US" altLang="ko-KR" dirty="0"/>
-          </a:p>
-          <a:p>
-            <a:r>
-              <a:rPr lang="ko-KR" altLang="en-US" dirty="0"/>
-              <a:t>테스트는 </a:t>
-            </a:r>
-            <a:r>
-              <a:rPr lang="en-US" altLang="ko-KR" dirty="0" err="1"/>
-              <a:t>opencv</a:t>
-            </a:r>
-            <a:r>
-              <a:rPr lang="en-US" altLang="ko-KR" dirty="0"/>
-              <a:t> </a:t>
-            </a:r>
-            <a:r>
-              <a:rPr lang="ko-KR" altLang="en-US" dirty="0"/>
-              <a:t>활용하여 동영상 </a:t>
-            </a:r>
-            <a:r>
-              <a:rPr lang="en-US" altLang="ko-KR" dirty="0"/>
-              <a:t>detection</a:t>
-            </a:r>
-            <a:r>
-              <a:rPr lang="ko-KR" altLang="en-US" dirty="0"/>
-              <a:t> </a:t>
-            </a:r>
-            <a:r>
-              <a:rPr lang="en-US" altLang="ko-KR" dirty="0"/>
-              <a:t>– </a:t>
-            </a:r>
-            <a:r>
-              <a:rPr lang="ko-KR" altLang="en-US" dirty="0"/>
-              <a:t>그 결과값을 </a:t>
-            </a:r>
-            <a:r>
-              <a:rPr lang="en-US" altLang="ko-KR" dirty="0"/>
-              <a:t>PYQT5</a:t>
-            </a:r>
-            <a:r>
-              <a:rPr lang="ko-KR" altLang="en-US" dirty="0"/>
-              <a:t>를 통해 </a:t>
-            </a:r>
-            <a:r>
-              <a:rPr lang="en-US" altLang="ko-KR" dirty="0" err="1"/>
-              <a:t>ui</a:t>
-            </a:r>
-            <a:r>
-              <a:rPr lang="ko-KR" altLang="en-US" dirty="0" err="1"/>
-              <a:t>를</a:t>
-            </a:r>
-            <a:r>
-              <a:rPr lang="ko-KR" altLang="en-US" dirty="0"/>
-              <a:t> 구성하여 출력</a:t>
-            </a:r>
-          </a:p>
-        </p:txBody>
-      </p:sp>
-    </p:spTree>
-    <p:extLst>
-      <p:ext uri="{BB962C8B-B14F-4D97-AF65-F5344CB8AC3E}">
-        <p14:creationId xmlns:p14="http://schemas.microsoft.com/office/powerpoint/2010/main" val="2234637163"/>
-      </p:ext>
-    </p:extLst>
-  </p:cSld>
-  <p:clrMapOvr>
-    <a:masterClrMapping/>
-  </p:clrMapOvr>
-</p:sld>
-</file>
-
-<file path=ppt/slides/slide13.xml><?xml version="1.0" encoding="utf-8"?>
-<p:sld xmlns:a="http://schemas.openxmlformats.org/drawingml/2006/main" xmlns:r="http://schemas.openxmlformats.org/officeDocument/2006/relationships" xmlns:p="http://schemas.openxmlformats.org/presentationml/2006/main">
-  <p:cSld>
-    <p:spTree>
-      <p:nvGrpSpPr>
-        <p:cNvPr id="1" name=""/>
-        <p:cNvGrpSpPr/>
-        <p:nvPr/>
-      </p:nvGrpSpPr>
-      <p:grpSpPr>
-        <a:xfrm>
-          <a:off x="0" y="0"/>
-          <a:ext cx="0" cy="0"/>
-          <a:chOff x="0" y="0"/>
-          <a:chExt cx="0" cy="0"/>
-        </a:xfrm>
-      </p:grpSpPr>
-      <p:sp>
-        <p:nvSpPr>
-          <p:cNvPr id="2" name="제목 1">
-            <a:extLst>
-              <a:ext uri="{FF2B5EF4-FFF2-40B4-BE49-F238E27FC236}">
-                <a16:creationId xmlns:a16="http://schemas.microsoft.com/office/drawing/2014/main" id="{47B29C37-6BEE-4103-A246-AA78B0B4779B}"/>
-              </a:ext>
-            </a:extLst>
-          </p:cNvPr>
-          <p:cNvSpPr>
-            <a:spLocks noGrp="1"/>
-          </p:cNvSpPr>
-          <p:nvPr>
-            <p:ph type="title"/>
-          </p:nvPr>
-        </p:nvSpPr>
-        <p:spPr/>
-        <p:txBody>
-          <a:bodyPr/>
-          <a:lstStyle/>
-          <a:p>
-            <a:r>
-              <a:rPr lang="en-US" altLang="ko-KR" dirty="0"/>
-              <a:t>4. </a:t>
-            </a:r>
-            <a:endParaRPr lang="ko-KR" altLang="en-US" dirty="0"/>
-          </a:p>
-        </p:txBody>
-      </p:sp>
-      <p:sp>
-        <p:nvSpPr>
-          <p:cNvPr id="3" name="내용 개체 틀 2">
-            <a:extLst>
-              <a:ext uri="{FF2B5EF4-FFF2-40B4-BE49-F238E27FC236}">
-                <a16:creationId xmlns:a16="http://schemas.microsoft.com/office/drawing/2014/main" id="{FE854B7C-B423-4D23-AD9F-69AE50D0A751}"/>
+                <a16:creationId xmlns:a16="http://schemas.microsoft.com/office/drawing/2014/main" id="{8B04B4B8-157F-4B98-9887-E0B2BAC9C5EC}"/>
               </a:ext>
             </a:extLst>
           </p:cNvPr>
@@ -4276,287 +4126,256 @@
         </p:nvSpPr>
         <p:spPr>
           <a:xfrm>
-            <a:off x="927847" y="1843554"/>
-            <a:ext cx="10515600" cy="4351338"/>
+            <a:off x="804997" y="2272143"/>
+            <a:ext cx="4706803" cy="3788830"/>
           </a:xfrm>
         </p:spPr>
         <p:txBody>
-          <a:bodyPr/>
-          <a:lstStyle/>
-          <a:p>
-            <a:r>
-              <a:rPr lang="ko-KR" altLang="en-US" dirty="0"/>
-              <a:t>우리가 구현하려 했던 게 데이터가 없었음</a:t>
-            </a:r>
-            <a:r>
-              <a:rPr lang="en-US" altLang="ko-KR" dirty="0"/>
-              <a:t>, </a:t>
-            </a:r>
-            <a:r>
-              <a:rPr lang="ko-KR" altLang="en-US" dirty="0"/>
-              <a:t>그래서 직접 </a:t>
-            </a:r>
-            <a:r>
-              <a:rPr lang="en-US" altLang="ko-KR" dirty="0"/>
-              <a:t>300</a:t>
-            </a:r>
-            <a:r>
-              <a:rPr lang="ko-KR" altLang="en-US" dirty="0"/>
-              <a:t>개 가량의 </a:t>
-            </a:r>
-            <a:r>
-              <a:rPr lang="en-US" altLang="ko-KR" dirty="0"/>
-              <a:t>motherboard</a:t>
-            </a:r>
-            <a:r>
-              <a:rPr lang="ko-KR" altLang="en-US" dirty="0"/>
-              <a:t>를 구하고 </a:t>
-            </a:r>
-            <a:r>
-              <a:rPr lang="en-US" altLang="ko-KR" dirty="0"/>
-              <a:t>argumentation</a:t>
-            </a:r>
-            <a:r>
-              <a:rPr lang="ko-KR" altLang="en-US" dirty="0"/>
-              <a:t>을 통해서 </a:t>
-            </a:r>
-            <a:r>
-              <a:rPr lang="en-US" altLang="ko-KR" dirty="0"/>
-              <a:t>2000</a:t>
-            </a:r>
-            <a:r>
-              <a:rPr lang="ko-KR" altLang="en-US" dirty="0"/>
-              <a:t>개 가량의 데이터 생성 </a:t>
-            </a:r>
-            <a:r>
-              <a:rPr lang="en-US" altLang="ko-KR" dirty="0"/>
-              <a:t>/ </a:t>
-            </a:r>
-            <a:r>
-              <a:rPr lang="ko-KR" altLang="en-US" dirty="0"/>
-              <a:t>툴 사용하여 </a:t>
-            </a:r>
-            <a:r>
-              <a:rPr lang="ko-KR" altLang="en-US" dirty="0" err="1"/>
-              <a:t>라벨링</a:t>
-            </a:r>
-            <a:endParaRPr lang="en-US" altLang="ko-KR" dirty="0"/>
-          </a:p>
-          <a:p>
-            <a:endParaRPr lang="en-US" altLang="ko-KR" dirty="0"/>
-          </a:p>
-          <a:p>
-            <a:r>
-              <a:rPr lang="ko-KR" altLang="en-US" dirty="0" err="1"/>
-              <a:t>컨버팅을</a:t>
-            </a:r>
-            <a:r>
-              <a:rPr lang="ko-KR" altLang="en-US" dirty="0"/>
-              <a:t> 한 이유 </a:t>
-            </a:r>
-            <a:r>
-              <a:rPr lang="en-US" altLang="ko-KR" dirty="0"/>
-              <a:t>: </a:t>
-            </a:r>
-            <a:r>
-              <a:rPr lang="en-US" altLang="ko-KR" dirty="0" err="1"/>
-              <a:t>PascalVOC</a:t>
-            </a:r>
-            <a:r>
-              <a:rPr lang="ko-KR" altLang="en-US" dirty="0"/>
-              <a:t>로 할 수 있었지만 일반적인 </a:t>
-            </a:r>
-            <a:r>
-              <a:rPr lang="en-US" altLang="ko-KR" dirty="0"/>
-              <a:t>R-CNN</a:t>
-            </a:r>
-            <a:r>
-              <a:rPr lang="ko-KR" altLang="en-US" dirty="0"/>
-              <a:t>과 </a:t>
-            </a:r>
-            <a:r>
-              <a:rPr lang="en-US" altLang="ko-KR" dirty="0"/>
-              <a:t>SSD</a:t>
-            </a:r>
-            <a:r>
-              <a:rPr lang="ko-KR" altLang="en-US" dirty="0"/>
-              <a:t>보다 훨씬 더 빠른 </a:t>
-            </a:r>
-            <a:r>
-              <a:rPr lang="en-US" altLang="ko-KR" dirty="0"/>
-              <a:t>detection</a:t>
-            </a:r>
-            <a:r>
-              <a:rPr lang="ko-KR" altLang="en-US" dirty="0"/>
-              <a:t>을 위해 </a:t>
-            </a:r>
-            <a:r>
-              <a:rPr lang="en-US" altLang="ko-KR" dirty="0"/>
-              <a:t>YOLO </a:t>
-            </a:r>
-            <a:r>
-              <a:rPr lang="ko-KR" altLang="en-US" dirty="0"/>
-              <a:t>사용</a:t>
-            </a:r>
-          </a:p>
-        </p:txBody>
-      </p:sp>
-    </p:spTree>
-    <p:extLst>
-      <p:ext uri="{BB962C8B-B14F-4D97-AF65-F5344CB8AC3E}">
-        <p14:creationId xmlns:p14="http://schemas.microsoft.com/office/powerpoint/2010/main" val="3013333382"/>
-      </p:ext>
-    </p:extLst>
-  </p:cSld>
-  <p:clrMapOvr>
-    <a:masterClrMapping/>
-  </p:clrMapOvr>
-</p:sld>
-</file>
-
-<file path=ppt/slides/slide2.xml><?xml version="1.0" encoding="utf-8"?>
-<p:sld xmlns:a="http://schemas.openxmlformats.org/drawingml/2006/main" xmlns:r="http://schemas.openxmlformats.org/officeDocument/2006/relationships" xmlns:p="http://schemas.openxmlformats.org/presentationml/2006/main">
-  <p:cSld>
-    <p:spTree>
-      <p:nvGrpSpPr>
-        <p:cNvPr id="1" name=""/>
-        <p:cNvGrpSpPr/>
-        <p:nvPr/>
-      </p:nvGrpSpPr>
-      <p:grpSpPr>
-        <a:xfrm>
-          <a:off x="0" y="0"/>
-          <a:ext cx="0" cy="0"/>
-          <a:chOff x="0" y="0"/>
-          <a:chExt cx="0" cy="0"/>
-        </a:xfrm>
-      </p:grpSpPr>
-      <p:sp>
-        <p:nvSpPr>
-          <p:cNvPr id="2" name="제목 1">
-            <a:extLst>
-              <a:ext uri="{FF2B5EF4-FFF2-40B4-BE49-F238E27FC236}">
-                <a16:creationId xmlns:a16="http://schemas.microsoft.com/office/drawing/2014/main" id="{D9F5CE08-B290-45F2-B12B-B5FAD9648734}"/>
-              </a:ext>
-            </a:extLst>
-          </p:cNvPr>
-          <p:cNvSpPr>
-            <a:spLocks noGrp="1"/>
-          </p:cNvSpPr>
-          <p:nvPr>
-            <p:ph type="title"/>
-          </p:nvPr>
-        </p:nvSpPr>
-        <p:spPr/>
-        <p:txBody>
-          <a:bodyPr/>
-          <a:lstStyle/>
-          <a:p>
-            <a:r>
-              <a:rPr lang="ko-KR" altLang="en-US" dirty="0"/>
-              <a:t>목차</a:t>
-            </a:r>
-          </a:p>
-        </p:txBody>
-      </p:sp>
-      <p:sp>
-        <p:nvSpPr>
-          <p:cNvPr id="3" name="내용 개체 틀 2">
-            <a:extLst>
-              <a:ext uri="{FF2B5EF4-FFF2-40B4-BE49-F238E27FC236}">
-                <a16:creationId xmlns:a16="http://schemas.microsoft.com/office/drawing/2014/main" id="{8B04B4B8-157F-4B98-9887-E0B2BAC9C5EC}"/>
-              </a:ext>
-            </a:extLst>
-          </p:cNvPr>
-          <p:cNvSpPr>
-            <a:spLocks noGrp="1"/>
-          </p:cNvSpPr>
-          <p:nvPr>
-            <p:ph idx="1"/>
-          </p:nvPr>
-        </p:nvSpPr>
-        <p:spPr/>
-        <p:txBody>
-          <a:bodyPr>
-            <a:normAutofit lnSpcReduction="10000"/>
+          <a:bodyPr anchor="ctr">
+            <a:normAutofit/>
           </a:bodyPr>
           <a:lstStyle/>
           <a:p>
-            <a:r>
-              <a:rPr lang="en-US" altLang="ko-KR" dirty="0"/>
+            <a:pPr marL="0" indent="0">
+              <a:buNone/>
+            </a:pPr>
+            <a:r>
+              <a:rPr lang="en-US" altLang="ko-KR" sz="2000" dirty="0">
+                <a:solidFill>
+                  <a:srgbClr val="000000"/>
+                </a:solidFill>
+              </a:rPr>
               <a:t>1. </a:t>
             </a:r>
             <a:r>
-              <a:rPr lang="ko-KR" altLang="en-US" dirty="0"/>
+              <a:rPr lang="ko-KR" altLang="en-US" sz="2000" dirty="0">
+                <a:solidFill>
+                  <a:srgbClr val="000000"/>
+                </a:solidFill>
+              </a:rPr>
               <a:t>구현 이유</a:t>
             </a:r>
-            <a:endParaRPr lang="en-US" altLang="ko-KR" dirty="0"/>
+            <a:endParaRPr lang="en-US" altLang="ko-KR" sz="2000" dirty="0">
+              <a:solidFill>
+                <a:srgbClr val="000000"/>
+              </a:solidFill>
+            </a:endParaRPr>
           </a:p>
           <a:p>
             <a:pPr marL="0" indent="0">
               <a:buNone/>
             </a:pPr>
-            <a:endParaRPr lang="en-US" altLang="ko-KR" dirty="0"/>
-          </a:p>
-          <a:p>
-            <a:r>
-              <a:rPr lang="en-US" altLang="ko-KR" dirty="0"/>
+            <a:endParaRPr lang="en-US" altLang="ko-KR" sz="2000" dirty="0">
+              <a:solidFill>
+                <a:srgbClr val="000000"/>
+              </a:solidFill>
+            </a:endParaRPr>
+          </a:p>
+          <a:p>
+            <a:pPr marL="0" indent="0">
+              <a:buNone/>
+            </a:pPr>
+            <a:r>
+              <a:rPr lang="en-US" altLang="ko-KR" sz="2000" dirty="0">
+                <a:solidFill>
+                  <a:srgbClr val="000000"/>
+                </a:solidFill>
+              </a:rPr>
               <a:t>2. </a:t>
             </a:r>
             <a:r>
-              <a:rPr lang="ko-KR" altLang="en-US" dirty="0"/>
+              <a:rPr lang="ko-KR" altLang="en-US" sz="2000" dirty="0">
+                <a:solidFill>
+                  <a:srgbClr val="000000"/>
+                </a:solidFill>
+              </a:rPr>
               <a:t>데이터 </a:t>
             </a:r>
             <a:r>
-              <a:rPr lang="ko-KR" altLang="en-US" dirty="0" err="1"/>
-              <a:t>전처리</a:t>
-            </a:r>
-            <a:r>
-              <a:rPr lang="ko-KR" altLang="en-US" dirty="0"/>
+              <a:rPr lang="en-US" altLang="ko-KR" sz="2000" dirty="0">
+                <a:solidFill>
+                  <a:srgbClr val="000000"/>
+                </a:solidFill>
+              </a:rPr>
+              <a:t>Preprocessing</a:t>
+            </a:r>
+            <a:r>
+              <a:rPr lang="ko-KR" altLang="en-US" sz="2000" dirty="0">
+                <a:solidFill>
+                  <a:srgbClr val="000000"/>
+                </a:solidFill>
+              </a:rPr>
               <a:t> </a:t>
             </a:r>
-            <a:endParaRPr lang="en-US" altLang="ko-KR" dirty="0"/>
-          </a:p>
-          <a:p>
-            <a:endParaRPr lang="en-US" altLang="ko-KR" dirty="0"/>
-          </a:p>
-          <a:p>
-            <a:r>
-              <a:rPr lang="en-US" altLang="ko-KR" dirty="0"/>
+            <a:r>
+              <a:rPr lang="en-US" altLang="ko-KR" sz="2000" dirty="0">
+                <a:solidFill>
+                  <a:srgbClr val="000000"/>
+                </a:solidFill>
+              </a:rPr>
+              <a:t>&amp; Training</a:t>
+            </a:r>
+          </a:p>
+          <a:p>
+            <a:endParaRPr lang="en-US" altLang="ko-KR" sz="2000" dirty="0">
+              <a:solidFill>
+                <a:srgbClr val="000000"/>
+              </a:solidFill>
+            </a:endParaRPr>
+          </a:p>
+          <a:p>
+            <a:pPr marL="0" indent="0">
+              <a:buNone/>
+            </a:pPr>
+            <a:r>
+              <a:rPr lang="en-US" altLang="ko-KR" sz="2000" dirty="0">
+                <a:solidFill>
+                  <a:srgbClr val="000000"/>
+                </a:solidFill>
+              </a:rPr>
               <a:t>3. </a:t>
             </a:r>
             <a:r>
-              <a:rPr lang="ko-KR" altLang="en-US" dirty="0"/>
-              <a:t>트레이닝 </a:t>
-            </a:r>
-            <a:endParaRPr lang="en-US" altLang="ko-KR" dirty="0"/>
-          </a:p>
-          <a:p>
-            <a:endParaRPr lang="en-US" altLang="ko-KR" dirty="0"/>
-          </a:p>
-          <a:p>
-            <a:r>
-              <a:rPr lang="en-US" altLang="ko-KR" dirty="0"/>
+              <a:rPr lang="ko-KR" altLang="en-US" sz="2000" dirty="0">
+                <a:solidFill>
+                  <a:srgbClr val="000000"/>
+                </a:solidFill>
+              </a:rPr>
+              <a:t>모델 설명</a:t>
+            </a:r>
+            <a:endParaRPr lang="en-US" altLang="ko-KR" sz="2000" dirty="0">
+              <a:solidFill>
+                <a:srgbClr val="000000"/>
+              </a:solidFill>
+            </a:endParaRPr>
+          </a:p>
+          <a:p>
+            <a:endParaRPr lang="en-US" altLang="ko-KR" sz="2000" dirty="0">
+              <a:solidFill>
+                <a:srgbClr val="000000"/>
+              </a:solidFill>
+            </a:endParaRPr>
+          </a:p>
+          <a:p>
+            <a:pPr marL="0" indent="0">
+              <a:buNone/>
+            </a:pPr>
+            <a:r>
+              <a:rPr lang="en-US" altLang="ko-KR" sz="2000" dirty="0">
+                <a:solidFill>
+                  <a:srgbClr val="000000"/>
+                </a:solidFill>
+              </a:rPr>
               <a:t>4. </a:t>
             </a:r>
             <a:r>
-              <a:rPr lang="ko-KR" altLang="en-US" dirty="0"/>
-              <a:t>예측 </a:t>
-            </a:r>
-            <a:endParaRPr lang="en-US" altLang="ko-KR" dirty="0"/>
-          </a:p>
-          <a:p>
-            <a:endParaRPr lang="en-US" altLang="ko-KR" dirty="0"/>
-          </a:p>
-          <a:p>
-            <a:r>
-              <a:rPr lang="en-US" altLang="ko-KR" dirty="0"/>
+              <a:rPr lang="ko-KR" altLang="en-US" sz="2000" dirty="0">
+                <a:solidFill>
+                  <a:srgbClr val="000000"/>
+                </a:solidFill>
+              </a:rPr>
+              <a:t>모델 테스트</a:t>
+            </a:r>
+            <a:endParaRPr lang="en-US" altLang="ko-KR" sz="2000" dirty="0">
+              <a:solidFill>
+                <a:srgbClr val="000000"/>
+              </a:solidFill>
+            </a:endParaRPr>
+          </a:p>
+          <a:p>
+            <a:endParaRPr lang="en-US" altLang="ko-KR" sz="2000" dirty="0">
+              <a:solidFill>
+                <a:srgbClr val="000000"/>
+              </a:solidFill>
+            </a:endParaRPr>
+          </a:p>
+          <a:p>
+            <a:pPr marL="0" indent="0">
+              <a:buNone/>
+            </a:pPr>
+            <a:r>
+              <a:rPr lang="en-US" altLang="ko-KR" sz="2000" dirty="0">
+                <a:solidFill>
+                  <a:srgbClr val="000000"/>
+                </a:solidFill>
+              </a:rPr>
               <a:t>5. </a:t>
             </a:r>
             <a:r>
-              <a:rPr lang="ko-KR" altLang="en-US" dirty="0"/>
+              <a:rPr lang="ko-KR" altLang="en-US" sz="2000" dirty="0">
+                <a:solidFill>
+                  <a:srgbClr val="000000"/>
+                </a:solidFill>
+              </a:rPr>
               <a:t>데모</a:t>
             </a:r>
+          </a:p>
+        </p:txBody>
+      </p:sp>
+      <p:sp>
+        <p:nvSpPr>
+          <p:cNvPr id="6" name="제목 1">
+            <a:extLst>
+              <a:ext uri="{FF2B5EF4-FFF2-40B4-BE49-F238E27FC236}">
+                <a16:creationId xmlns:a16="http://schemas.microsoft.com/office/drawing/2014/main" id="{75511190-F044-4F41-8F9C-F405BF40AE5D}"/>
+              </a:ext>
+            </a:extLst>
+          </p:cNvPr>
+          <p:cNvSpPr txBox="1">
+            <a:spLocks/>
+          </p:cNvSpPr>
+          <p:nvPr/>
+        </p:nvSpPr>
+        <p:spPr>
+          <a:xfrm>
+            <a:off x="804997" y="972976"/>
+            <a:ext cx="7328080" cy="1299167"/>
+          </a:xfrm>
+          <a:prstGeom prst="rect">
+            <a:avLst/>
+          </a:prstGeom>
+          <a:solidFill>
+            <a:schemeClr val="bg1"/>
+          </a:solidFill>
+        </p:spPr>
+        <p:txBody>
+          <a:bodyPr vert="horz" lIns="91440" tIns="45720" rIns="91440" bIns="45720" rtlCol="0" anchor="ctr">
+            <a:normAutofit/>
+          </a:bodyPr>
+          <a:lstStyle>
+            <a:lvl1pPr algn="l" defTabSz="914400" rtl="0" eaLnBrk="1" latinLnBrk="1" hangingPunct="1">
+              <a:lnSpc>
+                <a:spcPct val="90000"/>
+              </a:lnSpc>
+              <a:spcBef>
+                <a:spcPct val="0"/>
+              </a:spcBef>
+              <a:buNone/>
+              <a:defRPr sz="4400" kern="1200">
+                <a:solidFill>
+                  <a:schemeClr val="tx1"/>
+                </a:solidFill>
+                <a:latin typeface="+mj-lt"/>
+                <a:ea typeface="+mj-ea"/>
+                <a:cs typeface="+mj-cs"/>
+              </a:defRPr>
+            </a:lvl1pPr>
+          </a:lstStyle>
+          <a:p>
+            <a:pPr latinLnBrk="0"/>
+            <a:r>
+              <a:rPr lang="ko-KR" altLang="en-US" sz="4800" b="1">
+                <a:solidFill>
+                  <a:srgbClr val="000000"/>
+                </a:solidFill>
+              </a:rPr>
+              <a:t>목차</a:t>
+            </a:r>
+            <a:endParaRPr lang="ko-KR" altLang="en-US" sz="4800" dirty="0">
+              <a:solidFill>
+                <a:srgbClr val="000000"/>
+              </a:solidFill>
+            </a:endParaRPr>
           </a:p>
         </p:txBody>
       </p:sp>
@@ -4595,7 +4414,7 @@
           <p:cNvPr id="2" name="제목 1">
             <a:extLst>
               <a:ext uri="{FF2B5EF4-FFF2-40B4-BE49-F238E27FC236}">
-                <a16:creationId xmlns:a16="http://schemas.microsoft.com/office/drawing/2014/main" id="{8A5908FE-054B-4B9C-9753-1D7A04F70463}"/>
+                <a16:creationId xmlns:a16="http://schemas.microsoft.com/office/drawing/2014/main" id="{7218F767-9438-4106-A79F-BCEA6D682603}"/>
               </a:ext>
             </a:extLst>
           </p:cNvPr>
@@ -4612,63 +4431,224 @@
           <a:lstStyle/>
           <a:p>
             <a:r>
-              <a:rPr lang="ko-KR" altLang="en-US" dirty="0"/>
-              <a:t>기술 트렌드</a:t>
+              <a:rPr lang="en-US" altLang="ko-KR" b="1" dirty="0"/>
+              <a:t>1. </a:t>
+            </a:r>
+            <a:r>
+              <a:rPr lang="ko-KR" altLang="en-US" b="1" dirty="0"/>
+              <a:t>구현 이유</a:t>
             </a:r>
           </a:p>
         </p:txBody>
       </p:sp>
       <p:pic>
         <p:nvPicPr>
-          <p:cNvPr id="1026" name="Picture 2" descr="1">
-            <a:extLst>
-              <a:ext uri="{FF2B5EF4-FFF2-40B4-BE49-F238E27FC236}">
-                <a16:creationId xmlns:a16="http://schemas.microsoft.com/office/drawing/2014/main" id="{66621983-FCFD-4D57-A350-D13A15EA18A5}"/>
+          <p:cNvPr id="5" name="내용 개체 틀 4">
+            <a:extLst>
+              <a:ext uri="{FF2B5EF4-FFF2-40B4-BE49-F238E27FC236}">
+                <a16:creationId xmlns:a16="http://schemas.microsoft.com/office/drawing/2014/main" id="{3B97BB97-5A87-436D-924B-5DF33D27620D}"/>
               </a:ext>
             </a:extLst>
           </p:cNvPr>
           <p:cNvPicPr>
-            <a:picLocks noChangeAspect="1" noChangeArrowheads="1"/>
+            <a:picLocks noGrp="1" noChangeAspect="1"/>
+          </p:cNvPicPr>
+          <p:nvPr>
+            <p:ph idx="1"/>
+          </p:nvPr>
+        </p:nvPicPr>
+        <p:blipFill>
+          <a:blip r:embed="rId2">
+            <a:extLst>
+              <a:ext uri="{28A0092B-C50C-407E-A947-70E740481C1C}">
+                <a14:useLocalDpi xmlns:a14="http://schemas.microsoft.com/office/drawing/2010/main" val="0"/>
+              </a:ext>
+            </a:extLst>
+          </a:blip>
+          <a:stretch>
+            <a:fillRect/>
+          </a:stretch>
+        </p:blipFill>
+        <p:spPr>
+          <a:xfrm>
+            <a:off x="838200" y="2247095"/>
+            <a:ext cx="3833813" cy="3833813"/>
+          </a:xfrm>
+        </p:spPr>
+      </p:pic>
+      <p:pic>
+        <p:nvPicPr>
+          <p:cNvPr id="7" name="그림 6">
+            <a:extLst>
+              <a:ext uri="{FF2B5EF4-FFF2-40B4-BE49-F238E27FC236}">
+                <a16:creationId xmlns:a16="http://schemas.microsoft.com/office/drawing/2014/main" id="{8AE17114-844A-4E66-8A7F-A540063F9560}"/>
+              </a:ext>
+            </a:extLst>
+          </p:cNvPr>
+          <p:cNvPicPr>
+            <a:picLocks noChangeAspect="1"/>
           </p:cNvPicPr>
           <p:nvPr/>
         </p:nvPicPr>
         <p:blipFill>
-          <a:blip r:embed="rId2">
+          <a:blip r:embed="rId3">
             <a:extLst>
               <a:ext uri="{28A0092B-C50C-407E-A947-70E740481C1C}">
                 <a14:useLocalDpi xmlns:a14="http://schemas.microsoft.com/office/drawing/2010/main" val="0"/>
               </a:ext>
             </a:extLst>
           </a:blip>
-          <a:srcRect/>
           <a:stretch>
             <a:fillRect/>
           </a:stretch>
         </p:blipFill>
-        <p:spPr bwMode="auto">
+        <p:spPr>
           <a:xfrm>
-            <a:off x="1819275" y="1828800"/>
-            <a:ext cx="9239250" cy="4114800"/>
+            <a:off x="3954780" y="1112044"/>
+            <a:ext cx="1764030" cy="1764030"/>
+          </a:xfrm>
+          <a:prstGeom prst="rect">
+            <a:avLst/>
+          </a:prstGeom>
+        </p:spPr>
+      </p:pic>
+      <p:sp>
+        <p:nvSpPr>
+          <p:cNvPr id="8" name="TextBox 7">
+            <a:extLst>
+              <a:ext uri="{FF2B5EF4-FFF2-40B4-BE49-F238E27FC236}">
+                <a16:creationId xmlns:a16="http://schemas.microsoft.com/office/drawing/2014/main" id="{1F6B4D3F-6ACB-466B-A4AF-7E63E946E6ED}"/>
+              </a:ext>
+            </a:extLst>
+          </p:cNvPr>
+          <p:cNvSpPr txBox="1"/>
+          <p:nvPr/>
+        </p:nvSpPr>
+        <p:spPr>
+          <a:xfrm>
+            <a:off x="6349253" y="2085135"/>
+            <a:ext cx="4792980" cy="5016758"/>
           </a:xfrm>
           <a:prstGeom prst="rect">
             <a:avLst/>
           </a:prstGeom>
           <a:noFill/>
-          <a:extLst>
-            <a:ext uri="{909E8E84-426E-40DD-AFC4-6F175D3DCCD1}">
-              <a14:hiddenFill xmlns:a14="http://schemas.microsoft.com/office/drawing/2010/main">
-                <a:solidFill>
-                  <a:srgbClr val="FFFFFF"/>
-                </a:solidFill>
-              </a14:hiddenFill>
-            </a:ext>
-          </a:extLst>
         </p:spPr>
-      </p:pic>
+        <p:txBody>
+          <a:bodyPr wrap="square" rtlCol="0">
+            <a:spAutoFit/>
+          </a:bodyPr>
+          <a:lstStyle/>
+          <a:p>
+            <a:r>
+              <a:rPr lang="ko-KR" altLang="en-US" sz="3200" b="1" dirty="0"/>
+              <a:t>대상</a:t>
+            </a:r>
+            <a:endParaRPr lang="en-US" altLang="ko-KR" sz="3200" b="1" dirty="0"/>
+          </a:p>
+          <a:p>
+            <a:r>
+              <a:rPr lang="en-US" altLang="ko-KR" sz="3200" b="1" dirty="0"/>
+              <a:t>&gt; </a:t>
+            </a:r>
+            <a:r>
+              <a:rPr lang="en-US" altLang="ko-KR" sz="3200" dirty="0">
+                <a:latin typeface="나눔손글씨 펜" panose="03040600000000000000" pitchFamily="66" charset="-127"/>
+                <a:ea typeface="나눔손글씨 펜" panose="03040600000000000000" pitchFamily="66" charset="-127"/>
+              </a:rPr>
+              <a:t>PC</a:t>
+            </a:r>
+            <a:r>
+              <a:rPr lang="ko-KR" altLang="en-US" sz="3200" dirty="0">
+                <a:latin typeface="나눔손글씨 펜" panose="03040600000000000000" pitchFamily="66" charset="-127"/>
+                <a:ea typeface="나눔손글씨 펜" panose="03040600000000000000" pitchFamily="66" charset="-127"/>
+              </a:rPr>
+              <a:t> 조립의 초심자</a:t>
+            </a:r>
+            <a:endParaRPr lang="en-US" altLang="ko-KR" sz="3200" dirty="0">
+              <a:latin typeface="나눔손글씨 펜" panose="03040600000000000000" pitchFamily="66" charset="-127"/>
+              <a:ea typeface="나눔손글씨 펜" panose="03040600000000000000" pitchFamily="66" charset="-127"/>
+            </a:endParaRPr>
+          </a:p>
+          <a:p>
+            <a:endParaRPr lang="en-US" altLang="ko-KR" sz="3200" dirty="0"/>
+          </a:p>
+          <a:p>
+            <a:endParaRPr lang="en-US" altLang="ko-KR" sz="3200" dirty="0"/>
+          </a:p>
+          <a:p>
+            <a:r>
+              <a:rPr lang="ko-KR" altLang="en-US" sz="3200" b="1" dirty="0"/>
+              <a:t>목적</a:t>
+            </a:r>
+            <a:endParaRPr lang="en-US" altLang="ko-KR" sz="3200" b="1" dirty="0"/>
+          </a:p>
+          <a:p>
+            <a:r>
+              <a:rPr lang="en-US" altLang="ko-KR" sz="3200" b="1" dirty="0"/>
+              <a:t>&gt;</a:t>
+            </a:r>
+            <a:r>
+              <a:rPr lang="en-US" altLang="ko-KR" sz="3200" dirty="0"/>
+              <a:t> </a:t>
+            </a:r>
+            <a:r>
+              <a:rPr lang="en-US" altLang="ko-KR" sz="3200" dirty="0">
+                <a:latin typeface="나눔손글씨 펜" panose="03040600000000000000" pitchFamily="66" charset="-127"/>
+                <a:ea typeface="나눔손글씨 펜" panose="03040600000000000000" pitchFamily="66" charset="-127"/>
+              </a:rPr>
+              <a:t>Object Detection</a:t>
+            </a:r>
+            <a:r>
+              <a:rPr lang="ko-KR" altLang="en-US" sz="3200" dirty="0">
+                <a:latin typeface="나눔손글씨 펜" panose="03040600000000000000" pitchFamily="66" charset="-127"/>
+                <a:ea typeface="나눔손글씨 펜" panose="03040600000000000000" pitchFamily="66" charset="-127"/>
+              </a:rPr>
+              <a:t>을 통한 </a:t>
+            </a:r>
+            <a:endParaRPr lang="en-US" altLang="ko-KR" sz="3200" dirty="0">
+              <a:latin typeface="나눔손글씨 펜" panose="03040600000000000000" pitchFamily="66" charset="-127"/>
+              <a:ea typeface="나눔손글씨 펜" panose="03040600000000000000" pitchFamily="66" charset="-127"/>
+            </a:endParaRPr>
+          </a:p>
+          <a:p>
+            <a:r>
+              <a:rPr lang="ko-KR" altLang="en-US" sz="3200" dirty="0">
+                <a:latin typeface="나눔손글씨 펜" panose="03040600000000000000" pitchFamily="66" charset="-127"/>
+                <a:ea typeface="나눔손글씨 펜" panose="03040600000000000000" pitchFamily="66" charset="-127"/>
+              </a:rPr>
+              <a:t>컴퓨터 조립을 도와주는 프로그램</a:t>
+            </a:r>
+            <a:endParaRPr lang="en-US" altLang="ko-KR" sz="3200" dirty="0">
+              <a:latin typeface="나눔손글씨 펜" panose="03040600000000000000" pitchFamily="66" charset="-127"/>
+              <a:ea typeface="나눔손글씨 펜" panose="03040600000000000000" pitchFamily="66" charset="-127"/>
+            </a:endParaRPr>
+          </a:p>
+          <a:p>
+            <a:endParaRPr lang="en-US" altLang="ko-KR" sz="2400" dirty="0"/>
+          </a:p>
+          <a:p>
+            <a:r>
+              <a:rPr lang="en-US" altLang="ko-KR" sz="2400" dirty="0"/>
+              <a:t>        </a:t>
+            </a:r>
+          </a:p>
+          <a:p>
+            <a:pPr marL="285750" indent="-285750">
+              <a:buFontTx/>
+              <a:buChar char="-"/>
+            </a:pPr>
+            <a:endParaRPr lang="en-US" altLang="ko-KR" sz="2400" dirty="0"/>
+          </a:p>
+          <a:p>
+            <a:endParaRPr lang="ko-KR" altLang="en-US" sz="2400" dirty="0"/>
+          </a:p>
+        </p:txBody>
+      </p:sp>
     </p:spTree>
     <p:extLst>
       <p:ext uri="{BB962C8B-B14F-4D97-AF65-F5344CB8AC3E}">
-        <p14:creationId xmlns:p14="http://schemas.microsoft.com/office/powerpoint/2010/main" val="3598035363"/>
+        <p14:creationId xmlns:p14="http://schemas.microsoft.com/office/powerpoint/2010/main" val="1301784816"/>
       </p:ext>
     </p:extLst>
   </p:cSld>
@@ -4700,7 +4680,7 @@
           <p:cNvPr id="2" name="제목 1">
             <a:extLst>
               <a:ext uri="{FF2B5EF4-FFF2-40B4-BE49-F238E27FC236}">
-                <a16:creationId xmlns:a16="http://schemas.microsoft.com/office/drawing/2014/main" id="{E4652BB7-131D-49D4-B15F-71BCD06C7430}"/>
+                <a16:creationId xmlns:a16="http://schemas.microsoft.com/office/drawing/2014/main" id="{8CD16A73-812E-4C85-BA95-D3D9D29EA21F}"/>
               </a:ext>
             </a:extLst>
           </p:cNvPr>
@@ -4717,102 +4697,231 @@
           <a:lstStyle/>
           <a:p>
             <a:r>
+              <a:rPr lang="en-US" altLang="ko-KR" b="1" dirty="0"/>
+              <a:t>2. </a:t>
+            </a:r>
+            <a:r>
+              <a:rPr lang="ko-KR" altLang="en-US" b="1" dirty="0"/>
+              <a:t>데이터 </a:t>
+            </a:r>
+            <a:r>
+              <a:rPr lang="en-US" altLang="ko-KR" b="1" dirty="0">
+                <a:latin typeface="+mn-ea"/>
+                <a:ea typeface="+mn-ea"/>
+              </a:rPr>
+              <a:t>Preprocessing</a:t>
+            </a:r>
+            <a:r>
+              <a:rPr lang="ko-KR" altLang="en-US" b="1" dirty="0">
+                <a:latin typeface="+mn-ea"/>
+                <a:ea typeface="+mn-ea"/>
+              </a:rPr>
+              <a:t> </a:t>
+            </a:r>
+            <a:r>
+              <a:rPr lang="en-US" altLang="ko-KR" b="1" dirty="0">
+                <a:latin typeface="+mn-ea"/>
+                <a:ea typeface="+mn-ea"/>
+              </a:rPr>
+              <a:t>&amp; Training</a:t>
+            </a:r>
+            <a:endParaRPr lang="ko-KR" altLang="en-US" b="1" dirty="0">
+              <a:latin typeface="+mn-ea"/>
+              <a:ea typeface="+mn-ea"/>
+            </a:endParaRPr>
+          </a:p>
+        </p:txBody>
+      </p:sp>
+      <p:sp>
+        <p:nvSpPr>
+          <p:cNvPr id="3" name="내용 개체 틀 2">
+            <a:extLst>
+              <a:ext uri="{FF2B5EF4-FFF2-40B4-BE49-F238E27FC236}">
+                <a16:creationId xmlns:a16="http://schemas.microsoft.com/office/drawing/2014/main" id="{8B15A0F7-C913-49B7-8256-776DF0A220F4}"/>
+              </a:ext>
+            </a:extLst>
+          </p:cNvPr>
+          <p:cNvSpPr>
+            <a:spLocks noGrp="1"/>
+          </p:cNvSpPr>
+          <p:nvPr>
+            <p:ph idx="1"/>
+          </p:nvPr>
+        </p:nvSpPr>
+        <p:spPr/>
+        <p:txBody>
+          <a:bodyPr>
+            <a:normAutofit/>
+          </a:bodyPr>
+          <a:lstStyle/>
+          <a:p>
+            <a:r>
+              <a:rPr lang="en-US" altLang="ko-KR" dirty="0" err="1"/>
+              <a:t>labelImg</a:t>
+            </a:r>
+            <a:r>
+              <a:rPr lang="en-US" altLang="ko-KR" dirty="0"/>
+              <a:t> Tool</a:t>
+            </a:r>
+          </a:p>
+          <a:p>
+            <a:pPr lvl="1"/>
+            <a:r>
+              <a:rPr lang="en-US" altLang="ko-KR" dirty="0"/>
+              <a:t>CPU, RAM, SSD, GPU, MOTHERBOARD</a:t>
+            </a:r>
+            <a:r>
+              <a:rPr lang="ko-KR" altLang="en-US" dirty="0"/>
+              <a:t>에 대해 </a:t>
+            </a:r>
+            <a:r>
+              <a:rPr lang="ko-KR" altLang="en-US" dirty="0" err="1"/>
+              <a:t>라벨링</a:t>
+            </a:r>
+            <a:endParaRPr lang="en-US" altLang="ko-KR" dirty="0"/>
+          </a:p>
+          <a:p>
+            <a:pPr lvl="1"/>
+            <a:r>
+              <a:rPr lang="en-US" altLang="ko-KR" dirty="0"/>
+              <a:t>Pascal VOC</a:t>
+            </a:r>
+            <a:r>
+              <a:rPr lang="ko-KR" altLang="en-US" dirty="0"/>
+              <a:t> </a:t>
+            </a:r>
+            <a:r>
+              <a:rPr lang="en-US" altLang="ko-KR" dirty="0"/>
+              <a:t>-&gt;</a:t>
+            </a:r>
+            <a:r>
+              <a:rPr lang="ko-KR" altLang="en-US" dirty="0"/>
+              <a:t> </a:t>
+            </a:r>
+            <a:r>
               <a:rPr lang="en-US" altLang="ko-KR" dirty="0"/>
               <a:t>YOLO </a:t>
             </a:r>
             <a:r>
               <a:rPr lang="ko-KR" altLang="en-US" dirty="0"/>
-              <a:t>알고리즘</a:t>
-            </a:r>
-          </a:p>
-        </p:txBody>
-      </p:sp>
-      <p:sp>
-        <p:nvSpPr>
-          <p:cNvPr id="7" name="내용 개체 틀 6">
-            <a:extLst>
-              <a:ext uri="{FF2B5EF4-FFF2-40B4-BE49-F238E27FC236}">
-                <a16:creationId xmlns:a16="http://schemas.microsoft.com/office/drawing/2014/main" id="{F1DA2461-FCAA-4C56-90C6-3724C543E350}"/>
-              </a:ext>
-            </a:extLst>
-          </p:cNvPr>
-          <p:cNvSpPr>
-            <a:spLocks noGrp="1"/>
-          </p:cNvSpPr>
-          <p:nvPr>
-            <p:ph idx="1"/>
-          </p:nvPr>
-        </p:nvSpPr>
-        <p:spPr/>
-        <p:txBody>
-          <a:bodyPr/>
-          <a:lstStyle/>
-          <a:p>
-            <a:pPr marL="514350" indent="-514350">
-              <a:buAutoNum type="arabicPeriod"/>
-            </a:pPr>
+              <a:t>포맷 </a:t>
+            </a:r>
+            <a:r>
+              <a:rPr lang="ko-KR" altLang="en-US" dirty="0" err="1"/>
+              <a:t>컨버팅</a:t>
+            </a:r>
+            <a:r>
+              <a:rPr lang="ko-KR" altLang="en-US" dirty="0"/>
+              <a:t> </a:t>
+            </a:r>
+            <a:endParaRPr lang="en-US" altLang="ko-KR" dirty="0"/>
+          </a:p>
+          <a:p>
+            <a:pPr lvl="1"/>
+            <a:endParaRPr lang="en-US" altLang="ko-KR" dirty="0"/>
+          </a:p>
+          <a:p>
+            <a:r>
+              <a:rPr lang="ko-KR" altLang="en-US" dirty="0" err="1"/>
+              <a:t>전처리</a:t>
+            </a:r>
+            <a:r>
+              <a:rPr lang="ko-KR" altLang="en-US" dirty="0"/>
+              <a:t> 필요 </a:t>
+            </a:r>
             <a:r>
               <a:rPr lang="en-US" altLang="ko-KR" dirty="0"/>
-              <a:t>Input Image</a:t>
+              <a:t>3</a:t>
             </a:r>
             <a:r>
               <a:rPr lang="ko-KR" altLang="en-US" dirty="0"/>
-              <a:t>를 </a:t>
+              <a:t>가지 파일 생성</a:t>
+            </a:r>
+            <a:endParaRPr lang="en-US" altLang="ko-KR" dirty="0"/>
+          </a:p>
+          <a:p>
+            <a:pPr lvl="1"/>
+            <a:r>
+              <a:rPr lang="ko-KR" altLang="en-US" dirty="0" err="1"/>
+              <a:t>다크넷</a:t>
+            </a:r>
+            <a:r>
+              <a:rPr lang="ko-KR" altLang="en-US" dirty="0"/>
+              <a:t> 프레임워크 </a:t>
             </a:r>
             <a:r>
               <a:rPr lang="en-US" altLang="ko-KR" dirty="0"/>
-              <a:t>resize</a:t>
-            </a:r>
-          </a:p>
-          <a:p>
-            <a:pPr marL="514350" indent="-514350">
-              <a:buAutoNum type="arabicPeriod"/>
-            </a:pPr>
-            <a:r>
-              <a:rPr lang="en-US" altLang="ko-KR" dirty="0" err="1"/>
-              <a:t>Img</a:t>
+              <a:t>– YOLO </a:t>
             </a:r>
             <a:r>
               <a:rPr lang="ko-KR" altLang="en-US" dirty="0"/>
-              <a:t>에서 작동하는 </a:t>
+              <a:t>모델</a:t>
             </a:r>
             <a:r>
               <a:rPr lang="en-US" altLang="ko-KR" dirty="0"/>
-              <a:t>single convolution network </a:t>
+              <a:t>(</a:t>
             </a:r>
             <a:r>
               <a:rPr lang="ko-KR" altLang="en-US" dirty="0"/>
-              <a:t>실행</a:t>
-            </a:r>
+              <a:t>리눅스 기반</a:t>
+            </a:r>
+            <a:r>
+              <a:rPr lang="en-US" altLang="ko-KR" dirty="0"/>
+              <a:t>)</a:t>
+            </a:r>
+          </a:p>
+          <a:p>
+            <a:pPr lvl="2"/>
+            <a:r>
+              <a:rPr lang="en-US" altLang="ko-KR" sz="1800" dirty="0"/>
+              <a:t>config</a:t>
+            </a:r>
+            <a:r>
+              <a:rPr lang="ko-KR" altLang="en-US" sz="1800" dirty="0"/>
+              <a:t>파일</a:t>
+            </a:r>
+            <a:endParaRPr lang="en-US" altLang="ko-KR" sz="1800" dirty="0"/>
+          </a:p>
+          <a:p>
+            <a:pPr lvl="2"/>
+            <a:r>
+              <a:rPr lang="ko-KR" altLang="en-US" sz="1800" dirty="0"/>
+              <a:t>라벨 클래스 파일</a:t>
+            </a:r>
+            <a:endParaRPr lang="en-US" altLang="ko-KR" sz="1800" dirty="0"/>
+          </a:p>
+          <a:p>
+            <a:pPr lvl="2"/>
             <a:endParaRPr lang="en-US" altLang="ko-KR" dirty="0"/>
           </a:p>
           <a:p>
-            <a:pPr marL="514350" indent="-514350">
-              <a:buAutoNum type="arabicPeriod"/>
-            </a:pPr>
+            <a:r>
+              <a:rPr lang="en-US" altLang="ko-KR" dirty="0"/>
+              <a:t>Darknet Train</a:t>
+            </a:r>
             <a:r>
               <a:rPr lang="ko-KR" altLang="en-US" dirty="0"/>
-              <a:t>해당 모델을 통해서 나온 확률 값을 </a:t>
+              <a:t>을 통해 학습모델</a:t>
             </a:r>
             <a:r>
               <a:rPr lang="en-US" altLang="ko-KR" dirty="0"/>
-              <a:t>threshold</a:t>
+              <a:t> weights</a:t>
             </a:r>
             <a:r>
               <a:rPr lang="ko-KR" altLang="en-US" dirty="0"/>
-              <a:t>로 잘라서 결과값을 보여준다</a:t>
-            </a:r>
-            <a:r>
-              <a:rPr lang="en-US" altLang="ko-KR" dirty="0"/>
-              <a:t>.</a:t>
-            </a:r>
+              <a:t>파일 도출</a:t>
+            </a:r>
+            <a:endParaRPr lang="en-US" altLang="ko-KR" dirty="0"/>
+          </a:p>
+          <a:p>
+            <a:endParaRPr lang="en-US" altLang="ko-KR" dirty="0"/>
           </a:p>
         </p:txBody>
       </p:sp>
     </p:spTree>
     <p:extLst>
       <p:ext uri="{BB962C8B-B14F-4D97-AF65-F5344CB8AC3E}">
-        <p14:creationId xmlns:p14="http://schemas.microsoft.com/office/powerpoint/2010/main" val="1624063279"/>
+        <p14:creationId xmlns:p14="http://schemas.microsoft.com/office/powerpoint/2010/main" val="1106869274"/>
       </p:ext>
     </p:extLst>
   </p:cSld>
@@ -4844,7 +4953,7 @@
           <p:cNvPr id="2" name="제목 1">
             <a:extLst>
               <a:ext uri="{FF2B5EF4-FFF2-40B4-BE49-F238E27FC236}">
-                <a16:creationId xmlns:a16="http://schemas.microsoft.com/office/drawing/2014/main" id="{AC84B7B7-C920-4137-B8A2-FBF5D5A6E564}"/>
+                <a16:creationId xmlns:a16="http://schemas.microsoft.com/office/drawing/2014/main" id="{EA5C7BEC-4468-4B96-B466-7463C61F07F8}"/>
               </a:ext>
             </a:extLst>
           </p:cNvPr>
@@ -4855,27 +4964,17 @@
             <p:ph type="title"/>
           </p:nvPr>
         </p:nvSpPr>
-        <p:spPr/>
+        <p:spPr>
+          <a:xfrm>
+            <a:off x="1144388" y="365125"/>
+            <a:ext cx="10209411" cy="1266347"/>
+          </a:xfrm>
+        </p:spPr>
         <p:txBody>
           <a:bodyPr/>
           <a:lstStyle/>
           <a:p>
-            <a:r>
-              <a:rPr lang="en-US" altLang="ko-KR" dirty="0"/>
-              <a:t>YOLO </a:t>
-            </a:r>
-            <a:r>
-              <a:rPr lang="ko-KR" altLang="en-US" dirty="0"/>
-              <a:t>장점 </a:t>
-            </a:r>
-            <a:r>
-              <a:rPr lang="en-US" altLang="ko-KR" dirty="0"/>
-              <a:t>– 1. </a:t>
-            </a:r>
-            <a:r>
-              <a:rPr lang="ko-KR" altLang="en-US" dirty="0"/>
-              <a:t>속도가 빠르다</a:t>
-            </a:r>
+            <a:endParaRPr lang="ko-KR" altLang="en-US"/>
           </a:p>
         </p:txBody>
       </p:sp>
@@ -4884,7 +4983,7 @@
           <p:cNvPr id="3" name="내용 개체 틀 2">
             <a:extLst>
               <a:ext uri="{FF2B5EF4-FFF2-40B4-BE49-F238E27FC236}">
-                <a16:creationId xmlns:a16="http://schemas.microsoft.com/office/drawing/2014/main" id="{62BA3F2D-4E11-43AB-A873-715D0066450C}"/>
+                <a16:creationId xmlns:a16="http://schemas.microsoft.com/office/drawing/2014/main" id="{9E1398B0-5DCD-4E23-AB3B-DE90656B507B}"/>
               </a:ext>
             </a:extLst>
           </p:cNvPr>
@@ -4897,421 +4996,756 @@
         </p:nvSpPr>
         <p:spPr>
           <a:xfrm>
-            <a:off x="408992" y="2141537"/>
-            <a:ext cx="5431971" cy="4351338"/>
+            <a:off x="1144388" y="1825625"/>
+            <a:ext cx="10209411" cy="4156953"/>
           </a:xfrm>
         </p:spPr>
         <p:txBody>
           <a:bodyPr/>
           <a:lstStyle/>
           <a:p>
-            <a:pPr marL="0" indent="0">
-              <a:buNone/>
-            </a:pPr>
-            <a:r>
-              <a:rPr lang="en-US" altLang="ko-KR" dirty="0"/>
-              <a:t>two-stage-detection</a:t>
-            </a:r>
-            <a:r>
-              <a:rPr lang="ko-KR" altLang="en-US" dirty="0"/>
-              <a:t>기존 </a:t>
-            </a:r>
-            <a:r>
-              <a:rPr lang="en-US" altLang="ko-KR" dirty="0"/>
-              <a:t>R-CNN</a:t>
-            </a:r>
-            <a:r>
-              <a:rPr lang="ko-KR" altLang="en-US" dirty="0"/>
-              <a:t> </a:t>
-            </a:r>
-            <a:endParaRPr lang="en-US" altLang="ko-KR" dirty="0"/>
-          </a:p>
-          <a:p>
-            <a:pPr>
-              <a:buFontTx/>
-              <a:buChar char="-"/>
-            </a:pPr>
-            <a:endParaRPr lang="en-US" altLang="ko-KR" dirty="0"/>
-          </a:p>
-          <a:p>
-            <a:pPr>
-              <a:buFontTx/>
-              <a:buChar char="-"/>
-            </a:pPr>
-            <a:r>
-              <a:rPr lang="en-US" altLang="ko-KR" dirty="0"/>
-              <a:t>region proposal </a:t>
-            </a:r>
-            <a:r>
-              <a:rPr lang="ko-KR" altLang="en-US" dirty="0"/>
-              <a:t>방법을 사용</a:t>
-            </a:r>
-            <a:endParaRPr lang="en-US" altLang="ko-KR" dirty="0"/>
-          </a:p>
-          <a:p>
-            <a:pPr marL="0" indent="0">
-              <a:buNone/>
-            </a:pPr>
-            <a:r>
-              <a:rPr lang="en-US" altLang="ko-KR" dirty="0"/>
-              <a:t>- image </a:t>
-            </a:r>
-            <a:r>
-              <a:rPr lang="ko-KR" altLang="en-US" dirty="0"/>
-              <a:t>안에서 가능성이 높은 </a:t>
-            </a:r>
-            <a:r>
-              <a:rPr lang="en-US" altLang="ko-KR" dirty="0"/>
-              <a:t>bounding box</a:t>
-            </a:r>
-            <a:r>
-              <a:rPr lang="ko-KR" altLang="en-US" dirty="0"/>
-              <a:t>를 생성</a:t>
-            </a:r>
-            <a:endParaRPr lang="en-US" altLang="ko-KR" dirty="0"/>
-          </a:p>
-          <a:p>
-            <a:pPr>
-              <a:buFontTx/>
-              <a:buChar char="-"/>
-            </a:pPr>
-            <a:r>
-              <a:rPr lang="ko-KR" altLang="en-US" dirty="0"/>
-              <a:t>그리고 </a:t>
-            </a:r>
-            <a:r>
-              <a:rPr lang="en-US" altLang="ko-KR" dirty="0"/>
-              <a:t>box </a:t>
-            </a:r>
-            <a:r>
-              <a:rPr lang="ko-KR" altLang="en-US" dirty="0"/>
-              <a:t>속의 이미지를 </a:t>
-            </a:r>
-            <a:r>
-              <a:rPr lang="en-US" altLang="ko-KR" dirty="0"/>
-              <a:t>classifier</a:t>
-            </a:r>
-            <a:r>
-              <a:rPr lang="ko-KR" altLang="en-US" dirty="0"/>
-              <a:t>에 넣어 실행</a:t>
-            </a:r>
-            <a:endParaRPr lang="en-US" altLang="ko-KR" dirty="0"/>
-          </a:p>
-          <a:p>
-            <a:pPr marL="0" indent="0">
-              <a:buNone/>
-            </a:pPr>
-            <a:endParaRPr lang="en-US" altLang="ko-KR" dirty="0"/>
-          </a:p>
-          <a:p>
-            <a:pPr marL="0" indent="0">
-              <a:buNone/>
-            </a:pPr>
-            <a:endParaRPr lang="en-US" altLang="ko-KR" dirty="0"/>
-          </a:p>
-        </p:txBody>
-      </p:sp>
-      <p:sp>
-        <p:nvSpPr>
-          <p:cNvPr id="4" name="내용 개체 틀 2">
-            <a:extLst>
-              <a:ext uri="{FF2B5EF4-FFF2-40B4-BE49-F238E27FC236}">
-                <a16:creationId xmlns:a16="http://schemas.microsoft.com/office/drawing/2014/main" id="{BA5A0FB1-2278-45CB-AD43-AE50099A0724}"/>
-              </a:ext>
-            </a:extLst>
-          </p:cNvPr>
-          <p:cNvSpPr txBox="1">
-            <a:spLocks/>
-          </p:cNvSpPr>
+            <a:endParaRPr lang="ko-KR" altLang="en-US"/>
+          </a:p>
+        </p:txBody>
+      </p:sp>
+      <p:pic>
+        <p:nvPicPr>
+          <p:cNvPr id="4" name="그림 3">
+            <a:extLst>
+              <a:ext uri="{FF2B5EF4-FFF2-40B4-BE49-F238E27FC236}">
+                <a16:creationId xmlns:a16="http://schemas.microsoft.com/office/drawing/2014/main" id="{E99D85D4-5BA5-4EA4-800A-9AD432928A60}"/>
+              </a:ext>
+            </a:extLst>
+          </p:cNvPr>
+          <p:cNvPicPr>
+            <a:picLocks noChangeAspect="1"/>
+          </p:cNvPicPr>
           <p:nvPr/>
-        </p:nvSpPr>
+        </p:nvPicPr>
+        <p:blipFill>
+          <a:blip r:embed="rId2"/>
+          <a:stretch>
+            <a:fillRect/>
+          </a:stretch>
+        </p:blipFill>
         <p:spPr>
           <a:xfrm>
-            <a:off x="6096000" y="2141537"/>
-            <a:ext cx="5431971" cy="4351338"/>
+            <a:off x="-1" y="0"/>
+            <a:ext cx="12041393" cy="6858000"/>
           </a:xfrm>
           <a:prstGeom prst="rect">
             <a:avLst/>
           </a:prstGeom>
         </p:spPr>
-        <p:txBody>
-          <a:bodyPr vert="horz" lIns="91440" tIns="45720" rIns="91440" bIns="45720" rtlCol="0">
-            <a:normAutofit/>
-          </a:bodyPr>
-          <a:lstStyle>
-            <a:lvl1pPr marL="228600" indent="-228600" algn="l" defTabSz="914400" rtl="0" eaLnBrk="1" latinLnBrk="1" hangingPunct="1">
-              <a:lnSpc>
-                <a:spcPct val="90000"/>
-              </a:lnSpc>
-              <a:spcBef>
-                <a:spcPts val="1000"/>
-              </a:spcBef>
-              <a:buFont typeface="Arial" panose="020B0604020202020204" pitchFamily="34" charset="0"/>
-              <a:buChar char="•"/>
-              <a:defRPr sz="2800" kern="1200">
-                <a:solidFill>
-                  <a:schemeClr val="tx1"/>
-                </a:solidFill>
-                <a:latin typeface="+mn-lt"/>
-                <a:ea typeface="+mn-ea"/>
-                <a:cs typeface="+mn-cs"/>
-              </a:defRPr>
-            </a:lvl1pPr>
-            <a:lvl2pPr marL="685800" indent="-228600" algn="l" defTabSz="914400" rtl="0" eaLnBrk="1" latinLnBrk="1" hangingPunct="1">
-              <a:lnSpc>
-                <a:spcPct val="90000"/>
-              </a:lnSpc>
-              <a:spcBef>
-                <a:spcPts val="500"/>
-              </a:spcBef>
-              <a:buFont typeface="Arial" panose="020B0604020202020204" pitchFamily="34" charset="0"/>
-              <a:buChar char="•"/>
-              <a:defRPr sz="2400" kern="1200">
-                <a:solidFill>
-                  <a:schemeClr val="tx1"/>
-                </a:solidFill>
-                <a:latin typeface="+mn-lt"/>
-                <a:ea typeface="+mn-ea"/>
-                <a:cs typeface="+mn-cs"/>
-              </a:defRPr>
-            </a:lvl2pPr>
-            <a:lvl3pPr marL="1143000" indent="-228600" algn="l" defTabSz="914400" rtl="0" eaLnBrk="1" latinLnBrk="1" hangingPunct="1">
-              <a:lnSpc>
-                <a:spcPct val="90000"/>
-              </a:lnSpc>
-              <a:spcBef>
-                <a:spcPts val="500"/>
-              </a:spcBef>
-              <a:buFont typeface="Arial" panose="020B0604020202020204" pitchFamily="34" charset="0"/>
-              <a:buChar char="•"/>
-              <a:defRPr sz="2000" kern="1200">
-                <a:solidFill>
-                  <a:schemeClr val="tx1"/>
-                </a:solidFill>
-                <a:latin typeface="+mn-lt"/>
-                <a:ea typeface="+mn-ea"/>
-                <a:cs typeface="+mn-cs"/>
-              </a:defRPr>
-            </a:lvl3pPr>
-            <a:lvl4pPr marL="1600200" indent="-228600" algn="l" defTabSz="914400" rtl="0" eaLnBrk="1" latinLnBrk="1" hangingPunct="1">
-              <a:lnSpc>
-                <a:spcPct val="90000"/>
-              </a:lnSpc>
-              <a:spcBef>
-                <a:spcPts val="500"/>
-              </a:spcBef>
-              <a:buFont typeface="Arial" panose="020B0604020202020204" pitchFamily="34" charset="0"/>
-              <a:buChar char="•"/>
-              <a:defRPr sz="1800" kern="1200">
-                <a:solidFill>
-                  <a:schemeClr val="tx1"/>
-                </a:solidFill>
-                <a:latin typeface="+mn-lt"/>
-                <a:ea typeface="+mn-ea"/>
-                <a:cs typeface="+mn-cs"/>
-              </a:defRPr>
-            </a:lvl4pPr>
-            <a:lvl5pPr marL="2057400" indent="-228600" algn="l" defTabSz="914400" rtl="0" eaLnBrk="1" latinLnBrk="1" hangingPunct="1">
-              <a:lnSpc>
-                <a:spcPct val="90000"/>
-              </a:lnSpc>
-              <a:spcBef>
-                <a:spcPts val="500"/>
-              </a:spcBef>
-              <a:buFont typeface="Arial" panose="020B0604020202020204" pitchFamily="34" charset="0"/>
-              <a:buChar char="•"/>
-              <a:defRPr sz="1800" kern="1200">
-                <a:solidFill>
-                  <a:schemeClr val="tx1"/>
-                </a:solidFill>
-                <a:latin typeface="+mn-lt"/>
-                <a:ea typeface="+mn-ea"/>
-                <a:cs typeface="+mn-cs"/>
-              </a:defRPr>
-            </a:lvl5pPr>
-            <a:lvl6pPr marL="2514600" indent="-228600" algn="l" defTabSz="914400" rtl="0" eaLnBrk="1" latinLnBrk="1" hangingPunct="1">
-              <a:lnSpc>
-                <a:spcPct val="90000"/>
-              </a:lnSpc>
-              <a:spcBef>
-                <a:spcPts val="500"/>
-              </a:spcBef>
-              <a:buFont typeface="Arial" panose="020B0604020202020204" pitchFamily="34" charset="0"/>
-              <a:buChar char="•"/>
-              <a:defRPr sz="1800" kern="1200">
-                <a:solidFill>
-                  <a:schemeClr val="tx1"/>
-                </a:solidFill>
-                <a:latin typeface="+mn-lt"/>
-                <a:ea typeface="+mn-ea"/>
-                <a:cs typeface="+mn-cs"/>
-              </a:defRPr>
-            </a:lvl6pPr>
-            <a:lvl7pPr marL="2971800" indent="-228600" algn="l" defTabSz="914400" rtl="0" eaLnBrk="1" latinLnBrk="1" hangingPunct="1">
-              <a:lnSpc>
-                <a:spcPct val="90000"/>
-              </a:lnSpc>
-              <a:spcBef>
-                <a:spcPts val="500"/>
-              </a:spcBef>
-              <a:buFont typeface="Arial" panose="020B0604020202020204" pitchFamily="34" charset="0"/>
-              <a:buChar char="•"/>
-              <a:defRPr sz="1800" kern="1200">
-                <a:solidFill>
-                  <a:schemeClr val="tx1"/>
-                </a:solidFill>
-                <a:latin typeface="+mn-lt"/>
-                <a:ea typeface="+mn-ea"/>
-                <a:cs typeface="+mn-cs"/>
-              </a:defRPr>
-            </a:lvl7pPr>
-            <a:lvl8pPr marL="3429000" indent="-228600" algn="l" defTabSz="914400" rtl="0" eaLnBrk="1" latinLnBrk="1" hangingPunct="1">
-              <a:lnSpc>
-                <a:spcPct val="90000"/>
-              </a:lnSpc>
-              <a:spcBef>
-                <a:spcPts val="500"/>
-              </a:spcBef>
-              <a:buFont typeface="Arial" panose="020B0604020202020204" pitchFamily="34" charset="0"/>
-              <a:buChar char="•"/>
-              <a:defRPr sz="1800" kern="1200">
-                <a:solidFill>
-                  <a:schemeClr val="tx1"/>
-                </a:solidFill>
-                <a:latin typeface="+mn-lt"/>
-                <a:ea typeface="+mn-ea"/>
-                <a:cs typeface="+mn-cs"/>
-              </a:defRPr>
-            </a:lvl8pPr>
-            <a:lvl9pPr marL="3886200" indent="-228600" algn="l" defTabSz="914400" rtl="0" eaLnBrk="1" latinLnBrk="1" hangingPunct="1">
-              <a:lnSpc>
-                <a:spcPct val="90000"/>
-              </a:lnSpc>
-              <a:spcBef>
-                <a:spcPts val="500"/>
-              </a:spcBef>
-              <a:buFont typeface="Arial" panose="020B0604020202020204" pitchFamily="34" charset="0"/>
-              <a:buChar char="•"/>
-              <a:defRPr sz="1800" kern="1200">
-                <a:solidFill>
-                  <a:schemeClr val="tx1"/>
-                </a:solidFill>
-                <a:latin typeface="+mn-lt"/>
-                <a:ea typeface="+mn-ea"/>
-                <a:cs typeface="+mn-cs"/>
-              </a:defRPr>
-            </a:lvl9pPr>
-          </a:lstStyle>
-          <a:p>
-            <a:pPr marL="0" indent="0">
-              <a:buNone/>
-            </a:pPr>
-            <a:r>
-              <a:rPr lang="en-US" altLang="ko-KR" dirty="0"/>
-              <a:t>One-stage-detection(YOLO</a:t>
-            </a:r>
-          </a:p>
-          <a:p>
-            <a:pPr marL="0" indent="0">
-              <a:buFont typeface="Arial" panose="020B0604020202020204" pitchFamily="34" charset="0"/>
-              <a:buNone/>
-            </a:pPr>
-            <a:endParaRPr lang="en-US" altLang="ko-KR" dirty="0"/>
-          </a:p>
-          <a:p>
-            <a:pPr>
-              <a:buFontTx/>
-              <a:buChar char="-"/>
-            </a:pPr>
-            <a:r>
-              <a:rPr lang="en-US" altLang="ko-KR" dirty="0"/>
-              <a:t>Single Convolution </a:t>
-            </a:r>
-            <a:r>
-              <a:rPr lang="en-US" altLang="ko-KR" dirty="0" err="1"/>
-              <a:t>networ</a:t>
-            </a:r>
-            <a:r>
-              <a:rPr lang="ko-KR" altLang="en-US" dirty="0"/>
-              <a:t>는 물체의 </a:t>
-            </a:r>
-            <a:r>
-              <a:rPr lang="en-US" altLang="ko-KR" dirty="0"/>
-              <a:t>bounding box</a:t>
-            </a:r>
-            <a:r>
-              <a:rPr lang="ko-KR" altLang="en-US" dirty="0"/>
-              <a:t>와 </a:t>
-            </a:r>
-            <a:r>
-              <a:rPr lang="en-US" altLang="ko-KR" dirty="0"/>
-              <a:t>bounding box </a:t>
-            </a:r>
-            <a:r>
-              <a:rPr lang="ko-KR" altLang="en-US" dirty="0"/>
-              <a:t>안의 </a:t>
-            </a:r>
-            <a:r>
-              <a:rPr lang="en-US" altLang="ko-KR" dirty="0"/>
-              <a:t>object</a:t>
-            </a:r>
-            <a:r>
-              <a:rPr lang="ko-KR" altLang="en-US" dirty="0"/>
-              <a:t>가 무엇인지 동시에 예측</a:t>
-            </a:r>
-            <a:endParaRPr lang="en-US" altLang="ko-KR" dirty="0"/>
-          </a:p>
-          <a:p>
-            <a:pPr marL="0" indent="0">
-              <a:buNone/>
-            </a:pPr>
-            <a:r>
-              <a:rPr lang="en-US" altLang="ko-KR" dirty="0"/>
-              <a:t>- </a:t>
-            </a:r>
-            <a:r>
-              <a:rPr lang="ko-KR" altLang="en-US" dirty="0"/>
-              <a:t>복잡한 </a:t>
-            </a:r>
-            <a:r>
-              <a:rPr lang="en-US" altLang="ko-KR" dirty="0"/>
-              <a:t>pipeline</a:t>
-            </a:r>
-            <a:r>
-              <a:rPr lang="ko-KR" altLang="en-US" dirty="0"/>
-              <a:t>을 필요로 하지 않음</a:t>
-            </a:r>
-            <a:r>
-              <a:rPr lang="en-US" altLang="ko-KR" dirty="0"/>
-              <a:t>.</a:t>
-            </a:r>
-          </a:p>
-          <a:p>
-            <a:pPr>
-              <a:buFontTx/>
-              <a:buChar char="-"/>
-            </a:pPr>
-            <a:endParaRPr lang="en-US" altLang="ko-KR" dirty="0"/>
-          </a:p>
-          <a:p>
-            <a:pPr marL="0" indent="0">
-              <a:buFont typeface="Arial" panose="020B0604020202020204" pitchFamily="34" charset="0"/>
-              <a:buNone/>
-            </a:pPr>
-            <a:endParaRPr lang="en-US" altLang="ko-KR" dirty="0"/>
+      </p:pic>
+      <p:sp>
+        <p:nvSpPr>
+          <p:cNvPr id="5" name="직사각형 4">
+            <a:extLst>
+              <a:ext uri="{FF2B5EF4-FFF2-40B4-BE49-F238E27FC236}">
+                <a16:creationId xmlns:a16="http://schemas.microsoft.com/office/drawing/2014/main" id="{4DAF1201-1747-47C7-B7D1-DE13A645D5FC}"/>
+              </a:ext>
+            </a:extLst>
+          </p:cNvPr>
+          <p:cNvSpPr/>
+          <p:nvPr/>
+        </p:nvSpPr>
+        <p:spPr>
+          <a:xfrm>
+            <a:off x="5032269" y="1312434"/>
+            <a:ext cx="1357773" cy="1826318"/>
+          </a:xfrm>
+          <a:prstGeom prst="rect">
+            <a:avLst/>
+          </a:prstGeom>
+          <a:solidFill>
+            <a:srgbClr val="C00000">
+              <a:alpha val="15000"/>
+            </a:srgbClr>
+          </a:solidFill>
+          <a:ln w="38100">
+            <a:solidFill>
+              <a:srgbClr val="C00000"/>
+            </a:solidFill>
+            <a:prstDash val="sysDash"/>
+          </a:ln>
+        </p:spPr>
+        <p:style>
+          <a:lnRef idx="2">
+            <a:schemeClr val="accent1">
+              <a:shade val="50000"/>
+            </a:schemeClr>
+          </a:lnRef>
+          <a:fillRef idx="1">
+            <a:schemeClr val="accent1"/>
+          </a:fillRef>
+          <a:effectRef idx="0">
+            <a:schemeClr val="accent1"/>
+          </a:effectRef>
+          <a:fontRef idx="minor">
+            <a:schemeClr val="lt1"/>
+          </a:fontRef>
+        </p:style>
+        <p:txBody>
+          <a:bodyPr rtlCol="0" anchor="ctr"/>
+          <a:lstStyle/>
+          <a:p>
+            <a:pPr algn="ctr"/>
+            <a:endParaRPr lang="ko-KR" altLang="en-US"/>
+          </a:p>
+        </p:txBody>
+      </p:sp>
+      <p:sp>
+        <p:nvSpPr>
+          <p:cNvPr id="6" name="직사각형 5">
+            <a:extLst>
+              <a:ext uri="{FF2B5EF4-FFF2-40B4-BE49-F238E27FC236}">
+                <a16:creationId xmlns:a16="http://schemas.microsoft.com/office/drawing/2014/main" id="{9998BF69-D79E-4397-8E77-E227BB241EBC}"/>
+              </a:ext>
+            </a:extLst>
+          </p:cNvPr>
+          <p:cNvSpPr/>
+          <p:nvPr/>
+        </p:nvSpPr>
+        <p:spPr>
+          <a:xfrm>
+            <a:off x="6665309" y="215685"/>
+            <a:ext cx="1357773" cy="4156953"/>
+          </a:xfrm>
+          <a:prstGeom prst="rect">
+            <a:avLst/>
+          </a:prstGeom>
+          <a:solidFill>
+            <a:srgbClr val="C00000">
+              <a:alpha val="15000"/>
+            </a:srgbClr>
+          </a:solidFill>
+          <a:ln w="38100">
+            <a:solidFill>
+              <a:srgbClr val="C00000"/>
+            </a:solidFill>
+            <a:prstDash val="sysDash"/>
+          </a:ln>
+        </p:spPr>
+        <p:style>
+          <a:lnRef idx="2">
+            <a:schemeClr val="accent1">
+              <a:shade val="50000"/>
+            </a:schemeClr>
+          </a:lnRef>
+          <a:fillRef idx="1">
+            <a:schemeClr val="accent1"/>
+          </a:fillRef>
+          <a:effectRef idx="0">
+            <a:schemeClr val="accent1"/>
+          </a:effectRef>
+          <a:fontRef idx="minor">
+            <a:schemeClr val="lt1"/>
+          </a:fontRef>
+        </p:style>
+        <p:txBody>
+          <a:bodyPr rtlCol="0" anchor="ctr"/>
+          <a:lstStyle/>
+          <a:p>
+            <a:pPr algn="ctr"/>
+            <a:endParaRPr lang="ko-KR" altLang="en-US"/>
+          </a:p>
+        </p:txBody>
+      </p:sp>
+      <p:sp>
+        <p:nvSpPr>
+          <p:cNvPr id="8" name="직사각형 7">
+            <a:extLst>
+              <a:ext uri="{FF2B5EF4-FFF2-40B4-BE49-F238E27FC236}">
+                <a16:creationId xmlns:a16="http://schemas.microsoft.com/office/drawing/2014/main" id="{D8B58B87-D48D-446F-8DFA-8316129B859A}"/>
+              </a:ext>
+            </a:extLst>
+          </p:cNvPr>
+          <p:cNvSpPr/>
+          <p:nvPr/>
+        </p:nvSpPr>
+        <p:spPr>
+          <a:xfrm>
+            <a:off x="3783498" y="4238690"/>
+            <a:ext cx="2662454" cy="471784"/>
+          </a:xfrm>
+          <a:prstGeom prst="rect">
+            <a:avLst/>
+          </a:prstGeom>
+          <a:solidFill>
+            <a:srgbClr val="C00000">
+              <a:alpha val="15000"/>
+            </a:srgbClr>
+          </a:solidFill>
+          <a:ln w="38100">
+            <a:solidFill>
+              <a:srgbClr val="C00000"/>
+            </a:solidFill>
+            <a:prstDash val="sysDash"/>
+          </a:ln>
+        </p:spPr>
+        <p:style>
+          <a:lnRef idx="2">
+            <a:schemeClr val="accent1">
+              <a:shade val="50000"/>
+            </a:schemeClr>
+          </a:lnRef>
+          <a:fillRef idx="1">
+            <a:schemeClr val="accent1"/>
+          </a:fillRef>
+          <a:effectRef idx="0">
+            <a:schemeClr val="accent1"/>
+          </a:effectRef>
+          <a:fontRef idx="minor">
+            <a:schemeClr val="lt1"/>
+          </a:fontRef>
+        </p:style>
+        <p:txBody>
+          <a:bodyPr rtlCol="0" anchor="ctr"/>
+          <a:lstStyle/>
+          <a:p>
+            <a:pPr algn="ctr"/>
+            <a:endParaRPr lang="ko-KR" altLang="en-US"/>
+          </a:p>
+        </p:txBody>
+      </p:sp>
+      <p:sp>
+        <p:nvSpPr>
+          <p:cNvPr id="9" name="직사각형 8">
+            <a:extLst>
+              <a:ext uri="{FF2B5EF4-FFF2-40B4-BE49-F238E27FC236}">
+                <a16:creationId xmlns:a16="http://schemas.microsoft.com/office/drawing/2014/main" id="{C6FACE19-FEE2-43CD-AD12-6C90E3549B43}"/>
+              </a:ext>
+            </a:extLst>
+          </p:cNvPr>
+          <p:cNvSpPr/>
+          <p:nvPr/>
+        </p:nvSpPr>
+        <p:spPr>
+          <a:xfrm>
+            <a:off x="5725659" y="3347138"/>
+            <a:ext cx="459988" cy="697399"/>
+          </a:xfrm>
+          <a:prstGeom prst="rect">
+            <a:avLst/>
+          </a:prstGeom>
+          <a:solidFill>
+            <a:srgbClr val="C00000">
+              <a:alpha val="15000"/>
+            </a:srgbClr>
+          </a:solidFill>
+          <a:ln w="38100">
+            <a:solidFill>
+              <a:srgbClr val="C00000"/>
+            </a:solidFill>
+            <a:prstDash val="sysDash"/>
+          </a:ln>
+        </p:spPr>
+        <p:style>
+          <a:lnRef idx="2">
+            <a:schemeClr val="accent1">
+              <a:shade val="50000"/>
+            </a:schemeClr>
+          </a:lnRef>
+          <a:fillRef idx="1">
+            <a:schemeClr val="accent1"/>
+          </a:fillRef>
+          <a:effectRef idx="0">
+            <a:schemeClr val="accent1"/>
+          </a:effectRef>
+          <a:fontRef idx="minor">
+            <a:schemeClr val="lt1"/>
+          </a:fontRef>
+        </p:style>
+        <p:txBody>
+          <a:bodyPr rtlCol="0" anchor="ctr"/>
+          <a:lstStyle/>
+          <a:p>
+            <a:pPr algn="ctr"/>
+            <a:endParaRPr lang="ko-KR" altLang="en-US"/>
+          </a:p>
+        </p:txBody>
+      </p:sp>
+      <p:sp>
+        <p:nvSpPr>
+          <p:cNvPr id="10" name="직사각형 9">
+            <a:extLst>
+              <a:ext uri="{FF2B5EF4-FFF2-40B4-BE49-F238E27FC236}">
+                <a16:creationId xmlns:a16="http://schemas.microsoft.com/office/drawing/2014/main" id="{C12BA3F6-C019-4B6B-A525-DAC520178E96}"/>
+              </a:ext>
+            </a:extLst>
+          </p:cNvPr>
+          <p:cNvSpPr/>
+          <p:nvPr/>
+        </p:nvSpPr>
+        <p:spPr>
+          <a:xfrm>
+            <a:off x="-407" y="3039029"/>
+            <a:ext cx="828339" cy="487122"/>
+          </a:xfrm>
+          <a:prstGeom prst="rect">
+            <a:avLst/>
+          </a:prstGeom>
+          <a:solidFill>
+            <a:srgbClr val="C00000">
+              <a:alpha val="15000"/>
+            </a:srgbClr>
+          </a:solidFill>
+          <a:ln w="38100">
+            <a:solidFill>
+              <a:srgbClr val="C00000"/>
+            </a:solidFill>
+            <a:prstDash val="sysDash"/>
+          </a:ln>
+        </p:spPr>
+        <p:style>
+          <a:lnRef idx="2">
+            <a:schemeClr val="accent1">
+              <a:shade val="50000"/>
+            </a:schemeClr>
+          </a:lnRef>
+          <a:fillRef idx="1">
+            <a:schemeClr val="accent1"/>
+          </a:fillRef>
+          <a:effectRef idx="0">
+            <a:schemeClr val="accent1"/>
+          </a:effectRef>
+          <a:fontRef idx="minor">
+            <a:schemeClr val="lt1"/>
+          </a:fontRef>
+        </p:style>
+        <p:txBody>
+          <a:bodyPr rtlCol="0" anchor="ctr"/>
+          <a:lstStyle/>
+          <a:p>
+            <a:pPr algn="ctr"/>
+            <a:endParaRPr lang="ko-KR" altLang="en-US"/>
+          </a:p>
+        </p:txBody>
+      </p:sp>
+      <p:sp>
+        <p:nvSpPr>
+          <p:cNvPr id="15" name="직사각형 14">
+            <a:extLst>
+              <a:ext uri="{FF2B5EF4-FFF2-40B4-BE49-F238E27FC236}">
+                <a16:creationId xmlns:a16="http://schemas.microsoft.com/office/drawing/2014/main" id="{E73F3696-66D1-4E1B-876C-3EC86655683B}"/>
+              </a:ext>
+            </a:extLst>
+          </p:cNvPr>
+          <p:cNvSpPr/>
+          <p:nvPr/>
+        </p:nvSpPr>
+        <p:spPr>
+          <a:xfrm>
+            <a:off x="10456433" y="0"/>
+            <a:ext cx="1584960" cy="1751454"/>
+          </a:xfrm>
+          <a:prstGeom prst="rect">
+            <a:avLst/>
+          </a:prstGeom>
+          <a:solidFill>
+            <a:srgbClr val="C00000">
+              <a:alpha val="15000"/>
+            </a:srgbClr>
+          </a:solidFill>
+          <a:ln w="38100">
+            <a:solidFill>
+              <a:srgbClr val="C00000"/>
+            </a:solidFill>
+            <a:prstDash val="sysDash"/>
+          </a:ln>
+        </p:spPr>
+        <p:style>
+          <a:lnRef idx="2">
+            <a:schemeClr val="accent1">
+              <a:shade val="50000"/>
+            </a:schemeClr>
+          </a:lnRef>
+          <a:fillRef idx="1">
+            <a:schemeClr val="accent1"/>
+          </a:fillRef>
+          <a:effectRef idx="0">
+            <a:schemeClr val="accent1"/>
+          </a:effectRef>
+          <a:fontRef idx="minor">
+            <a:schemeClr val="lt1"/>
+          </a:fontRef>
+        </p:style>
+        <p:txBody>
+          <a:bodyPr rtlCol="0" anchor="ctr"/>
+          <a:lstStyle/>
+          <a:p>
+            <a:pPr algn="ctr"/>
+            <a:endParaRPr lang="ko-KR" altLang="en-US"/>
           </a:p>
         </p:txBody>
       </p:sp>
     </p:spTree>
     <p:extLst>
       <p:ext uri="{BB962C8B-B14F-4D97-AF65-F5344CB8AC3E}">
-        <p14:creationId xmlns:p14="http://schemas.microsoft.com/office/powerpoint/2010/main" val="1593725239"/>
+        <p14:creationId xmlns:p14="http://schemas.microsoft.com/office/powerpoint/2010/main" val="711379863"/>
       </p:ext>
     </p:extLst>
   </p:cSld>
   <p:clrMapOvr>
     <a:masterClrMapping/>
   </p:clrMapOvr>
+  <p:timing>
+    <p:tnLst>
+      <p:par>
+        <p:cTn id="1" dur="indefinite" restart="never" nodeType="tmRoot">
+          <p:childTnLst>
+            <p:seq concurrent="1" nextAc="seek">
+              <p:cTn id="2" dur="indefinite" nodeType="mainSeq">
+                <p:childTnLst>
+                  <p:par>
+                    <p:cTn id="3" fill="hold">
+                      <p:stCondLst>
+                        <p:cond delay="indefinite"/>
+                      </p:stCondLst>
+                      <p:childTnLst>
+                        <p:par>
+                          <p:cTn id="4" fill="hold">
+                            <p:stCondLst>
+                              <p:cond delay="0"/>
+                            </p:stCondLst>
+                            <p:childTnLst>
+                              <p:par>
+                                <p:cTn id="5" presetID="10" presetClass="entr" presetSubtype="0" fill="hold" grpId="0" nodeType="clickEffect">
+                                  <p:stCondLst>
+                                    <p:cond delay="0"/>
+                                  </p:stCondLst>
+                                  <p:childTnLst>
+                                    <p:set>
+                                      <p:cBhvr>
+                                        <p:cTn id="6" dur="1" fill="hold">
+                                          <p:stCondLst>
+                                            <p:cond delay="0"/>
+                                          </p:stCondLst>
+                                        </p:cTn>
+                                        <p:tgtEl>
+                                          <p:spTgt spid="5"/>
+                                        </p:tgtEl>
+                                        <p:attrNameLst>
+                                          <p:attrName>style.visibility</p:attrName>
+                                        </p:attrNameLst>
+                                      </p:cBhvr>
+                                      <p:to>
+                                        <p:strVal val="visible"/>
+                                      </p:to>
+                                    </p:set>
+                                    <p:animEffect transition="in" filter="fade">
+                                      <p:cBhvr>
+                                        <p:cTn id="7" dur="500"/>
+                                        <p:tgtEl>
+                                          <p:spTgt spid="5"/>
+                                        </p:tgtEl>
+                                      </p:cBhvr>
+                                    </p:animEffect>
+                                  </p:childTnLst>
+                                </p:cTn>
+                              </p:par>
+                            </p:childTnLst>
+                          </p:cTn>
+                        </p:par>
+                      </p:childTnLst>
+                    </p:cTn>
+                  </p:par>
+                  <p:par>
+                    <p:cTn id="8" fill="hold">
+                      <p:stCondLst>
+                        <p:cond delay="indefinite"/>
+                      </p:stCondLst>
+                      <p:childTnLst>
+                        <p:par>
+                          <p:cTn id="9" fill="hold">
+                            <p:stCondLst>
+                              <p:cond delay="0"/>
+                            </p:stCondLst>
+                            <p:childTnLst>
+                              <p:par>
+                                <p:cTn id="10" presetID="10" presetClass="entr" presetSubtype="0" fill="hold" grpId="0" nodeType="clickEffect">
+                                  <p:stCondLst>
+                                    <p:cond delay="0"/>
+                                  </p:stCondLst>
+                                  <p:childTnLst>
+                                    <p:set>
+                                      <p:cBhvr>
+                                        <p:cTn id="11" dur="1" fill="hold">
+                                          <p:stCondLst>
+                                            <p:cond delay="0"/>
+                                          </p:stCondLst>
+                                        </p:cTn>
+                                        <p:tgtEl>
+                                          <p:spTgt spid="6"/>
+                                        </p:tgtEl>
+                                        <p:attrNameLst>
+                                          <p:attrName>style.visibility</p:attrName>
+                                        </p:attrNameLst>
+                                      </p:cBhvr>
+                                      <p:to>
+                                        <p:strVal val="visible"/>
+                                      </p:to>
+                                    </p:set>
+                                    <p:animEffect transition="in" filter="fade">
+                                      <p:cBhvr>
+                                        <p:cTn id="12" dur="500"/>
+                                        <p:tgtEl>
+                                          <p:spTgt spid="6"/>
+                                        </p:tgtEl>
+                                      </p:cBhvr>
+                                    </p:animEffect>
+                                  </p:childTnLst>
+                                </p:cTn>
+                              </p:par>
+                            </p:childTnLst>
+                          </p:cTn>
+                        </p:par>
+                      </p:childTnLst>
+                    </p:cTn>
+                  </p:par>
+                  <p:par>
+                    <p:cTn id="13" fill="hold">
+                      <p:stCondLst>
+                        <p:cond delay="indefinite"/>
+                      </p:stCondLst>
+                      <p:childTnLst>
+                        <p:par>
+                          <p:cTn id="14" fill="hold">
+                            <p:stCondLst>
+                              <p:cond delay="0"/>
+                            </p:stCondLst>
+                            <p:childTnLst>
+                              <p:par>
+                                <p:cTn id="15" presetID="10" presetClass="entr" presetSubtype="0" fill="hold" grpId="0" nodeType="clickEffect">
+                                  <p:stCondLst>
+                                    <p:cond delay="0"/>
+                                  </p:stCondLst>
+                                  <p:childTnLst>
+                                    <p:set>
+                                      <p:cBhvr>
+                                        <p:cTn id="16" dur="1" fill="hold">
+                                          <p:stCondLst>
+                                            <p:cond delay="0"/>
+                                          </p:stCondLst>
+                                        </p:cTn>
+                                        <p:tgtEl>
+                                          <p:spTgt spid="8"/>
+                                        </p:tgtEl>
+                                        <p:attrNameLst>
+                                          <p:attrName>style.visibility</p:attrName>
+                                        </p:attrNameLst>
+                                      </p:cBhvr>
+                                      <p:to>
+                                        <p:strVal val="visible"/>
+                                      </p:to>
+                                    </p:set>
+                                    <p:animEffect transition="in" filter="fade">
+                                      <p:cBhvr>
+                                        <p:cTn id="17" dur="500"/>
+                                        <p:tgtEl>
+                                          <p:spTgt spid="8"/>
+                                        </p:tgtEl>
+                                      </p:cBhvr>
+                                    </p:animEffect>
+                                  </p:childTnLst>
+                                </p:cTn>
+                              </p:par>
+                            </p:childTnLst>
+                          </p:cTn>
+                        </p:par>
+                      </p:childTnLst>
+                    </p:cTn>
+                  </p:par>
+                  <p:par>
+                    <p:cTn id="18" fill="hold">
+                      <p:stCondLst>
+                        <p:cond delay="indefinite"/>
+                      </p:stCondLst>
+                      <p:childTnLst>
+                        <p:par>
+                          <p:cTn id="19" fill="hold">
+                            <p:stCondLst>
+                              <p:cond delay="0"/>
+                            </p:stCondLst>
+                            <p:childTnLst>
+                              <p:par>
+                                <p:cTn id="20" presetID="10" presetClass="entr" presetSubtype="0" fill="hold" grpId="0" nodeType="clickEffect">
+                                  <p:stCondLst>
+                                    <p:cond delay="0"/>
+                                  </p:stCondLst>
+                                  <p:childTnLst>
+                                    <p:set>
+                                      <p:cBhvr>
+                                        <p:cTn id="21" dur="1" fill="hold">
+                                          <p:stCondLst>
+                                            <p:cond delay="0"/>
+                                          </p:stCondLst>
+                                        </p:cTn>
+                                        <p:tgtEl>
+                                          <p:spTgt spid="9"/>
+                                        </p:tgtEl>
+                                        <p:attrNameLst>
+                                          <p:attrName>style.visibility</p:attrName>
+                                        </p:attrNameLst>
+                                      </p:cBhvr>
+                                      <p:to>
+                                        <p:strVal val="visible"/>
+                                      </p:to>
+                                    </p:set>
+                                    <p:animEffect transition="in" filter="fade">
+                                      <p:cBhvr>
+                                        <p:cTn id="22" dur="500"/>
+                                        <p:tgtEl>
+                                          <p:spTgt spid="9"/>
+                                        </p:tgtEl>
+                                      </p:cBhvr>
+                                    </p:animEffect>
+                                  </p:childTnLst>
+                                </p:cTn>
+                              </p:par>
+                            </p:childTnLst>
+                          </p:cTn>
+                        </p:par>
+                      </p:childTnLst>
+                    </p:cTn>
+                  </p:par>
+                  <p:par>
+                    <p:cTn id="23" fill="hold">
+                      <p:stCondLst>
+                        <p:cond delay="indefinite"/>
+                      </p:stCondLst>
+                      <p:childTnLst>
+                        <p:par>
+                          <p:cTn id="24" fill="hold">
+                            <p:stCondLst>
+                              <p:cond delay="0"/>
+                            </p:stCondLst>
+                            <p:childTnLst>
+                              <p:par>
+                                <p:cTn id="25" presetID="10" presetClass="entr" presetSubtype="0" fill="hold" grpId="0" nodeType="clickEffect">
+                                  <p:stCondLst>
+                                    <p:cond delay="0"/>
+                                  </p:stCondLst>
+                                  <p:childTnLst>
+                                    <p:set>
+                                      <p:cBhvr>
+                                        <p:cTn id="26" dur="1" fill="hold">
+                                          <p:stCondLst>
+                                            <p:cond delay="0"/>
+                                          </p:stCondLst>
+                                        </p:cTn>
+                                        <p:tgtEl>
+                                          <p:spTgt spid="10"/>
+                                        </p:tgtEl>
+                                        <p:attrNameLst>
+                                          <p:attrName>style.visibility</p:attrName>
+                                        </p:attrNameLst>
+                                      </p:cBhvr>
+                                      <p:to>
+                                        <p:strVal val="visible"/>
+                                      </p:to>
+                                    </p:set>
+                                    <p:animEffect transition="in" filter="fade">
+                                      <p:cBhvr>
+                                        <p:cTn id="27" dur="500"/>
+                                        <p:tgtEl>
+                                          <p:spTgt spid="10"/>
+                                        </p:tgtEl>
+                                      </p:cBhvr>
+                                    </p:animEffect>
+                                  </p:childTnLst>
+                                </p:cTn>
+                              </p:par>
+                            </p:childTnLst>
+                          </p:cTn>
+                        </p:par>
+                      </p:childTnLst>
+                    </p:cTn>
+                  </p:par>
+                  <p:par>
+                    <p:cTn id="28" fill="hold">
+                      <p:stCondLst>
+                        <p:cond delay="indefinite"/>
+                      </p:stCondLst>
+                      <p:childTnLst>
+                        <p:par>
+                          <p:cTn id="29" fill="hold">
+                            <p:stCondLst>
+                              <p:cond delay="0"/>
+                            </p:stCondLst>
+                            <p:childTnLst>
+                              <p:par>
+                                <p:cTn id="30" presetID="10" presetClass="entr" presetSubtype="0" fill="hold" grpId="0" nodeType="clickEffect">
+                                  <p:stCondLst>
+                                    <p:cond delay="0"/>
+                                  </p:stCondLst>
+                                  <p:childTnLst>
+                                    <p:set>
+                                      <p:cBhvr>
+                                        <p:cTn id="31" dur="1" fill="hold">
+                                          <p:stCondLst>
+                                            <p:cond delay="0"/>
+                                          </p:stCondLst>
+                                        </p:cTn>
+                                        <p:tgtEl>
+                                          <p:spTgt spid="15"/>
+                                        </p:tgtEl>
+                                        <p:attrNameLst>
+                                          <p:attrName>style.visibility</p:attrName>
+                                        </p:attrNameLst>
+                                      </p:cBhvr>
+                                      <p:to>
+                                        <p:strVal val="visible"/>
+                                      </p:to>
+                                    </p:set>
+                                    <p:animEffect transition="in" filter="fade">
+                                      <p:cBhvr>
+                                        <p:cTn id="32" dur="500"/>
+                                        <p:tgtEl>
+                                          <p:spTgt spid="15"/>
+                                        </p:tgtEl>
+                                      </p:cBhvr>
+                                    </p:animEffect>
+                                  </p:childTnLst>
+                                </p:cTn>
+                              </p:par>
+                            </p:childTnLst>
+                          </p:cTn>
+                        </p:par>
+                      </p:childTnLst>
+                    </p:cTn>
+                  </p:par>
+                </p:childTnLst>
+              </p:cTn>
+              <p:prevCondLst>
+                <p:cond evt="onPrev" delay="0">
+                  <p:tgtEl>
+                    <p:sldTgt/>
+                  </p:tgtEl>
+                </p:cond>
+              </p:prevCondLst>
+              <p:nextCondLst>
+                <p:cond evt="onNext" delay="0">
+                  <p:tgtEl>
+                    <p:sldTgt/>
+                  </p:tgtEl>
+                </p:cond>
+              </p:nextCondLst>
+            </p:seq>
+          </p:childTnLst>
+        </p:cTn>
+      </p:par>
+    </p:tnLst>
+    <p:bldLst>
+      <p:bldP spid="5" grpId="0" animBg="1"/>
+      <p:bldP spid="6" grpId="0" animBg="1"/>
+      <p:bldP spid="8" grpId="0" animBg="1"/>
+      <p:bldP spid="9" grpId="0" animBg="1"/>
+      <p:bldP spid="10" grpId="0" animBg="1"/>
+      <p:bldP spid="15" grpId="0" animBg="1"/>
+    </p:bldLst>
+  </p:timing>
 </p:sld>
 </file>
 
@@ -5337,7 +5771,7 @@
           <p:cNvPr id="2" name="제목 1">
             <a:extLst>
               <a:ext uri="{FF2B5EF4-FFF2-40B4-BE49-F238E27FC236}">
-                <a16:creationId xmlns:a16="http://schemas.microsoft.com/office/drawing/2014/main" id="{AC84B7B7-C920-4137-B8A2-FBF5D5A6E564}"/>
+                <a16:creationId xmlns:a16="http://schemas.microsoft.com/office/drawing/2014/main" id="{8A5908FE-054B-4B9C-9753-1D7A04F70463}"/>
               </a:ext>
             </a:extLst>
           </p:cNvPr>
@@ -5348,41 +5782,81 @@
             <p:ph type="title"/>
           </p:nvPr>
         </p:nvSpPr>
-        <p:spPr/>
+        <p:spPr>
+          <a:xfrm>
+            <a:off x="838200" y="365125"/>
+            <a:ext cx="3507889" cy="1325563"/>
+          </a:xfrm>
+        </p:spPr>
         <p:txBody>
           <a:bodyPr/>
           <a:lstStyle/>
           <a:p>
             <a:r>
-              <a:rPr lang="en-US" altLang="ko-KR" dirty="0"/>
-              <a:t>YOLO </a:t>
-            </a:r>
-            <a:r>
-              <a:rPr lang="ko-KR" altLang="en-US" dirty="0"/>
-              <a:t>장점 </a:t>
-            </a:r>
-            <a:r>
-              <a:rPr lang="en-US" altLang="ko-KR" dirty="0"/>
-              <a:t>– 2. </a:t>
-            </a:r>
-            <a:r>
-              <a:rPr lang="ko-KR" altLang="en-US" dirty="0"/>
-              <a:t>이미지 예측 시</a:t>
-            </a:r>
-            <a:r>
-              <a:rPr lang="en-US" altLang="ko-KR" dirty="0"/>
-              <a:t>, globally</a:t>
-            </a:r>
-            <a:endParaRPr lang="ko-KR" altLang="en-US" dirty="0"/>
-          </a:p>
-        </p:txBody>
-      </p:sp>
-      <p:sp>
-        <p:nvSpPr>
-          <p:cNvPr id="4" name="내용 개체 틀 2">
-            <a:extLst>
-              <a:ext uri="{FF2B5EF4-FFF2-40B4-BE49-F238E27FC236}">
-                <a16:creationId xmlns:a16="http://schemas.microsoft.com/office/drawing/2014/main" id="{BA5A0FB1-2278-45CB-AD43-AE50099A0724}"/>
+              <a:rPr lang="en-US" altLang="ko-KR" b="1"/>
+              <a:t>3. </a:t>
+            </a:r>
+            <a:r>
+              <a:rPr lang="ko-KR" altLang="en-US" b="1"/>
+              <a:t>모델 설명</a:t>
+            </a:r>
+            <a:endParaRPr lang="ko-KR" altLang="en-US" b="1" dirty="0"/>
+          </a:p>
+        </p:txBody>
+      </p:sp>
+      <p:pic>
+        <p:nvPicPr>
+          <p:cNvPr id="1026" name="Picture 2" descr="1">
+            <a:extLst>
+              <a:ext uri="{FF2B5EF4-FFF2-40B4-BE49-F238E27FC236}">
+                <a16:creationId xmlns:a16="http://schemas.microsoft.com/office/drawing/2014/main" id="{66621983-FCFD-4D57-A350-D13A15EA18A5}"/>
+              </a:ext>
+            </a:extLst>
+          </p:cNvPr>
+          <p:cNvPicPr>
+            <a:picLocks noChangeAspect="1" noChangeArrowheads="1"/>
+          </p:cNvPicPr>
+          <p:nvPr/>
+        </p:nvPicPr>
+        <p:blipFill>
+          <a:blip r:embed="rId2">
+            <a:extLst>
+              <a:ext uri="{28A0092B-C50C-407E-A947-70E740481C1C}">
+                <a14:useLocalDpi xmlns:a14="http://schemas.microsoft.com/office/drawing/2010/main" val="0"/>
+              </a:ext>
+            </a:extLst>
+          </a:blip>
+          <a:srcRect/>
+          <a:stretch>
+            <a:fillRect/>
+          </a:stretch>
+        </p:blipFill>
+        <p:spPr bwMode="auto">
+          <a:xfrm>
+            <a:off x="1476375" y="2194560"/>
+            <a:ext cx="9239250" cy="4222376"/>
+          </a:xfrm>
+          <a:prstGeom prst="rect">
+            <a:avLst/>
+          </a:prstGeom>
+          <a:noFill/>
+          <a:extLst>
+            <a:ext uri="{909E8E84-426E-40DD-AFC4-6F175D3DCCD1}">
+              <a14:hiddenFill xmlns:a14="http://schemas.microsoft.com/office/drawing/2010/main">
+                <a:solidFill>
+                  <a:srgbClr val="FFFFFF"/>
+                </a:solidFill>
+              </a14:hiddenFill>
+            </a:ext>
+          </a:extLst>
+        </p:spPr>
+      </p:pic>
+      <p:sp>
+        <p:nvSpPr>
+          <p:cNvPr id="4" name="제목 1">
+            <a:extLst>
+              <a:ext uri="{FF2B5EF4-FFF2-40B4-BE49-F238E27FC236}">
+                <a16:creationId xmlns:a16="http://schemas.microsoft.com/office/drawing/2014/main" id="{B35FC1AB-01B8-4DAB-8E2C-922360EC0BD5}"/>
               </a:ext>
             </a:extLst>
           </p:cNvPr>
@@ -5393,490 +5867,62 @@
         </p:nvSpPr>
         <p:spPr>
           <a:xfrm>
-            <a:off x="6319935" y="2141537"/>
-            <a:ext cx="5431971" cy="4351338"/>
+            <a:off x="1506520" y="1255046"/>
+            <a:ext cx="5256006" cy="673539"/>
           </a:xfrm>
           <a:prstGeom prst="rect">
             <a:avLst/>
           </a:prstGeom>
         </p:spPr>
         <p:txBody>
-          <a:bodyPr vert="horz" lIns="91440" tIns="45720" rIns="91440" bIns="45720" rtlCol="0">
+          <a:bodyPr vert="horz" lIns="91440" tIns="45720" rIns="91440" bIns="45720" rtlCol="0" anchor="ctr">
             <a:normAutofit/>
           </a:bodyPr>
           <a:lstStyle>
-            <a:lvl1pPr marL="228600" indent="-228600" algn="l" defTabSz="914400" rtl="0" eaLnBrk="1" latinLnBrk="1" hangingPunct="1">
+            <a:lvl1pPr algn="l" defTabSz="914400" rtl="0" eaLnBrk="1" latinLnBrk="1" hangingPunct="1">
               <a:lnSpc>
                 <a:spcPct val="90000"/>
               </a:lnSpc>
               <a:spcBef>
-                <a:spcPts val="1000"/>
+                <a:spcPct val="0"/>
               </a:spcBef>
-              <a:buFont typeface="Arial" panose="020B0604020202020204" pitchFamily="34" charset="0"/>
-              <a:buChar char="•"/>
-              <a:defRPr sz="2800" kern="1200">
+              <a:buNone/>
+              <a:defRPr sz="4400" kern="1200">
                 <a:solidFill>
                   <a:schemeClr val="tx1"/>
                 </a:solidFill>
-                <a:latin typeface="+mn-lt"/>
-                <a:ea typeface="+mn-ea"/>
-                <a:cs typeface="+mn-cs"/>
+                <a:latin typeface="+mj-lt"/>
+                <a:ea typeface="+mj-ea"/>
+                <a:cs typeface="+mj-cs"/>
               </a:defRPr>
             </a:lvl1pPr>
-            <a:lvl2pPr marL="685800" indent="-228600" algn="l" defTabSz="914400" rtl="0" eaLnBrk="1" latinLnBrk="1" hangingPunct="1">
-              <a:lnSpc>
-                <a:spcPct val="90000"/>
-              </a:lnSpc>
-              <a:spcBef>
-                <a:spcPts val="500"/>
-              </a:spcBef>
-              <a:buFont typeface="Arial" panose="020B0604020202020204" pitchFamily="34" charset="0"/>
-              <a:buChar char="•"/>
-              <a:defRPr sz="2400" kern="1200">
+          </a:lstStyle>
+          <a:p>
+            <a:r>
+              <a:rPr lang="en-US" altLang="ko-KR" sz="2400" b="1" dirty="0"/>
+              <a:t>&gt;YOLO</a:t>
+            </a:r>
+            <a:r>
+              <a:rPr lang="ko-KR" altLang="en-US" sz="2400" dirty="0"/>
+              <a:t> </a:t>
+            </a:r>
+            <a:r>
+              <a:rPr lang="ko-KR" altLang="en-US" sz="2400" dirty="0">
                 <a:solidFill>
-                  <a:schemeClr val="tx1"/>
+                  <a:srgbClr val="754322"/>
                 </a:solidFill>
-                <a:latin typeface="+mn-lt"/>
-                <a:ea typeface="+mn-ea"/>
-                <a:cs typeface="+mn-cs"/>
-              </a:defRPr>
-            </a:lvl2pPr>
-            <a:lvl3pPr marL="1143000" indent="-228600" algn="l" defTabSz="914400" rtl="0" eaLnBrk="1" latinLnBrk="1" hangingPunct="1">
-              <a:lnSpc>
-                <a:spcPct val="90000"/>
-              </a:lnSpc>
-              <a:spcBef>
-                <a:spcPts val="500"/>
-              </a:spcBef>
-              <a:buFont typeface="Arial" panose="020B0604020202020204" pitchFamily="34" charset="0"/>
-              <a:buChar char="•"/>
-              <a:defRPr sz="2000" kern="1200">
-                <a:solidFill>
-                  <a:schemeClr val="tx1"/>
-                </a:solidFill>
-                <a:latin typeface="+mn-lt"/>
-                <a:ea typeface="+mn-ea"/>
-                <a:cs typeface="+mn-cs"/>
-              </a:defRPr>
-            </a:lvl3pPr>
-            <a:lvl4pPr marL="1600200" indent="-228600" algn="l" defTabSz="914400" rtl="0" eaLnBrk="1" latinLnBrk="1" hangingPunct="1">
-              <a:lnSpc>
-                <a:spcPct val="90000"/>
-              </a:lnSpc>
-              <a:spcBef>
-                <a:spcPts val="500"/>
-              </a:spcBef>
-              <a:buFont typeface="Arial" panose="020B0604020202020204" pitchFamily="34" charset="0"/>
-              <a:buChar char="•"/>
-              <a:defRPr sz="1800" kern="1200">
-                <a:solidFill>
-                  <a:schemeClr val="tx1"/>
-                </a:solidFill>
-                <a:latin typeface="+mn-lt"/>
-                <a:ea typeface="+mn-ea"/>
-                <a:cs typeface="+mn-cs"/>
-              </a:defRPr>
-            </a:lvl4pPr>
-            <a:lvl5pPr marL="2057400" indent="-228600" algn="l" defTabSz="914400" rtl="0" eaLnBrk="1" latinLnBrk="1" hangingPunct="1">
-              <a:lnSpc>
-                <a:spcPct val="90000"/>
-              </a:lnSpc>
-              <a:spcBef>
-                <a:spcPts val="500"/>
-              </a:spcBef>
-              <a:buFont typeface="Arial" panose="020B0604020202020204" pitchFamily="34" charset="0"/>
-              <a:buChar char="•"/>
-              <a:defRPr sz="1800" kern="1200">
-                <a:solidFill>
-                  <a:schemeClr val="tx1"/>
-                </a:solidFill>
-                <a:latin typeface="+mn-lt"/>
-                <a:ea typeface="+mn-ea"/>
-                <a:cs typeface="+mn-cs"/>
-              </a:defRPr>
-            </a:lvl5pPr>
-            <a:lvl6pPr marL="2514600" indent="-228600" algn="l" defTabSz="914400" rtl="0" eaLnBrk="1" latinLnBrk="1" hangingPunct="1">
-              <a:lnSpc>
-                <a:spcPct val="90000"/>
-              </a:lnSpc>
-              <a:spcBef>
-                <a:spcPts val="500"/>
-              </a:spcBef>
-              <a:buFont typeface="Arial" panose="020B0604020202020204" pitchFamily="34" charset="0"/>
-              <a:buChar char="•"/>
-              <a:defRPr sz="1800" kern="1200">
-                <a:solidFill>
-                  <a:schemeClr val="tx1"/>
-                </a:solidFill>
-                <a:latin typeface="+mn-lt"/>
-                <a:ea typeface="+mn-ea"/>
-                <a:cs typeface="+mn-cs"/>
-              </a:defRPr>
-            </a:lvl6pPr>
-            <a:lvl7pPr marL="2971800" indent="-228600" algn="l" defTabSz="914400" rtl="0" eaLnBrk="1" latinLnBrk="1" hangingPunct="1">
-              <a:lnSpc>
-                <a:spcPct val="90000"/>
-              </a:lnSpc>
-              <a:spcBef>
-                <a:spcPts val="500"/>
-              </a:spcBef>
-              <a:buFont typeface="Arial" panose="020B0604020202020204" pitchFamily="34" charset="0"/>
-              <a:buChar char="•"/>
-              <a:defRPr sz="1800" kern="1200">
-                <a:solidFill>
-                  <a:schemeClr val="tx1"/>
-                </a:solidFill>
-                <a:latin typeface="+mn-lt"/>
-                <a:ea typeface="+mn-ea"/>
-                <a:cs typeface="+mn-cs"/>
-              </a:defRPr>
-            </a:lvl7pPr>
-            <a:lvl8pPr marL="3429000" indent="-228600" algn="l" defTabSz="914400" rtl="0" eaLnBrk="1" latinLnBrk="1" hangingPunct="1">
-              <a:lnSpc>
-                <a:spcPct val="90000"/>
-              </a:lnSpc>
-              <a:spcBef>
-                <a:spcPts val="500"/>
-              </a:spcBef>
-              <a:buFont typeface="Arial" panose="020B0604020202020204" pitchFamily="34" charset="0"/>
-              <a:buChar char="•"/>
-              <a:defRPr sz="1800" kern="1200">
-                <a:solidFill>
-                  <a:schemeClr val="tx1"/>
-                </a:solidFill>
-                <a:latin typeface="+mn-lt"/>
-                <a:ea typeface="+mn-ea"/>
-                <a:cs typeface="+mn-cs"/>
-              </a:defRPr>
-            </a:lvl8pPr>
-            <a:lvl9pPr marL="3886200" indent="-228600" algn="l" defTabSz="914400" rtl="0" eaLnBrk="1" latinLnBrk="1" hangingPunct="1">
-              <a:lnSpc>
-                <a:spcPct val="90000"/>
-              </a:lnSpc>
-              <a:spcBef>
-                <a:spcPts val="500"/>
-              </a:spcBef>
-              <a:buFont typeface="Arial" panose="020B0604020202020204" pitchFamily="34" charset="0"/>
-              <a:buChar char="•"/>
-              <a:defRPr sz="1800" kern="1200">
-                <a:solidFill>
-                  <a:schemeClr val="tx1"/>
-                </a:solidFill>
-                <a:latin typeface="+mn-lt"/>
-                <a:ea typeface="+mn-ea"/>
-                <a:cs typeface="+mn-cs"/>
-              </a:defRPr>
-            </a:lvl9pPr>
-          </a:lstStyle>
-          <a:p>
-            <a:pPr marL="0" indent="0">
-              <a:buNone/>
-            </a:pPr>
-            <a:r>
-              <a:rPr lang="en-US" altLang="ko-KR" dirty="0"/>
-              <a:t>One-stage-detection YOLO</a:t>
-            </a:r>
-          </a:p>
-          <a:p>
-            <a:pPr marL="0" indent="0">
-              <a:buFont typeface="Arial" panose="020B0604020202020204" pitchFamily="34" charset="0"/>
-              <a:buNone/>
-            </a:pPr>
-            <a:endParaRPr lang="en-US" altLang="ko-KR" dirty="0"/>
-          </a:p>
-          <a:p>
-            <a:pPr>
-              <a:buFontTx/>
-              <a:buChar char="-"/>
-            </a:pPr>
-            <a:r>
-              <a:rPr lang="en-US" altLang="ko-KR" dirty="0"/>
-              <a:t>Image</a:t>
-            </a:r>
-            <a:r>
-              <a:rPr lang="ko-KR" altLang="en-US" dirty="0"/>
-              <a:t>를 예측시에 </a:t>
-            </a:r>
-            <a:r>
-              <a:rPr lang="en-US" altLang="ko-KR" dirty="0"/>
-              <a:t>globally</a:t>
-            </a:r>
-            <a:r>
-              <a:rPr lang="ko-KR" altLang="en-US" dirty="0"/>
-              <a:t>하다는 특징</a:t>
-            </a:r>
-            <a:endParaRPr lang="en-US" altLang="ko-KR" dirty="0"/>
-          </a:p>
-          <a:p>
-            <a:pPr>
-              <a:buFontTx/>
-              <a:buChar char="-"/>
-            </a:pPr>
-            <a:endParaRPr lang="en-US" altLang="ko-KR" dirty="0"/>
-          </a:p>
-          <a:p>
-            <a:pPr>
-              <a:buFontTx/>
-              <a:buChar char="-"/>
-            </a:pPr>
-            <a:endParaRPr lang="en-US" altLang="ko-KR" dirty="0"/>
-          </a:p>
-          <a:p>
-            <a:pPr marL="0" indent="0">
-              <a:buFont typeface="Arial" panose="020B0604020202020204" pitchFamily="34" charset="0"/>
-              <a:buNone/>
-            </a:pPr>
-            <a:endParaRPr lang="en-US" altLang="ko-KR" dirty="0"/>
-          </a:p>
-        </p:txBody>
-      </p:sp>
-      <p:sp>
-        <p:nvSpPr>
-          <p:cNvPr id="7" name="내용 개체 틀 2">
-            <a:extLst>
-              <a:ext uri="{FF2B5EF4-FFF2-40B4-BE49-F238E27FC236}">
-                <a16:creationId xmlns:a16="http://schemas.microsoft.com/office/drawing/2014/main" id="{8A15DB39-6D5F-4028-9E94-CDBAE58C7CD5}"/>
-              </a:ext>
-            </a:extLst>
-          </p:cNvPr>
-          <p:cNvSpPr txBox="1">
-            <a:spLocks/>
-          </p:cNvSpPr>
-          <p:nvPr/>
-        </p:nvSpPr>
-        <p:spPr>
-          <a:xfrm>
-            <a:off x="838200" y="2312599"/>
-            <a:ext cx="5431971" cy="4351338"/>
-          </a:xfrm>
-          <a:prstGeom prst="rect">
-            <a:avLst/>
-          </a:prstGeom>
-        </p:spPr>
-        <p:txBody>
-          <a:bodyPr vert="horz" lIns="91440" tIns="45720" rIns="91440" bIns="45720" rtlCol="0">
-            <a:normAutofit/>
-          </a:bodyPr>
-          <a:lstStyle>
-            <a:lvl1pPr marL="228600" indent="-228600" algn="l" defTabSz="914400" rtl="0" eaLnBrk="1" latinLnBrk="1" hangingPunct="1">
-              <a:lnSpc>
-                <a:spcPct val="90000"/>
-              </a:lnSpc>
-              <a:spcBef>
-                <a:spcPts val="1000"/>
-              </a:spcBef>
-              <a:buFont typeface="Arial" panose="020B0604020202020204" pitchFamily="34" charset="0"/>
-              <a:buChar char="•"/>
-              <a:defRPr sz="2800" kern="1200">
-                <a:solidFill>
-                  <a:schemeClr val="tx1"/>
-                </a:solidFill>
-                <a:latin typeface="+mn-lt"/>
-                <a:ea typeface="+mn-ea"/>
-                <a:cs typeface="+mn-cs"/>
-              </a:defRPr>
-            </a:lvl1pPr>
-            <a:lvl2pPr marL="685800" indent="-228600" algn="l" defTabSz="914400" rtl="0" eaLnBrk="1" latinLnBrk="1" hangingPunct="1">
-              <a:lnSpc>
-                <a:spcPct val="90000"/>
-              </a:lnSpc>
-              <a:spcBef>
-                <a:spcPts val="500"/>
-              </a:spcBef>
-              <a:buFont typeface="Arial" panose="020B0604020202020204" pitchFamily="34" charset="0"/>
-              <a:buChar char="•"/>
-              <a:defRPr sz="2400" kern="1200">
-                <a:solidFill>
-                  <a:schemeClr val="tx1"/>
-                </a:solidFill>
-                <a:latin typeface="+mn-lt"/>
-                <a:ea typeface="+mn-ea"/>
-                <a:cs typeface="+mn-cs"/>
-              </a:defRPr>
-            </a:lvl2pPr>
-            <a:lvl3pPr marL="1143000" indent="-228600" algn="l" defTabSz="914400" rtl="0" eaLnBrk="1" latinLnBrk="1" hangingPunct="1">
-              <a:lnSpc>
-                <a:spcPct val="90000"/>
-              </a:lnSpc>
-              <a:spcBef>
-                <a:spcPts val="500"/>
-              </a:spcBef>
-              <a:buFont typeface="Arial" panose="020B0604020202020204" pitchFamily="34" charset="0"/>
-              <a:buChar char="•"/>
-              <a:defRPr sz="2000" kern="1200">
-                <a:solidFill>
-                  <a:schemeClr val="tx1"/>
-                </a:solidFill>
-                <a:latin typeface="+mn-lt"/>
-                <a:ea typeface="+mn-ea"/>
-                <a:cs typeface="+mn-cs"/>
-              </a:defRPr>
-            </a:lvl3pPr>
-            <a:lvl4pPr marL="1600200" indent="-228600" algn="l" defTabSz="914400" rtl="0" eaLnBrk="1" latinLnBrk="1" hangingPunct="1">
-              <a:lnSpc>
-                <a:spcPct val="90000"/>
-              </a:lnSpc>
-              <a:spcBef>
-                <a:spcPts val="500"/>
-              </a:spcBef>
-              <a:buFont typeface="Arial" panose="020B0604020202020204" pitchFamily="34" charset="0"/>
-              <a:buChar char="•"/>
-              <a:defRPr sz="1800" kern="1200">
-                <a:solidFill>
-                  <a:schemeClr val="tx1"/>
-                </a:solidFill>
-                <a:latin typeface="+mn-lt"/>
-                <a:ea typeface="+mn-ea"/>
-                <a:cs typeface="+mn-cs"/>
-              </a:defRPr>
-            </a:lvl4pPr>
-            <a:lvl5pPr marL="2057400" indent="-228600" algn="l" defTabSz="914400" rtl="0" eaLnBrk="1" latinLnBrk="1" hangingPunct="1">
-              <a:lnSpc>
-                <a:spcPct val="90000"/>
-              </a:lnSpc>
-              <a:spcBef>
-                <a:spcPts val="500"/>
-              </a:spcBef>
-              <a:buFont typeface="Arial" panose="020B0604020202020204" pitchFamily="34" charset="0"/>
-              <a:buChar char="•"/>
-              <a:defRPr sz="1800" kern="1200">
-                <a:solidFill>
-                  <a:schemeClr val="tx1"/>
-                </a:solidFill>
-                <a:latin typeface="+mn-lt"/>
-                <a:ea typeface="+mn-ea"/>
-                <a:cs typeface="+mn-cs"/>
-              </a:defRPr>
-            </a:lvl5pPr>
-            <a:lvl6pPr marL="2514600" indent="-228600" algn="l" defTabSz="914400" rtl="0" eaLnBrk="1" latinLnBrk="1" hangingPunct="1">
-              <a:lnSpc>
-                <a:spcPct val="90000"/>
-              </a:lnSpc>
-              <a:spcBef>
-                <a:spcPts val="500"/>
-              </a:spcBef>
-              <a:buFont typeface="Arial" panose="020B0604020202020204" pitchFamily="34" charset="0"/>
-              <a:buChar char="•"/>
-              <a:defRPr sz="1800" kern="1200">
-                <a:solidFill>
-                  <a:schemeClr val="tx1"/>
-                </a:solidFill>
-                <a:latin typeface="+mn-lt"/>
-                <a:ea typeface="+mn-ea"/>
-                <a:cs typeface="+mn-cs"/>
-              </a:defRPr>
-            </a:lvl6pPr>
-            <a:lvl7pPr marL="2971800" indent="-228600" algn="l" defTabSz="914400" rtl="0" eaLnBrk="1" latinLnBrk="1" hangingPunct="1">
-              <a:lnSpc>
-                <a:spcPct val="90000"/>
-              </a:lnSpc>
-              <a:spcBef>
-                <a:spcPts val="500"/>
-              </a:spcBef>
-              <a:buFont typeface="Arial" panose="020B0604020202020204" pitchFamily="34" charset="0"/>
-              <a:buChar char="•"/>
-              <a:defRPr sz="1800" kern="1200">
-                <a:solidFill>
-                  <a:schemeClr val="tx1"/>
-                </a:solidFill>
-                <a:latin typeface="+mn-lt"/>
-                <a:ea typeface="+mn-ea"/>
-                <a:cs typeface="+mn-cs"/>
-              </a:defRPr>
-            </a:lvl7pPr>
-            <a:lvl8pPr marL="3429000" indent="-228600" algn="l" defTabSz="914400" rtl="0" eaLnBrk="1" latinLnBrk="1" hangingPunct="1">
-              <a:lnSpc>
-                <a:spcPct val="90000"/>
-              </a:lnSpc>
-              <a:spcBef>
-                <a:spcPts val="500"/>
-              </a:spcBef>
-              <a:buFont typeface="Arial" panose="020B0604020202020204" pitchFamily="34" charset="0"/>
-              <a:buChar char="•"/>
-              <a:defRPr sz="1800" kern="1200">
-                <a:solidFill>
-                  <a:schemeClr val="tx1"/>
-                </a:solidFill>
-                <a:latin typeface="+mn-lt"/>
-                <a:ea typeface="+mn-ea"/>
-                <a:cs typeface="+mn-cs"/>
-              </a:defRPr>
-            </a:lvl8pPr>
-            <a:lvl9pPr marL="3886200" indent="-228600" algn="l" defTabSz="914400" rtl="0" eaLnBrk="1" latinLnBrk="1" hangingPunct="1">
-              <a:lnSpc>
-                <a:spcPct val="90000"/>
-              </a:lnSpc>
-              <a:spcBef>
-                <a:spcPts val="500"/>
-              </a:spcBef>
-              <a:buFont typeface="Arial" panose="020B0604020202020204" pitchFamily="34" charset="0"/>
-              <a:buChar char="•"/>
-              <a:defRPr sz="1800" kern="1200">
-                <a:solidFill>
-                  <a:schemeClr val="tx1"/>
-                </a:solidFill>
-                <a:latin typeface="+mn-lt"/>
-                <a:ea typeface="+mn-ea"/>
-                <a:cs typeface="+mn-cs"/>
-              </a:defRPr>
-            </a:lvl9pPr>
-          </a:lstStyle>
-          <a:p>
-            <a:pPr marL="0" indent="0">
-              <a:buNone/>
-            </a:pPr>
-            <a:r>
-              <a:rPr lang="en-US" altLang="ko-KR" dirty="0"/>
-              <a:t>two-stage-detection </a:t>
-            </a:r>
-            <a:r>
-              <a:rPr lang="ko-KR" altLang="en-US" dirty="0"/>
-              <a:t>기존 </a:t>
-            </a:r>
-            <a:r>
-              <a:rPr lang="en-US" altLang="ko-KR" dirty="0"/>
-              <a:t>R-CNN</a:t>
-            </a:r>
-            <a:r>
-              <a:rPr lang="ko-KR" altLang="en-US" dirty="0"/>
-              <a:t> </a:t>
-            </a:r>
-            <a:endParaRPr lang="en-US" altLang="ko-KR" dirty="0"/>
-          </a:p>
-          <a:p>
-            <a:pPr marL="0" indent="0">
-              <a:buFont typeface="Arial" panose="020B0604020202020204" pitchFamily="34" charset="0"/>
-              <a:buNone/>
-            </a:pPr>
-            <a:endParaRPr lang="en-US" altLang="ko-KR" dirty="0"/>
-          </a:p>
-          <a:p>
-            <a:pPr marL="0" indent="0">
-              <a:buNone/>
-            </a:pPr>
-            <a:r>
-              <a:rPr lang="en-US" altLang="ko-KR" dirty="0"/>
-              <a:t>- region proposal </a:t>
-            </a:r>
-            <a:r>
-              <a:rPr lang="ko-KR" altLang="en-US" dirty="0"/>
-              <a:t>기반 </a:t>
-            </a:r>
-            <a:endParaRPr lang="en-US" altLang="ko-KR" dirty="0"/>
-          </a:p>
-          <a:p>
-            <a:pPr marL="0" indent="0">
-              <a:buFont typeface="Arial" panose="020B0604020202020204" pitchFamily="34" charset="0"/>
-              <a:buNone/>
-            </a:pPr>
-            <a:endParaRPr lang="en-US" altLang="ko-KR" dirty="0"/>
+                <a:latin typeface="나눔손글씨 펜" panose="03040600000000000000" pitchFamily="66" charset="-127"/>
+                <a:ea typeface="나눔손글씨 펜" panose="03040600000000000000" pitchFamily="66" charset="-127"/>
+              </a:rPr>
+              <a:t>선택 배경</a:t>
+            </a:r>
           </a:p>
         </p:txBody>
       </p:sp>
     </p:spTree>
     <p:extLst>
       <p:ext uri="{BB962C8B-B14F-4D97-AF65-F5344CB8AC3E}">
-        <p14:creationId xmlns:p14="http://schemas.microsoft.com/office/powerpoint/2010/main" val="3040848978"/>
+        <p14:creationId xmlns:p14="http://schemas.microsoft.com/office/powerpoint/2010/main" val="3598035363"/>
       </p:ext>
     </p:extLst>
   </p:cSld>
@@ -5903,52 +5949,265 @@
           <a:chExt cx="0" cy="0"/>
         </a:xfrm>
       </p:grpSpPr>
-      <p:sp>
-        <p:nvSpPr>
-          <p:cNvPr id="2" name="제목 1">
-            <a:extLst>
-              <a:ext uri="{FF2B5EF4-FFF2-40B4-BE49-F238E27FC236}">
-                <a16:creationId xmlns:a16="http://schemas.microsoft.com/office/drawing/2014/main" id="{AC84B7B7-C920-4137-B8A2-FBF5D5A6E564}"/>
-              </a:ext>
-            </a:extLst>
-          </p:cNvPr>
-          <p:cNvSpPr>
-            <a:spLocks noGrp="1"/>
-          </p:cNvSpPr>
-          <p:nvPr>
-            <p:ph type="title"/>
-          </p:nvPr>
-        </p:nvSpPr>
-        <p:spPr/>
-        <p:txBody>
-          <a:bodyPr/>
-          <a:lstStyle/>
-          <a:p>
-            <a:r>
-              <a:rPr lang="en-US" altLang="ko-KR" dirty="0"/>
-              <a:t>YOLO </a:t>
-            </a:r>
-            <a:r>
-              <a:rPr lang="ko-KR" altLang="en-US" dirty="0"/>
-              <a:t>장점 </a:t>
-            </a:r>
-            <a:r>
-              <a:rPr lang="en-US" altLang="ko-KR" dirty="0"/>
-              <a:t>– 3. Object</a:t>
-            </a:r>
-            <a:r>
-              <a:rPr lang="ko-KR" altLang="en-US" dirty="0"/>
-              <a:t>의 일반적인 특징 학습</a:t>
-            </a:r>
-          </a:p>
-        </p:txBody>
-      </p:sp>
-      <p:sp>
-        <p:nvSpPr>
-          <p:cNvPr id="4" name="내용 개체 틀 2">
-            <a:extLst>
-              <a:ext uri="{FF2B5EF4-FFF2-40B4-BE49-F238E27FC236}">
-                <a16:creationId xmlns:a16="http://schemas.microsoft.com/office/drawing/2014/main" id="{BA5A0FB1-2278-45CB-AD43-AE50099A0724}"/>
+      <p:graphicFrame>
+        <p:nvGraphicFramePr>
+          <p:cNvPr id="5" name="표 4">
+            <a:extLst>
+              <a:ext uri="{FF2B5EF4-FFF2-40B4-BE49-F238E27FC236}">
+                <a16:creationId xmlns:a16="http://schemas.microsoft.com/office/drawing/2014/main" id="{C3E8A706-5E57-4B95-8B86-B67BFB3D038B}"/>
+              </a:ext>
+            </a:extLst>
+          </p:cNvPr>
+          <p:cNvGraphicFramePr>
+            <a:graphicFrameLocks noGrp="1"/>
+          </p:cNvGraphicFramePr>
+          <p:nvPr>
+            <p:extLst>
+              <p:ext uri="{D42A27DB-BD31-4B8C-83A1-F6EECF244321}">
+                <p14:modId xmlns:p14="http://schemas.microsoft.com/office/powerpoint/2010/main" val="3942845691"/>
+              </p:ext>
+            </p:extLst>
+          </p:nvPr>
+        </p:nvGraphicFramePr>
+        <p:xfrm>
+          <a:off x="2032000" y="2136029"/>
+          <a:ext cx="8128000" cy="4356846"/>
+        </p:xfrm>
+        <a:graphic>
+          <a:graphicData uri="http://schemas.openxmlformats.org/drawingml/2006/table">
+            <a:tbl>
+              <a:tblPr firstRow="1" bandRow="1">
+                <a:tableStyleId>{5C22544A-7EE6-4342-B048-85BDC9FD1C3A}</a:tableStyleId>
+              </a:tblPr>
+              <a:tblGrid>
+                <a:gridCol w="4064000">
+                  <a:extLst>
+                    <a:ext uri="{9D8B030D-6E8A-4147-A177-3AD203B41FA5}">
+                      <a16:colId xmlns:a16="http://schemas.microsoft.com/office/drawing/2014/main" val="4098505635"/>
+                    </a:ext>
+                  </a:extLst>
+                </a:gridCol>
+                <a:gridCol w="4064000">
+                  <a:extLst>
+                    <a:ext uri="{9D8B030D-6E8A-4147-A177-3AD203B41FA5}">
+                      <a16:colId xmlns:a16="http://schemas.microsoft.com/office/drawing/2014/main" val="1708177090"/>
+                    </a:ext>
+                  </a:extLst>
+                </a:gridCol>
+              </a:tblGrid>
+              <a:tr h="703650">
+                <a:tc>
+                  <a:txBody>
+                    <a:bodyPr/>
+                    <a:lstStyle/>
+                    <a:p>
+                      <a:pPr algn="ctr" latinLnBrk="1"/>
+                      <a:r>
+                        <a:rPr lang="en-US" altLang="ko-KR" sz="2400" dirty="0"/>
+                        <a:t>One-Stage-Detection</a:t>
+                      </a:r>
+                      <a:endParaRPr lang="ko-KR" altLang="en-US" sz="2400" dirty="0"/>
+                    </a:p>
+                  </a:txBody>
+                  <a:tcPr anchor="ctr"/>
+                </a:tc>
+                <a:tc>
+                  <a:txBody>
+                    <a:bodyPr/>
+                    <a:lstStyle/>
+                    <a:p>
+                      <a:pPr algn="ctr" latinLnBrk="1"/>
+                      <a:r>
+                        <a:rPr lang="en-US" altLang="ko-KR" sz="2400" dirty="0"/>
+                        <a:t>Two-Stage-Detection</a:t>
+                      </a:r>
+                      <a:endParaRPr lang="ko-KR" altLang="en-US" sz="2400" dirty="0"/>
+                    </a:p>
+                  </a:txBody>
+                  <a:tcPr anchor="ctr"/>
+                </a:tc>
+                <a:extLst>
+                  <a:ext uri="{0D108BD9-81ED-4DB2-BD59-A6C34878D82A}">
+                    <a16:rowId xmlns:a16="http://schemas.microsoft.com/office/drawing/2014/main" val="4108645769"/>
+                  </a:ext>
+                </a:extLst>
+              </a:tr>
+              <a:tr h="1214519">
+                <a:tc>
+                  <a:txBody>
+                    <a:bodyPr/>
+                    <a:lstStyle/>
+                    <a:p>
+                      <a:pPr algn="ctr" latinLnBrk="1"/>
+                      <a:r>
+                        <a:rPr lang="en-US" altLang="ko-KR" sz="1800" dirty="0"/>
+                        <a:t>Single Convolution Network</a:t>
+                      </a:r>
+                      <a:endParaRPr lang="ko-KR" altLang="en-US" sz="1800" dirty="0"/>
+                    </a:p>
+                  </a:txBody>
+                  <a:tcPr anchor="ctr"/>
+                </a:tc>
+                <a:tc>
+                  <a:txBody>
+                    <a:bodyPr/>
+                    <a:lstStyle/>
+                    <a:p>
+                      <a:pPr algn="ctr" latinLnBrk="1"/>
+                      <a:r>
+                        <a:rPr lang="en-US" altLang="ko-KR" sz="1800" dirty="0"/>
+                        <a:t>Region Proposal </a:t>
+                      </a:r>
+                    </a:p>
+                  </a:txBody>
+                  <a:tcPr anchor="ctr"/>
+                </a:tc>
+                <a:extLst>
+                  <a:ext uri="{0D108BD9-81ED-4DB2-BD59-A6C34878D82A}">
+                    <a16:rowId xmlns:a16="http://schemas.microsoft.com/office/drawing/2014/main" val="1502704156"/>
+                  </a:ext>
+                </a:extLst>
+              </a:tr>
+              <a:tr h="1735027">
+                <a:tc>
+                  <a:txBody>
+                    <a:bodyPr/>
+                    <a:lstStyle/>
+                    <a:p>
+                      <a:pPr marL="342900" indent="-342900" algn="l" latinLnBrk="1">
+                        <a:buAutoNum type="arabicPeriod"/>
+                      </a:pPr>
+                      <a:r>
+                        <a:rPr lang="en-US" altLang="ko-KR" sz="1800" dirty="0"/>
+                        <a:t>bounding box </a:t>
+                      </a:r>
+                      <a:r>
+                        <a:rPr lang="ko-KR" altLang="en-US" sz="1800" dirty="0"/>
+                        <a:t>안의 </a:t>
+                      </a:r>
+                      <a:r>
+                        <a:rPr lang="en-US" altLang="ko-KR" sz="1800" dirty="0"/>
+                        <a:t>object</a:t>
+                      </a:r>
+                      <a:r>
+                        <a:rPr lang="ko-KR" altLang="en-US" sz="1800" dirty="0"/>
+                        <a:t>가 </a:t>
+                      </a:r>
+                      <a:endParaRPr lang="en-US" altLang="ko-KR" sz="1800" dirty="0"/>
+                    </a:p>
+                    <a:p>
+                      <a:pPr marL="0" indent="0" algn="l" latinLnBrk="1">
+                        <a:buNone/>
+                      </a:pPr>
+                      <a:r>
+                        <a:rPr lang="ko-KR" altLang="en-US" sz="1800" dirty="0"/>
+                        <a:t>    무엇인지 동시에 예측</a:t>
+                      </a:r>
+                      <a:endParaRPr lang="en-US" altLang="ko-KR" sz="1800" dirty="0"/>
+                    </a:p>
+                  </a:txBody>
+                  <a:tcPr anchor="ctr"/>
+                </a:tc>
+                <a:tc>
+                  <a:txBody>
+                    <a:bodyPr/>
+                    <a:lstStyle/>
+                    <a:p>
+                      <a:pPr marL="342900" indent="-342900" algn="l" latinLnBrk="1">
+                        <a:buAutoNum type="arabicPeriod"/>
+                      </a:pPr>
+                      <a:r>
+                        <a:rPr lang="en-US" altLang="ko-KR" sz="1800" dirty="0"/>
+                        <a:t>image </a:t>
+                      </a:r>
+                      <a:r>
+                        <a:rPr lang="ko-KR" altLang="en-US" sz="1800" dirty="0"/>
+                        <a:t>안에서 가능성이 높은 </a:t>
+                      </a:r>
+                      <a:r>
+                        <a:rPr lang="en-US" altLang="ko-KR" sz="1800" dirty="0"/>
+                        <a:t>bounding box</a:t>
+                      </a:r>
+                      <a:r>
+                        <a:rPr lang="ko-KR" altLang="en-US" sz="1800" dirty="0"/>
+                        <a:t>를 생성</a:t>
+                      </a:r>
+                      <a:endParaRPr lang="en-US" altLang="ko-KR" sz="1800" dirty="0"/>
+                    </a:p>
+                    <a:p>
+                      <a:pPr marL="342900" indent="-342900" algn="l" latinLnBrk="1">
+                        <a:buAutoNum type="arabicPeriod"/>
+                      </a:pPr>
+                      <a:r>
+                        <a:rPr lang="en-US" altLang="ko-KR" sz="1800" dirty="0"/>
+                        <a:t>box </a:t>
+                      </a:r>
+                      <a:r>
+                        <a:rPr lang="ko-KR" altLang="en-US" sz="1800" dirty="0"/>
+                        <a:t>속의 이미지를 </a:t>
+                      </a:r>
+                      <a:r>
+                        <a:rPr lang="en-US" altLang="ko-KR" sz="1800" dirty="0"/>
+                        <a:t>classifier</a:t>
+                      </a:r>
+                      <a:endParaRPr lang="ko-KR" altLang="en-US" sz="1800" dirty="0"/>
+                    </a:p>
+                  </a:txBody>
+                  <a:tcPr anchor="ctr"/>
+                </a:tc>
+                <a:extLst>
+                  <a:ext uri="{0D108BD9-81ED-4DB2-BD59-A6C34878D82A}">
+                    <a16:rowId xmlns:a16="http://schemas.microsoft.com/office/drawing/2014/main" val="2316555311"/>
+                  </a:ext>
+                </a:extLst>
+              </a:tr>
+              <a:tr h="703650">
+                <a:tc>
+                  <a:txBody>
+                    <a:bodyPr/>
+                    <a:lstStyle/>
+                    <a:p>
+                      <a:pPr algn="ctr" latinLnBrk="1"/>
+                      <a:r>
+                        <a:rPr lang="en-US" altLang="ko-KR" sz="1800" dirty="0"/>
+                        <a:t>YOLO, SSD</a:t>
+                      </a:r>
+                      <a:endParaRPr lang="ko-KR" altLang="en-US" sz="1800" dirty="0"/>
+                    </a:p>
+                  </a:txBody>
+                  <a:tcPr anchor="ctr"/>
+                </a:tc>
+                <a:tc>
+                  <a:txBody>
+                    <a:bodyPr/>
+                    <a:lstStyle/>
+                    <a:p>
+                      <a:pPr algn="ctr" latinLnBrk="1"/>
+                      <a:r>
+                        <a:rPr lang="en-US" altLang="ko-KR" sz="1800" dirty="0"/>
+                        <a:t>R-CNN, Fast-RCNN, Faster-RCNN</a:t>
+                      </a:r>
+                      <a:endParaRPr lang="ko-KR" altLang="en-US" sz="1800" dirty="0"/>
+                    </a:p>
+                  </a:txBody>
+                  <a:tcPr anchor="ctr"/>
+                </a:tc>
+                <a:extLst>
+                  <a:ext uri="{0D108BD9-81ED-4DB2-BD59-A6C34878D82A}">
+                    <a16:rowId xmlns:a16="http://schemas.microsoft.com/office/drawing/2014/main" val="2996335924"/>
+                  </a:ext>
+                </a:extLst>
+              </a:tr>
+            </a:tbl>
+          </a:graphicData>
+        </a:graphic>
+      </p:graphicFrame>
+      <p:sp>
+        <p:nvSpPr>
+          <p:cNvPr id="4" name="제목 1">
+            <a:extLst>
+              <a:ext uri="{FF2B5EF4-FFF2-40B4-BE49-F238E27FC236}">
+                <a16:creationId xmlns:a16="http://schemas.microsoft.com/office/drawing/2014/main" id="{CFD7163C-A35A-46E4-9B2A-EE16640D2183}"/>
               </a:ext>
             </a:extLst>
           </p:cNvPr>
@@ -5959,521 +6218,92 @@
         </p:nvSpPr>
         <p:spPr>
           <a:xfrm>
-            <a:off x="6319935" y="2141537"/>
-            <a:ext cx="5431971" cy="4351338"/>
+            <a:off x="1506520" y="1255046"/>
+            <a:ext cx="5256006" cy="673539"/>
           </a:xfrm>
           <a:prstGeom prst="rect">
             <a:avLst/>
           </a:prstGeom>
         </p:spPr>
         <p:txBody>
-          <a:bodyPr vert="horz" lIns="91440" tIns="45720" rIns="91440" bIns="45720" rtlCol="0">
-            <a:normAutofit fontScale="92500"/>
+          <a:bodyPr vert="horz" lIns="91440" tIns="45720" rIns="91440" bIns="45720" rtlCol="0" anchor="ctr">
+            <a:normAutofit/>
           </a:bodyPr>
           <a:lstStyle>
-            <a:lvl1pPr marL="228600" indent="-228600" algn="l" defTabSz="914400" rtl="0" eaLnBrk="1" latinLnBrk="1" hangingPunct="1">
+            <a:lvl1pPr algn="l" defTabSz="914400" rtl="0" eaLnBrk="1" latinLnBrk="1" hangingPunct="1">
               <a:lnSpc>
                 <a:spcPct val="90000"/>
               </a:lnSpc>
               <a:spcBef>
-                <a:spcPts val="1000"/>
+                <a:spcPct val="0"/>
               </a:spcBef>
-              <a:buFont typeface="Arial" panose="020B0604020202020204" pitchFamily="34" charset="0"/>
-              <a:buChar char="•"/>
-              <a:defRPr sz="2800" kern="1200">
+              <a:buNone/>
+              <a:defRPr sz="4400" kern="1200">
                 <a:solidFill>
                   <a:schemeClr val="tx1"/>
                 </a:solidFill>
-                <a:latin typeface="+mn-lt"/>
-                <a:ea typeface="+mn-ea"/>
-                <a:cs typeface="+mn-cs"/>
+                <a:latin typeface="+mj-lt"/>
+                <a:ea typeface="+mj-ea"/>
+                <a:cs typeface="+mj-cs"/>
               </a:defRPr>
             </a:lvl1pPr>
-            <a:lvl2pPr marL="685800" indent="-228600" algn="l" defTabSz="914400" rtl="0" eaLnBrk="1" latinLnBrk="1" hangingPunct="1">
-              <a:lnSpc>
-                <a:spcPct val="90000"/>
-              </a:lnSpc>
-              <a:spcBef>
-                <a:spcPts val="500"/>
-              </a:spcBef>
-              <a:buFont typeface="Arial" panose="020B0604020202020204" pitchFamily="34" charset="0"/>
-              <a:buChar char="•"/>
-              <a:defRPr sz="2400" kern="1200">
-                <a:solidFill>
-                  <a:schemeClr val="tx1"/>
-                </a:solidFill>
-                <a:latin typeface="+mn-lt"/>
-                <a:ea typeface="+mn-ea"/>
-                <a:cs typeface="+mn-cs"/>
-              </a:defRPr>
-            </a:lvl2pPr>
-            <a:lvl3pPr marL="1143000" indent="-228600" algn="l" defTabSz="914400" rtl="0" eaLnBrk="1" latinLnBrk="1" hangingPunct="1">
-              <a:lnSpc>
-                <a:spcPct val="90000"/>
-              </a:lnSpc>
-              <a:spcBef>
-                <a:spcPts val="500"/>
-              </a:spcBef>
-              <a:buFont typeface="Arial" panose="020B0604020202020204" pitchFamily="34" charset="0"/>
-              <a:buChar char="•"/>
-              <a:defRPr sz="2000" kern="1200">
-                <a:solidFill>
-                  <a:schemeClr val="tx1"/>
-                </a:solidFill>
-                <a:latin typeface="+mn-lt"/>
-                <a:ea typeface="+mn-ea"/>
-                <a:cs typeface="+mn-cs"/>
-              </a:defRPr>
-            </a:lvl3pPr>
-            <a:lvl4pPr marL="1600200" indent="-228600" algn="l" defTabSz="914400" rtl="0" eaLnBrk="1" latinLnBrk="1" hangingPunct="1">
-              <a:lnSpc>
-                <a:spcPct val="90000"/>
-              </a:lnSpc>
-              <a:spcBef>
-                <a:spcPts val="500"/>
-              </a:spcBef>
-              <a:buFont typeface="Arial" panose="020B0604020202020204" pitchFamily="34" charset="0"/>
-              <a:buChar char="•"/>
-              <a:defRPr sz="1800" kern="1200">
-                <a:solidFill>
-                  <a:schemeClr val="tx1"/>
-                </a:solidFill>
-                <a:latin typeface="+mn-lt"/>
-                <a:ea typeface="+mn-ea"/>
-                <a:cs typeface="+mn-cs"/>
-              </a:defRPr>
-            </a:lvl4pPr>
-            <a:lvl5pPr marL="2057400" indent="-228600" algn="l" defTabSz="914400" rtl="0" eaLnBrk="1" latinLnBrk="1" hangingPunct="1">
-              <a:lnSpc>
-                <a:spcPct val="90000"/>
-              </a:lnSpc>
-              <a:spcBef>
-                <a:spcPts val="500"/>
-              </a:spcBef>
-              <a:buFont typeface="Arial" panose="020B0604020202020204" pitchFamily="34" charset="0"/>
-              <a:buChar char="•"/>
-              <a:defRPr sz="1800" kern="1200">
-                <a:solidFill>
-                  <a:schemeClr val="tx1"/>
-                </a:solidFill>
-                <a:latin typeface="+mn-lt"/>
-                <a:ea typeface="+mn-ea"/>
-                <a:cs typeface="+mn-cs"/>
-              </a:defRPr>
-            </a:lvl5pPr>
-            <a:lvl6pPr marL="2514600" indent="-228600" algn="l" defTabSz="914400" rtl="0" eaLnBrk="1" latinLnBrk="1" hangingPunct="1">
-              <a:lnSpc>
-                <a:spcPct val="90000"/>
-              </a:lnSpc>
-              <a:spcBef>
-                <a:spcPts val="500"/>
-              </a:spcBef>
-              <a:buFont typeface="Arial" panose="020B0604020202020204" pitchFamily="34" charset="0"/>
-              <a:buChar char="•"/>
-              <a:defRPr sz="1800" kern="1200">
-                <a:solidFill>
-                  <a:schemeClr val="tx1"/>
-                </a:solidFill>
-                <a:latin typeface="+mn-lt"/>
-                <a:ea typeface="+mn-ea"/>
-                <a:cs typeface="+mn-cs"/>
-              </a:defRPr>
-            </a:lvl6pPr>
-            <a:lvl7pPr marL="2971800" indent="-228600" algn="l" defTabSz="914400" rtl="0" eaLnBrk="1" latinLnBrk="1" hangingPunct="1">
-              <a:lnSpc>
-                <a:spcPct val="90000"/>
-              </a:lnSpc>
-              <a:spcBef>
-                <a:spcPts val="500"/>
-              </a:spcBef>
-              <a:buFont typeface="Arial" panose="020B0604020202020204" pitchFamily="34" charset="0"/>
-              <a:buChar char="•"/>
-              <a:defRPr sz="1800" kern="1200">
-                <a:solidFill>
-                  <a:schemeClr val="tx1"/>
-                </a:solidFill>
-                <a:latin typeface="+mn-lt"/>
-                <a:ea typeface="+mn-ea"/>
-                <a:cs typeface="+mn-cs"/>
-              </a:defRPr>
-            </a:lvl7pPr>
-            <a:lvl8pPr marL="3429000" indent="-228600" algn="l" defTabSz="914400" rtl="0" eaLnBrk="1" latinLnBrk="1" hangingPunct="1">
-              <a:lnSpc>
-                <a:spcPct val="90000"/>
-              </a:lnSpc>
-              <a:spcBef>
-                <a:spcPts val="500"/>
-              </a:spcBef>
-              <a:buFont typeface="Arial" panose="020B0604020202020204" pitchFamily="34" charset="0"/>
-              <a:buChar char="•"/>
-              <a:defRPr sz="1800" kern="1200">
-                <a:solidFill>
-                  <a:schemeClr val="tx1"/>
-                </a:solidFill>
-                <a:latin typeface="+mn-lt"/>
-                <a:ea typeface="+mn-ea"/>
-                <a:cs typeface="+mn-cs"/>
-              </a:defRPr>
-            </a:lvl8pPr>
-            <a:lvl9pPr marL="3886200" indent="-228600" algn="l" defTabSz="914400" rtl="0" eaLnBrk="1" latinLnBrk="1" hangingPunct="1">
-              <a:lnSpc>
-                <a:spcPct val="90000"/>
-              </a:lnSpc>
-              <a:spcBef>
-                <a:spcPts val="500"/>
-              </a:spcBef>
-              <a:buFont typeface="Arial" panose="020B0604020202020204" pitchFamily="34" charset="0"/>
-              <a:buChar char="•"/>
-              <a:defRPr sz="1800" kern="1200">
-                <a:solidFill>
-                  <a:schemeClr val="tx1"/>
-                </a:solidFill>
-                <a:latin typeface="+mn-lt"/>
-                <a:ea typeface="+mn-ea"/>
-                <a:cs typeface="+mn-cs"/>
-              </a:defRPr>
-            </a:lvl9pPr>
           </a:lstStyle>
           <a:p>
-            <a:pPr marL="0" indent="0">
-              <a:buNone/>
-            </a:pPr>
-            <a:r>
-              <a:rPr lang="en-US" altLang="ko-KR" dirty="0"/>
-              <a:t>One-stage-detection YOLO</a:t>
-            </a:r>
-          </a:p>
-          <a:p>
-            <a:pPr marL="0" indent="0">
-              <a:buFont typeface="Arial" panose="020B0604020202020204" pitchFamily="34" charset="0"/>
-              <a:buNone/>
-            </a:pPr>
-            <a:endParaRPr lang="en-US" altLang="ko-KR" dirty="0"/>
-          </a:p>
-          <a:p>
-            <a:pPr>
-              <a:buFontTx/>
-              <a:buChar char="-"/>
-            </a:pPr>
-            <a:endParaRPr lang="en-US" altLang="ko-KR" dirty="0"/>
-          </a:p>
-          <a:p>
-            <a:pPr>
-              <a:buFontTx/>
-              <a:buChar char="-"/>
-            </a:pPr>
-            <a:r>
-              <a:rPr lang="ko-KR" altLang="en-US" dirty="0"/>
-              <a:t>예술작품이나 자연의 이미지를 학습하거나 테스트할 때</a:t>
-            </a:r>
-            <a:r>
-              <a:rPr lang="en-US" altLang="ko-KR" dirty="0"/>
-              <a:t>, R-CNN</a:t>
-            </a:r>
-            <a:r>
-              <a:rPr lang="ko-KR" altLang="en-US" dirty="0"/>
-              <a:t>같은 강력한 </a:t>
-            </a:r>
-            <a:r>
-              <a:rPr lang="en-US" altLang="ko-KR" dirty="0"/>
-              <a:t>detection</a:t>
-            </a:r>
-            <a:r>
-              <a:rPr lang="ko-KR" altLang="en-US" dirty="0"/>
-              <a:t>보다 </a:t>
-            </a:r>
-            <a:endParaRPr lang="en-US" altLang="ko-KR" dirty="0"/>
-          </a:p>
-          <a:p>
-            <a:pPr>
-              <a:buFontTx/>
-              <a:buChar char="-"/>
-            </a:pPr>
-            <a:r>
-              <a:rPr lang="en-US" altLang="ko-KR" dirty="0"/>
-              <a:t>YOLO</a:t>
-            </a:r>
-            <a:r>
-              <a:rPr lang="ko-KR" altLang="en-US" dirty="0"/>
-              <a:t>는 일반화에 강력화 하기 때문에</a:t>
-            </a:r>
-            <a:r>
-              <a:rPr lang="en-US" altLang="ko-KR" dirty="0"/>
-              <a:t>, </a:t>
-            </a:r>
-            <a:r>
-              <a:rPr lang="ko-KR" altLang="en-US" dirty="0"/>
-              <a:t>새로운 도메인이나 예상하지 못한 </a:t>
-            </a:r>
-            <a:r>
-              <a:rPr lang="en-US" altLang="ko-KR" dirty="0"/>
-              <a:t>input</a:t>
-            </a:r>
-            <a:r>
-              <a:rPr lang="ko-KR" altLang="en-US" dirty="0"/>
-              <a:t>이 들어와도 망가질 확률이 적음</a:t>
-            </a:r>
-            <a:r>
-              <a:rPr lang="en-US" altLang="ko-KR" dirty="0"/>
-              <a:t>.</a:t>
-            </a:r>
-          </a:p>
-          <a:p>
-            <a:pPr>
-              <a:buFontTx/>
-              <a:buChar char="-"/>
-            </a:pPr>
-            <a:endParaRPr lang="en-US" altLang="ko-KR" dirty="0"/>
-          </a:p>
-          <a:p>
-            <a:pPr>
-              <a:buFontTx/>
-              <a:buChar char="-"/>
-            </a:pPr>
-            <a:endParaRPr lang="en-US" altLang="ko-KR" dirty="0"/>
-          </a:p>
-          <a:p>
-            <a:pPr marL="0" indent="0">
-              <a:buFont typeface="Arial" panose="020B0604020202020204" pitchFamily="34" charset="0"/>
-              <a:buNone/>
-            </a:pPr>
-            <a:endParaRPr lang="en-US" altLang="ko-KR" dirty="0"/>
-          </a:p>
-        </p:txBody>
-      </p:sp>
-      <p:sp>
-        <p:nvSpPr>
-          <p:cNvPr id="7" name="내용 개체 틀 2">
-            <a:extLst>
-              <a:ext uri="{FF2B5EF4-FFF2-40B4-BE49-F238E27FC236}">
-                <a16:creationId xmlns:a16="http://schemas.microsoft.com/office/drawing/2014/main" id="{8A15DB39-6D5F-4028-9E94-CDBAE58C7CD5}"/>
-              </a:ext>
-            </a:extLst>
-          </p:cNvPr>
-          <p:cNvSpPr txBox="1">
-            <a:spLocks/>
-          </p:cNvSpPr>
-          <p:nvPr/>
+            <a:r>
+              <a:rPr lang="en-US" altLang="ko-KR" sz="2400" b="1" dirty="0"/>
+              <a:t>&gt;One-Stage vs Two-Stage</a:t>
+            </a:r>
+            <a:endParaRPr lang="ko-KR" altLang="en-US" sz="2400" dirty="0">
+              <a:solidFill>
+                <a:srgbClr val="754322"/>
+              </a:solidFill>
+              <a:latin typeface="나눔손글씨 펜" panose="03040600000000000000" pitchFamily="66" charset="-127"/>
+              <a:ea typeface="나눔손글씨 펜" panose="03040600000000000000" pitchFamily="66" charset="-127"/>
+            </a:endParaRPr>
+          </a:p>
+        </p:txBody>
+      </p:sp>
+      <p:sp>
+        <p:nvSpPr>
+          <p:cNvPr id="6" name="제목 1">
+            <a:extLst>
+              <a:ext uri="{FF2B5EF4-FFF2-40B4-BE49-F238E27FC236}">
+                <a16:creationId xmlns:a16="http://schemas.microsoft.com/office/drawing/2014/main" id="{7CCCA54E-ED36-4D9D-92A8-3AB56D8ED674}"/>
+              </a:ext>
+            </a:extLst>
+          </p:cNvPr>
+          <p:cNvSpPr>
+            <a:spLocks noGrp="1"/>
+          </p:cNvSpPr>
+          <p:nvPr>
+            <p:ph type="title"/>
+          </p:nvPr>
         </p:nvSpPr>
         <p:spPr>
           <a:xfrm>
-            <a:off x="664029" y="2141537"/>
-            <a:ext cx="5431971" cy="4351338"/>
+            <a:off x="838200" y="365125"/>
+            <a:ext cx="3507889" cy="1325563"/>
           </a:xfrm>
-          <a:prstGeom prst="rect">
-            <a:avLst/>
-          </a:prstGeom>
         </p:spPr>
         <p:txBody>
-          <a:bodyPr vert="horz" lIns="91440" tIns="45720" rIns="91440" bIns="45720" rtlCol="0">
-            <a:normAutofit/>
-          </a:bodyPr>
-          <a:lstStyle>
-            <a:lvl1pPr marL="228600" indent="-228600" algn="l" defTabSz="914400" rtl="0" eaLnBrk="1" latinLnBrk="1" hangingPunct="1">
-              <a:lnSpc>
-                <a:spcPct val="90000"/>
-              </a:lnSpc>
-              <a:spcBef>
-                <a:spcPts val="1000"/>
-              </a:spcBef>
-              <a:buFont typeface="Arial" panose="020B0604020202020204" pitchFamily="34" charset="0"/>
-              <a:buChar char="•"/>
-              <a:defRPr sz="2800" kern="1200">
-                <a:solidFill>
-                  <a:schemeClr val="tx1"/>
-                </a:solidFill>
-                <a:latin typeface="+mn-lt"/>
-                <a:ea typeface="+mn-ea"/>
-                <a:cs typeface="+mn-cs"/>
-              </a:defRPr>
-            </a:lvl1pPr>
-            <a:lvl2pPr marL="685800" indent="-228600" algn="l" defTabSz="914400" rtl="0" eaLnBrk="1" latinLnBrk="1" hangingPunct="1">
-              <a:lnSpc>
-                <a:spcPct val="90000"/>
-              </a:lnSpc>
-              <a:spcBef>
-                <a:spcPts val="500"/>
-              </a:spcBef>
-              <a:buFont typeface="Arial" panose="020B0604020202020204" pitchFamily="34" charset="0"/>
-              <a:buChar char="•"/>
-              <a:defRPr sz="2400" kern="1200">
-                <a:solidFill>
-                  <a:schemeClr val="tx1"/>
-                </a:solidFill>
-                <a:latin typeface="+mn-lt"/>
-                <a:ea typeface="+mn-ea"/>
-                <a:cs typeface="+mn-cs"/>
-              </a:defRPr>
-            </a:lvl2pPr>
-            <a:lvl3pPr marL="1143000" indent="-228600" algn="l" defTabSz="914400" rtl="0" eaLnBrk="1" latinLnBrk="1" hangingPunct="1">
-              <a:lnSpc>
-                <a:spcPct val="90000"/>
-              </a:lnSpc>
-              <a:spcBef>
-                <a:spcPts val="500"/>
-              </a:spcBef>
-              <a:buFont typeface="Arial" panose="020B0604020202020204" pitchFamily="34" charset="0"/>
-              <a:buChar char="•"/>
-              <a:defRPr sz="2000" kern="1200">
-                <a:solidFill>
-                  <a:schemeClr val="tx1"/>
-                </a:solidFill>
-                <a:latin typeface="+mn-lt"/>
-                <a:ea typeface="+mn-ea"/>
-                <a:cs typeface="+mn-cs"/>
-              </a:defRPr>
-            </a:lvl3pPr>
-            <a:lvl4pPr marL="1600200" indent="-228600" algn="l" defTabSz="914400" rtl="0" eaLnBrk="1" latinLnBrk="1" hangingPunct="1">
-              <a:lnSpc>
-                <a:spcPct val="90000"/>
-              </a:lnSpc>
-              <a:spcBef>
-                <a:spcPts val="500"/>
-              </a:spcBef>
-              <a:buFont typeface="Arial" panose="020B0604020202020204" pitchFamily="34" charset="0"/>
-              <a:buChar char="•"/>
-              <a:defRPr sz="1800" kern="1200">
-                <a:solidFill>
-                  <a:schemeClr val="tx1"/>
-                </a:solidFill>
-                <a:latin typeface="+mn-lt"/>
-                <a:ea typeface="+mn-ea"/>
-                <a:cs typeface="+mn-cs"/>
-              </a:defRPr>
-            </a:lvl4pPr>
-            <a:lvl5pPr marL="2057400" indent="-228600" algn="l" defTabSz="914400" rtl="0" eaLnBrk="1" latinLnBrk="1" hangingPunct="1">
-              <a:lnSpc>
-                <a:spcPct val="90000"/>
-              </a:lnSpc>
-              <a:spcBef>
-                <a:spcPts val="500"/>
-              </a:spcBef>
-              <a:buFont typeface="Arial" panose="020B0604020202020204" pitchFamily="34" charset="0"/>
-              <a:buChar char="•"/>
-              <a:defRPr sz="1800" kern="1200">
-                <a:solidFill>
-                  <a:schemeClr val="tx1"/>
-                </a:solidFill>
-                <a:latin typeface="+mn-lt"/>
-                <a:ea typeface="+mn-ea"/>
-                <a:cs typeface="+mn-cs"/>
-              </a:defRPr>
-            </a:lvl5pPr>
-            <a:lvl6pPr marL="2514600" indent="-228600" algn="l" defTabSz="914400" rtl="0" eaLnBrk="1" latinLnBrk="1" hangingPunct="1">
-              <a:lnSpc>
-                <a:spcPct val="90000"/>
-              </a:lnSpc>
-              <a:spcBef>
-                <a:spcPts val="500"/>
-              </a:spcBef>
-              <a:buFont typeface="Arial" panose="020B0604020202020204" pitchFamily="34" charset="0"/>
-              <a:buChar char="•"/>
-              <a:defRPr sz="1800" kern="1200">
-                <a:solidFill>
-                  <a:schemeClr val="tx1"/>
-                </a:solidFill>
-                <a:latin typeface="+mn-lt"/>
-                <a:ea typeface="+mn-ea"/>
-                <a:cs typeface="+mn-cs"/>
-              </a:defRPr>
-            </a:lvl6pPr>
-            <a:lvl7pPr marL="2971800" indent="-228600" algn="l" defTabSz="914400" rtl="0" eaLnBrk="1" latinLnBrk="1" hangingPunct="1">
-              <a:lnSpc>
-                <a:spcPct val="90000"/>
-              </a:lnSpc>
-              <a:spcBef>
-                <a:spcPts val="500"/>
-              </a:spcBef>
-              <a:buFont typeface="Arial" panose="020B0604020202020204" pitchFamily="34" charset="0"/>
-              <a:buChar char="•"/>
-              <a:defRPr sz="1800" kern="1200">
-                <a:solidFill>
-                  <a:schemeClr val="tx1"/>
-                </a:solidFill>
-                <a:latin typeface="+mn-lt"/>
-                <a:ea typeface="+mn-ea"/>
-                <a:cs typeface="+mn-cs"/>
-              </a:defRPr>
-            </a:lvl7pPr>
-            <a:lvl8pPr marL="3429000" indent="-228600" algn="l" defTabSz="914400" rtl="0" eaLnBrk="1" latinLnBrk="1" hangingPunct="1">
-              <a:lnSpc>
-                <a:spcPct val="90000"/>
-              </a:lnSpc>
-              <a:spcBef>
-                <a:spcPts val="500"/>
-              </a:spcBef>
-              <a:buFont typeface="Arial" panose="020B0604020202020204" pitchFamily="34" charset="0"/>
-              <a:buChar char="•"/>
-              <a:defRPr sz="1800" kern="1200">
-                <a:solidFill>
-                  <a:schemeClr val="tx1"/>
-                </a:solidFill>
-                <a:latin typeface="+mn-lt"/>
-                <a:ea typeface="+mn-ea"/>
-                <a:cs typeface="+mn-cs"/>
-              </a:defRPr>
-            </a:lvl8pPr>
-            <a:lvl9pPr marL="3886200" indent="-228600" algn="l" defTabSz="914400" rtl="0" eaLnBrk="1" latinLnBrk="1" hangingPunct="1">
-              <a:lnSpc>
-                <a:spcPct val="90000"/>
-              </a:lnSpc>
-              <a:spcBef>
-                <a:spcPts val="500"/>
-              </a:spcBef>
-              <a:buFont typeface="Arial" panose="020B0604020202020204" pitchFamily="34" charset="0"/>
-              <a:buChar char="•"/>
-              <a:defRPr sz="1800" kern="1200">
-                <a:solidFill>
-                  <a:schemeClr val="tx1"/>
-                </a:solidFill>
-                <a:latin typeface="+mn-lt"/>
-                <a:ea typeface="+mn-ea"/>
-                <a:cs typeface="+mn-cs"/>
-              </a:defRPr>
-            </a:lvl9pPr>
-          </a:lstStyle>
-          <a:p>
-            <a:pPr marL="0" indent="0">
-              <a:buNone/>
-            </a:pPr>
-            <a:r>
-              <a:rPr lang="en-US" altLang="ko-KR" dirty="0"/>
-              <a:t>two-stage-detection </a:t>
-            </a:r>
-            <a:r>
-              <a:rPr lang="ko-KR" altLang="en-US" dirty="0"/>
-              <a:t>기존 </a:t>
-            </a:r>
-            <a:r>
-              <a:rPr lang="en-US" altLang="ko-KR" dirty="0"/>
-              <a:t>R-CNN</a:t>
-            </a:r>
-            <a:r>
-              <a:rPr lang="ko-KR" altLang="en-US" dirty="0"/>
-              <a:t> </a:t>
-            </a:r>
-            <a:endParaRPr lang="en-US" altLang="ko-KR" dirty="0"/>
-          </a:p>
-          <a:p>
-            <a:pPr marL="0" indent="0">
-              <a:buFont typeface="Arial" panose="020B0604020202020204" pitchFamily="34" charset="0"/>
-              <a:buNone/>
-            </a:pPr>
-            <a:endParaRPr lang="en-US" altLang="ko-KR" dirty="0"/>
-          </a:p>
-          <a:p>
-            <a:pPr marL="0" indent="0">
-              <a:buFont typeface="Arial" panose="020B0604020202020204" pitchFamily="34" charset="0"/>
-              <a:buNone/>
-            </a:pPr>
-            <a:endParaRPr lang="en-US" altLang="ko-KR" dirty="0"/>
+          <a:bodyPr/>
+          <a:lstStyle/>
+          <a:p>
+            <a:r>
+              <a:rPr lang="en-US" altLang="ko-KR" b="1" dirty="0"/>
+              <a:t>3. </a:t>
+            </a:r>
+            <a:r>
+              <a:rPr lang="ko-KR" altLang="en-US" b="1" dirty="0"/>
+              <a:t>모델 설명</a:t>
+            </a:r>
           </a:p>
         </p:txBody>
       </p:sp>
     </p:spTree>
     <p:extLst>
       <p:ext uri="{BB962C8B-B14F-4D97-AF65-F5344CB8AC3E}">
-        <p14:creationId xmlns:p14="http://schemas.microsoft.com/office/powerpoint/2010/main" val="3582679547"/>
+        <p14:creationId xmlns:p14="http://schemas.microsoft.com/office/powerpoint/2010/main" val="1593725239"/>
       </p:ext>
     </p:extLst>
   </p:cSld>
@@ -6500,139 +6330,549 @@
           <a:chExt cx="0" cy="0"/>
         </a:xfrm>
       </p:grpSpPr>
-      <p:sp>
-        <p:nvSpPr>
-          <p:cNvPr id="2" name="제목 1">
-            <a:extLst>
-              <a:ext uri="{FF2B5EF4-FFF2-40B4-BE49-F238E27FC236}">
-                <a16:creationId xmlns:a16="http://schemas.microsoft.com/office/drawing/2014/main" id="{2A7EA036-AC34-4DA9-BA55-6286A4D5F385}"/>
-              </a:ext>
-            </a:extLst>
-          </p:cNvPr>
-          <p:cNvSpPr>
-            <a:spLocks noGrp="1"/>
-          </p:cNvSpPr>
-          <p:nvPr>
-            <p:ph type="title"/>
-          </p:nvPr>
-        </p:nvSpPr>
-        <p:spPr/>
-        <p:txBody>
-          <a:bodyPr/>
+      <p:graphicFrame>
+        <p:nvGraphicFramePr>
+          <p:cNvPr id="4" name="표 3">
+            <a:extLst>
+              <a:ext uri="{FF2B5EF4-FFF2-40B4-BE49-F238E27FC236}">
+                <a16:creationId xmlns:a16="http://schemas.microsoft.com/office/drawing/2014/main" id="{5D2321FF-D3B6-4FF0-AE73-5414BE2460F9}"/>
+              </a:ext>
+            </a:extLst>
+          </p:cNvPr>
+          <p:cNvGraphicFramePr>
+            <a:graphicFrameLocks noGrp="1"/>
+          </p:cNvGraphicFramePr>
+          <p:nvPr>
+            <p:extLst>
+              <p:ext uri="{D42A27DB-BD31-4B8C-83A1-F6EECF244321}">
+                <p14:modId xmlns:p14="http://schemas.microsoft.com/office/powerpoint/2010/main" val="2030492887"/>
+              </p:ext>
+            </p:extLst>
+          </p:nvPr>
+        </p:nvGraphicFramePr>
+        <p:xfrm>
+          <a:off x="157777" y="2011040"/>
+          <a:ext cx="5425441" cy="3203405"/>
+        </p:xfrm>
+        <a:graphic>
+          <a:graphicData uri="http://schemas.openxmlformats.org/drawingml/2006/table">
+            <a:tbl>
+              <a:tblPr firstRow="1" bandRow="1">
+                <a:tableStyleId>{5C22544A-7EE6-4342-B048-85BDC9FD1C3A}</a:tableStyleId>
+              </a:tblPr>
+              <a:tblGrid>
+                <a:gridCol w="1041098">
+                  <a:extLst>
+                    <a:ext uri="{9D8B030D-6E8A-4147-A177-3AD203B41FA5}">
+                      <a16:colId xmlns:a16="http://schemas.microsoft.com/office/drawing/2014/main" val="933773677"/>
+                    </a:ext>
+                  </a:extLst>
+                </a:gridCol>
+                <a:gridCol w="2172621">
+                  <a:extLst>
+                    <a:ext uri="{9D8B030D-6E8A-4147-A177-3AD203B41FA5}">
+                      <a16:colId xmlns:a16="http://schemas.microsoft.com/office/drawing/2014/main" val="2283293783"/>
+                    </a:ext>
+                  </a:extLst>
+                </a:gridCol>
+                <a:gridCol w="2211722">
+                  <a:extLst>
+                    <a:ext uri="{9D8B030D-6E8A-4147-A177-3AD203B41FA5}">
+                      <a16:colId xmlns:a16="http://schemas.microsoft.com/office/drawing/2014/main" val="2910628893"/>
+                    </a:ext>
+                  </a:extLst>
+                </a:gridCol>
+              </a:tblGrid>
+              <a:tr h="603513">
+                <a:tc>
+                  <a:txBody>
+                    <a:bodyPr/>
+                    <a:lstStyle/>
+                    <a:p>
+                      <a:pPr algn="ctr" latinLnBrk="1"/>
+                      <a:endParaRPr lang="ko-KR" altLang="en-US" dirty="0"/>
+                    </a:p>
+                  </a:txBody>
+                  <a:tcPr anchor="ctr"/>
+                </a:tc>
+                <a:tc>
+                  <a:txBody>
+                    <a:bodyPr/>
+                    <a:lstStyle/>
+                    <a:p>
+                      <a:pPr algn="ctr" latinLnBrk="1"/>
+                      <a:r>
+                        <a:rPr lang="en-US" altLang="ko-KR" sz="2400" dirty="0"/>
+                        <a:t>YOLO</a:t>
+                      </a:r>
+                      <a:endParaRPr lang="ko-KR" altLang="en-US" sz="2400" dirty="0"/>
+                    </a:p>
+                  </a:txBody>
+                  <a:tcPr anchor="ctr"/>
+                </a:tc>
+                <a:tc>
+                  <a:txBody>
+                    <a:bodyPr/>
+                    <a:lstStyle/>
+                    <a:p>
+                      <a:pPr algn="ctr" latinLnBrk="1"/>
+                      <a:r>
+                        <a:rPr lang="en-US" altLang="ko-KR" sz="2400" dirty="0"/>
+                        <a:t>R-CNN</a:t>
+                      </a:r>
+                      <a:endParaRPr lang="ko-KR" altLang="en-US" sz="2400" dirty="0"/>
+                    </a:p>
+                  </a:txBody>
+                  <a:tcPr anchor="ctr"/>
+                </a:tc>
+                <a:extLst>
+                  <a:ext uri="{0D108BD9-81ED-4DB2-BD59-A6C34878D82A}">
+                    <a16:rowId xmlns:a16="http://schemas.microsoft.com/office/drawing/2014/main" val="773446598"/>
+                  </a:ext>
+                </a:extLst>
+              </a:tr>
+              <a:tr h="479903">
+                <a:tc>
+                  <a:txBody>
+                    <a:bodyPr/>
+                    <a:lstStyle/>
+                    <a:p>
+                      <a:pPr algn="ctr" latinLnBrk="1"/>
+                      <a:r>
+                        <a:rPr lang="ko-KR" altLang="en-US" dirty="0"/>
+                        <a:t>속도</a:t>
+                      </a:r>
+                    </a:p>
+                  </a:txBody>
+                  <a:tcPr anchor="ctr"/>
+                </a:tc>
+                <a:tc>
+                  <a:txBody>
+                    <a:bodyPr/>
+                    <a:lstStyle/>
+                    <a:p>
+                      <a:pPr algn="ctr" latinLnBrk="1"/>
+                      <a:r>
+                        <a:rPr lang="ko-KR" altLang="en-US" dirty="0"/>
+                        <a:t>빠르다</a:t>
+                      </a:r>
+                      <a:endParaRPr lang="en-US" altLang="ko-KR" dirty="0"/>
+                    </a:p>
+                  </a:txBody>
+                  <a:tcPr anchor="ctr"/>
+                </a:tc>
+                <a:tc>
+                  <a:txBody>
+                    <a:bodyPr/>
+                    <a:lstStyle/>
+                    <a:p>
+                      <a:pPr algn="ctr" latinLnBrk="1"/>
+                      <a:r>
+                        <a:rPr lang="en-US" altLang="ko-KR" dirty="0"/>
+                        <a:t>YOLO</a:t>
+                      </a:r>
+                      <a:r>
+                        <a:rPr lang="ko-KR" altLang="en-US" dirty="0"/>
+                        <a:t> 보다 느림</a:t>
+                      </a:r>
+                      <a:endParaRPr lang="en-US" altLang="ko-KR" dirty="0"/>
+                    </a:p>
+                  </a:txBody>
+                  <a:tcPr anchor="ctr"/>
+                </a:tc>
+                <a:extLst>
+                  <a:ext uri="{0D108BD9-81ED-4DB2-BD59-A6C34878D82A}">
+                    <a16:rowId xmlns:a16="http://schemas.microsoft.com/office/drawing/2014/main" val="3009404697"/>
+                  </a:ext>
+                </a:extLst>
+              </a:tr>
+              <a:tr h="479903">
+                <a:tc>
+                  <a:txBody>
+                    <a:bodyPr/>
+                    <a:lstStyle/>
+                    <a:p>
+                      <a:pPr algn="ctr" latinLnBrk="1"/>
+                      <a:r>
+                        <a:rPr lang="ko-KR" altLang="en-US" dirty="0"/>
+                        <a:t>마스크 스캔</a:t>
+                      </a:r>
+                    </a:p>
+                  </a:txBody>
+                  <a:tcPr anchor="ctr"/>
+                </a:tc>
+                <a:tc>
+                  <a:txBody>
+                    <a:bodyPr/>
+                    <a:lstStyle/>
+                    <a:p>
+                      <a:pPr algn="ctr" latinLnBrk="1"/>
+                      <a:r>
+                        <a:rPr lang="ko-KR" altLang="en-US" dirty="0"/>
+                        <a:t>전체 확인 </a:t>
+                      </a:r>
+                    </a:p>
+                  </a:txBody>
+                  <a:tcPr anchor="ctr"/>
+                </a:tc>
+                <a:tc>
+                  <a:txBody>
+                    <a:bodyPr/>
+                    <a:lstStyle/>
+                    <a:p>
+                      <a:pPr algn="ctr" latinLnBrk="1"/>
+                      <a:r>
+                        <a:rPr lang="ko-KR" altLang="en-US" dirty="0"/>
+                        <a:t>분할 확인</a:t>
+                      </a:r>
+                    </a:p>
+                  </a:txBody>
+                  <a:tcPr anchor="ctr"/>
+                </a:tc>
+                <a:extLst>
+                  <a:ext uri="{0D108BD9-81ED-4DB2-BD59-A6C34878D82A}">
+                    <a16:rowId xmlns:a16="http://schemas.microsoft.com/office/drawing/2014/main" val="1405813496"/>
+                  </a:ext>
+                </a:extLst>
+              </a:tr>
+              <a:tr h="479903">
+                <a:tc>
+                  <a:txBody>
+                    <a:bodyPr/>
+                    <a:lstStyle/>
+                    <a:p>
+                      <a:pPr algn="ctr" latinLnBrk="1"/>
+                      <a:r>
+                        <a:rPr lang="en-US" altLang="ko-KR" dirty="0"/>
+                        <a:t>Input data</a:t>
+                      </a:r>
+                      <a:endParaRPr lang="ko-KR" altLang="en-US" dirty="0"/>
+                    </a:p>
+                  </a:txBody>
+                  <a:tcPr anchor="ctr"/>
+                </a:tc>
+                <a:tc>
+                  <a:txBody>
+                    <a:bodyPr/>
+                    <a:lstStyle/>
+                    <a:p>
+                      <a:pPr algn="ctr" latinLnBrk="1"/>
+                      <a:r>
+                        <a:rPr lang="ko-KR" altLang="en-US" dirty="0"/>
+                        <a:t>다양한 수용</a:t>
+                      </a:r>
+                    </a:p>
+                  </a:txBody>
+                  <a:tcPr anchor="ctr"/>
+                </a:tc>
+                <a:tc>
+                  <a:txBody>
+                    <a:bodyPr/>
+                    <a:lstStyle/>
+                    <a:p>
+                      <a:pPr algn="ctr" latinLnBrk="1"/>
+                      <a:r>
+                        <a:rPr lang="ko-KR" altLang="en-US" dirty="0"/>
+                        <a:t>일부 수용</a:t>
+                      </a:r>
+                    </a:p>
+                  </a:txBody>
+                  <a:tcPr anchor="ctr"/>
+                </a:tc>
+                <a:extLst>
+                  <a:ext uri="{0D108BD9-81ED-4DB2-BD59-A6C34878D82A}">
+                    <a16:rowId xmlns:a16="http://schemas.microsoft.com/office/drawing/2014/main" val="664736129"/>
+                  </a:ext>
+                </a:extLst>
+              </a:tr>
+              <a:tr h="839829">
+                <a:tc>
+                  <a:txBody>
+                    <a:bodyPr/>
+                    <a:lstStyle/>
+                    <a:p>
+                      <a:pPr algn="ctr" latinLnBrk="1"/>
+                      <a:r>
+                        <a:rPr lang="en-US" altLang="ko-KR" dirty="0"/>
+                        <a:t>Stage</a:t>
+                      </a:r>
+                      <a:endParaRPr lang="ko-KR" altLang="en-US" dirty="0"/>
+                    </a:p>
+                  </a:txBody>
+                  <a:tcPr anchor="ctr"/>
+                </a:tc>
+                <a:tc>
+                  <a:txBody>
+                    <a:bodyPr/>
+                    <a:lstStyle/>
+                    <a:p>
+                      <a:pPr algn="ctr" latinLnBrk="1"/>
+                      <a:r>
+                        <a:rPr lang="en-US" altLang="ko-KR" sz="1600" dirty="0"/>
+                        <a:t>One-Stage-Detection</a:t>
+                      </a:r>
+                      <a:endParaRPr lang="ko-KR" altLang="en-US" sz="1600" dirty="0"/>
+                    </a:p>
+                  </a:txBody>
+                  <a:tcPr anchor="ctr"/>
+                </a:tc>
+                <a:tc>
+                  <a:txBody>
+                    <a:bodyPr/>
+                    <a:lstStyle/>
+                    <a:p>
+                      <a:pPr algn="ctr" latinLnBrk="1"/>
+                      <a:r>
+                        <a:rPr lang="en-US" altLang="ko-KR" sz="1600" dirty="0"/>
+                        <a:t>Two-Stage-Detection</a:t>
+                      </a:r>
+                      <a:endParaRPr lang="ko-KR" altLang="en-US" sz="1600" dirty="0"/>
+                    </a:p>
+                  </a:txBody>
+                  <a:tcPr anchor="ctr"/>
+                </a:tc>
+                <a:extLst>
+                  <a:ext uri="{0D108BD9-81ED-4DB2-BD59-A6C34878D82A}">
+                    <a16:rowId xmlns:a16="http://schemas.microsoft.com/office/drawing/2014/main" val="895597681"/>
+                  </a:ext>
+                </a:extLst>
+              </a:tr>
+            </a:tbl>
+          </a:graphicData>
+        </a:graphic>
+      </p:graphicFrame>
+      <p:pic>
+        <p:nvPicPr>
+          <p:cNvPr id="11" name="내용 개체 틀 8">
+            <a:extLst>
+              <a:ext uri="{FF2B5EF4-FFF2-40B4-BE49-F238E27FC236}">
+                <a16:creationId xmlns:a16="http://schemas.microsoft.com/office/drawing/2014/main" id="{6C6A0170-64A1-4BBD-8FF2-6DB33F519386}"/>
+              </a:ext>
+            </a:extLst>
+          </p:cNvPr>
+          <p:cNvPicPr>
+            <a:picLocks noGrp="1" noChangeAspect="1"/>
+          </p:cNvPicPr>
+          <p:nvPr>
+            <p:ph idx="1"/>
+          </p:nvPr>
+        </p:nvPicPr>
+        <p:blipFill>
+          <a:blip r:embed="rId2">
+            <a:extLst>
+              <a:ext uri="{28A0092B-C50C-407E-A947-70E740481C1C}">
+                <a14:useLocalDpi xmlns:a14="http://schemas.microsoft.com/office/drawing/2010/main" val="0"/>
+              </a:ext>
+            </a:extLst>
+          </a:blip>
+          <a:stretch>
+            <a:fillRect/>
+          </a:stretch>
+        </p:blipFill>
+        <p:spPr>
+          <a:xfrm>
+            <a:off x="5870178" y="1591815"/>
+            <a:ext cx="6246518" cy="3596147"/>
+          </a:xfrm>
+        </p:spPr>
+      </p:pic>
+      <p:sp>
+        <p:nvSpPr>
+          <p:cNvPr id="12" name="직사각형 11">
+            <a:extLst>
+              <a:ext uri="{FF2B5EF4-FFF2-40B4-BE49-F238E27FC236}">
+                <a16:creationId xmlns:a16="http://schemas.microsoft.com/office/drawing/2014/main" id="{D26BE8C1-603F-48C8-BA4A-A0FABFE22B12}"/>
+              </a:ext>
+            </a:extLst>
+          </p:cNvPr>
+          <p:cNvSpPr/>
+          <p:nvPr/>
+        </p:nvSpPr>
+        <p:spPr>
+          <a:xfrm>
+            <a:off x="2568600" y="5296900"/>
+            <a:ext cx="6603156" cy="830997"/>
+          </a:xfrm>
+          <a:prstGeom prst="rect">
+            <a:avLst/>
+          </a:prstGeom>
+        </p:spPr>
+        <p:txBody>
+          <a:bodyPr wrap="square">
+            <a:spAutoFit/>
+          </a:bodyPr>
           <a:lstStyle/>
           <a:p>
-            <a:r>
-              <a:rPr lang="en-US" altLang="ko-KR" dirty="0"/>
-              <a:t>YOLO v3 </a:t>
-            </a:r>
-            <a:r>
-              <a:rPr lang="ko-KR" altLang="en-US" dirty="0"/>
-              <a:t>특징</a:t>
-            </a:r>
-          </a:p>
-        </p:txBody>
-      </p:sp>
-      <p:sp>
-        <p:nvSpPr>
-          <p:cNvPr id="3" name="내용 개체 틀 2">
-            <a:extLst>
-              <a:ext uri="{FF2B5EF4-FFF2-40B4-BE49-F238E27FC236}">
-                <a16:creationId xmlns:a16="http://schemas.microsoft.com/office/drawing/2014/main" id="{9BD480D3-B3AA-4EDC-A7BF-4DC77625FA6E}"/>
-              </a:ext>
-            </a:extLst>
-          </p:cNvPr>
-          <p:cNvSpPr>
-            <a:spLocks noGrp="1"/>
-          </p:cNvSpPr>
-          <p:nvPr>
-            <p:ph idx="1"/>
-          </p:nvPr>
-        </p:nvSpPr>
-        <p:spPr/>
-        <p:txBody>
-          <a:bodyPr/>
-          <a:lstStyle/>
-          <a:p>
-            <a:r>
-              <a:rPr lang="ko-KR" altLang="en-US" dirty="0"/>
-              <a:t>기존 </a:t>
-            </a:r>
-            <a:r>
-              <a:rPr lang="en-US" altLang="ko-KR" dirty="0"/>
-              <a:t>YOLO</a:t>
-            </a:r>
-            <a:r>
-              <a:rPr lang="ko-KR" altLang="en-US" dirty="0"/>
-              <a:t>의 특징에서</a:t>
-            </a:r>
-            <a:endParaRPr lang="en-US" altLang="ko-KR" dirty="0"/>
-          </a:p>
-          <a:p>
-            <a:endParaRPr lang="en-US" altLang="ko-KR" dirty="0"/>
-          </a:p>
-          <a:p>
-            <a:r>
-              <a:rPr lang="en-US" altLang="ko-KR" dirty="0"/>
-              <a:t>YOLO v3</a:t>
-            </a:r>
-            <a:r>
-              <a:rPr lang="ko-KR" altLang="en-US" dirty="0"/>
-              <a:t>는 </a:t>
-            </a:r>
-            <a:r>
-              <a:rPr lang="en-US" altLang="ko-KR" dirty="0"/>
-              <a:t>C</a:t>
-            </a:r>
-            <a:r>
-              <a:rPr lang="ko-KR" altLang="en-US" dirty="0"/>
-              <a:t>언어 개발로 구현되어</a:t>
-            </a:r>
-            <a:r>
-              <a:rPr lang="en-US" altLang="ko-KR" dirty="0"/>
-              <a:t>, R-CNN</a:t>
-            </a:r>
-            <a:r>
-              <a:rPr lang="ko-KR" altLang="en-US" dirty="0"/>
+            <a:pPr algn="ctr"/>
+            <a:r>
+              <a:rPr lang="en-US" altLang="ko-KR" sz="2400" b="1" dirty="0"/>
+              <a:t>R-CNN</a:t>
+            </a:r>
+            <a:r>
+              <a:rPr lang="ko-KR" altLang="en-US" sz="2400" b="1" dirty="0"/>
               <a:t>의 </a:t>
             </a:r>
             <a:r>
-              <a:rPr lang="en-US" altLang="ko-KR" dirty="0"/>
+              <a:rPr lang="en-US" altLang="ko-KR" sz="2400" b="1" dirty="0"/>
               <a:t>1000</a:t>
             </a:r>
             <a:r>
-              <a:rPr lang="ko-KR" altLang="en-US" dirty="0"/>
+              <a:rPr lang="ko-KR" altLang="en-US" sz="2400" b="1" dirty="0"/>
               <a:t>배</a:t>
             </a:r>
-            <a:r>
-              <a:rPr lang="en-US" altLang="ko-KR" dirty="0"/>
-              <a:t>, Fast R-CNN</a:t>
-            </a:r>
-            <a:r>
-              <a:rPr lang="ko-KR" altLang="en-US" dirty="0"/>
+            <a:endParaRPr lang="en-US" altLang="ko-KR" sz="2400" b="1" dirty="0"/>
+          </a:p>
+          <a:p>
+            <a:pPr algn="ctr"/>
+            <a:r>
+              <a:rPr lang="en-US" altLang="ko-KR" sz="2400" b="1" dirty="0"/>
+              <a:t>Fast R-CNN</a:t>
+            </a:r>
+            <a:r>
+              <a:rPr lang="ko-KR" altLang="en-US" sz="2400" b="1" dirty="0"/>
               <a:t>의 </a:t>
             </a:r>
             <a:r>
-              <a:rPr lang="en-US" altLang="ko-KR" dirty="0"/>
+              <a:rPr lang="en-US" altLang="ko-KR" sz="2400" b="1" dirty="0"/>
               <a:t>100</a:t>
             </a:r>
             <a:r>
-              <a:rPr lang="ko-KR" altLang="en-US" dirty="0"/>
+              <a:rPr lang="ko-KR" altLang="en-US" sz="2400" b="1" dirty="0"/>
               <a:t>배의 속도</a:t>
             </a:r>
-            <a:r>
-              <a:rPr lang="en-US" altLang="ko-KR" dirty="0"/>
-              <a:t>.</a:t>
-            </a:r>
-          </a:p>
-          <a:p>
-            <a:endParaRPr lang="ko-KR" altLang="en-US" dirty="0"/>
+          </a:p>
+        </p:txBody>
+      </p:sp>
+      <p:sp>
+        <p:nvSpPr>
+          <p:cNvPr id="13" name="제목 1">
+            <a:extLst>
+              <a:ext uri="{FF2B5EF4-FFF2-40B4-BE49-F238E27FC236}">
+                <a16:creationId xmlns:a16="http://schemas.microsoft.com/office/drawing/2014/main" id="{88F2BBB9-D99F-4112-B1B0-902B2A13CC8A}"/>
+              </a:ext>
+            </a:extLst>
+          </p:cNvPr>
+          <p:cNvSpPr txBox="1">
+            <a:spLocks/>
+          </p:cNvSpPr>
+          <p:nvPr/>
+        </p:nvSpPr>
+        <p:spPr>
+          <a:xfrm>
+            <a:off x="1506520" y="1255046"/>
+            <a:ext cx="5256006" cy="673539"/>
+          </a:xfrm>
+          <a:prstGeom prst="rect">
+            <a:avLst/>
+          </a:prstGeom>
+        </p:spPr>
+        <p:txBody>
+          <a:bodyPr vert="horz" lIns="91440" tIns="45720" rIns="91440" bIns="45720" rtlCol="0" anchor="ctr">
+            <a:normAutofit/>
+          </a:bodyPr>
+          <a:lstStyle>
+            <a:lvl1pPr algn="l" defTabSz="914400" rtl="0" eaLnBrk="1" latinLnBrk="1" hangingPunct="1">
+              <a:lnSpc>
+                <a:spcPct val="90000"/>
+              </a:lnSpc>
+              <a:spcBef>
+                <a:spcPct val="0"/>
+              </a:spcBef>
+              <a:buNone/>
+              <a:defRPr sz="4400" kern="1200">
+                <a:solidFill>
+                  <a:schemeClr val="tx1"/>
+                </a:solidFill>
+                <a:latin typeface="+mj-lt"/>
+                <a:ea typeface="+mj-ea"/>
+                <a:cs typeface="+mj-cs"/>
+              </a:defRPr>
+            </a:lvl1pPr>
+          </a:lstStyle>
+          <a:p>
+            <a:r>
+              <a:rPr lang="en-US" altLang="ko-KR" sz="2400" b="1" dirty="0"/>
+              <a:t>&gt;YOLO </a:t>
+            </a:r>
+            <a:r>
+              <a:rPr lang="ko-KR" altLang="en-US" sz="2400" b="1" dirty="0">
+                <a:latin typeface="+mn-ea"/>
+              </a:rPr>
+              <a:t>장점</a:t>
+            </a:r>
+            <a:endParaRPr lang="ko-KR" altLang="en-US" sz="2400" dirty="0">
+              <a:solidFill>
+                <a:srgbClr val="754322"/>
+              </a:solidFill>
+              <a:latin typeface="나눔손글씨 펜" panose="03040600000000000000" pitchFamily="66" charset="-127"/>
+              <a:ea typeface="나눔손글씨 펜" panose="03040600000000000000" pitchFamily="66" charset="-127"/>
+            </a:endParaRPr>
+          </a:p>
+        </p:txBody>
+      </p:sp>
+      <p:sp>
+        <p:nvSpPr>
+          <p:cNvPr id="16" name="제목 1">
+            <a:extLst>
+              <a:ext uri="{FF2B5EF4-FFF2-40B4-BE49-F238E27FC236}">
+                <a16:creationId xmlns:a16="http://schemas.microsoft.com/office/drawing/2014/main" id="{4F3F7EAA-256B-421E-92FE-47C69384F3AC}"/>
+              </a:ext>
+            </a:extLst>
+          </p:cNvPr>
+          <p:cNvSpPr txBox="1">
+            <a:spLocks/>
+          </p:cNvSpPr>
+          <p:nvPr/>
+        </p:nvSpPr>
+        <p:spPr>
+          <a:xfrm>
+            <a:off x="838200" y="365125"/>
+            <a:ext cx="3507889" cy="1325563"/>
+          </a:xfrm>
+          <a:prstGeom prst="rect">
+            <a:avLst/>
+          </a:prstGeom>
+        </p:spPr>
+        <p:txBody>
+          <a:bodyPr vert="horz" lIns="91440" tIns="45720" rIns="91440" bIns="45720" rtlCol="0" anchor="ctr">
+            <a:normAutofit/>
+          </a:bodyPr>
+          <a:lstStyle>
+            <a:lvl1pPr algn="l" defTabSz="914400" rtl="0" eaLnBrk="1" latinLnBrk="1" hangingPunct="1">
+              <a:lnSpc>
+                <a:spcPct val="90000"/>
+              </a:lnSpc>
+              <a:spcBef>
+                <a:spcPct val="0"/>
+              </a:spcBef>
+              <a:buNone/>
+              <a:defRPr sz="4400" kern="1200">
+                <a:solidFill>
+                  <a:schemeClr val="tx1"/>
+                </a:solidFill>
+                <a:latin typeface="+mj-lt"/>
+                <a:ea typeface="+mj-ea"/>
+                <a:cs typeface="+mj-cs"/>
+              </a:defRPr>
+            </a:lvl1pPr>
+          </a:lstStyle>
+          <a:p>
+            <a:r>
+              <a:rPr lang="en-US" altLang="ko-KR" b="1"/>
+              <a:t>3. </a:t>
+            </a:r>
+            <a:r>
+              <a:rPr lang="ko-KR" altLang="en-US" b="1"/>
+              <a:t>모델 설명</a:t>
+            </a:r>
+            <a:endParaRPr lang="ko-KR" altLang="en-US" b="1" dirty="0"/>
           </a:p>
         </p:txBody>
       </p:sp>
     </p:spTree>
     <p:extLst>
       <p:ext uri="{BB962C8B-B14F-4D97-AF65-F5344CB8AC3E}">
-        <p14:creationId xmlns:p14="http://schemas.microsoft.com/office/powerpoint/2010/main" val="754381718"/>
+        <p14:creationId xmlns:p14="http://schemas.microsoft.com/office/powerpoint/2010/main" val="2647962023"/>
       </p:ext>
     </p:extLst>
   </p:cSld>
@@ -6664,7 +6904,7 @@
           <p:cNvPr id="2" name="제목 1">
             <a:extLst>
               <a:ext uri="{FF2B5EF4-FFF2-40B4-BE49-F238E27FC236}">
-                <a16:creationId xmlns:a16="http://schemas.microsoft.com/office/drawing/2014/main" id="{F6B60E02-6A56-4417-842A-0F0DB5DFEE42}"/>
+                <a16:creationId xmlns:a16="http://schemas.microsoft.com/office/drawing/2014/main" id="{B45850FC-BDC9-4302-AF00-448E18886180}"/>
               </a:ext>
             </a:extLst>
           </p:cNvPr>
@@ -6673,69 +6913,181 @@
           </p:cNvSpPr>
           <p:nvPr>
             <p:ph type="title"/>
+          </p:nvPr>
+        </p:nvSpPr>
+        <p:spPr/>
+        <p:txBody>
+          <a:bodyPr/>
+          <a:lstStyle/>
+          <a:p>
+            <a:r>
+              <a:rPr lang="en-US" altLang="ko-KR" b="1" dirty="0"/>
+              <a:t>4. </a:t>
+            </a:r>
+            <a:r>
+              <a:rPr lang="ko-KR" altLang="en-US" b="1" dirty="0"/>
+              <a:t>모델 테스트</a:t>
+            </a:r>
+          </a:p>
+        </p:txBody>
+      </p:sp>
+      <p:sp>
+        <p:nvSpPr>
+          <p:cNvPr id="3" name="내용 개체 틀 2">
+            <a:extLst>
+              <a:ext uri="{FF2B5EF4-FFF2-40B4-BE49-F238E27FC236}">
+                <a16:creationId xmlns:a16="http://schemas.microsoft.com/office/drawing/2014/main" id="{175EB1B1-061C-4FD9-B74C-6DE311C27B0B}"/>
+              </a:ext>
+            </a:extLst>
+          </p:cNvPr>
+          <p:cNvSpPr>
+            <a:spLocks noGrp="1"/>
+          </p:cNvSpPr>
+          <p:nvPr>
+            <p:ph idx="1"/>
           </p:nvPr>
         </p:nvSpPr>
         <p:spPr>
           <a:xfrm>
-            <a:off x="838200" y="365125"/>
-            <a:ext cx="10515600" cy="1325563"/>
+            <a:off x="838200" y="1699933"/>
+            <a:ext cx="10515600" cy="4351338"/>
           </a:xfrm>
         </p:spPr>
         <p:txBody>
-          <a:bodyPr/>
+          <a:bodyPr>
+            <a:normAutofit fontScale="92500" lnSpcReduction="10000"/>
+          </a:bodyPr>
           <a:lstStyle/>
           <a:p>
-            <a:r>
-              <a:rPr lang="en-US" altLang="ko-KR"/>
-              <a:t>YOLO v3 </a:t>
-            </a:r>
-            <a:r>
-              <a:rPr lang="ko-KR" altLang="en-US"/>
-              <a:t>그래프</a:t>
-            </a:r>
-            <a:endParaRPr lang="ko-KR" altLang="en-US" dirty="0"/>
+            <a:pPr marL="0" indent="0">
+              <a:buNone/>
+            </a:pPr>
+            <a:endParaRPr lang="en-US" altLang="ko-KR" dirty="0"/>
+          </a:p>
+          <a:p>
+            <a:r>
+              <a:rPr lang="ko-KR" altLang="en-US" sz="3000" dirty="0"/>
+              <a:t>테스트 과정에서 필요 파일</a:t>
+            </a:r>
+            <a:endParaRPr lang="en-US" altLang="ko-KR" sz="3000" dirty="0"/>
+          </a:p>
+          <a:p>
+            <a:pPr lvl="1"/>
+            <a:r>
+              <a:rPr lang="en-US" altLang="ko-KR" sz="2600" dirty="0"/>
+              <a:t>Config</a:t>
+            </a:r>
+          </a:p>
+          <a:p>
+            <a:pPr lvl="1"/>
+            <a:r>
+              <a:rPr lang="en-US" altLang="ko-KR" sz="2600" dirty="0"/>
+              <a:t>Weights</a:t>
+            </a:r>
+          </a:p>
+          <a:p>
+            <a:pPr lvl="1"/>
+            <a:r>
+              <a:rPr lang="en-US" altLang="ko-KR" sz="2600" dirty="0"/>
+              <a:t>Classes</a:t>
+            </a:r>
+          </a:p>
+          <a:p>
+            <a:pPr marL="457200" lvl="1" indent="0">
+              <a:buNone/>
+            </a:pPr>
+            <a:r>
+              <a:rPr lang="en-US" altLang="ko-KR" sz="1900" dirty="0"/>
+              <a:t>-&gt; CPU, RAM, SSD, GPU, MOTHERBOARD</a:t>
+            </a:r>
+          </a:p>
+          <a:p>
+            <a:pPr lvl="1"/>
+            <a:endParaRPr lang="en-US" altLang="ko-KR" dirty="0"/>
+          </a:p>
+          <a:p>
+            <a:r>
+              <a:rPr lang="en-US" altLang="ko-KR" sz="3000" dirty="0"/>
+              <a:t>Test Detection</a:t>
+            </a:r>
+          </a:p>
+          <a:p>
+            <a:pPr lvl="1"/>
+            <a:r>
+              <a:rPr lang="en-US" altLang="ko-KR" sz="2600" dirty="0"/>
+              <a:t>OpenCV</a:t>
+            </a:r>
+          </a:p>
+          <a:p>
+            <a:pPr marL="457200" lvl="1" indent="0">
+              <a:buNone/>
+            </a:pPr>
+            <a:r>
+              <a:rPr lang="en-US" altLang="ko-KR" sz="1900" dirty="0"/>
+              <a:t>-&gt; </a:t>
+            </a:r>
+            <a:r>
+              <a:rPr lang="ko-KR" altLang="en-US" sz="1900" dirty="0"/>
+              <a:t>이미지에 학습 모델을 적용</a:t>
+            </a:r>
+            <a:endParaRPr lang="en-US" altLang="ko-KR" sz="1900" dirty="0"/>
+          </a:p>
+          <a:p>
+            <a:pPr lvl="1"/>
+            <a:r>
+              <a:rPr lang="en-US" altLang="ko-KR" sz="2600" dirty="0"/>
+              <a:t>PYQT5</a:t>
+            </a:r>
+          </a:p>
+          <a:p>
+            <a:pPr marL="457200" lvl="1" indent="0">
+              <a:buNone/>
+            </a:pPr>
+            <a:r>
+              <a:rPr lang="en-US" altLang="ko-KR" sz="1900" dirty="0"/>
+              <a:t>-&gt; UI </a:t>
+            </a:r>
+            <a:r>
+              <a:rPr lang="ko-KR" altLang="en-US" sz="1900" dirty="0"/>
+              <a:t>구성</a:t>
+            </a:r>
           </a:p>
         </p:txBody>
       </p:sp>
       <p:pic>
         <p:nvPicPr>
-          <p:cNvPr id="9" name="내용 개체 틀 8">
-            <a:extLst>
-              <a:ext uri="{FF2B5EF4-FFF2-40B4-BE49-F238E27FC236}">
-                <a16:creationId xmlns:a16="http://schemas.microsoft.com/office/drawing/2014/main" id="{46222702-B161-4198-9EBC-848639FB0B8C}"/>
+          <p:cNvPr id="4" name="그림 3">
+            <a:extLst>
+              <a:ext uri="{FF2B5EF4-FFF2-40B4-BE49-F238E27FC236}">
+                <a16:creationId xmlns:a16="http://schemas.microsoft.com/office/drawing/2014/main" id="{1CDB505C-F723-49C9-A4E6-127490CA2CEA}"/>
               </a:ext>
             </a:extLst>
           </p:cNvPr>
           <p:cNvPicPr>
-            <a:picLocks noGrp="1" noChangeAspect="1"/>
+            <a:picLocks noChangeAspect="1"/>
           </p:cNvPicPr>
-          <p:nvPr>
-            <p:ph idx="1"/>
-          </p:nvPr>
+          <p:nvPr/>
         </p:nvPicPr>
         <p:blipFill>
-          <a:blip r:embed="rId2">
-            <a:extLst>
-              <a:ext uri="{28A0092B-C50C-407E-A947-70E740481C1C}">
-                <a14:useLocalDpi xmlns:a14="http://schemas.microsoft.com/office/drawing/2010/main" val="0"/>
-              </a:ext>
-            </a:extLst>
-          </a:blip>
+          <a:blip r:embed="rId2"/>
           <a:stretch>
             <a:fillRect/>
           </a:stretch>
         </p:blipFill>
         <p:spPr>
           <a:xfrm>
-            <a:off x="1725186" y="1690688"/>
-            <a:ext cx="7558287" cy="4351338"/>
+            <a:off x="6622504" y="1690688"/>
+            <a:ext cx="4621091" cy="4173514"/>
           </a:xfrm>
+          <a:prstGeom prst="rect">
+            <a:avLst/>
+          </a:prstGeom>
         </p:spPr>
       </p:pic>
     </p:spTree>
     <p:extLst>
       <p:ext uri="{BB962C8B-B14F-4D97-AF65-F5344CB8AC3E}">
-        <p14:creationId xmlns:p14="http://schemas.microsoft.com/office/powerpoint/2010/main" val="3421136748"/>
+        <p14:creationId xmlns:p14="http://schemas.microsoft.com/office/powerpoint/2010/main" val="2234637163"/>
       </p:ext>
     </p:extLst>
   </p:cSld>

--- a/2. 발표자료/PC조립 헬퍼 최종본.pptx
+++ b/2. 발표자료/PC조립 헬퍼 최종본.pptx
@@ -6218,8 +6218,8 @@
         </p:nvSpPr>
         <p:spPr>
           <a:xfrm>
-            <a:off x="1506520" y="1255046"/>
-            <a:ext cx="5256006" cy="673539"/>
+            <a:off x="1506519" y="1255046"/>
+            <a:ext cx="8265009" cy="673539"/>
           </a:xfrm>
           <a:prstGeom prst="rect">
             <a:avLst/>
@@ -6251,7 +6251,7 @@
           <a:p>
             <a:r>
               <a:rPr lang="en-US" altLang="ko-KR" sz="2400" b="1" dirty="0"/>
-              <a:t>&gt;One-Stage vs Two-Stage</a:t>
+              <a:t>&gt;One-Stage-Detection vs Two-Stage-Detection</a:t>
             </a:r>
             <a:endParaRPr lang="ko-KR" altLang="en-US" sz="2400" dirty="0">
               <a:solidFill>
